--- a/LectureSlides/12_IntroductionToTimeSeriesForecasting.pptx
+++ b/LectureSlides/12_IntroductionToTimeSeriesForecasting.pptx
@@ -14,7 +14,7 @@
     <p:sldId id="262" r:id="rId8"/>
     <p:sldId id="263" r:id="rId9"/>
     <p:sldId id="264" r:id="rId10"/>
-    <p:sldId id="265" r:id="rId11"/>
+    <p:sldId id="341" r:id="rId11"/>
     <p:sldId id="266" r:id="rId12"/>
     <p:sldId id="267" r:id="rId13"/>
     <p:sldId id="268" r:id="rId14"/>
@@ -353,7 +353,7 @@
           <a:p>
             <a:fld id="{241EB5C9-1307-BA42-ABA2-0BC069CD8E7F}" type="datetimeFigureOut">
               <a:rPr lang="en-US" smtClean="0"/>
-              <a:t>11/2/2024</a:t>
+              <a:t>11/5/2024</a:t>
             </a:fld>
             <a:endParaRPr lang="en-US"/>
           </a:p>
@@ -521,7 +521,7 @@
           <a:p>
             <a:fld id="{241EB5C9-1307-BA42-ABA2-0BC069CD8E7F}" type="datetimeFigureOut">
               <a:rPr lang="en-US" smtClean="0"/>
-              <a:t>11/2/2024</a:t>
+              <a:t>11/5/2024</a:t>
             </a:fld>
             <a:endParaRPr lang="en-US"/>
           </a:p>
@@ -699,7 +699,7 @@
           <a:p>
             <a:fld id="{241EB5C9-1307-BA42-ABA2-0BC069CD8E7F}" type="datetimeFigureOut">
               <a:rPr lang="en-US" smtClean="0"/>
-              <a:t>11/2/2024</a:t>
+              <a:t>11/5/2024</a:t>
             </a:fld>
             <a:endParaRPr lang="en-US"/>
           </a:p>
@@ -867,7 +867,7 @@
           <a:p>
             <a:fld id="{241EB5C9-1307-BA42-ABA2-0BC069CD8E7F}" type="datetimeFigureOut">
               <a:rPr lang="en-US" smtClean="0"/>
-              <a:t>11/2/2024</a:t>
+              <a:t>11/5/2024</a:t>
             </a:fld>
             <a:endParaRPr lang="en-US"/>
           </a:p>
@@ -1112,7 +1112,7 @@
           <a:p>
             <a:fld id="{241EB5C9-1307-BA42-ABA2-0BC069CD8E7F}" type="datetimeFigureOut">
               <a:rPr lang="en-US" smtClean="0"/>
-              <a:t>11/2/2024</a:t>
+              <a:t>11/5/2024</a:t>
             </a:fld>
             <a:endParaRPr lang="en-US"/>
           </a:p>
@@ -1397,7 +1397,7 @@
           <a:p>
             <a:fld id="{241EB5C9-1307-BA42-ABA2-0BC069CD8E7F}" type="datetimeFigureOut">
               <a:rPr lang="en-US" smtClean="0"/>
-              <a:t>11/2/2024</a:t>
+              <a:t>11/5/2024</a:t>
             </a:fld>
             <a:endParaRPr lang="en-US"/>
           </a:p>
@@ -1816,7 +1816,7 @@
           <a:p>
             <a:fld id="{241EB5C9-1307-BA42-ABA2-0BC069CD8E7F}" type="datetimeFigureOut">
               <a:rPr lang="en-US" smtClean="0"/>
-              <a:t>11/2/2024</a:t>
+              <a:t>11/5/2024</a:t>
             </a:fld>
             <a:endParaRPr lang="en-US"/>
           </a:p>
@@ -1933,7 +1933,7 @@
           <a:p>
             <a:fld id="{241EB5C9-1307-BA42-ABA2-0BC069CD8E7F}" type="datetimeFigureOut">
               <a:rPr lang="en-US" smtClean="0"/>
-              <a:t>11/2/2024</a:t>
+              <a:t>11/5/2024</a:t>
             </a:fld>
             <a:endParaRPr lang="en-US"/>
           </a:p>
@@ -2028,7 +2028,7 @@
           <a:p>
             <a:fld id="{241EB5C9-1307-BA42-ABA2-0BC069CD8E7F}" type="datetimeFigureOut">
               <a:rPr lang="en-US" smtClean="0"/>
-              <a:t>11/2/2024</a:t>
+              <a:t>11/5/2024</a:t>
             </a:fld>
             <a:endParaRPr lang="en-US"/>
           </a:p>
@@ -2303,7 +2303,7 @@
           <a:p>
             <a:fld id="{241EB5C9-1307-BA42-ABA2-0BC069CD8E7F}" type="datetimeFigureOut">
               <a:rPr lang="en-US" smtClean="0"/>
-              <a:t>11/2/2024</a:t>
+              <a:t>11/5/2024</a:t>
             </a:fld>
             <a:endParaRPr lang="en-US"/>
           </a:p>
@@ -2555,7 +2555,7 @@
           <a:p>
             <a:fld id="{241EB5C9-1307-BA42-ABA2-0BC069CD8E7F}" type="datetimeFigureOut">
               <a:rPr lang="en-US" smtClean="0"/>
-              <a:t>11/2/2024</a:t>
+              <a:t>11/5/2024</a:t>
             </a:fld>
             <a:endParaRPr lang="en-US"/>
           </a:p>
@@ -2766,7 +2766,7 @@
           <a:p>
             <a:fld id="{241EB5C9-1307-BA42-ABA2-0BC069CD8E7F}" type="datetimeFigureOut">
               <a:rPr lang="en-US" smtClean="0"/>
-              <a:t>11/2/2024</a:t>
+              <a:t>11/5/2024</a:t>
             </a:fld>
             <a:endParaRPr lang="en-US"/>
           </a:p>
@@ -3334,7 +3334,13 @@
   <p:cSld>
     <p:spTree>
       <p:nvGrpSpPr>
-        <p:cNvPr id="1" name=""/>
+        <p:cNvPr id="1" name="">
+          <a:extLst>
+            <a:ext uri="{FF2B5EF4-FFF2-40B4-BE49-F238E27FC236}">
+              <a16:creationId xmlns:a16="http://schemas.microsoft.com/office/drawing/2014/main" id="{C7244B00-2CEB-46C2-CD68-A566AB4268B1}"/>
+            </a:ext>
+          </a:extLst>
+        </p:cNvPr>
         <p:cNvGrpSpPr/>
         <p:nvPr/>
       </p:nvGrpSpPr>
@@ -3348,7 +3354,13 @@
       </p:grpSpPr>
       <p:sp>
         <p:nvSpPr>
-          <p:cNvPr id="2" name="Title 1"/>
+          <p:cNvPr id="2" name="Title 1">
+            <a:extLst>
+              <a:ext uri="{FF2B5EF4-FFF2-40B4-BE49-F238E27FC236}">
+                <a16:creationId xmlns:a16="http://schemas.microsoft.com/office/drawing/2014/main" id="{02329D9B-9A58-4CEE-B53F-26AC367888EB}"/>
+              </a:ext>
+            </a:extLst>
+          </p:cNvPr>
           <p:cNvSpPr>
             <a:spLocks noGrp="1"/>
           </p:cNvSpPr>
@@ -3370,166 +3382,22 @@
           </a:p>
         </p:txBody>
       </p:sp>
-      <mc:AlternateContent xmlns:mc="http://schemas.openxmlformats.org/markup-compatibility/2006" xmlns:a14="http://schemas.microsoft.com/office/drawing/2010/main">
-        <mc:Choice Requires="a14">
-          <p:sp>
-            <p:nvSpPr>
-              <p:cNvPr id="3" name="Content Placeholder 2"/>
-              <p:cNvSpPr>
-                <a:spLocks noGrp="1"/>
-              </p:cNvSpPr>
-              <p:nvPr>
-                <p:ph idx="1"/>
-              </p:nvPr>
-            </p:nvSpPr>
-            <p:spPr/>
-            <p:txBody>
-              <a:bodyPr/>
-              <a:lstStyle/>
-              <a:p>
-                <a:pPr marL="0" lvl="0" indent="0">
-                  <a:buNone/>
-                </a:pPr>
-                <a:r>
-                  <a:t>How can we understand the AR model?</a:t>
-                </a:r>
-              </a:p>
-              <a:p>
-                <a:pPr lvl="0"/>
-                <a:r>
-                  <a:t>Consider an AR(2) model</a:t>
-                </a:r>
-                <a:br/>
-                <a:endParaRPr/>
-              </a:p>
-              <a:p>
-                <a:pPr lvl="0"/>
-                <a:r>
-                  <a:t>The value of </a:t>
-                </a:r>
-                <a14:m>
-                  <m:oMath xmlns:m="http://schemas.openxmlformats.org/officeDocument/2006/math">
-                    <m:sSub>
-                      <m:sSubPr>
-                        <m:ctrlPr>
-                          <a:rPr i="1">
-                            <a:latin typeface="Cambria Math" panose="02040503050406030204" pitchFamily="18" charset="0"/>
-                          </a:rPr>
-                        </m:ctrlPr>
-                      </m:sSubPr>
-                      <m:e>
-                        <m:r>
-                          <a:rPr>
-                            <a:latin typeface="Cambria Math" panose="02040503050406030204" pitchFamily="18" charset="0"/>
-                          </a:rPr>
-                          <m:t>𝑦</m:t>
-                        </m:r>
-                      </m:e>
-                      <m:sub>
-                        <m:r>
-                          <a:rPr>
-                            <a:latin typeface="Cambria Math" panose="02040503050406030204" pitchFamily="18" charset="0"/>
-                          </a:rPr>
-                          <m:t>𝑡</m:t>
-                        </m:r>
-                      </m:sub>
-                    </m:sSub>
-                  </m:oMath>
-                </a14:m>
-                <a:r>
-                  <a:t> is a weighted sum of </a:t>
-                </a:r>
-                <a14:m>
-                  <m:oMath xmlns:m="http://schemas.openxmlformats.org/officeDocument/2006/math">
-                    <m:r>
-                      <a:rPr>
-                        <a:latin typeface="Cambria Math" panose="02040503050406030204" pitchFamily="18" charset="0"/>
-                      </a:rPr>
-                      <m:t>𝑘</m:t>
-                    </m:r>
-                  </m:oMath>
-                </a14:m>
-                <a:r>
-                  <a:t> previous values plus an error term</a:t>
-                </a:r>
-              </a:p>
-            </p:txBody>
-          </p:sp>
-        </mc:Choice>
-        <mc:Fallback xmlns="">
-          <p:sp>
-            <p:nvSpPr>
-              <p:cNvPr id="3" name="Content Placeholder 2"/>
-              <p:cNvSpPr>
-                <a:spLocks noGrp="1" noRot="1" noChangeAspect="1" noMove="1" noResize="1" noEditPoints="1" noAdjustHandles="1" noChangeArrowheads="1" noChangeShapeType="1" noTextEdit="1"/>
-              </p:cNvSpPr>
-              <p:nvPr>
-                <p:ph idx="1"/>
-              </p:nvPr>
-            </p:nvSpPr>
-            <p:spPr>
-              <a:blipFill>
-                <a:blip r:embed="rId2"/>
-                <a:stretch>
-                  <a:fillRect l="-1111" t="-1436" r="-1185"/>
-                </a:stretch>
-              </a:blipFill>
-            </p:spPr>
-            <p:txBody>
-              <a:bodyPr/>
-              <a:lstStyle/>
-              <a:p>
-                <a:r>
-                  <a:rPr lang="en-US">
-                    <a:noFill/>
-                  </a:rPr>
-                  <a:t> </a:t>
-                </a:r>
-              </a:p>
-            </p:txBody>
-          </p:sp>
-        </mc:Fallback>
-      </mc:AlternateContent>
-      <p:pic>
-        <p:nvPicPr>
-          <p:cNvPr id="4" name="Picture 1" descr="../images/AR_Model.png"/>
-          <p:cNvPicPr>
-            <a:picLocks noGrp="1" noChangeAspect="1"/>
-          </p:cNvPicPr>
-          <p:nvPr/>
-        </p:nvPicPr>
-        <p:blipFill>
-          <a:blip r:embed="rId3"/>
-          <a:stretch>
-            <a:fillRect/>
-          </a:stretch>
-        </p:blipFill>
-        <p:spPr bwMode="auto">
-          <a:xfrm>
-            <a:off x="457200" y="1244600"/>
-            <a:ext cx="8229600" cy="2768600"/>
-          </a:xfrm>
-          <a:prstGeom prst="rect">
-            <a:avLst/>
-          </a:prstGeom>
-          <a:noFill/>
-          <a:ln w="9525">
-            <a:noFill/>
-            <a:headEnd/>
-            <a:tailEnd/>
-          </a:ln>
-        </p:spPr>
-      </p:pic>
       <p:sp>
         <p:nvSpPr>
-          <p:cNvPr id="5" name="TextBox 3"/>
+          <p:cNvPr id="5" name="TextBox 3">
+            <a:extLst>
+              <a:ext uri="{FF2B5EF4-FFF2-40B4-BE49-F238E27FC236}">
+                <a16:creationId xmlns:a16="http://schemas.microsoft.com/office/drawing/2014/main" id="{281CB2CE-434E-6D66-7DD8-095C63C70C5B}"/>
+              </a:ext>
+            </a:extLst>
+          </p:cNvPr>
           <p:cNvSpPr txBox="1"/>
           <p:nvPr/>
         </p:nvSpPr>
         <p:spPr>
           <a:xfrm>
-            <a:off x="457200" y="4076700"/>
-            <a:ext cx="8229600" cy="508000"/>
+            <a:off x="1999209" y="4229772"/>
+            <a:ext cx="5216236" cy="508000"/>
           </a:xfrm>
           <a:prstGeom prst="rect">
             <a:avLst/>
@@ -3544,13 +3412,1180 @@
               <a:buNone/>
             </a:pPr>
             <a:r>
-              <a:rPr dirty="0"/>
+              <a:rPr sz="2400" dirty="0"/>
               <a:t>Illustration of the AR(2) model</a:t>
             </a:r>
           </a:p>
         </p:txBody>
       </p:sp>
+      <mc:AlternateContent xmlns:mc="http://schemas.openxmlformats.org/markup-compatibility/2006">
+        <mc:Choice xmlns:a14="http://schemas.microsoft.com/office/drawing/2010/main" Requires="a14">
+          <p:sp>
+            <p:nvSpPr>
+              <p:cNvPr id="8" name="Oval 7">
+                <a:extLst>
+                  <a:ext uri="{FF2B5EF4-FFF2-40B4-BE49-F238E27FC236}">
+                    <a16:creationId xmlns:a16="http://schemas.microsoft.com/office/drawing/2014/main" id="{C568DFC0-A3A5-2BB4-9041-C48D1F1F6BC4}"/>
+                  </a:ext>
+                </a:extLst>
+              </p:cNvPr>
+              <p:cNvSpPr/>
+              <p:nvPr/>
+            </p:nvSpPr>
+            <p:spPr>
+              <a:xfrm>
+                <a:off x="6026728" y="2652099"/>
+                <a:ext cx="897774" cy="889462"/>
+              </a:xfrm>
+              <a:prstGeom prst="ellipse">
+                <a:avLst/>
+              </a:prstGeom>
+              <a:noFill/>
+              <a:ln w="19050">
+                <a:solidFill>
+                  <a:schemeClr val="tx1"/>
+                </a:solidFill>
+              </a:ln>
+            </p:spPr>
+            <p:style>
+              <a:lnRef idx="1">
+                <a:schemeClr val="accent1"/>
+              </a:lnRef>
+              <a:fillRef idx="3">
+                <a:schemeClr val="accent1"/>
+              </a:fillRef>
+              <a:effectRef idx="2">
+                <a:schemeClr val="accent1"/>
+              </a:effectRef>
+              <a:fontRef idx="minor">
+                <a:schemeClr val="lt1"/>
+              </a:fontRef>
+            </p:style>
+            <p:txBody>
+              <a:bodyPr rtlCol="0" anchor="ctr"/>
+              <a:lstStyle/>
+              <a:p>
+                <a:pPr algn="ctr"/>
+                <a14:m>
+                  <m:oMathPara xmlns:m="http://schemas.openxmlformats.org/officeDocument/2006/math">
+                    <m:oMathParaPr>
+                      <m:jc m:val="centerGroup"/>
+                    </m:oMathParaPr>
+                    <m:oMath xmlns:m="http://schemas.openxmlformats.org/officeDocument/2006/math">
+                      <m:sSub>
+                        <m:sSubPr>
+                          <m:ctrlPr>
+                            <a:rPr lang="en-US" sz="2400" i="1" smtClean="0">
+                              <a:solidFill>
+                                <a:schemeClr val="tx1"/>
+                              </a:solidFill>
+                              <a:latin typeface="Cambria Math" panose="02040503050406030204" pitchFamily="18" charset="0"/>
+                            </a:rPr>
+                          </m:ctrlPr>
+                        </m:sSubPr>
+                        <m:e>
+                          <m:r>
+                            <a:rPr lang="en-US" sz="2400" b="0" i="1" smtClean="0">
+                              <a:solidFill>
+                                <a:schemeClr val="tx1"/>
+                              </a:solidFill>
+                              <a:latin typeface="Cambria Math" panose="02040503050406030204" pitchFamily="18" charset="0"/>
+                            </a:rPr>
+                            <m:t>𝑦</m:t>
+                          </m:r>
+                        </m:e>
+                        <m:sub>
+                          <m:r>
+                            <a:rPr lang="en-US" sz="2400" b="0" i="1" smtClean="0">
+                              <a:solidFill>
+                                <a:schemeClr val="tx1"/>
+                              </a:solidFill>
+                              <a:latin typeface="Cambria Math" panose="02040503050406030204" pitchFamily="18" charset="0"/>
+                            </a:rPr>
+                            <m:t>𝑡</m:t>
+                          </m:r>
+                        </m:sub>
+                      </m:sSub>
+                    </m:oMath>
+                  </m:oMathPara>
+                </a14:m>
+                <a:endParaRPr lang="en-US" sz="2400" dirty="0"/>
+              </a:p>
+            </p:txBody>
+          </p:sp>
+        </mc:Choice>
+        <mc:Fallback>
+          <p:sp>
+            <p:nvSpPr>
+              <p:cNvPr id="8" name="Oval 7">
+                <a:extLst>
+                  <a:ext uri="{FF2B5EF4-FFF2-40B4-BE49-F238E27FC236}">
+                    <a16:creationId xmlns:a16="http://schemas.microsoft.com/office/drawing/2014/main" id="{C568DFC0-A3A5-2BB4-9041-C48D1F1F6BC4}"/>
+                  </a:ext>
+                </a:extLst>
+              </p:cNvPr>
+              <p:cNvSpPr>
+                <a:spLocks noRot="1" noChangeAspect="1" noMove="1" noResize="1" noEditPoints="1" noAdjustHandles="1" noChangeArrowheads="1" noChangeShapeType="1" noTextEdit="1"/>
+              </p:cNvSpPr>
+              <p:nvPr/>
+            </p:nvSpPr>
+            <p:spPr>
+              <a:xfrm>
+                <a:off x="6026728" y="2652099"/>
+                <a:ext cx="897774" cy="889462"/>
+              </a:xfrm>
+              <a:prstGeom prst="ellipse">
+                <a:avLst/>
+              </a:prstGeom>
+              <a:blipFill>
+                <a:blip r:embed="rId2"/>
+                <a:stretch>
+                  <a:fillRect/>
+                </a:stretch>
+              </a:blipFill>
+              <a:ln w="19050">
+                <a:solidFill>
+                  <a:schemeClr val="tx1"/>
+                </a:solidFill>
+              </a:ln>
+            </p:spPr>
+            <p:txBody>
+              <a:bodyPr/>
+              <a:lstStyle/>
+              <a:p>
+                <a:r>
+                  <a:rPr lang="en-US">
+                    <a:noFill/>
+                  </a:rPr>
+                  <a:t> </a:t>
+                </a:r>
+              </a:p>
+            </p:txBody>
+          </p:sp>
+        </mc:Fallback>
+      </mc:AlternateContent>
+      <mc:AlternateContent xmlns:mc="http://schemas.openxmlformats.org/markup-compatibility/2006">
+        <mc:Choice xmlns:a14="http://schemas.microsoft.com/office/drawing/2010/main" Requires="a14">
+          <p:sp>
+            <p:nvSpPr>
+              <p:cNvPr id="9" name="Oval 8">
+                <a:extLst>
+                  <a:ext uri="{FF2B5EF4-FFF2-40B4-BE49-F238E27FC236}">
+                    <a16:creationId xmlns:a16="http://schemas.microsoft.com/office/drawing/2014/main" id="{89EC6252-0A49-B273-DA59-75626C8E02FC}"/>
+                  </a:ext>
+                </a:extLst>
+              </p:cNvPr>
+              <p:cNvSpPr/>
+              <p:nvPr/>
+            </p:nvSpPr>
+            <p:spPr>
+              <a:xfrm>
+                <a:off x="3610495" y="2652099"/>
+                <a:ext cx="897774" cy="889462"/>
+              </a:xfrm>
+              <a:prstGeom prst="ellipse">
+                <a:avLst/>
+              </a:prstGeom>
+              <a:noFill/>
+              <a:ln w="19050">
+                <a:solidFill>
+                  <a:schemeClr val="tx1"/>
+                </a:solidFill>
+              </a:ln>
+            </p:spPr>
+            <p:style>
+              <a:lnRef idx="1">
+                <a:schemeClr val="accent1"/>
+              </a:lnRef>
+              <a:fillRef idx="3">
+                <a:schemeClr val="accent1"/>
+              </a:fillRef>
+              <a:effectRef idx="2">
+                <a:schemeClr val="accent1"/>
+              </a:effectRef>
+              <a:fontRef idx="minor">
+                <a:schemeClr val="lt1"/>
+              </a:fontRef>
+            </p:style>
+            <p:txBody>
+              <a:bodyPr rtlCol="0" anchor="ctr"/>
+              <a:lstStyle/>
+              <a:p>
+                <a:pPr algn="ctr"/>
+                <a14:m>
+                  <m:oMathPara xmlns:m="http://schemas.openxmlformats.org/officeDocument/2006/math">
+                    <m:oMathParaPr>
+                      <m:jc m:val="centerGroup"/>
+                    </m:oMathParaPr>
+                    <m:oMath xmlns:m="http://schemas.openxmlformats.org/officeDocument/2006/math">
+                      <m:sSub>
+                        <m:sSubPr>
+                          <m:ctrlPr>
+                            <a:rPr lang="en-US" sz="2400" i="1" smtClean="0">
+                              <a:solidFill>
+                                <a:schemeClr val="tx1"/>
+                              </a:solidFill>
+                              <a:latin typeface="Cambria Math" panose="02040503050406030204" pitchFamily="18" charset="0"/>
+                            </a:rPr>
+                          </m:ctrlPr>
+                        </m:sSubPr>
+                        <m:e>
+                          <m:r>
+                            <a:rPr lang="en-US" sz="2400" b="0" i="1" smtClean="0">
+                              <a:solidFill>
+                                <a:schemeClr val="tx1"/>
+                              </a:solidFill>
+                              <a:latin typeface="Cambria Math" panose="02040503050406030204" pitchFamily="18" charset="0"/>
+                            </a:rPr>
+                            <m:t>𝑦</m:t>
+                          </m:r>
+                        </m:e>
+                        <m:sub>
+                          <m:r>
+                            <a:rPr lang="en-US" sz="2400" b="0" i="1" smtClean="0">
+                              <a:solidFill>
+                                <a:schemeClr val="tx1"/>
+                              </a:solidFill>
+                              <a:latin typeface="Cambria Math" panose="02040503050406030204" pitchFamily="18" charset="0"/>
+                            </a:rPr>
+                            <m:t>𝑡</m:t>
+                          </m:r>
+                          <m:r>
+                            <a:rPr lang="en-US" sz="2400" b="0" i="1" smtClean="0">
+                              <a:solidFill>
+                                <a:schemeClr val="tx1"/>
+                              </a:solidFill>
+                              <a:latin typeface="Cambria Math" panose="02040503050406030204" pitchFamily="18" charset="0"/>
+                            </a:rPr>
+                            <m:t>−</m:t>
+                          </m:r>
+                          <m:r>
+                            <a:rPr lang="en-US" sz="2400" b="0" i="1" smtClean="0">
+                              <a:solidFill>
+                                <a:schemeClr val="tx1"/>
+                              </a:solidFill>
+                              <a:latin typeface="Cambria Math" panose="02040503050406030204" pitchFamily="18" charset="0"/>
+                            </a:rPr>
+                            <m:t>1</m:t>
+                          </m:r>
+                        </m:sub>
+                      </m:sSub>
+                    </m:oMath>
+                  </m:oMathPara>
+                </a14:m>
+                <a:endParaRPr lang="en-US" sz="2400" dirty="0"/>
+              </a:p>
+            </p:txBody>
+          </p:sp>
+        </mc:Choice>
+        <mc:Fallback>
+          <p:sp>
+            <p:nvSpPr>
+              <p:cNvPr id="9" name="Oval 8">
+                <a:extLst>
+                  <a:ext uri="{FF2B5EF4-FFF2-40B4-BE49-F238E27FC236}">
+                    <a16:creationId xmlns:a16="http://schemas.microsoft.com/office/drawing/2014/main" id="{89EC6252-0A49-B273-DA59-75626C8E02FC}"/>
+                  </a:ext>
+                </a:extLst>
+              </p:cNvPr>
+              <p:cNvSpPr>
+                <a:spLocks noRot="1" noChangeAspect="1" noMove="1" noResize="1" noEditPoints="1" noAdjustHandles="1" noChangeArrowheads="1" noChangeShapeType="1" noTextEdit="1"/>
+              </p:cNvSpPr>
+              <p:nvPr/>
+            </p:nvSpPr>
+            <p:spPr>
+              <a:xfrm>
+                <a:off x="3610495" y="2652099"/>
+                <a:ext cx="897774" cy="889462"/>
+              </a:xfrm>
+              <a:prstGeom prst="ellipse">
+                <a:avLst/>
+              </a:prstGeom>
+              <a:blipFill>
+                <a:blip r:embed="rId3"/>
+                <a:stretch>
+                  <a:fillRect/>
+                </a:stretch>
+              </a:blipFill>
+              <a:ln w="19050">
+                <a:solidFill>
+                  <a:schemeClr val="tx1"/>
+                </a:solidFill>
+              </a:ln>
+            </p:spPr>
+            <p:txBody>
+              <a:bodyPr/>
+              <a:lstStyle/>
+              <a:p>
+                <a:r>
+                  <a:rPr lang="en-US">
+                    <a:noFill/>
+                  </a:rPr>
+                  <a:t> </a:t>
+                </a:r>
+              </a:p>
+            </p:txBody>
+          </p:sp>
+        </mc:Fallback>
+      </mc:AlternateContent>
+      <mc:AlternateContent xmlns:mc="http://schemas.openxmlformats.org/markup-compatibility/2006">
+        <mc:Choice xmlns:a14="http://schemas.microsoft.com/office/drawing/2010/main" Requires="a14">
+          <p:sp>
+            <p:nvSpPr>
+              <p:cNvPr id="10" name="Oval 9">
+                <a:extLst>
+                  <a:ext uri="{FF2B5EF4-FFF2-40B4-BE49-F238E27FC236}">
+                    <a16:creationId xmlns:a16="http://schemas.microsoft.com/office/drawing/2014/main" id="{9D5E5178-5BE1-68BF-10BA-01FA84D522EB}"/>
+                  </a:ext>
+                </a:extLst>
+              </p:cNvPr>
+              <p:cNvSpPr/>
+              <p:nvPr/>
+            </p:nvSpPr>
+            <p:spPr>
+              <a:xfrm>
+                <a:off x="1194262" y="2652099"/>
+                <a:ext cx="897774" cy="889462"/>
+              </a:xfrm>
+              <a:prstGeom prst="ellipse">
+                <a:avLst/>
+              </a:prstGeom>
+              <a:noFill/>
+              <a:ln w="19050">
+                <a:solidFill>
+                  <a:schemeClr val="tx1"/>
+                </a:solidFill>
+              </a:ln>
+            </p:spPr>
+            <p:style>
+              <a:lnRef idx="1">
+                <a:schemeClr val="accent1"/>
+              </a:lnRef>
+              <a:fillRef idx="3">
+                <a:schemeClr val="accent1"/>
+              </a:fillRef>
+              <a:effectRef idx="2">
+                <a:schemeClr val="accent1"/>
+              </a:effectRef>
+              <a:fontRef idx="minor">
+                <a:schemeClr val="lt1"/>
+              </a:fontRef>
+            </p:style>
+            <p:txBody>
+              <a:bodyPr rtlCol="0" anchor="ctr"/>
+              <a:lstStyle/>
+              <a:p>
+                <a:pPr algn="ctr"/>
+                <a14:m>
+                  <m:oMathPara xmlns:m="http://schemas.openxmlformats.org/officeDocument/2006/math">
+                    <m:oMathParaPr>
+                      <m:jc m:val="centerGroup"/>
+                    </m:oMathParaPr>
+                    <m:oMath xmlns:m="http://schemas.openxmlformats.org/officeDocument/2006/math">
+                      <m:sSub>
+                        <m:sSubPr>
+                          <m:ctrlPr>
+                            <a:rPr lang="en-US" sz="2400" i="1" smtClean="0">
+                              <a:solidFill>
+                                <a:schemeClr val="tx1"/>
+                              </a:solidFill>
+                              <a:latin typeface="Cambria Math" panose="02040503050406030204" pitchFamily="18" charset="0"/>
+                            </a:rPr>
+                          </m:ctrlPr>
+                        </m:sSubPr>
+                        <m:e>
+                          <m:r>
+                            <a:rPr lang="en-US" sz="2400" b="0" i="1" smtClean="0">
+                              <a:solidFill>
+                                <a:schemeClr val="tx1"/>
+                              </a:solidFill>
+                              <a:latin typeface="Cambria Math" panose="02040503050406030204" pitchFamily="18" charset="0"/>
+                            </a:rPr>
+                            <m:t>𝑦</m:t>
+                          </m:r>
+                        </m:e>
+                        <m:sub>
+                          <m:r>
+                            <a:rPr lang="en-US" sz="2400" b="0" i="1" smtClean="0">
+                              <a:solidFill>
+                                <a:schemeClr val="tx1"/>
+                              </a:solidFill>
+                              <a:latin typeface="Cambria Math" panose="02040503050406030204" pitchFamily="18" charset="0"/>
+                            </a:rPr>
+                            <m:t>𝑡</m:t>
+                          </m:r>
+                          <m:r>
+                            <a:rPr lang="en-US" sz="2400" b="0" i="1" smtClean="0">
+                              <a:solidFill>
+                                <a:schemeClr val="tx1"/>
+                              </a:solidFill>
+                              <a:latin typeface="Cambria Math" panose="02040503050406030204" pitchFamily="18" charset="0"/>
+                            </a:rPr>
+                            <m:t>−</m:t>
+                          </m:r>
+                          <m:r>
+                            <a:rPr lang="en-US" sz="2400" b="0" i="1" smtClean="0">
+                              <a:solidFill>
+                                <a:schemeClr val="tx1"/>
+                              </a:solidFill>
+                              <a:latin typeface="Cambria Math" panose="02040503050406030204" pitchFamily="18" charset="0"/>
+                            </a:rPr>
+                            <m:t>2</m:t>
+                          </m:r>
+                        </m:sub>
+                      </m:sSub>
+                    </m:oMath>
+                  </m:oMathPara>
+                </a14:m>
+                <a:endParaRPr lang="en-US" sz="2400" dirty="0"/>
+              </a:p>
+            </p:txBody>
+          </p:sp>
+        </mc:Choice>
+        <mc:Fallback>
+          <p:sp>
+            <p:nvSpPr>
+              <p:cNvPr id="10" name="Oval 9">
+                <a:extLst>
+                  <a:ext uri="{FF2B5EF4-FFF2-40B4-BE49-F238E27FC236}">
+                    <a16:creationId xmlns:a16="http://schemas.microsoft.com/office/drawing/2014/main" id="{9D5E5178-5BE1-68BF-10BA-01FA84D522EB}"/>
+                  </a:ext>
+                </a:extLst>
+              </p:cNvPr>
+              <p:cNvSpPr>
+                <a:spLocks noRot="1" noChangeAspect="1" noMove="1" noResize="1" noEditPoints="1" noAdjustHandles="1" noChangeArrowheads="1" noChangeShapeType="1" noTextEdit="1"/>
+              </p:cNvSpPr>
+              <p:nvPr/>
+            </p:nvSpPr>
+            <p:spPr>
+              <a:xfrm>
+                <a:off x="1194262" y="2652099"/>
+                <a:ext cx="897774" cy="889462"/>
+              </a:xfrm>
+              <a:prstGeom prst="ellipse">
+                <a:avLst/>
+              </a:prstGeom>
+              <a:blipFill>
+                <a:blip r:embed="rId4"/>
+                <a:stretch>
+                  <a:fillRect/>
+                </a:stretch>
+              </a:blipFill>
+              <a:ln w="19050">
+                <a:solidFill>
+                  <a:schemeClr val="tx1"/>
+                </a:solidFill>
+              </a:ln>
+            </p:spPr>
+            <p:txBody>
+              <a:bodyPr/>
+              <a:lstStyle/>
+              <a:p>
+                <a:r>
+                  <a:rPr lang="en-US">
+                    <a:noFill/>
+                  </a:rPr>
+                  <a:t> </a:t>
+                </a:r>
+              </a:p>
+            </p:txBody>
+          </p:sp>
+        </mc:Fallback>
+      </mc:AlternateContent>
+      <mc:AlternateContent xmlns:mc="http://schemas.openxmlformats.org/markup-compatibility/2006">
+        <mc:Choice xmlns:a14="http://schemas.microsoft.com/office/drawing/2010/main" Requires="a14">
+          <p:sp>
+            <p:nvSpPr>
+              <p:cNvPr id="11" name="TextBox 10">
+                <a:extLst>
+                  <a:ext uri="{FF2B5EF4-FFF2-40B4-BE49-F238E27FC236}">
+                    <a16:creationId xmlns:a16="http://schemas.microsoft.com/office/drawing/2014/main" id="{492126E5-77F5-B500-76EF-6AB53D23E0A8}"/>
+                  </a:ext>
+                </a:extLst>
+              </p:cNvPr>
+              <p:cNvSpPr txBox="1"/>
+              <p:nvPr/>
+            </p:nvSpPr>
+            <p:spPr>
+              <a:xfrm>
+                <a:off x="4908665" y="3507971"/>
+                <a:ext cx="3990109" cy="461665"/>
+              </a:xfrm>
+              <a:prstGeom prst="rect">
+                <a:avLst/>
+              </a:prstGeom>
+              <a:noFill/>
+            </p:spPr>
+            <p:txBody>
+              <a:bodyPr wrap="square" rtlCol="0">
+                <a:spAutoFit/>
+              </a:bodyPr>
+              <a:lstStyle/>
+              <a:p>
+                <a14:m>
+                  <m:oMathPara xmlns:m="http://schemas.openxmlformats.org/officeDocument/2006/math">
+                    <m:oMathParaPr>
+                      <m:jc m:val="centerGroup"/>
+                    </m:oMathParaPr>
+                    <m:oMath xmlns:m="http://schemas.openxmlformats.org/officeDocument/2006/math">
+                      <m:sSub>
+                        <m:sSubPr>
+                          <m:ctrlPr>
+                            <a:rPr lang="en-US" sz="2400" i="1" smtClean="0">
+                              <a:latin typeface="Cambria Math" panose="02040503050406030204" pitchFamily="18" charset="0"/>
+                            </a:rPr>
+                          </m:ctrlPr>
+                        </m:sSubPr>
+                        <m:e>
+                          <m:r>
+                            <a:rPr lang="en-US" sz="2400" b="0" i="1" smtClean="0">
+                              <a:latin typeface="Cambria Math" panose="02040503050406030204" pitchFamily="18" charset="0"/>
+                            </a:rPr>
+                            <m:t>𝑦</m:t>
+                          </m:r>
+                        </m:e>
+                        <m:sub>
+                          <m:r>
+                            <a:rPr lang="en-US" sz="2400" b="0" i="1" smtClean="0">
+                              <a:latin typeface="Cambria Math" panose="02040503050406030204" pitchFamily="18" charset="0"/>
+                            </a:rPr>
+                            <m:t>𝑡</m:t>
+                          </m:r>
+                        </m:sub>
+                      </m:sSub>
+                      <m:r>
+                        <a:rPr lang="en-US" sz="2400" b="0" i="1" smtClean="0">
+                          <a:latin typeface="Cambria Math" panose="02040503050406030204" pitchFamily="18" charset="0"/>
+                        </a:rPr>
+                        <m:t>=</m:t>
+                      </m:r>
+                      <m:sSub>
+                        <m:sSubPr>
+                          <m:ctrlPr>
+                            <a:rPr lang="en-US" sz="2400" b="0" i="1" smtClean="0">
+                              <a:latin typeface="Cambria Math" panose="02040503050406030204" pitchFamily="18" charset="0"/>
+                            </a:rPr>
+                          </m:ctrlPr>
+                        </m:sSubPr>
+                        <m:e>
+                          <m:r>
+                            <a:rPr lang="en-US" sz="2400" b="0" i="1" smtClean="0">
+                              <a:latin typeface="Cambria Math" panose="02040503050406030204" pitchFamily="18" charset="0"/>
+                              <a:ea typeface="Cambria Math" panose="02040503050406030204" pitchFamily="18" charset="0"/>
+                            </a:rPr>
+                            <m:t>𝜙</m:t>
+                          </m:r>
+                        </m:e>
+                        <m:sub>
+                          <m:r>
+                            <a:rPr lang="en-US" sz="2400" b="0" i="1" smtClean="0">
+                              <a:latin typeface="Cambria Math" panose="02040503050406030204" pitchFamily="18" charset="0"/>
+                            </a:rPr>
+                            <m:t>1</m:t>
+                          </m:r>
+                        </m:sub>
+                      </m:sSub>
+                      <m:sSub>
+                        <m:sSubPr>
+                          <m:ctrlPr>
+                            <a:rPr lang="en-US" sz="2400" i="1">
+                              <a:latin typeface="Cambria Math" panose="02040503050406030204" pitchFamily="18" charset="0"/>
+                            </a:rPr>
+                          </m:ctrlPr>
+                        </m:sSubPr>
+                        <m:e>
+                          <m:r>
+                            <a:rPr lang="en-US" sz="2400" i="1">
+                              <a:latin typeface="Cambria Math" panose="02040503050406030204" pitchFamily="18" charset="0"/>
+                            </a:rPr>
+                            <m:t>𝑦</m:t>
+                          </m:r>
+                        </m:e>
+                        <m:sub>
+                          <m:r>
+                            <a:rPr lang="en-US" sz="2400" i="1">
+                              <a:latin typeface="Cambria Math" panose="02040503050406030204" pitchFamily="18" charset="0"/>
+                            </a:rPr>
+                            <m:t>𝑡</m:t>
+                          </m:r>
+                          <m:r>
+                            <a:rPr lang="en-US" sz="2400" b="0" i="1" smtClean="0">
+                              <a:latin typeface="Cambria Math" panose="02040503050406030204" pitchFamily="18" charset="0"/>
+                            </a:rPr>
+                            <m:t>−</m:t>
+                          </m:r>
+                          <m:r>
+                            <a:rPr lang="en-US" sz="2400" b="0" i="1" smtClean="0">
+                              <a:latin typeface="Cambria Math" panose="02040503050406030204" pitchFamily="18" charset="0"/>
+                            </a:rPr>
+                            <m:t>1</m:t>
+                          </m:r>
+                        </m:sub>
+                      </m:sSub>
+                      <m:r>
+                        <a:rPr lang="en-US" sz="2400" b="0" i="1" smtClean="0">
+                          <a:latin typeface="Cambria Math" panose="02040503050406030204" pitchFamily="18" charset="0"/>
+                        </a:rPr>
+                        <m:t>+</m:t>
+                      </m:r>
+                      <m:sSub>
+                        <m:sSubPr>
+                          <m:ctrlPr>
+                            <a:rPr lang="en-US" sz="2400" i="1">
+                              <a:latin typeface="Cambria Math" panose="02040503050406030204" pitchFamily="18" charset="0"/>
+                            </a:rPr>
+                          </m:ctrlPr>
+                        </m:sSubPr>
+                        <m:e>
+                          <m:r>
+                            <a:rPr lang="en-US" sz="2400" i="1">
+                              <a:latin typeface="Cambria Math" panose="02040503050406030204" pitchFamily="18" charset="0"/>
+                              <a:ea typeface="Cambria Math" panose="02040503050406030204" pitchFamily="18" charset="0"/>
+                            </a:rPr>
+                            <m:t>𝜙</m:t>
+                          </m:r>
+                        </m:e>
+                        <m:sub>
+                          <m:r>
+                            <a:rPr lang="en-US" sz="2400" b="0" i="1" smtClean="0">
+                              <a:latin typeface="Cambria Math" panose="02040503050406030204" pitchFamily="18" charset="0"/>
+                              <a:ea typeface="Cambria Math" panose="02040503050406030204" pitchFamily="18" charset="0"/>
+                            </a:rPr>
+                            <m:t>2</m:t>
+                          </m:r>
+                        </m:sub>
+                      </m:sSub>
+                      <m:sSub>
+                        <m:sSubPr>
+                          <m:ctrlPr>
+                            <a:rPr lang="en-US" sz="2400" i="1">
+                              <a:latin typeface="Cambria Math" panose="02040503050406030204" pitchFamily="18" charset="0"/>
+                            </a:rPr>
+                          </m:ctrlPr>
+                        </m:sSubPr>
+                        <m:e>
+                          <m:r>
+                            <a:rPr lang="en-US" sz="2400" i="1">
+                              <a:latin typeface="Cambria Math" panose="02040503050406030204" pitchFamily="18" charset="0"/>
+                            </a:rPr>
+                            <m:t>𝑦</m:t>
+                          </m:r>
+                        </m:e>
+                        <m:sub>
+                          <m:r>
+                            <a:rPr lang="en-US" sz="2400" i="1">
+                              <a:latin typeface="Cambria Math" panose="02040503050406030204" pitchFamily="18" charset="0"/>
+                            </a:rPr>
+                            <m:t>𝑡</m:t>
+                          </m:r>
+                          <m:r>
+                            <a:rPr lang="en-US" sz="2400" i="1">
+                              <a:latin typeface="Cambria Math" panose="02040503050406030204" pitchFamily="18" charset="0"/>
+                            </a:rPr>
+                            <m:t>−</m:t>
+                          </m:r>
+                          <m:r>
+                            <a:rPr lang="en-US" sz="2400" b="0" i="1" smtClean="0">
+                              <a:latin typeface="Cambria Math" panose="02040503050406030204" pitchFamily="18" charset="0"/>
+                            </a:rPr>
+                            <m:t>2</m:t>
+                          </m:r>
+                        </m:sub>
+                      </m:sSub>
+                      <m:r>
+                        <a:rPr lang="en-US" sz="2400" i="1">
+                          <a:latin typeface="Cambria Math" panose="02040503050406030204" pitchFamily="18" charset="0"/>
+                        </a:rPr>
+                        <m:t>+</m:t>
+                      </m:r>
+                      <m:sSub>
+                        <m:sSubPr>
+                          <m:ctrlPr>
+                            <a:rPr lang="en-US" sz="2400" b="0" i="1" smtClean="0">
+                              <a:latin typeface="Cambria Math" panose="02040503050406030204" pitchFamily="18" charset="0"/>
+                            </a:rPr>
+                          </m:ctrlPr>
+                        </m:sSubPr>
+                        <m:e>
+                          <m:r>
+                            <a:rPr lang="en-US" sz="2400" b="0" i="1" smtClean="0">
+                              <a:latin typeface="Cambria Math" panose="02040503050406030204" pitchFamily="18" charset="0"/>
+                            </a:rPr>
+                            <m:t>𝑤</m:t>
+                          </m:r>
+                        </m:e>
+                        <m:sub>
+                          <m:r>
+                            <a:rPr lang="en-US" sz="2400" b="0" i="1" smtClean="0">
+                              <a:latin typeface="Cambria Math" panose="02040503050406030204" pitchFamily="18" charset="0"/>
+                            </a:rPr>
+                            <m:t>𝑡</m:t>
+                          </m:r>
+                        </m:sub>
+                      </m:sSub>
+                    </m:oMath>
+                  </m:oMathPara>
+                </a14:m>
+                <a:endParaRPr lang="en-US" sz="2400" dirty="0"/>
+              </a:p>
+            </p:txBody>
+          </p:sp>
+        </mc:Choice>
+        <mc:Fallback>
+          <p:sp>
+            <p:nvSpPr>
+              <p:cNvPr id="11" name="TextBox 10">
+                <a:extLst>
+                  <a:ext uri="{FF2B5EF4-FFF2-40B4-BE49-F238E27FC236}">
+                    <a16:creationId xmlns:a16="http://schemas.microsoft.com/office/drawing/2014/main" id="{492126E5-77F5-B500-76EF-6AB53D23E0A8}"/>
+                  </a:ext>
+                </a:extLst>
+              </p:cNvPr>
+              <p:cNvSpPr txBox="1">
+                <a:spLocks noRot="1" noChangeAspect="1" noMove="1" noResize="1" noEditPoints="1" noAdjustHandles="1" noChangeArrowheads="1" noChangeShapeType="1" noTextEdit="1"/>
+              </p:cNvSpPr>
+              <p:nvPr/>
+            </p:nvSpPr>
+            <p:spPr>
+              <a:xfrm>
+                <a:off x="4908665" y="3507971"/>
+                <a:ext cx="3990109" cy="461665"/>
+              </a:xfrm>
+              <a:prstGeom prst="rect">
+                <a:avLst/>
+              </a:prstGeom>
+              <a:blipFill>
+                <a:blip r:embed="rId5"/>
+                <a:stretch>
+                  <a:fillRect b="-17105"/>
+                </a:stretch>
+              </a:blipFill>
+            </p:spPr>
+            <p:txBody>
+              <a:bodyPr/>
+              <a:lstStyle/>
+              <a:p>
+                <a:r>
+                  <a:rPr lang="en-US">
+                    <a:noFill/>
+                  </a:rPr>
+                  <a:t> </a:t>
+                </a:r>
+              </a:p>
+            </p:txBody>
+          </p:sp>
+        </mc:Fallback>
+      </mc:AlternateContent>
+      <p:sp>
+        <p:nvSpPr>
+          <p:cNvPr id="12" name="Arc 11">
+            <a:extLst>
+              <a:ext uri="{FF2B5EF4-FFF2-40B4-BE49-F238E27FC236}">
+                <a16:creationId xmlns:a16="http://schemas.microsoft.com/office/drawing/2014/main" id="{CA261A37-D446-1975-7807-E06AA0F2032B}"/>
+              </a:ext>
+            </a:extLst>
+          </p:cNvPr>
+          <p:cNvSpPr/>
+          <p:nvPr/>
+        </p:nvSpPr>
+        <p:spPr>
+          <a:xfrm rot="19447016">
+            <a:off x="2947082" y="2404485"/>
+            <a:ext cx="3633691" cy="2727914"/>
+          </a:xfrm>
+          <a:prstGeom prst="arc">
+            <a:avLst/>
+          </a:prstGeom>
+          <a:ln>
+            <a:solidFill>
+              <a:schemeClr val="tx1"/>
+            </a:solidFill>
+            <a:tailEnd type="triangle"/>
+          </a:ln>
+        </p:spPr>
+        <p:style>
+          <a:lnRef idx="2">
+            <a:schemeClr val="accent1"/>
+          </a:lnRef>
+          <a:fillRef idx="0">
+            <a:schemeClr val="accent1"/>
+          </a:fillRef>
+          <a:effectRef idx="1">
+            <a:schemeClr val="accent1"/>
+          </a:effectRef>
+          <a:fontRef idx="minor">
+            <a:schemeClr val="tx1"/>
+          </a:fontRef>
+        </p:style>
+        <p:txBody>
+          <a:bodyPr rtlCol="0" anchor="ctr"/>
+          <a:lstStyle/>
+          <a:p>
+            <a:pPr algn="ctr"/>
+            <a:endParaRPr lang="en-US"/>
+          </a:p>
+        </p:txBody>
+      </p:sp>
+      <p:sp>
+        <p:nvSpPr>
+          <p:cNvPr id="13" name="Arc 12">
+            <a:extLst>
+              <a:ext uri="{FF2B5EF4-FFF2-40B4-BE49-F238E27FC236}">
+                <a16:creationId xmlns:a16="http://schemas.microsoft.com/office/drawing/2014/main" id="{BC041336-9317-47F0-D18B-102BAB19ED85}"/>
+              </a:ext>
+            </a:extLst>
+          </p:cNvPr>
+          <p:cNvSpPr/>
+          <p:nvPr/>
+        </p:nvSpPr>
+        <p:spPr>
+          <a:xfrm rot="19303106">
+            <a:off x="-416122" y="1996665"/>
+            <a:ext cx="7807424" cy="6179435"/>
+          </a:xfrm>
+          <a:prstGeom prst="arc">
+            <a:avLst/>
+          </a:prstGeom>
+          <a:ln>
+            <a:solidFill>
+              <a:schemeClr val="tx1"/>
+            </a:solidFill>
+            <a:tailEnd type="triangle"/>
+          </a:ln>
+        </p:spPr>
+        <p:style>
+          <a:lnRef idx="2">
+            <a:schemeClr val="accent1"/>
+          </a:lnRef>
+          <a:fillRef idx="0">
+            <a:schemeClr val="accent1"/>
+          </a:fillRef>
+          <a:effectRef idx="1">
+            <a:schemeClr val="accent1"/>
+          </a:effectRef>
+          <a:fontRef idx="minor">
+            <a:schemeClr val="tx1"/>
+          </a:fontRef>
+        </p:style>
+        <p:txBody>
+          <a:bodyPr rtlCol="0" anchor="ctr"/>
+          <a:lstStyle/>
+          <a:p>
+            <a:pPr algn="ctr"/>
+            <a:endParaRPr lang="en-US"/>
+          </a:p>
+        </p:txBody>
+      </p:sp>
+      <mc:AlternateContent xmlns:mc="http://schemas.openxmlformats.org/markup-compatibility/2006">
+        <mc:Choice xmlns:a14="http://schemas.microsoft.com/office/drawing/2010/main" Requires="a14">
+          <p:sp>
+            <p:nvSpPr>
+              <p:cNvPr id="14" name="TextBox 13">
+                <a:extLst>
+                  <a:ext uri="{FF2B5EF4-FFF2-40B4-BE49-F238E27FC236}">
+                    <a16:creationId xmlns:a16="http://schemas.microsoft.com/office/drawing/2014/main" id="{DF8A3268-F6E8-8D53-61B4-8E71EDE1400F}"/>
+                  </a:ext>
+                </a:extLst>
+              </p:cNvPr>
+              <p:cNvSpPr txBox="1"/>
+              <p:nvPr/>
+            </p:nvSpPr>
+            <p:spPr>
+              <a:xfrm>
+                <a:off x="4849091" y="2270783"/>
+                <a:ext cx="1201187" cy="461665"/>
+              </a:xfrm>
+              <a:prstGeom prst="rect">
+                <a:avLst/>
+              </a:prstGeom>
+              <a:noFill/>
+            </p:spPr>
+            <p:txBody>
+              <a:bodyPr wrap="square" rtlCol="0">
+                <a:spAutoFit/>
+              </a:bodyPr>
+              <a:lstStyle/>
+              <a:p>
+                <a14:m>
+                  <m:oMathPara xmlns:m="http://schemas.openxmlformats.org/officeDocument/2006/math">
+                    <m:oMathParaPr>
+                      <m:jc m:val="centerGroup"/>
+                    </m:oMathParaPr>
+                    <m:oMath xmlns:m="http://schemas.openxmlformats.org/officeDocument/2006/math">
+                      <m:sSub>
+                        <m:sSubPr>
+                          <m:ctrlPr>
+                            <a:rPr lang="en-US" sz="2400" b="0" i="1" smtClean="0">
+                              <a:latin typeface="Cambria Math" panose="02040503050406030204" pitchFamily="18" charset="0"/>
+                            </a:rPr>
+                          </m:ctrlPr>
+                        </m:sSubPr>
+                        <m:e>
+                          <m:r>
+                            <a:rPr lang="en-US" sz="2400" b="0" i="1" smtClean="0">
+                              <a:latin typeface="Cambria Math" panose="02040503050406030204" pitchFamily="18" charset="0"/>
+                              <a:ea typeface="Cambria Math" panose="02040503050406030204" pitchFamily="18" charset="0"/>
+                            </a:rPr>
+                            <m:t>𝜙</m:t>
+                          </m:r>
+                        </m:e>
+                        <m:sub>
+                          <m:r>
+                            <a:rPr lang="en-US" sz="2400" b="0" i="1" smtClean="0">
+                              <a:latin typeface="Cambria Math" panose="02040503050406030204" pitchFamily="18" charset="0"/>
+                            </a:rPr>
+                            <m:t>1</m:t>
+                          </m:r>
+                        </m:sub>
+                      </m:sSub>
+                      <m:sSub>
+                        <m:sSubPr>
+                          <m:ctrlPr>
+                            <a:rPr lang="en-US" sz="2400" i="1">
+                              <a:latin typeface="Cambria Math" panose="02040503050406030204" pitchFamily="18" charset="0"/>
+                            </a:rPr>
+                          </m:ctrlPr>
+                        </m:sSubPr>
+                        <m:e>
+                          <m:r>
+                            <a:rPr lang="en-US" sz="2400" i="1">
+                              <a:latin typeface="Cambria Math" panose="02040503050406030204" pitchFamily="18" charset="0"/>
+                            </a:rPr>
+                            <m:t>𝑦</m:t>
+                          </m:r>
+                        </m:e>
+                        <m:sub>
+                          <m:r>
+                            <a:rPr lang="en-US" sz="2400" i="1">
+                              <a:latin typeface="Cambria Math" panose="02040503050406030204" pitchFamily="18" charset="0"/>
+                            </a:rPr>
+                            <m:t>𝑡</m:t>
+                          </m:r>
+                          <m:r>
+                            <a:rPr lang="en-US" sz="2400" b="0" i="1" smtClean="0">
+                              <a:latin typeface="Cambria Math" panose="02040503050406030204" pitchFamily="18" charset="0"/>
+                            </a:rPr>
+                            <m:t>−</m:t>
+                          </m:r>
+                          <m:r>
+                            <a:rPr lang="en-US" sz="2400" b="0" i="1" smtClean="0">
+                              <a:latin typeface="Cambria Math" panose="02040503050406030204" pitchFamily="18" charset="0"/>
+                            </a:rPr>
+                            <m:t>1</m:t>
+                          </m:r>
+                        </m:sub>
+                      </m:sSub>
+                    </m:oMath>
+                  </m:oMathPara>
+                </a14:m>
+                <a:endParaRPr lang="en-US" sz="2400" dirty="0"/>
+              </a:p>
+            </p:txBody>
+          </p:sp>
+        </mc:Choice>
+        <mc:Fallback>
+          <p:sp>
+            <p:nvSpPr>
+              <p:cNvPr id="14" name="TextBox 13">
+                <a:extLst>
+                  <a:ext uri="{FF2B5EF4-FFF2-40B4-BE49-F238E27FC236}">
+                    <a16:creationId xmlns:a16="http://schemas.microsoft.com/office/drawing/2014/main" id="{DF8A3268-F6E8-8D53-61B4-8E71EDE1400F}"/>
+                  </a:ext>
+                </a:extLst>
+              </p:cNvPr>
+              <p:cNvSpPr txBox="1">
+                <a:spLocks noRot="1" noChangeAspect="1" noMove="1" noResize="1" noEditPoints="1" noAdjustHandles="1" noChangeArrowheads="1" noChangeShapeType="1" noTextEdit="1"/>
+              </p:cNvSpPr>
+              <p:nvPr/>
+            </p:nvSpPr>
+            <p:spPr>
+              <a:xfrm>
+                <a:off x="4849091" y="2270783"/>
+                <a:ext cx="1201187" cy="461665"/>
+              </a:xfrm>
+              <a:prstGeom prst="rect">
+                <a:avLst/>
+              </a:prstGeom>
+              <a:blipFill>
+                <a:blip r:embed="rId6"/>
+                <a:stretch>
+                  <a:fillRect b="-17333"/>
+                </a:stretch>
+              </a:blipFill>
+            </p:spPr>
+            <p:txBody>
+              <a:bodyPr/>
+              <a:lstStyle/>
+              <a:p>
+                <a:r>
+                  <a:rPr lang="en-US">
+                    <a:noFill/>
+                  </a:rPr>
+                  <a:t> </a:t>
+                </a:r>
+              </a:p>
+            </p:txBody>
+          </p:sp>
+        </mc:Fallback>
+      </mc:AlternateContent>
+      <mc:AlternateContent xmlns:mc="http://schemas.openxmlformats.org/markup-compatibility/2006">
+        <mc:Choice xmlns:a14="http://schemas.microsoft.com/office/drawing/2010/main" Requires="a14">
+          <p:sp>
+            <p:nvSpPr>
+              <p:cNvPr id="15" name="TextBox 14">
+                <a:extLst>
+                  <a:ext uri="{FF2B5EF4-FFF2-40B4-BE49-F238E27FC236}">
+                    <a16:creationId xmlns:a16="http://schemas.microsoft.com/office/drawing/2014/main" id="{5E6D85BD-4480-62D5-0AA9-C18C026E58C2}"/>
+                  </a:ext>
+                </a:extLst>
+              </p:cNvPr>
+              <p:cNvSpPr txBox="1"/>
+              <p:nvPr/>
+            </p:nvSpPr>
+            <p:spPr>
+              <a:xfrm>
+                <a:off x="3713754" y="1650087"/>
+                <a:ext cx="1201187" cy="461665"/>
+              </a:xfrm>
+              <a:prstGeom prst="rect">
+                <a:avLst/>
+              </a:prstGeom>
+              <a:noFill/>
+            </p:spPr>
+            <p:txBody>
+              <a:bodyPr wrap="square" rtlCol="0">
+                <a:spAutoFit/>
+              </a:bodyPr>
+              <a:lstStyle/>
+              <a:p>
+                <a14:m>
+                  <m:oMathPara xmlns:m="http://schemas.openxmlformats.org/officeDocument/2006/math">
+                    <m:oMathParaPr>
+                      <m:jc m:val="centerGroup"/>
+                    </m:oMathParaPr>
+                    <m:oMath xmlns:m="http://schemas.openxmlformats.org/officeDocument/2006/math">
+                      <m:sSub>
+                        <m:sSubPr>
+                          <m:ctrlPr>
+                            <a:rPr lang="en-US" sz="2400" b="0" i="1" smtClean="0">
+                              <a:latin typeface="Cambria Math" panose="02040503050406030204" pitchFamily="18" charset="0"/>
+                            </a:rPr>
+                          </m:ctrlPr>
+                        </m:sSubPr>
+                        <m:e>
+                          <m:r>
+                            <a:rPr lang="en-US" sz="2400" b="0" i="1" smtClean="0">
+                              <a:latin typeface="Cambria Math" panose="02040503050406030204" pitchFamily="18" charset="0"/>
+                              <a:ea typeface="Cambria Math" panose="02040503050406030204" pitchFamily="18" charset="0"/>
+                            </a:rPr>
+                            <m:t>𝜙</m:t>
+                          </m:r>
+                        </m:e>
+                        <m:sub>
+                          <m:r>
+                            <a:rPr lang="en-US" sz="2400" b="0" i="1" smtClean="0">
+                              <a:latin typeface="Cambria Math" panose="02040503050406030204" pitchFamily="18" charset="0"/>
+                            </a:rPr>
+                            <m:t>2</m:t>
+                          </m:r>
+                        </m:sub>
+                      </m:sSub>
+                      <m:sSub>
+                        <m:sSubPr>
+                          <m:ctrlPr>
+                            <a:rPr lang="en-US" sz="2400" i="1">
+                              <a:latin typeface="Cambria Math" panose="02040503050406030204" pitchFamily="18" charset="0"/>
+                            </a:rPr>
+                          </m:ctrlPr>
+                        </m:sSubPr>
+                        <m:e>
+                          <m:r>
+                            <a:rPr lang="en-US" sz="2400" i="1">
+                              <a:latin typeface="Cambria Math" panose="02040503050406030204" pitchFamily="18" charset="0"/>
+                            </a:rPr>
+                            <m:t>𝑦</m:t>
+                          </m:r>
+                        </m:e>
+                        <m:sub>
+                          <m:r>
+                            <a:rPr lang="en-US" sz="2400" i="1">
+                              <a:latin typeface="Cambria Math" panose="02040503050406030204" pitchFamily="18" charset="0"/>
+                            </a:rPr>
+                            <m:t>𝑡</m:t>
+                          </m:r>
+                          <m:r>
+                            <a:rPr lang="en-US" sz="2400" b="0" i="1" smtClean="0">
+                              <a:latin typeface="Cambria Math" panose="02040503050406030204" pitchFamily="18" charset="0"/>
+                            </a:rPr>
+                            <m:t>−</m:t>
+                          </m:r>
+                          <m:r>
+                            <a:rPr lang="en-US" sz="2400" b="0" i="1" smtClean="0">
+                              <a:latin typeface="Cambria Math" panose="02040503050406030204" pitchFamily="18" charset="0"/>
+                            </a:rPr>
+                            <m:t>2</m:t>
+                          </m:r>
+                        </m:sub>
+                      </m:sSub>
+                    </m:oMath>
+                  </m:oMathPara>
+                </a14:m>
+                <a:endParaRPr lang="en-US" sz="2400" dirty="0"/>
+              </a:p>
+            </p:txBody>
+          </p:sp>
+        </mc:Choice>
+        <mc:Fallback>
+          <p:sp>
+            <p:nvSpPr>
+              <p:cNvPr id="15" name="TextBox 14">
+                <a:extLst>
+                  <a:ext uri="{FF2B5EF4-FFF2-40B4-BE49-F238E27FC236}">
+                    <a16:creationId xmlns:a16="http://schemas.microsoft.com/office/drawing/2014/main" id="{5E6D85BD-4480-62D5-0AA9-C18C026E58C2}"/>
+                  </a:ext>
+                </a:extLst>
+              </p:cNvPr>
+              <p:cNvSpPr txBox="1">
+                <a:spLocks noRot="1" noChangeAspect="1" noMove="1" noResize="1" noEditPoints="1" noAdjustHandles="1" noChangeArrowheads="1" noChangeShapeType="1" noTextEdit="1"/>
+              </p:cNvSpPr>
+              <p:nvPr/>
+            </p:nvSpPr>
+            <p:spPr>
+              <a:xfrm>
+                <a:off x="3713754" y="1650087"/>
+                <a:ext cx="1201187" cy="461665"/>
+              </a:xfrm>
+              <a:prstGeom prst="rect">
+                <a:avLst/>
+              </a:prstGeom>
+              <a:blipFill>
+                <a:blip r:embed="rId7"/>
+                <a:stretch>
+                  <a:fillRect b="-17333"/>
+                </a:stretch>
+              </a:blipFill>
+            </p:spPr>
+            <p:txBody>
+              <a:bodyPr/>
+              <a:lstStyle/>
+              <a:p>
+                <a:r>
+                  <a:rPr lang="en-US">
+                    <a:noFill/>
+                  </a:rPr>
+                  <a:t> </a:t>
+                </a:r>
+              </a:p>
+            </p:txBody>
+          </p:sp>
+        </mc:Fallback>
+      </mc:AlternateContent>
     </p:spTree>
+    <p:extLst>
+      <p:ext uri="{BB962C8B-B14F-4D97-AF65-F5344CB8AC3E}">
+        <p14:creationId xmlns:p14="http://schemas.microsoft.com/office/powerpoint/2010/main" val="2176308664"/>
+      </p:ext>
+    </p:extLst>
   </p:cSld>
   <p:clrMapOvr>
     <a:masterClrMapping/>
@@ -3599,8 +4634,8 @@
           </a:p>
         </p:txBody>
       </p:sp>
-      <mc:AlternateContent xmlns:mc="http://schemas.openxmlformats.org/markup-compatibility/2006" xmlns:a14="http://schemas.microsoft.com/office/drawing/2010/main">
-        <mc:Choice Requires="a14">
+      <mc:AlternateContent xmlns:mc="http://schemas.openxmlformats.org/markup-compatibility/2006">
+        <mc:Choice xmlns:a14="http://schemas.microsoft.com/office/drawing/2010/main" Requires="a14">
           <p:sp>
             <p:nvSpPr>
               <p:cNvPr id="3" name="Content Placeholder 2"/>
@@ -3611,10 +4646,15 @@
                 <p:ph idx="1"/>
               </p:nvPr>
             </p:nvSpPr>
-            <p:spPr/>
+            <p:spPr>
+              <a:xfrm>
+                <a:off x="457200" y="1200151"/>
+                <a:ext cx="8229600" cy="3770860"/>
+              </a:xfrm>
+            </p:spPr>
             <p:txBody>
               <a:bodyPr>
-                <a:normAutofit fontScale="70000" lnSpcReduction="20000"/>
+                <a:normAutofit fontScale="85000" lnSpcReduction="10000"/>
               </a:bodyPr>
               <a:lstStyle/>
               <a:p>
@@ -3622,13 +4662,15 @@
                   <a:buNone/>
                 </a:pPr>
                 <a:r>
+                  <a:rPr lang="en-US" dirty="0"/>
                   <a:t>How can we understand the AR model?</a:t>
                 </a:r>
               </a:p>
               <a:p>
                 <a:pPr lvl="0"/>
                 <a:r>
-                  <a:t>Model matrix of AR(2) model</a:t>
+                  <a:rPr lang="en-US" dirty="0"/>
+                  <a:t>Model matrix of AR(3) model</a:t>
                 </a:r>
               </a:p>
               <a:p>
@@ -3642,13 +4684,13 @@
                     </m:oMathParaPr>
                     <m:oMath xmlns:m="http://schemas.openxmlformats.org/officeDocument/2006/math">
                       <m:r>
-                        <a:rPr>
+                        <a:rPr lang="en-US">
                           <a:latin typeface="Cambria Math" panose="02040503050406030204" pitchFamily="18" charset="0"/>
                         </a:rPr>
                         <m:t>𝐴</m:t>
                       </m:r>
                       <m:r>
-                        <a:rPr>
+                        <a:rPr lang="en-US">
                           <a:latin typeface="Cambria Math" panose="02040503050406030204" pitchFamily="18" charset="0"/>
                         </a:rPr>
                         <m:t>=</m:t>
@@ -3658,7 +4700,7 @@
                           <m:begChr m:val="["/>
                           <m:endChr m:val="]"/>
                           <m:ctrlPr>
-                            <a:rPr i="1">
+                            <a:rPr lang="ar-AE" i="1">
                               <a:latin typeface="Cambria Math" panose="02040503050406030204" pitchFamily="18" charset="0"/>
                             </a:rPr>
                           </m:ctrlPr>
@@ -3675,7 +4717,7 @@
                                 </m:mc>
                               </m:mcs>
                               <m:ctrlPr>
-                                <a:rPr i="1">
+                                <a:rPr lang="ar-AE" i="1">
                                   <a:latin typeface="Cambria Math" panose="02040503050406030204" pitchFamily="18" charset="0"/>
                                 </a:rPr>
                               </m:ctrlPr>
@@ -3685,14 +4727,14 @@
                                 <m:sSub>
                                   <m:sSubPr>
                                     <m:ctrlPr>
-                                      <a:rPr i="1">
+                                      <a:rPr lang="ar-AE" i="1">
                                         <a:latin typeface="Cambria Math" panose="02040503050406030204" pitchFamily="18" charset="0"/>
                                       </a:rPr>
                                     </m:ctrlPr>
                                   </m:sSubPr>
                                   <m:e>
                                     <m:r>
-                                      <a:rPr>
+                                      <a:rPr lang="ar-AE">
                                         <a:latin typeface="Cambria Math" panose="02040503050406030204" pitchFamily="18" charset="0"/>
                                       </a:rPr>
                                       <m:t>𝑦</m:t>
@@ -3700,7 +4742,7 @@
                                   </m:e>
                                   <m:sub>
                                     <m:r>
-                                      <a:rPr>
+                                      <a:rPr lang="ar-AE">
                                         <a:latin typeface="Cambria Math" panose="02040503050406030204" pitchFamily="18" charset="0"/>
                                       </a:rPr>
                                       <m:t>𝑡</m:t>
@@ -3708,7 +4750,7 @@
                                   </m:sub>
                                 </m:sSub>
                                 <m:r>
-                                  <a:rPr>
+                                  <a:rPr lang="ar-AE">
                                     <a:latin typeface="Cambria Math" panose="02040503050406030204" pitchFamily="18" charset="0"/>
                                   </a:rPr>
                                   <m:t>, </m:t>
@@ -3716,14 +4758,14 @@
                                 <m:sSub>
                                   <m:sSubPr>
                                     <m:ctrlPr>
-                                      <a:rPr i="1">
+                                      <a:rPr lang="ar-AE" i="1">
                                         <a:latin typeface="Cambria Math" panose="02040503050406030204" pitchFamily="18" charset="0"/>
                                       </a:rPr>
                                     </m:ctrlPr>
                                   </m:sSubPr>
                                   <m:e>
                                     <m:r>
-                                      <a:rPr>
+                                      <a:rPr lang="ar-AE">
                                         <a:latin typeface="Cambria Math" panose="02040503050406030204" pitchFamily="18" charset="0"/>
                                       </a:rPr>
                                       <m:t>𝑦</m:t>
@@ -3731,19 +4773,19 @@
                                   </m:e>
                                   <m:sub>
                                     <m:r>
-                                      <a:rPr>
+                                      <a:rPr lang="ar-AE">
                                         <a:latin typeface="Cambria Math" panose="02040503050406030204" pitchFamily="18" charset="0"/>
                                       </a:rPr>
                                       <m:t>𝑡</m:t>
                                     </m:r>
                                     <m:r>
-                                      <a:rPr>
+                                      <a:rPr lang="ar-AE">
                                         <a:latin typeface="Cambria Math" panose="02040503050406030204" pitchFamily="18" charset="0"/>
                                       </a:rPr>
                                       <m:t>−</m:t>
                                     </m:r>
                                     <m:r>
-                                      <a:rPr>
+                                      <a:rPr lang="ar-AE">
                                         <a:latin typeface="Cambria Math" panose="02040503050406030204" pitchFamily="18" charset="0"/>
                                       </a:rPr>
                                       <m:t>1</m:t>
@@ -3751,7 +4793,7 @@
                                   </m:sub>
                                 </m:sSub>
                                 <m:r>
-                                  <a:rPr>
+                                  <a:rPr lang="ar-AE">
                                     <a:latin typeface="Cambria Math" panose="02040503050406030204" pitchFamily="18" charset="0"/>
                                   </a:rPr>
                                   <m:t>, </m:t>
@@ -3759,14 +4801,14 @@
                                 <m:sSub>
                                   <m:sSubPr>
                                     <m:ctrlPr>
-                                      <a:rPr i="1">
+                                      <a:rPr lang="ar-AE" i="1">
                                         <a:latin typeface="Cambria Math" panose="02040503050406030204" pitchFamily="18" charset="0"/>
                                       </a:rPr>
                                     </m:ctrlPr>
                                   </m:sSubPr>
                                   <m:e>
                                     <m:r>
-                                      <a:rPr>
+                                      <a:rPr lang="ar-AE">
                                         <a:latin typeface="Cambria Math" panose="02040503050406030204" pitchFamily="18" charset="0"/>
                                       </a:rPr>
                                       <m:t>𝑦</m:t>
@@ -3774,19 +4816,19 @@
                                   </m:e>
                                   <m:sub>
                                     <m:r>
-                                      <a:rPr>
+                                      <a:rPr lang="ar-AE">
                                         <a:latin typeface="Cambria Math" panose="02040503050406030204" pitchFamily="18" charset="0"/>
                                       </a:rPr>
                                       <m:t>𝑡</m:t>
                                     </m:r>
                                     <m:r>
-                                      <a:rPr>
+                                      <a:rPr lang="ar-AE">
                                         <a:latin typeface="Cambria Math" panose="02040503050406030204" pitchFamily="18" charset="0"/>
                                       </a:rPr>
                                       <m:t>−</m:t>
                                     </m:r>
                                     <m:r>
-                                      <a:rPr>
+                                      <a:rPr lang="ar-AE">
                                         <a:latin typeface="Cambria Math" panose="02040503050406030204" pitchFamily="18" charset="0"/>
                                       </a:rPr>
                                       <m:t>2</m:t>
@@ -3800,14 +4842,14 @@
                                 <m:sSub>
                                   <m:sSubPr>
                                     <m:ctrlPr>
-                                      <a:rPr i="1">
+                                      <a:rPr lang="ar-AE" i="1">
                                         <a:latin typeface="Cambria Math" panose="02040503050406030204" pitchFamily="18" charset="0"/>
                                       </a:rPr>
                                     </m:ctrlPr>
                                   </m:sSubPr>
                                   <m:e>
                                     <m:r>
-                                      <a:rPr>
+                                      <a:rPr lang="ar-AE">
                                         <a:latin typeface="Cambria Math" panose="02040503050406030204" pitchFamily="18" charset="0"/>
                                       </a:rPr>
                                       <m:t>𝑦</m:t>
@@ -3815,19 +4857,19 @@
                                   </m:e>
                                   <m:sub>
                                     <m:r>
-                                      <a:rPr>
+                                      <a:rPr lang="ar-AE">
                                         <a:latin typeface="Cambria Math" panose="02040503050406030204" pitchFamily="18" charset="0"/>
                                       </a:rPr>
                                       <m:t>𝑡</m:t>
                                     </m:r>
                                     <m:r>
-                                      <a:rPr>
+                                      <a:rPr lang="ar-AE">
                                         <a:latin typeface="Cambria Math" panose="02040503050406030204" pitchFamily="18" charset="0"/>
                                       </a:rPr>
                                       <m:t>−</m:t>
                                     </m:r>
                                     <m:r>
-                                      <a:rPr>
+                                      <a:rPr lang="ar-AE">
                                         <a:latin typeface="Cambria Math" panose="02040503050406030204" pitchFamily="18" charset="0"/>
                                       </a:rPr>
                                       <m:t>1</m:t>
@@ -3835,7 +4877,7 @@
                                   </m:sub>
                                 </m:sSub>
                                 <m:r>
-                                  <a:rPr>
+                                  <a:rPr lang="ar-AE">
                                     <a:latin typeface="Cambria Math" panose="02040503050406030204" pitchFamily="18" charset="0"/>
                                   </a:rPr>
                                   <m:t>, </m:t>
@@ -3843,14 +4885,14 @@
                                 <m:sSub>
                                   <m:sSubPr>
                                     <m:ctrlPr>
-                                      <a:rPr i="1">
+                                      <a:rPr lang="ar-AE" i="1">
                                         <a:latin typeface="Cambria Math" panose="02040503050406030204" pitchFamily="18" charset="0"/>
                                       </a:rPr>
                                     </m:ctrlPr>
                                   </m:sSubPr>
                                   <m:e>
                                     <m:r>
-                                      <a:rPr>
+                                      <a:rPr lang="ar-AE">
                                         <a:latin typeface="Cambria Math" panose="02040503050406030204" pitchFamily="18" charset="0"/>
                                       </a:rPr>
                                       <m:t>𝑦</m:t>
@@ -3858,19 +4900,19 @@
                                   </m:e>
                                   <m:sub>
                                     <m:r>
-                                      <a:rPr>
+                                      <a:rPr lang="ar-AE">
                                         <a:latin typeface="Cambria Math" panose="02040503050406030204" pitchFamily="18" charset="0"/>
                                       </a:rPr>
                                       <m:t>𝑡</m:t>
                                     </m:r>
                                     <m:r>
-                                      <a:rPr>
+                                      <a:rPr lang="ar-AE">
                                         <a:latin typeface="Cambria Math" panose="02040503050406030204" pitchFamily="18" charset="0"/>
                                       </a:rPr>
                                       <m:t>−</m:t>
                                     </m:r>
                                     <m:r>
-                                      <a:rPr>
+                                      <a:rPr lang="ar-AE">
                                         <a:latin typeface="Cambria Math" panose="02040503050406030204" pitchFamily="18" charset="0"/>
                                       </a:rPr>
                                       <m:t>2</m:t>
@@ -3878,7 +4920,7 @@
                                   </m:sub>
                                 </m:sSub>
                                 <m:r>
-                                  <a:rPr>
+                                  <a:rPr lang="ar-AE">
                                     <a:latin typeface="Cambria Math" panose="02040503050406030204" pitchFamily="18" charset="0"/>
                                   </a:rPr>
                                   <m:t>, </m:t>
@@ -3886,14 +4928,14 @@
                                 <m:sSub>
                                   <m:sSubPr>
                                     <m:ctrlPr>
-                                      <a:rPr i="1">
+                                      <a:rPr lang="ar-AE" i="1">
                                         <a:latin typeface="Cambria Math" panose="02040503050406030204" pitchFamily="18" charset="0"/>
                                       </a:rPr>
                                     </m:ctrlPr>
                                   </m:sSubPr>
                                   <m:e>
                                     <m:r>
-                                      <a:rPr>
+                                      <a:rPr lang="ar-AE">
                                         <a:latin typeface="Cambria Math" panose="02040503050406030204" pitchFamily="18" charset="0"/>
                                       </a:rPr>
                                       <m:t>𝑦</m:t>
@@ -3901,19 +4943,19 @@
                                   </m:e>
                                   <m:sub>
                                     <m:r>
-                                      <a:rPr>
+                                      <a:rPr lang="ar-AE">
                                         <a:latin typeface="Cambria Math" panose="02040503050406030204" pitchFamily="18" charset="0"/>
                                       </a:rPr>
                                       <m:t>𝑡</m:t>
                                     </m:r>
                                     <m:r>
-                                      <a:rPr>
+                                      <a:rPr lang="ar-AE">
                                         <a:latin typeface="Cambria Math" panose="02040503050406030204" pitchFamily="18" charset="0"/>
                                       </a:rPr>
                                       <m:t>−</m:t>
                                     </m:r>
                                     <m:r>
-                                      <a:rPr>
+                                      <a:rPr lang="ar-AE">
                                         <a:latin typeface="Cambria Math" panose="02040503050406030204" pitchFamily="18" charset="0"/>
                                       </a:rPr>
                                       <m:t>3</m:t>
@@ -3927,14 +4969,14 @@
                                 <m:sSub>
                                   <m:sSubPr>
                                     <m:ctrlPr>
-                                      <a:rPr i="1">
+                                      <a:rPr lang="ar-AE" i="1">
                                         <a:latin typeface="Cambria Math" panose="02040503050406030204" pitchFamily="18" charset="0"/>
                                       </a:rPr>
                                     </m:ctrlPr>
                                   </m:sSubPr>
                                   <m:e>
                                     <m:r>
-                                      <a:rPr>
+                                      <a:rPr lang="ar-AE">
                                         <a:latin typeface="Cambria Math" panose="02040503050406030204" pitchFamily="18" charset="0"/>
                                       </a:rPr>
                                       <m:t>𝑦</m:t>
@@ -3942,19 +4984,19 @@
                                   </m:e>
                                   <m:sub>
                                     <m:r>
-                                      <a:rPr>
+                                      <a:rPr lang="ar-AE">
                                         <a:latin typeface="Cambria Math" panose="02040503050406030204" pitchFamily="18" charset="0"/>
                                       </a:rPr>
                                       <m:t>𝑡</m:t>
                                     </m:r>
                                     <m:r>
-                                      <a:rPr>
+                                      <a:rPr lang="ar-AE">
                                         <a:latin typeface="Cambria Math" panose="02040503050406030204" pitchFamily="18" charset="0"/>
                                       </a:rPr>
                                       <m:t>−</m:t>
                                     </m:r>
                                     <m:r>
-                                      <a:rPr>
+                                      <a:rPr lang="ar-AE">
                                         <a:latin typeface="Cambria Math" panose="02040503050406030204" pitchFamily="18" charset="0"/>
                                       </a:rPr>
                                       <m:t>2</m:t>
@@ -3962,7 +5004,7 @@
                                   </m:sub>
                                 </m:sSub>
                                 <m:r>
-                                  <a:rPr>
+                                  <a:rPr lang="ar-AE">
                                     <a:latin typeface="Cambria Math" panose="02040503050406030204" pitchFamily="18" charset="0"/>
                                   </a:rPr>
                                   <m:t>, </m:t>
@@ -3970,14 +5012,14 @@
                                 <m:sSub>
                                   <m:sSubPr>
                                     <m:ctrlPr>
-                                      <a:rPr i="1">
+                                      <a:rPr lang="ar-AE" i="1">
                                         <a:latin typeface="Cambria Math" panose="02040503050406030204" pitchFamily="18" charset="0"/>
                                       </a:rPr>
                                     </m:ctrlPr>
                                   </m:sSubPr>
                                   <m:e>
                                     <m:r>
-                                      <a:rPr>
+                                      <a:rPr lang="ar-AE">
                                         <a:latin typeface="Cambria Math" panose="02040503050406030204" pitchFamily="18" charset="0"/>
                                       </a:rPr>
                                       <m:t>𝑦</m:t>
@@ -3985,19 +5027,19 @@
                                   </m:e>
                                   <m:sub>
                                     <m:r>
-                                      <a:rPr>
+                                      <a:rPr lang="ar-AE">
                                         <a:latin typeface="Cambria Math" panose="02040503050406030204" pitchFamily="18" charset="0"/>
                                       </a:rPr>
                                       <m:t>𝑡</m:t>
                                     </m:r>
                                     <m:r>
-                                      <a:rPr>
+                                      <a:rPr lang="ar-AE">
                                         <a:latin typeface="Cambria Math" panose="02040503050406030204" pitchFamily="18" charset="0"/>
                                       </a:rPr>
                                       <m:t>−</m:t>
                                     </m:r>
                                     <m:r>
-                                      <a:rPr>
+                                      <a:rPr lang="ar-AE">
                                         <a:latin typeface="Cambria Math" panose="02040503050406030204" pitchFamily="18" charset="0"/>
                                       </a:rPr>
                                       <m:t>3</m:t>
@@ -4005,7 +5047,7 @@
                                   </m:sub>
                                 </m:sSub>
                                 <m:r>
-                                  <a:rPr>
+                                  <a:rPr lang="ar-AE">
                                     <a:latin typeface="Cambria Math" panose="02040503050406030204" pitchFamily="18" charset="0"/>
                                   </a:rPr>
                                   <m:t>, </m:t>
@@ -4013,14 +5055,14 @@
                                 <m:sSub>
                                   <m:sSubPr>
                                     <m:ctrlPr>
-                                      <a:rPr i="1">
+                                      <a:rPr lang="ar-AE" i="1">
                                         <a:latin typeface="Cambria Math" panose="02040503050406030204" pitchFamily="18" charset="0"/>
                                       </a:rPr>
                                     </m:ctrlPr>
                                   </m:sSubPr>
                                   <m:e>
                                     <m:r>
-                                      <a:rPr>
+                                      <a:rPr lang="ar-AE">
                                         <a:latin typeface="Cambria Math" panose="02040503050406030204" pitchFamily="18" charset="0"/>
                                       </a:rPr>
                                       <m:t>𝑦</m:t>
@@ -4028,19 +5070,19 @@
                                   </m:e>
                                   <m:sub>
                                     <m:r>
-                                      <a:rPr>
+                                      <a:rPr lang="ar-AE">
                                         <a:latin typeface="Cambria Math" panose="02040503050406030204" pitchFamily="18" charset="0"/>
                                       </a:rPr>
                                       <m:t>𝑡</m:t>
                                     </m:r>
                                     <m:r>
-                                      <a:rPr>
+                                      <a:rPr lang="ar-AE">
                                         <a:latin typeface="Cambria Math" panose="02040503050406030204" pitchFamily="18" charset="0"/>
                                       </a:rPr>
                                       <m:t>−</m:t>
                                     </m:r>
                                     <m:r>
-                                      <a:rPr>
+                                      <a:rPr lang="ar-AE">
                                         <a:latin typeface="Cambria Math" panose="02040503050406030204" pitchFamily="18" charset="0"/>
                                       </a:rPr>
                                       <m:t>4</m:t>
@@ -4052,7 +5094,7 @@
                             <m:mr>
                               <m:e>
                                 <m:r>
-                                  <a:rPr>
+                                  <a:rPr lang="ar-AE">
                                     <a:latin typeface="Cambria Math" panose="02040503050406030204" pitchFamily="18" charset="0"/>
                                   </a:rPr>
                                   <m:t>⋮,     ⋮,     ⋮</m:t>
@@ -4064,14 +5106,14 @@
                                 <m:sSub>
                                   <m:sSubPr>
                                     <m:ctrlPr>
-                                      <a:rPr i="1">
+                                      <a:rPr lang="ar-AE" i="1">
                                         <a:latin typeface="Cambria Math" panose="02040503050406030204" pitchFamily="18" charset="0"/>
                                       </a:rPr>
                                     </m:ctrlPr>
                                   </m:sSubPr>
                                   <m:e>
                                     <m:r>
-                                      <a:rPr>
+                                      <a:rPr lang="ar-AE">
                                         <a:latin typeface="Cambria Math" panose="02040503050406030204" pitchFamily="18" charset="0"/>
                                       </a:rPr>
                                       <m:t>𝑦</m:t>
@@ -4079,7 +5121,7 @@
                                   </m:e>
                                   <m:sub>
                                     <m:r>
-                                      <a:rPr>
+                                      <a:rPr lang="ar-AE">
                                         <a:latin typeface="Cambria Math" panose="02040503050406030204" pitchFamily="18" charset="0"/>
                                       </a:rPr>
                                       <m:t>2</m:t>
@@ -4087,7 +5129,7 @@
                                   </m:sub>
                                 </m:sSub>
                                 <m:r>
-                                  <a:rPr>
+                                  <a:rPr lang="ar-AE">
                                     <a:latin typeface="Cambria Math" panose="02040503050406030204" pitchFamily="18" charset="0"/>
                                   </a:rPr>
                                   <m:t>,    </m:t>
@@ -4095,14 +5137,14 @@
                                 <m:sSub>
                                   <m:sSubPr>
                                     <m:ctrlPr>
-                                      <a:rPr i="1">
+                                      <a:rPr lang="ar-AE" i="1">
                                         <a:latin typeface="Cambria Math" panose="02040503050406030204" pitchFamily="18" charset="0"/>
                                       </a:rPr>
                                     </m:ctrlPr>
                                   </m:sSubPr>
                                   <m:e>
                                     <m:r>
-                                      <a:rPr>
+                                      <a:rPr lang="ar-AE">
                                         <a:latin typeface="Cambria Math" panose="02040503050406030204" pitchFamily="18" charset="0"/>
                                       </a:rPr>
                                       <m:t>𝑦</m:t>
@@ -4110,7 +5152,7 @@
                                   </m:e>
                                   <m:sub>
                                     <m:r>
-                                      <a:rPr>
+                                      <a:rPr lang="ar-AE">
                                         <a:latin typeface="Cambria Math" panose="02040503050406030204" pitchFamily="18" charset="0"/>
                                       </a:rPr>
                                       <m:t>1</m:t>
@@ -4118,7 +5160,7 @@
                                   </m:sub>
                                 </m:sSub>
                                 <m:r>
-                                  <a:rPr>
+                                  <a:rPr lang="ar-AE">
                                     <a:latin typeface="Cambria Math" panose="02040503050406030204" pitchFamily="18" charset="0"/>
                                   </a:rPr>
                                   <m:t>,    </m:t>
@@ -4126,14 +5168,14 @@
                                 <m:sSub>
                                   <m:sSubPr>
                                     <m:ctrlPr>
-                                      <a:rPr i="1">
+                                      <a:rPr lang="ar-AE" i="1">
                                         <a:latin typeface="Cambria Math" panose="02040503050406030204" pitchFamily="18" charset="0"/>
                                       </a:rPr>
                                     </m:ctrlPr>
                                   </m:sSubPr>
                                   <m:e>
                                     <m:r>
-                                      <a:rPr>
+                                      <a:rPr lang="ar-AE">
                                         <a:latin typeface="Cambria Math" panose="02040503050406030204" pitchFamily="18" charset="0"/>
                                       </a:rPr>
                                       <m:t>𝑦</m:t>
@@ -4141,7 +5183,7 @@
                                   </m:e>
                                   <m:sub>
                                     <m:r>
-                                      <a:rPr>
+                                      <a:rPr lang="ar-AE">
                                         <a:latin typeface="Cambria Math" panose="02040503050406030204" pitchFamily="18" charset="0"/>
                                       </a:rPr>
                                       <m:t>0</m:t>
@@ -4155,14 +5197,14 @@
                                 <m:sSub>
                                   <m:sSubPr>
                                     <m:ctrlPr>
-                                      <a:rPr i="1">
+                                      <a:rPr lang="ar-AE" i="1">
                                         <a:latin typeface="Cambria Math" panose="02040503050406030204" pitchFamily="18" charset="0"/>
                                       </a:rPr>
                                     </m:ctrlPr>
                                   </m:sSubPr>
                                   <m:e>
                                     <m:r>
-                                      <a:rPr>
+                                      <a:rPr lang="ar-AE">
                                         <a:latin typeface="Cambria Math" panose="02040503050406030204" pitchFamily="18" charset="0"/>
                                       </a:rPr>
                                       <m:t>𝑦</m:t>
@@ -4170,7 +5212,7 @@
                                   </m:e>
                                   <m:sub>
                                     <m:r>
-                                      <a:rPr>
+                                      <a:rPr lang="ar-AE">
                                         <a:latin typeface="Cambria Math" panose="02040503050406030204" pitchFamily="18" charset="0"/>
                                       </a:rPr>
                                       <m:t>1</m:t>
@@ -4178,7 +5220,7 @@
                                   </m:sub>
                                 </m:sSub>
                                 <m:r>
-                                  <a:rPr>
+                                  <a:rPr lang="ar-AE">
                                     <a:latin typeface="Cambria Math" panose="02040503050406030204" pitchFamily="18" charset="0"/>
                                   </a:rPr>
                                   <m:t>,    </m:t>
@@ -4186,14 +5228,14 @@
                                 <m:sSub>
                                   <m:sSubPr>
                                     <m:ctrlPr>
-                                      <a:rPr i="1">
+                                      <a:rPr lang="ar-AE" i="1">
                                         <a:latin typeface="Cambria Math" panose="02040503050406030204" pitchFamily="18" charset="0"/>
                                       </a:rPr>
                                     </m:ctrlPr>
                                   </m:sSubPr>
                                   <m:e>
                                     <m:r>
-                                      <a:rPr>
+                                      <a:rPr lang="ar-AE">
                                         <a:latin typeface="Cambria Math" panose="02040503050406030204" pitchFamily="18" charset="0"/>
                                       </a:rPr>
                                       <m:t>𝑦</m:t>
@@ -4201,7 +5243,7 @@
                                   </m:e>
                                   <m:sub>
                                     <m:r>
-                                      <a:rPr>
+                                      <a:rPr lang="ar-AE">
                                         <a:latin typeface="Cambria Math" panose="02040503050406030204" pitchFamily="18" charset="0"/>
                                       </a:rPr>
                                       <m:t>0</m:t>
@@ -4209,13 +5251,13 @@
                                   </m:sub>
                                 </m:sSub>
                                 <m:r>
-                                  <a:rPr>
+                                  <a:rPr lang="ar-AE">
                                     <a:latin typeface="Cambria Math" panose="02040503050406030204" pitchFamily="18" charset="0"/>
                                   </a:rPr>
                                   <m:t>    </m:t>
                                 </m:r>
                                 <m:r>
-                                  <a:rPr>
+                                  <a:rPr lang="ar-AE">
                                     <a:latin typeface="Cambria Math" panose="02040503050406030204" pitchFamily="18" charset="0"/>
                                   </a:rPr>
                                   <m:t>0</m:t>
@@ -4227,14 +5269,14 @@
                                 <m:sSub>
                                   <m:sSubPr>
                                     <m:ctrlPr>
-                                      <a:rPr i="1">
+                                      <a:rPr lang="ar-AE" i="1">
                                         <a:latin typeface="Cambria Math" panose="02040503050406030204" pitchFamily="18" charset="0"/>
                                       </a:rPr>
                                     </m:ctrlPr>
                                   </m:sSubPr>
                                   <m:e>
                                     <m:r>
-                                      <a:rPr>
+                                      <a:rPr lang="ar-AE">
                                         <a:latin typeface="Cambria Math" panose="02040503050406030204" pitchFamily="18" charset="0"/>
                                       </a:rPr>
                                       <m:t>𝑦</m:t>
@@ -4242,7 +5284,7 @@
                                   </m:e>
                                   <m:sub>
                                     <m:r>
-                                      <a:rPr>
+                                      <a:rPr lang="ar-AE">
                                         <a:latin typeface="Cambria Math" panose="02040503050406030204" pitchFamily="18" charset="0"/>
                                       </a:rPr>
                                       <m:t>0</m:t>
@@ -4250,25 +5292,25 @@
                                   </m:sub>
                                 </m:sSub>
                                 <m:r>
-                                  <a:rPr>
+                                  <a:rPr lang="ar-AE">
                                     <a:latin typeface="Cambria Math" panose="02040503050406030204" pitchFamily="18" charset="0"/>
                                   </a:rPr>
                                   <m:t>,    </m:t>
                                 </m:r>
                                 <m:r>
-                                  <a:rPr>
+                                  <a:rPr lang="ar-AE">
                                     <a:latin typeface="Cambria Math" panose="02040503050406030204" pitchFamily="18" charset="0"/>
                                   </a:rPr>
                                   <m:t>0</m:t>
                                 </m:r>
                                 <m:r>
-                                  <a:rPr>
+                                  <a:rPr lang="ar-AE">
                                     <a:latin typeface="Cambria Math" panose="02040503050406030204" pitchFamily="18" charset="0"/>
                                   </a:rPr>
                                   <m:t>,    </m:t>
                                 </m:r>
                                 <m:r>
-                                  <a:rPr>
+                                  <a:rPr lang="ar-AE">
                                     <a:latin typeface="Cambria Math" panose="02040503050406030204" pitchFamily="18" charset="0"/>
                                   </a:rPr>
                                   <m:t>0</m:t>
@@ -4281,33 +5323,35 @@
                     </m:oMath>
                   </m:oMathPara>
                 </a14:m>
-                <a:endParaRPr/>
+                <a:endParaRPr lang="ar-AE" dirty="0"/>
               </a:p>
               <a:p>
                 <a:pPr lvl="0"/>
                 <a:r>
+                  <a:rPr lang="en-US" dirty="0"/>
                   <a:t>AR model is a </a:t>
                 </a:r>
                 <a:r>
-                  <a:rPr b="1"/>
+                  <a:rPr lang="en-US" b="1" dirty="0"/>
                   <a:t>linear model!</a:t>
                 </a:r>
               </a:p>
               <a:p>
                 <a:pPr lvl="0"/>
                 <a:r>
+                  <a:rPr lang="en-US" dirty="0"/>
                   <a:t>For coefficient vector, </a:t>
                 </a:r>
                 <a14:m>
                   <m:oMath xmlns:m="http://schemas.openxmlformats.org/officeDocument/2006/math">
                     <m:r>
-                      <a:rPr>
+                      <a:rPr lang="en-US">
                         <a:latin typeface="Cambria Math" panose="02040503050406030204" pitchFamily="18" charset="0"/>
                       </a:rPr>
                       <m:t>𝛷</m:t>
                     </m:r>
                     <m:r>
-                      <a:rPr>
+                      <a:rPr lang="en-US">
                         <a:latin typeface="Cambria Math" panose="02040503050406030204" pitchFamily="18" charset="0"/>
                       </a:rPr>
                       <m:t>=</m:t>
@@ -4317,7 +5361,7 @@
                         <m:begChr m:val="["/>
                         <m:endChr m:val="]"/>
                         <m:ctrlPr>
-                          <a:rPr i="1">
+                          <a:rPr lang="ar-AE" i="1">
                             <a:latin typeface="Cambria Math" panose="02040503050406030204" pitchFamily="18" charset="0"/>
                           </a:rPr>
                         </m:ctrlPr>
@@ -4326,14 +5370,14 @@
                         <m:sSub>
                           <m:sSubPr>
                             <m:ctrlPr>
-                              <a:rPr i="1">
+                              <a:rPr lang="ar-AE" i="1">
                                 <a:latin typeface="Cambria Math" panose="02040503050406030204" pitchFamily="18" charset="0"/>
                               </a:rPr>
                             </m:ctrlPr>
                           </m:sSubPr>
                           <m:e>
                             <m:r>
-                              <a:rPr>
+                              <a:rPr lang="ar-AE">
                                 <a:latin typeface="Cambria Math" panose="02040503050406030204" pitchFamily="18" charset="0"/>
                               </a:rPr>
                               <m:t>𝜙</m:t>
@@ -4341,7 +5385,7 @@
                           </m:e>
                           <m:sub>
                             <m:r>
-                              <a:rPr>
+                              <a:rPr lang="ar-AE">
                                 <a:latin typeface="Cambria Math" panose="02040503050406030204" pitchFamily="18" charset="0"/>
                               </a:rPr>
                               <m:t>1</m:t>
@@ -4349,7 +5393,7 @@
                           </m:sub>
                         </m:sSub>
                         <m:r>
-                          <a:rPr>
+                          <a:rPr lang="ar-AE">
                             <a:latin typeface="Cambria Math" panose="02040503050406030204" pitchFamily="18" charset="0"/>
                           </a:rPr>
                           <m:t>,</m:t>
@@ -4357,14 +5401,14 @@
                         <m:sSub>
                           <m:sSubPr>
                             <m:ctrlPr>
-                              <a:rPr i="1">
+                              <a:rPr lang="ar-AE" i="1">
                                 <a:latin typeface="Cambria Math" panose="02040503050406030204" pitchFamily="18" charset="0"/>
                               </a:rPr>
                             </m:ctrlPr>
                           </m:sSubPr>
                           <m:e>
                             <m:r>
-                              <a:rPr>
+                              <a:rPr lang="ar-AE">
                                 <a:latin typeface="Cambria Math" panose="02040503050406030204" pitchFamily="18" charset="0"/>
                               </a:rPr>
                               <m:t>𝜙</m:t>
@@ -4372,7 +5416,7 @@
                           </m:e>
                           <m:sub>
                             <m:r>
-                              <a:rPr>
+                              <a:rPr lang="ar-AE">
                                 <a:latin typeface="Cambria Math" panose="02040503050406030204" pitchFamily="18" charset="0"/>
                               </a:rPr>
                               <m:t>2</m:t>
@@ -4380,22 +5424,22 @@
                           </m:sub>
                         </m:sSub>
                         <m:r>
-                          <a:rPr>
+                          <a:rPr lang="ar-AE" b="0" i="0" smtClean="0">
                             <a:latin typeface="Cambria Math" panose="02040503050406030204" pitchFamily="18" charset="0"/>
                           </a:rPr>
-                          <m:t>,…,</m:t>
+                          <m:t>,</m:t>
                         </m:r>
                         <m:sSub>
                           <m:sSubPr>
                             <m:ctrlPr>
-                              <a:rPr i="1">
+                              <a:rPr lang="ar-AE" i="1">
                                 <a:latin typeface="Cambria Math" panose="02040503050406030204" pitchFamily="18" charset="0"/>
                               </a:rPr>
                             </m:ctrlPr>
                           </m:sSubPr>
                           <m:e>
                             <m:r>
-                              <a:rPr>
+                              <a:rPr lang="ar-AE">
                                 <a:latin typeface="Cambria Math" panose="02040503050406030204" pitchFamily="18" charset="0"/>
                               </a:rPr>
                               <m:t>𝜙</m:t>
@@ -4403,10 +5447,10 @@
                           </m:e>
                           <m:sub>
                             <m:r>
-                              <a:rPr>
+                              <a:rPr lang="en-US" b="0" i="1" smtClean="0">
                                 <a:latin typeface="Cambria Math" panose="02040503050406030204" pitchFamily="18" charset="0"/>
                               </a:rPr>
-                              <m:t>𝑝</m:t>
+                              <m:t>3</m:t>
                             </m:r>
                           </m:sub>
                         </m:sSub>
@@ -4415,7 +5459,12 @@
                   </m:oMath>
                 </a14:m>
                 <a:r>
-                  <a:t>, solve linear system:</a:t>
+                  <a:rPr lang="ar-AE" dirty="0"/>
+                  <a:t>, </a:t>
+                </a:r>
+                <a:r>
+                  <a:rPr lang="en-US" dirty="0"/>
+                  <a:t>solve linear system:</a:t>
                 </a:r>
               </a:p>
               <a:p>
@@ -4429,25 +5478,25 @@
                     </m:oMathParaPr>
                     <m:oMath xmlns:m="http://schemas.openxmlformats.org/officeDocument/2006/math">
                       <m:r>
-                        <a:rPr>
+                        <a:rPr lang="en-US">
                           <a:latin typeface="Cambria Math" panose="02040503050406030204" pitchFamily="18" charset="0"/>
                         </a:rPr>
                         <m:t>𝑌</m:t>
                       </m:r>
                       <m:r>
-                        <a:rPr>
+                        <a:rPr lang="en-US">
                           <a:latin typeface="Cambria Math" panose="02040503050406030204" pitchFamily="18" charset="0"/>
                         </a:rPr>
                         <m:t>=</m:t>
                       </m:r>
                       <m:r>
-                        <a:rPr>
+                        <a:rPr lang="en-US">
                           <a:latin typeface="Cambria Math" panose="02040503050406030204" pitchFamily="18" charset="0"/>
                         </a:rPr>
                         <m:t>𝐴</m:t>
                       </m:r>
                       <m:r>
-                        <a:rPr>
+                        <a:rPr lang="en-US">
                           <a:latin typeface="Cambria Math" panose="02040503050406030204" pitchFamily="18" charset="0"/>
                         </a:rPr>
                         <m:t>𝛷</m:t>
@@ -4455,12 +5504,12 @@
                     </m:oMath>
                   </m:oMathPara>
                 </a14:m>
-                <a:endParaRPr/>
+                <a:endParaRPr dirty="0"/>
               </a:p>
             </p:txBody>
           </p:sp>
         </mc:Choice>
-        <mc:Fallback xmlns="">
+        <mc:Fallback>
           <p:sp>
             <p:nvSpPr>
               <p:cNvPr id="3" name="Content Placeholder 2"/>
@@ -4472,10 +5521,14 @@
               </p:nvPr>
             </p:nvSpPr>
             <p:spPr>
+              <a:xfrm>
+                <a:off x="457200" y="1200151"/>
+                <a:ext cx="8229600" cy="3770860"/>
+              </a:xfrm>
               <a:blipFill>
                 <a:blip r:embed="rId2"/>
                 <a:stretch>
-                  <a:fillRect l="-444" t="-1975"/>
+                  <a:fillRect l="-741" t="-1780"/>
                 </a:stretch>
               </a:blipFill>
             </p:spPr>
@@ -4543,8 +5596,8 @@
           </a:p>
         </p:txBody>
       </p:sp>
-      <mc:AlternateContent xmlns:mc="http://schemas.openxmlformats.org/markup-compatibility/2006">
-        <mc:Choice xmlns:a14="http://schemas.microsoft.com/office/drawing/2010/main" Requires="a14">
+      <mc:AlternateContent xmlns:mc="http://schemas.openxmlformats.org/markup-compatibility/2006" xmlns:a14="http://schemas.microsoft.com/office/drawing/2010/main">
+        <mc:Choice Requires="a14">
           <p:sp>
             <p:nvSpPr>
               <p:cNvPr id="3" name="Content Placeholder 2"/>
@@ -4684,7 +5737,13 @@
                                 <a:rPr lang="en-US" b="0" i="1" smtClean="0">
                                   <a:latin typeface="Cambria Math" panose="02040503050406030204" pitchFamily="18" charset="0"/>
                                 </a:rPr>
-                                <m:t>−1</m:t>
+                                <m:t>−</m:t>
+                              </m:r>
+                              <m:r>
+                                <a:rPr lang="en-US" b="0" i="1" smtClean="0">
+                                  <a:latin typeface="Cambria Math" panose="02040503050406030204" pitchFamily="18" charset="0"/>
+                                </a:rPr>
+                                <m:t>1</m:t>
                               </m:r>
                             </m:sub>
                           </m:sSub>
@@ -4824,7 +5883,14 @@
                           <a:latin typeface="Cambria Math" panose="02040503050406030204" pitchFamily="18" charset="0"/>
                           <a:ea typeface="Cambria Math" panose="02040503050406030204" pitchFamily="18" charset="0"/>
                         </a:rPr>
-                        <m:t>+0</m:t>
+                        <m:t>+</m:t>
+                      </m:r>
+                      <m:r>
+                        <a:rPr lang="en-US" b="0" i="0" smtClean="0">
+                          <a:latin typeface="Cambria Math" panose="02040503050406030204" pitchFamily="18" charset="0"/>
+                          <a:ea typeface="Cambria Math" panose="02040503050406030204" pitchFamily="18" charset="0"/>
+                        </a:rPr>
+                        <m:t>0</m:t>
                       </m:r>
                     </m:oMath>
                   </m:oMathPara>
@@ -4901,7 +5967,14 @@
                               <a:latin typeface="Cambria Math" panose="02040503050406030204" pitchFamily="18" charset="0"/>
                               <a:ea typeface="Cambria Math" panose="02040503050406030204" pitchFamily="18" charset="0"/>
                             </a:rPr>
-                            <m:t>1−</m:t>
+                            <m:t>1</m:t>
+                          </m:r>
+                          <m:r>
+                            <a:rPr lang="en-US" b="0" i="1" smtClean="0">
+                              <a:latin typeface="Cambria Math" panose="02040503050406030204" pitchFamily="18" charset="0"/>
+                              <a:ea typeface="Cambria Math" panose="02040503050406030204" pitchFamily="18" charset="0"/>
+                            </a:rPr>
+                            <m:t>−</m:t>
                           </m:r>
                           <m:r>
                             <a:rPr lang="en-US" i="1">
@@ -4959,7 +6032,13 @@
                         <a:rPr lang="en-US">
                           <a:latin typeface="Cambria Math" panose="02040503050406030204" pitchFamily="18" charset="0"/>
                         </a:rPr>
-                        <m:t>1−</m:t>
+                        <m:t>1</m:t>
+                      </m:r>
+                      <m:r>
+                        <a:rPr lang="en-US">
+                          <a:latin typeface="Cambria Math" panose="02040503050406030204" pitchFamily="18" charset="0"/>
+                        </a:rPr>
+                        <m:t>−</m:t>
                       </m:r>
                       <m:r>
                         <a:rPr lang="en-US" i="1">
@@ -4992,7 +6071,13 @@
                       <a:rPr lang="en-US">
                         <a:latin typeface="Cambria Math" panose="02040503050406030204" pitchFamily="18" charset="0"/>
                       </a:rPr>
-                      <m:t>&lt;1</m:t>
+                      <m:t>&lt;</m:t>
+                    </m:r>
+                    <m:r>
+                      <a:rPr lang="en-US">
+                        <a:latin typeface="Cambria Math" panose="02040503050406030204" pitchFamily="18" charset="0"/>
+                      </a:rPr>
+                      <m:t>1</m:t>
                     </m:r>
                   </m:oMath>
                 </a14:m>
@@ -5154,7 +6239,7 @@
             </p:txBody>
           </p:sp>
         </mc:Choice>
-        <mc:Fallback>
+        <mc:Fallback xmlns="">
           <p:sp>
             <p:nvSpPr>
               <p:cNvPr id="3" name="Content Placeholder 2"/>
@@ -5751,8 +6836,8 @@
           </a:p>
         </p:txBody>
       </p:sp>
-      <mc:AlternateContent xmlns:mc="http://schemas.openxmlformats.org/markup-compatibility/2006">
-        <mc:Choice xmlns:a14="http://schemas.microsoft.com/office/drawing/2010/main" Requires="a14">
+      <mc:AlternateContent xmlns:mc="http://schemas.openxmlformats.org/markup-compatibility/2006" xmlns:a14="http://schemas.microsoft.com/office/drawing/2010/main">
+        <mc:Choice Requires="a14">
           <p:sp>
             <p:nvSpPr>
               <p:cNvPr id="3" name="Content Placeholder 2"/>
@@ -5982,7 +7067,7 @@
             </p:txBody>
           </p:sp>
         </mc:Choice>
-        <mc:Fallback>
+        <mc:Fallback xmlns="">
           <p:sp>
             <p:nvSpPr>
               <p:cNvPr id="3" name="Content Placeholder 2"/>
@@ -6065,8 +7150,8 @@
           </a:p>
         </p:txBody>
       </p:sp>
-      <mc:AlternateContent xmlns:mc="http://schemas.openxmlformats.org/markup-compatibility/2006">
-        <mc:Choice xmlns:a14="http://schemas.microsoft.com/office/drawing/2010/main" Requires="a14">
+      <mc:AlternateContent xmlns:mc="http://schemas.openxmlformats.org/markup-compatibility/2006" xmlns:a14="http://schemas.microsoft.com/office/drawing/2010/main">
+        <mc:Choice Requires="a14">
           <p:sp>
             <p:nvSpPr>
               <p:cNvPr id="3" name="Content Placeholder 2"/>
@@ -6986,7 +8071,7 @@
             </p:txBody>
           </p:sp>
         </mc:Choice>
-        <mc:Fallback>
+        <mc:Fallback xmlns="">
           <p:sp>
             <p:nvSpPr>
               <p:cNvPr id="3" name="Content Placeholder 2"/>
@@ -8643,8 +9728,8 @@
           </a:p>
         </p:txBody>
       </p:sp>
-      <mc:AlternateContent xmlns:mc="http://schemas.openxmlformats.org/markup-compatibility/2006">
-        <mc:Choice xmlns:a14="http://schemas.microsoft.com/office/drawing/2010/main" Requires="a14">
+      <mc:AlternateContent xmlns:mc="http://schemas.openxmlformats.org/markup-compatibility/2006" xmlns:a14="http://schemas.microsoft.com/office/drawing/2010/main">
+        <mc:Choice Requires="a14">
           <p:sp>
             <p:nvSpPr>
               <p:cNvPr id="3" name="Content Placeholder 2"/>
@@ -10056,7 +11141,7 @@
             </p:txBody>
           </p:sp>
         </mc:Choice>
-        <mc:Fallback>
+        <mc:Fallback xmlns="">
           <p:sp>
             <p:nvSpPr>
               <p:cNvPr id="3" name="Content Placeholder 2"/>
@@ -10395,8 +11480,8 @@
           </a:p>
         </p:txBody>
       </p:sp>
-      <mc:AlternateContent xmlns:mc="http://schemas.openxmlformats.org/markup-compatibility/2006">
-        <mc:Choice xmlns:a14="http://schemas.microsoft.com/office/drawing/2010/main" Requires="a14">
+      <mc:AlternateContent xmlns:mc="http://schemas.openxmlformats.org/markup-compatibility/2006" xmlns:a14="http://schemas.microsoft.com/office/drawing/2010/main">
+        <mc:Choice Requires="a14">
           <p:sp>
             <p:nvSpPr>
               <p:cNvPr id="3" name="Content Placeholder 2"/>
@@ -11223,7 +12308,7 @@
             </p:txBody>
           </p:sp>
         </mc:Choice>
-        <mc:Fallback>
+        <mc:Fallback xmlns="">
           <p:sp>
             <p:nvSpPr>
               <p:cNvPr id="3" name="Content Placeholder 2"/>
@@ -12788,8 +13873,8 @@
           </a:p>
         </p:txBody>
       </p:sp>
-      <mc:AlternateContent xmlns:mc="http://schemas.openxmlformats.org/markup-compatibility/2006">
-        <mc:Choice xmlns:a14="http://schemas.microsoft.com/office/drawing/2010/main" Requires="a14">
+      <mc:AlternateContent xmlns:mc="http://schemas.openxmlformats.org/markup-compatibility/2006" xmlns:a14="http://schemas.microsoft.com/office/drawing/2010/main">
+        <mc:Choice Requires="a14">
           <p:sp>
             <p:nvSpPr>
               <p:cNvPr id="3" name="Content Placeholder 2"/>
@@ -13556,7 +14641,7 @@
             </p:txBody>
           </p:sp>
         </mc:Choice>
-        <mc:Fallback>
+        <mc:Fallback xmlns="">
           <p:sp>
             <p:nvSpPr>
               <p:cNvPr id="3" name="Content Placeholder 2"/>
@@ -13639,8 +14724,8 @@
           </a:p>
         </p:txBody>
       </p:sp>
-      <mc:AlternateContent xmlns:mc="http://schemas.openxmlformats.org/markup-compatibility/2006">
-        <mc:Choice xmlns:a14="http://schemas.microsoft.com/office/drawing/2010/main" Requires="a14">
+      <mc:AlternateContent xmlns:mc="http://schemas.openxmlformats.org/markup-compatibility/2006" xmlns:a14="http://schemas.microsoft.com/office/drawing/2010/main">
+        <mc:Choice Requires="a14">
           <p:sp>
             <p:nvSpPr>
               <p:cNvPr id="3" name="Content Placeholder 2"/>
@@ -14310,7 +15395,7 @@
             </p:txBody>
           </p:sp>
         </mc:Choice>
-        <mc:Fallback>
+        <mc:Fallback xmlns="">
           <p:sp>
             <p:nvSpPr>
               <p:cNvPr id="3" name="Content Placeholder 2"/>
@@ -14393,8 +15478,8 @@
           </a:p>
         </p:txBody>
       </p:sp>
-      <mc:AlternateContent xmlns:mc="http://schemas.openxmlformats.org/markup-compatibility/2006">
-        <mc:Choice xmlns:a14="http://schemas.microsoft.com/office/drawing/2010/main" Requires="a14">
+      <mc:AlternateContent xmlns:mc="http://schemas.openxmlformats.org/markup-compatibility/2006" xmlns:a14="http://schemas.microsoft.com/office/drawing/2010/main">
+        <mc:Choice Requires="a14">
           <p:sp>
             <p:nvSpPr>
               <p:cNvPr id="3" name="Content Placeholder 2"/>
@@ -14913,7 +15998,7 @@
             </p:txBody>
           </p:sp>
         </mc:Choice>
-        <mc:Fallback>
+        <mc:Fallback xmlns="">
           <p:sp>
             <p:nvSpPr>
               <p:cNvPr id="3" name="Content Placeholder 2"/>
@@ -18064,8 +19149,8 @@
           </a:p>
         </p:txBody>
       </p:sp>
-      <mc:AlternateContent xmlns:mc="http://schemas.openxmlformats.org/markup-compatibility/2006">
-        <mc:Choice xmlns:a14="http://schemas.microsoft.com/office/drawing/2010/main" Requires="a14">
+      <mc:AlternateContent xmlns:mc="http://schemas.openxmlformats.org/markup-compatibility/2006" xmlns:a14="http://schemas.microsoft.com/office/drawing/2010/main">
+        <mc:Choice Requires="a14">
           <p:sp>
             <p:nvSpPr>
               <p:cNvPr id="3" name="Content Placeholder 2"/>
@@ -18372,7 +19457,7 @@
             </p:txBody>
           </p:sp>
         </mc:Choice>
-        <mc:Fallback>
+        <mc:Fallback xmlns="">
           <p:sp>
             <p:nvSpPr>
               <p:cNvPr id="3" name="Content Placeholder 2"/>
@@ -22898,11 +23983,11 @@
             <a:pPr lvl="1"/>
             <a:r>
               <a:rPr b="1" dirty="0"/>
-              <a:t>seasonal I</a:t>
+              <a:t>seasonal </a:t>
             </a:r>
             <a:r>
               <a:rPr dirty="0"/>
-              <a:t> component accounts for random walk and trend of seasonal components</a:t>
+              <a:t>component accounts for random walk and trend of seasonal components</a:t>
             </a:r>
           </a:p>
           <a:p>
@@ -23771,13 +24856,17 @@
                 </a:r>
                 <a:r>
                   <a:rPr lang="en-US" b="1" dirty="0"/>
-                  <a:t>constant coefficients </a:t>
+                  <a:t>constant coefficients,</a:t>
                 </a:r>
                 <a:r>
                   <a:rPr lang="en-US" dirty="0"/>
-                  <a:t>so only defined for stationary time series</a:t>
-                </a:r>
-                <a:endParaRPr dirty="0"/>
+                  <a:t> </a:t>
+                </a:r>
+                <a:r>
+                  <a:rPr lang="en-US" b="1" dirty="0"/>
+                  <a:t>only defined for stationary time series!</a:t>
+                </a:r>
+                <a:endParaRPr b="1" dirty="0"/>
               </a:p>
             </p:txBody>
           </p:sp>

--- a/LectureSlides/12_IntroductionToTimeSeriesForecasting.pptx
+++ b/LectureSlides/12_IntroductionToTimeSeriesForecasting.pptx
@@ -15,8 +15,8 @@
     <p:sldId id="262" r:id="rId9"/>
     <p:sldId id="263" r:id="rId10"/>
     <p:sldId id="264" r:id="rId11"/>
-    <p:sldId id="348" r:id="rId12"/>
-    <p:sldId id="341" r:id="rId13"/>
+    <p:sldId id="341" r:id="rId12"/>
+    <p:sldId id="348" r:id="rId13"/>
     <p:sldId id="266" r:id="rId14"/>
     <p:sldId id="267" r:id="rId15"/>
     <p:sldId id="343" r:id="rId16"/>
@@ -43,31 +43,30 @@
     <p:sldId id="285" r:id="rId37"/>
     <p:sldId id="286" r:id="rId38"/>
     <p:sldId id="287" r:id="rId39"/>
-    <p:sldId id="346" r:id="rId40"/>
-    <p:sldId id="288" r:id="rId41"/>
-    <p:sldId id="289" r:id="rId42"/>
-    <p:sldId id="290" r:id="rId43"/>
-    <p:sldId id="291" r:id="rId44"/>
-    <p:sldId id="292" r:id="rId45"/>
-    <p:sldId id="293" r:id="rId46"/>
-    <p:sldId id="294" r:id="rId47"/>
-    <p:sldId id="349" r:id="rId48"/>
-    <p:sldId id="350" r:id="rId49"/>
-    <p:sldId id="295" r:id="rId50"/>
-    <p:sldId id="296" r:id="rId51"/>
-    <p:sldId id="297" r:id="rId52"/>
-    <p:sldId id="298" r:id="rId53"/>
-    <p:sldId id="299" r:id="rId54"/>
-    <p:sldId id="352" r:id="rId55"/>
-    <p:sldId id="300" r:id="rId56"/>
-    <p:sldId id="301" r:id="rId57"/>
-    <p:sldId id="351" r:id="rId58"/>
-    <p:sldId id="302" r:id="rId59"/>
-    <p:sldId id="303" r:id="rId60"/>
-    <p:sldId id="304" r:id="rId61"/>
-    <p:sldId id="305" r:id="rId62"/>
-    <p:sldId id="306" r:id="rId63"/>
-    <p:sldId id="307" r:id="rId64"/>
+    <p:sldId id="288" r:id="rId40"/>
+    <p:sldId id="289" r:id="rId41"/>
+    <p:sldId id="290" r:id="rId42"/>
+    <p:sldId id="291" r:id="rId43"/>
+    <p:sldId id="292" r:id="rId44"/>
+    <p:sldId id="293" r:id="rId45"/>
+    <p:sldId id="294" r:id="rId46"/>
+    <p:sldId id="349" r:id="rId47"/>
+    <p:sldId id="350" r:id="rId48"/>
+    <p:sldId id="295" r:id="rId49"/>
+    <p:sldId id="296" r:id="rId50"/>
+    <p:sldId id="297" r:id="rId51"/>
+    <p:sldId id="298" r:id="rId52"/>
+    <p:sldId id="299" r:id="rId53"/>
+    <p:sldId id="352" r:id="rId54"/>
+    <p:sldId id="300" r:id="rId55"/>
+    <p:sldId id="301" r:id="rId56"/>
+    <p:sldId id="351" r:id="rId57"/>
+    <p:sldId id="302" r:id="rId58"/>
+    <p:sldId id="303" r:id="rId59"/>
+    <p:sldId id="304" r:id="rId60"/>
+    <p:sldId id="305" r:id="rId61"/>
+    <p:sldId id="306" r:id="rId62"/>
+    <p:sldId id="307" r:id="rId63"/>
   </p:sldIdLst>
   <p:sldSz cx="9144000" cy="5143500" type="screen16x9"/>
   <p:notesSz cx="6858000" cy="9144000"/>
@@ -364,7 +363,7 @@
           <a:p>
             <a:fld id="{241EB5C9-1307-BA42-ABA2-0BC069CD8E7F}" type="datetimeFigureOut">
               <a:rPr lang="en-US" smtClean="0"/>
-              <a:t>11/9/2024</a:t>
+              <a:t>11/13/2024</a:t>
             </a:fld>
             <a:endParaRPr lang="en-US"/>
           </a:p>
@@ -532,7 +531,7 @@
           <a:p>
             <a:fld id="{241EB5C9-1307-BA42-ABA2-0BC069CD8E7F}" type="datetimeFigureOut">
               <a:rPr lang="en-US" smtClean="0"/>
-              <a:t>11/9/2024</a:t>
+              <a:t>11/13/2024</a:t>
             </a:fld>
             <a:endParaRPr lang="en-US"/>
           </a:p>
@@ -710,7 +709,7 @@
           <a:p>
             <a:fld id="{241EB5C9-1307-BA42-ABA2-0BC069CD8E7F}" type="datetimeFigureOut">
               <a:rPr lang="en-US" smtClean="0"/>
-              <a:t>11/9/2024</a:t>
+              <a:t>11/13/2024</a:t>
             </a:fld>
             <a:endParaRPr lang="en-US"/>
           </a:p>
@@ -878,7 +877,7 @@
           <a:p>
             <a:fld id="{241EB5C9-1307-BA42-ABA2-0BC069CD8E7F}" type="datetimeFigureOut">
               <a:rPr lang="en-US" smtClean="0"/>
-              <a:t>11/9/2024</a:t>
+              <a:t>11/13/2024</a:t>
             </a:fld>
             <a:endParaRPr lang="en-US"/>
           </a:p>
@@ -1123,7 +1122,7 @@
           <a:p>
             <a:fld id="{241EB5C9-1307-BA42-ABA2-0BC069CD8E7F}" type="datetimeFigureOut">
               <a:rPr lang="en-US" smtClean="0"/>
-              <a:t>11/9/2024</a:t>
+              <a:t>11/13/2024</a:t>
             </a:fld>
             <a:endParaRPr lang="en-US"/>
           </a:p>
@@ -1408,7 +1407,7 @@
           <a:p>
             <a:fld id="{241EB5C9-1307-BA42-ABA2-0BC069CD8E7F}" type="datetimeFigureOut">
               <a:rPr lang="en-US" smtClean="0"/>
-              <a:t>11/9/2024</a:t>
+              <a:t>11/13/2024</a:t>
             </a:fld>
             <a:endParaRPr lang="en-US"/>
           </a:p>
@@ -1827,7 +1826,7 @@
           <a:p>
             <a:fld id="{241EB5C9-1307-BA42-ABA2-0BC069CD8E7F}" type="datetimeFigureOut">
               <a:rPr lang="en-US" smtClean="0"/>
-              <a:t>11/9/2024</a:t>
+              <a:t>11/13/2024</a:t>
             </a:fld>
             <a:endParaRPr lang="en-US"/>
           </a:p>
@@ -1944,7 +1943,7 @@
           <a:p>
             <a:fld id="{241EB5C9-1307-BA42-ABA2-0BC069CD8E7F}" type="datetimeFigureOut">
               <a:rPr lang="en-US" smtClean="0"/>
-              <a:t>11/9/2024</a:t>
+              <a:t>11/13/2024</a:t>
             </a:fld>
             <a:endParaRPr lang="en-US"/>
           </a:p>
@@ -2039,7 +2038,7 @@
           <a:p>
             <a:fld id="{241EB5C9-1307-BA42-ABA2-0BC069CD8E7F}" type="datetimeFigureOut">
               <a:rPr lang="en-US" smtClean="0"/>
-              <a:t>11/9/2024</a:t>
+              <a:t>11/13/2024</a:t>
             </a:fld>
             <a:endParaRPr lang="en-US"/>
           </a:p>
@@ -2314,7 +2313,7 @@
           <a:p>
             <a:fld id="{241EB5C9-1307-BA42-ABA2-0BC069CD8E7F}" type="datetimeFigureOut">
               <a:rPr lang="en-US" smtClean="0"/>
-              <a:t>11/9/2024</a:t>
+              <a:t>11/13/2024</a:t>
             </a:fld>
             <a:endParaRPr lang="en-US"/>
           </a:p>
@@ -2566,7 +2565,7 @@
           <a:p>
             <a:fld id="{241EB5C9-1307-BA42-ABA2-0BC069CD8E7F}" type="datetimeFigureOut">
               <a:rPr lang="en-US" smtClean="0"/>
-              <a:t>11/9/2024</a:t>
+              <a:t>11/13/2024</a:t>
             </a:fld>
             <a:endParaRPr lang="en-US"/>
           </a:p>
@@ -2777,7 +2776,7 @@
           <a:p>
             <a:fld id="{241EB5C9-1307-BA42-ABA2-0BC069CD8E7F}" type="datetimeFigureOut">
               <a:rPr lang="en-US" smtClean="0"/>
-              <a:t>11/9/2024</a:t>
+              <a:t>11/13/2024</a:t>
             </a:fld>
             <a:endParaRPr lang="en-US"/>
           </a:p>
@@ -3381,8 +3380,8 @@
           </a:p>
         </p:txBody>
       </p:sp>
-      <mc:AlternateContent xmlns:mc="http://schemas.openxmlformats.org/markup-compatibility/2006" xmlns:a14="http://schemas.microsoft.com/office/drawing/2010/main">
-        <mc:Choice Requires="a14">
+      <mc:AlternateContent xmlns:mc="http://schemas.openxmlformats.org/markup-compatibility/2006">
+        <mc:Choice xmlns:a14="http://schemas.microsoft.com/office/drawing/2010/main" Requires="a14">
           <p:sp>
             <p:nvSpPr>
               <p:cNvPr id="3" name="Content Placeholder 2"/>
@@ -3519,6 +3518,18 @@
                           </m:ctrlPr>
                         </m:sSubPr>
                         <m:e>
+                          <m:r>
+                            <a:rPr lang="en-US" b="0" i="1" smtClean="0">
+                              <a:latin typeface="Cambria Math" panose="02040503050406030204" pitchFamily="18" charset="0"/>
+                            </a:rPr>
+                            <m:t>𝑐</m:t>
+                          </m:r>
+                          <m:r>
+                            <a:rPr lang="en-US" b="0" i="1" smtClean="0">
+                              <a:latin typeface="Cambria Math" panose="02040503050406030204" pitchFamily="18" charset="0"/>
+                            </a:rPr>
+                            <m:t>+</m:t>
+                          </m:r>
                           <m:r>
                             <a:rPr lang="en-US" b="0" i="1" smtClean="0">
                               <a:latin typeface="Cambria Math" panose="02040503050406030204" pitchFamily="18" charset="0"/>
@@ -3995,7 +4006,7 @@
                   <a:rPr lang="en-US" dirty="0">
                     <a:latin typeface="Cambria Math" panose="02040503050406030204" pitchFamily="18" charset="0"/>
                   </a:rPr>
-                  <a:t>Can analytically compute the expectation and variance of a AR(1) process </a:t>
+                  <a:t>Can analytically compute the expectation and variance of a stationary AR(1) process </a:t>
                 </a:r>
               </a:p>
               <a:p>
@@ -4057,10 +4068,70 @@
                         <m:t>=</m:t>
                       </m:r>
                       <m:r>
+                        <a:rPr lang="en-US" i="1">
+                          <a:latin typeface="Cambria Math" panose="02040503050406030204" pitchFamily="18" charset="0"/>
+                        </a:rPr>
+                        <m:t>𝐸</m:t>
+                      </m:r>
+                      <m:d>
+                        <m:dPr>
+                          <m:ctrlPr>
+                            <a:rPr lang="en-US" i="1">
+                              <a:latin typeface="Cambria Math" panose="02040503050406030204" pitchFamily="18" charset="0"/>
+                            </a:rPr>
+                          </m:ctrlPr>
+                        </m:dPr>
+                        <m:e>
+                          <m:sSub>
+                            <m:sSubPr>
+                              <m:ctrlPr>
+                                <a:rPr lang="en-US" i="1">
+                                  <a:latin typeface="Cambria Math" panose="02040503050406030204" pitchFamily="18" charset="0"/>
+                                </a:rPr>
+                              </m:ctrlPr>
+                            </m:sSubPr>
+                            <m:e>
+                              <m:r>
+                                <a:rPr lang="en-US" i="1">
+                                  <a:latin typeface="Cambria Math" panose="02040503050406030204" pitchFamily="18" charset="0"/>
+                                </a:rPr>
+                                <m:t>𝑦</m:t>
+                              </m:r>
+                            </m:e>
+                            <m:sub>
+                              <m:r>
+                                <a:rPr lang="en-US" i="1">
+                                  <a:latin typeface="Cambria Math" panose="02040503050406030204" pitchFamily="18" charset="0"/>
+                                </a:rPr>
+                                <m:t>𝑡</m:t>
+                              </m:r>
+                              <m:r>
+                                <a:rPr lang="en-US" b="0" i="1" smtClean="0">
+                                  <a:latin typeface="Cambria Math" panose="02040503050406030204" pitchFamily="18" charset="0"/>
+                                </a:rPr>
+                                <m:t>−</m:t>
+                              </m:r>
+                              <m:r>
+                                <a:rPr lang="en-US" b="0" i="1" smtClean="0">
+                                  <a:latin typeface="Cambria Math" panose="02040503050406030204" pitchFamily="18" charset="0"/>
+                                </a:rPr>
+                                <m:t>𝑘</m:t>
+                              </m:r>
+                            </m:sub>
+                          </m:sSub>
+                        </m:e>
+                      </m:d>
+                      <m:r>
                         <a:rPr lang="en-US" b="0" i="1" smtClean="0">
                           <a:latin typeface="Cambria Math" panose="02040503050406030204" pitchFamily="18" charset="0"/>
                         </a:rPr>
-                        <m:t>0</m:t>
+                        <m:t>=</m:t>
+                      </m:r>
+                      <m:r>
+                        <a:rPr lang="en-US" b="0" i="1" smtClean="0">
+                          <a:latin typeface="Cambria Math" panose="02040503050406030204" pitchFamily="18" charset="0"/>
+                        </a:rPr>
+                        <m:t>𝑐</m:t>
                       </m:r>
                     </m:oMath>
                   </m:oMathPara>
@@ -4317,7 +4388,7 @@
             </p:txBody>
           </p:sp>
         </mc:Choice>
-        <mc:Fallback xmlns="">
+        <mc:Fallback>
           <p:sp>
             <p:nvSpPr>
               <p:cNvPr id="3" name="Content Placeholder 2"/>
@@ -4364,734 +4435,6 @@
 </file>
 
 <file path=ppt/slides/slide11.xml><?xml version="1.0" encoding="utf-8"?>
-<p:sld xmlns:a="http://schemas.openxmlformats.org/drawingml/2006/main" xmlns:r="http://schemas.openxmlformats.org/officeDocument/2006/relationships" xmlns:p="http://schemas.openxmlformats.org/presentationml/2006/main">
-  <p:cSld>
-    <p:spTree>
-      <p:nvGrpSpPr>
-        <p:cNvPr id="1" name="">
-          <a:extLst>
-            <a:ext uri="{FF2B5EF4-FFF2-40B4-BE49-F238E27FC236}">
-              <a16:creationId xmlns:a16="http://schemas.microsoft.com/office/drawing/2014/main" id="{70403374-324A-4F82-B97F-2DAAA31AC0A2}"/>
-            </a:ext>
-          </a:extLst>
-        </p:cNvPr>
-        <p:cNvGrpSpPr/>
-        <p:nvPr/>
-      </p:nvGrpSpPr>
-      <p:grpSpPr>
-        <a:xfrm>
-          <a:off x="0" y="0"/>
-          <a:ext cx="0" cy="0"/>
-          <a:chOff x="0" y="0"/>
-          <a:chExt cx="0" cy="0"/>
-        </a:xfrm>
-      </p:grpSpPr>
-      <p:sp>
-        <p:nvSpPr>
-          <p:cNvPr id="2" name="Title 1">
-            <a:extLst>
-              <a:ext uri="{FF2B5EF4-FFF2-40B4-BE49-F238E27FC236}">
-                <a16:creationId xmlns:a16="http://schemas.microsoft.com/office/drawing/2014/main" id="{96AC93FC-1D09-EC55-8F6C-4AA561DCCC5B}"/>
-              </a:ext>
-            </a:extLst>
-          </p:cNvPr>
-          <p:cNvSpPr>
-            <a:spLocks noGrp="1"/>
-          </p:cNvSpPr>
-          <p:nvPr>
-            <p:ph type="title"/>
-          </p:nvPr>
-        </p:nvSpPr>
-        <p:spPr/>
-        <p:txBody>
-          <a:bodyPr/>
-          <a:lstStyle/>
-          <a:p>
-            <a:pPr marL="0" lvl="0" indent="0">
-              <a:buNone/>
-            </a:pPr>
-            <a:r>
-              <a:t>The Autoregressive Model</a:t>
-            </a:r>
-          </a:p>
-        </p:txBody>
-      </p:sp>
-      <mc:AlternateContent xmlns:mc="http://schemas.openxmlformats.org/markup-compatibility/2006" xmlns:a14="http://schemas.microsoft.com/office/drawing/2010/main">
-        <mc:Choice Requires="a14">
-          <p:sp>
-            <p:nvSpPr>
-              <p:cNvPr id="3" name="Content Placeholder 2">
-                <a:extLst>
-                  <a:ext uri="{FF2B5EF4-FFF2-40B4-BE49-F238E27FC236}">
-                    <a16:creationId xmlns:a16="http://schemas.microsoft.com/office/drawing/2014/main" id="{3798B878-F8FC-92A0-4F78-26B0B264F5ED}"/>
-                  </a:ext>
-                </a:extLst>
-              </p:cNvPr>
-              <p:cNvSpPr>
-                <a:spLocks noGrp="1"/>
-              </p:cNvSpPr>
-              <p:nvPr>
-                <p:ph idx="1"/>
-              </p:nvPr>
-            </p:nvSpPr>
-            <p:spPr>
-              <a:xfrm>
-                <a:off x="613610" y="1015667"/>
-                <a:ext cx="8229600" cy="3921854"/>
-              </a:xfrm>
-            </p:spPr>
-            <p:txBody>
-              <a:bodyPr>
-                <a:normAutofit fontScale="92500" lnSpcReduction="20000"/>
-              </a:bodyPr>
-              <a:lstStyle/>
-              <a:p>
-                <a:pPr marL="0" lvl="0" indent="0">
-                  <a:buNone/>
-                </a:pPr>
-                <a:r>
-                  <a:rPr lang="en-US" b="1" dirty="0"/>
-                  <a:t>Autoregressive model</a:t>
-                </a:r>
-                <a:r>
-                  <a:rPr lang="en-US" dirty="0"/>
-                  <a:t> relates past observed values to the current value</a:t>
-                </a:r>
-              </a:p>
-              <a:p>
-                <a:pPr lvl="0"/>
-                <a:r>
-                  <a:rPr lang="en-US" dirty="0"/>
-                  <a:t>An autoregressive model of order </a:t>
-                </a:r>
-                <a14:m>
-                  <m:oMath xmlns:m="http://schemas.openxmlformats.org/officeDocument/2006/math">
-                    <m:r>
-                      <a:rPr lang="en-US">
-                        <a:latin typeface="Cambria Math" panose="02040503050406030204" pitchFamily="18" charset="0"/>
-                      </a:rPr>
-                      <m:t>𝑝</m:t>
-                    </m:r>
-                  </m:oMath>
-                </a14:m>
-                <a:r>
-                  <a:rPr lang="en-US" dirty="0"/>
-                  <a:t>, </a:t>
-                </a:r>
-                <a14:m>
-                  <m:oMath xmlns:m="http://schemas.openxmlformats.org/officeDocument/2006/math">
-                    <m:r>
-                      <a:rPr lang="en-US">
-                        <a:latin typeface="Cambria Math" panose="02040503050406030204" pitchFamily="18" charset="0"/>
-                      </a:rPr>
-                      <m:t>𝐴𝑅</m:t>
-                    </m:r>
-                    <m:d>
-                      <m:dPr>
-                        <m:ctrlPr>
-                          <a:rPr lang="ar-AE" i="1">
-                            <a:latin typeface="Cambria Math" panose="02040503050406030204" pitchFamily="18" charset="0"/>
-                          </a:rPr>
-                        </m:ctrlPr>
-                      </m:dPr>
-                      <m:e>
-                        <m:r>
-                          <a:rPr lang="ar-AE">
-                            <a:latin typeface="Cambria Math" panose="02040503050406030204" pitchFamily="18" charset="0"/>
-                          </a:rPr>
-                          <m:t>𝑝</m:t>
-                        </m:r>
-                      </m:e>
-                    </m:d>
-                  </m:oMath>
-                </a14:m>
-                <a:r>
-                  <a:rPr lang="en-US" dirty="0"/>
-                  <a:t> uses the last p observations to predict the next value:</a:t>
-                </a:r>
-              </a:p>
-              <a:p>
-                <a:pPr marL="0" lvl="0" indent="0">
-                  <a:buNone/>
-                </a:pPr>
-                <a14:m>
-                  <m:oMathPara xmlns:m="http://schemas.openxmlformats.org/officeDocument/2006/math">
-                    <m:oMathParaPr>
-                      <m:jc m:val="centerGroup"/>
-                    </m:oMathParaPr>
-                    <m:oMath xmlns:m="http://schemas.openxmlformats.org/officeDocument/2006/math">
-                      <m:sSub>
-                        <m:sSubPr>
-                          <m:ctrlPr>
-                            <a:rPr lang="ar-AE" i="1" smtClean="0">
-                              <a:latin typeface="Cambria Math" panose="02040503050406030204" pitchFamily="18" charset="0"/>
-                            </a:rPr>
-                          </m:ctrlPr>
-                        </m:sSubPr>
-                        <m:e>
-                          <m:r>
-                            <a:rPr lang="ar-AE" b="0" i="1" smtClean="0">
-                              <a:latin typeface="Cambria Math" panose="02040503050406030204" pitchFamily="18" charset="0"/>
-                            </a:rPr>
-                            <m:t>𝑦</m:t>
-                          </m:r>
-                        </m:e>
-                        <m:sub>
-                          <m:r>
-                            <a:rPr lang="en-US" b="0" i="1" smtClean="0">
-                              <a:latin typeface="Cambria Math" panose="02040503050406030204" pitchFamily="18" charset="0"/>
-                            </a:rPr>
-                            <m:t>𝑡</m:t>
-                          </m:r>
-                        </m:sub>
-                      </m:sSub>
-                      <m:r>
-                        <a:rPr lang="en-US" b="0" i="1" smtClean="0">
-                          <a:latin typeface="Cambria Math" panose="02040503050406030204" pitchFamily="18" charset="0"/>
-                        </a:rPr>
-                        <m:t>=</m:t>
-                      </m:r>
-                      <m:sSub>
-                        <m:sSubPr>
-                          <m:ctrlPr>
-                            <a:rPr lang="en-US" b="0" i="1" smtClean="0">
-                              <a:latin typeface="Cambria Math" panose="02040503050406030204" pitchFamily="18" charset="0"/>
-                            </a:rPr>
-                          </m:ctrlPr>
-                        </m:sSubPr>
-                        <m:e>
-                          <m:r>
-                            <a:rPr lang="en-US" b="0" i="1" smtClean="0">
-                              <a:latin typeface="Cambria Math" panose="02040503050406030204" pitchFamily="18" charset="0"/>
-                              <a:ea typeface="Cambria Math" panose="02040503050406030204" pitchFamily="18" charset="0"/>
-                            </a:rPr>
-                            <m:t>𝜙</m:t>
-                          </m:r>
-                        </m:e>
-                        <m:sub>
-                          <m:r>
-                            <a:rPr lang="en-US" b="0" i="1" smtClean="0">
-                              <a:latin typeface="Cambria Math" panose="02040503050406030204" pitchFamily="18" charset="0"/>
-                            </a:rPr>
-                            <m:t>1</m:t>
-                          </m:r>
-                        </m:sub>
-                      </m:sSub>
-                      <m:sSub>
-                        <m:sSubPr>
-                          <m:ctrlPr>
-                            <a:rPr lang="en-US" b="0" i="1" smtClean="0">
-                              <a:latin typeface="Cambria Math" panose="02040503050406030204" pitchFamily="18" charset="0"/>
-                            </a:rPr>
-                          </m:ctrlPr>
-                        </m:sSubPr>
-                        <m:e>
-                          <m:r>
-                            <a:rPr lang="en-US" b="0" i="1" smtClean="0">
-                              <a:latin typeface="Cambria Math" panose="02040503050406030204" pitchFamily="18" charset="0"/>
-                            </a:rPr>
-                            <m:t>𝑦</m:t>
-                          </m:r>
-                        </m:e>
-                        <m:sub>
-                          <m:r>
-                            <a:rPr lang="en-US" b="0" i="1" smtClean="0">
-                              <a:latin typeface="Cambria Math" panose="02040503050406030204" pitchFamily="18" charset="0"/>
-                            </a:rPr>
-                            <m:t>𝑡</m:t>
-                          </m:r>
-                          <m:r>
-                            <a:rPr lang="en-US" b="0" i="1" smtClean="0">
-                              <a:latin typeface="Cambria Math" panose="02040503050406030204" pitchFamily="18" charset="0"/>
-                            </a:rPr>
-                            <m:t>−</m:t>
-                          </m:r>
-                          <m:r>
-                            <a:rPr lang="en-US" b="0" i="1" smtClean="0">
-                              <a:latin typeface="Cambria Math" panose="02040503050406030204" pitchFamily="18" charset="0"/>
-                            </a:rPr>
-                            <m:t>1</m:t>
-                          </m:r>
-                        </m:sub>
-                      </m:sSub>
-                      <m:r>
-                        <a:rPr lang="en-US" b="0" i="1" smtClean="0">
-                          <a:latin typeface="Cambria Math" panose="02040503050406030204" pitchFamily="18" charset="0"/>
-                        </a:rPr>
-                        <m:t>+</m:t>
-                      </m:r>
-                      <m:sSub>
-                        <m:sSubPr>
-                          <m:ctrlPr>
-                            <a:rPr lang="en-US" i="1">
-                              <a:latin typeface="Cambria Math" panose="02040503050406030204" pitchFamily="18" charset="0"/>
-                            </a:rPr>
-                          </m:ctrlPr>
-                        </m:sSubPr>
-                        <m:e>
-                          <m:r>
-                            <a:rPr lang="en-US" i="1">
-                              <a:latin typeface="Cambria Math" panose="02040503050406030204" pitchFamily="18" charset="0"/>
-                              <a:ea typeface="Cambria Math" panose="02040503050406030204" pitchFamily="18" charset="0"/>
-                            </a:rPr>
-                            <m:t>𝜙</m:t>
-                          </m:r>
-                        </m:e>
-                        <m:sub>
-                          <m:r>
-                            <a:rPr lang="en-US" b="0" i="1" smtClean="0">
-                              <a:latin typeface="Cambria Math" panose="02040503050406030204" pitchFamily="18" charset="0"/>
-                              <a:ea typeface="Cambria Math" panose="02040503050406030204" pitchFamily="18" charset="0"/>
-                            </a:rPr>
-                            <m:t>2</m:t>
-                          </m:r>
-                        </m:sub>
-                      </m:sSub>
-                      <m:sSub>
-                        <m:sSubPr>
-                          <m:ctrlPr>
-                            <a:rPr lang="en-US" i="1">
-                              <a:latin typeface="Cambria Math" panose="02040503050406030204" pitchFamily="18" charset="0"/>
-                            </a:rPr>
-                          </m:ctrlPr>
-                        </m:sSubPr>
-                        <m:e>
-                          <m:r>
-                            <a:rPr lang="en-US" i="1">
-                              <a:latin typeface="Cambria Math" panose="02040503050406030204" pitchFamily="18" charset="0"/>
-                            </a:rPr>
-                            <m:t>𝑦</m:t>
-                          </m:r>
-                        </m:e>
-                        <m:sub>
-                          <m:r>
-                            <a:rPr lang="en-US" i="1">
-                              <a:latin typeface="Cambria Math" panose="02040503050406030204" pitchFamily="18" charset="0"/>
-                            </a:rPr>
-                            <m:t>𝑡</m:t>
-                          </m:r>
-                          <m:r>
-                            <a:rPr lang="en-US" i="1">
-                              <a:latin typeface="Cambria Math" panose="02040503050406030204" pitchFamily="18" charset="0"/>
-                            </a:rPr>
-                            <m:t>−</m:t>
-                          </m:r>
-                          <m:r>
-                            <a:rPr lang="en-US" b="0" i="1" smtClean="0">
-                              <a:latin typeface="Cambria Math" panose="02040503050406030204" pitchFamily="18" charset="0"/>
-                            </a:rPr>
-                            <m:t>2</m:t>
-                          </m:r>
-                        </m:sub>
-                      </m:sSub>
-                      <m:r>
-                        <a:rPr lang="en-US" b="0" i="1" smtClean="0">
-                          <a:latin typeface="Cambria Math" panose="02040503050406030204" pitchFamily="18" charset="0"/>
-                        </a:rPr>
-                        <m:t>+…+</m:t>
-                      </m:r>
-                      <m:sSub>
-                        <m:sSubPr>
-                          <m:ctrlPr>
-                            <a:rPr lang="en-US" i="1">
-                              <a:latin typeface="Cambria Math" panose="02040503050406030204" pitchFamily="18" charset="0"/>
-                            </a:rPr>
-                          </m:ctrlPr>
-                        </m:sSubPr>
-                        <m:e>
-                          <m:r>
-                            <a:rPr lang="en-US" i="1">
-                              <a:latin typeface="Cambria Math" panose="02040503050406030204" pitchFamily="18" charset="0"/>
-                              <a:ea typeface="Cambria Math" panose="02040503050406030204" pitchFamily="18" charset="0"/>
-                            </a:rPr>
-                            <m:t>𝜙</m:t>
-                          </m:r>
-                        </m:e>
-                        <m:sub>
-                          <m:r>
-                            <a:rPr lang="en-US" b="0" i="1" smtClean="0">
-                              <a:latin typeface="Cambria Math" panose="02040503050406030204" pitchFamily="18" charset="0"/>
-                              <a:ea typeface="Cambria Math" panose="02040503050406030204" pitchFamily="18" charset="0"/>
-                            </a:rPr>
-                            <m:t>𝑝</m:t>
-                          </m:r>
-                        </m:sub>
-                      </m:sSub>
-                      <m:sSub>
-                        <m:sSubPr>
-                          <m:ctrlPr>
-                            <a:rPr lang="en-US" i="1">
-                              <a:latin typeface="Cambria Math" panose="02040503050406030204" pitchFamily="18" charset="0"/>
-                            </a:rPr>
-                          </m:ctrlPr>
-                        </m:sSubPr>
-                        <m:e>
-                          <m:r>
-                            <a:rPr lang="en-US" i="1">
-                              <a:latin typeface="Cambria Math" panose="02040503050406030204" pitchFamily="18" charset="0"/>
-                            </a:rPr>
-                            <m:t>𝑦</m:t>
-                          </m:r>
-                        </m:e>
-                        <m:sub>
-                          <m:r>
-                            <a:rPr lang="en-US" i="1">
-                              <a:latin typeface="Cambria Math" panose="02040503050406030204" pitchFamily="18" charset="0"/>
-                            </a:rPr>
-                            <m:t>𝑡</m:t>
-                          </m:r>
-                          <m:r>
-                            <a:rPr lang="en-US" i="1">
-                              <a:latin typeface="Cambria Math" panose="02040503050406030204" pitchFamily="18" charset="0"/>
-                            </a:rPr>
-                            <m:t>−</m:t>
-                          </m:r>
-                          <m:r>
-                            <a:rPr lang="en-US" b="0" i="1" smtClean="0">
-                              <a:latin typeface="Cambria Math" panose="02040503050406030204" pitchFamily="18" charset="0"/>
-                            </a:rPr>
-                            <m:t>𝑝</m:t>
-                          </m:r>
-                        </m:sub>
-                      </m:sSub>
-                      <m:r>
-                        <a:rPr lang="en-US" b="0" i="1" smtClean="0">
-                          <a:latin typeface="Cambria Math" panose="02040503050406030204" pitchFamily="18" charset="0"/>
-                        </a:rPr>
-                        <m:t>+</m:t>
-                      </m:r>
-                      <m:sSub>
-                        <m:sSubPr>
-                          <m:ctrlPr>
-                            <a:rPr lang="en-US" b="0" i="1" smtClean="0">
-                              <a:latin typeface="Cambria Math" panose="02040503050406030204" pitchFamily="18" charset="0"/>
-                            </a:rPr>
-                          </m:ctrlPr>
-                        </m:sSubPr>
-                        <m:e>
-                          <m:r>
-                            <a:rPr lang="en-US" b="0" i="1" smtClean="0">
-                              <a:latin typeface="Cambria Math" panose="02040503050406030204" pitchFamily="18" charset="0"/>
-                              <a:ea typeface="Cambria Math" panose="02040503050406030204" pitchFamily="18" charset="0"/>
-                            </a:rPr>
-                            <m:t>𝑤</m:t>
-                          </m:r>
-                        </m:e>
-                        <m:sub>
-                          <m:r>
-                            <a:rPr lang="en-US" b="0" i="1" smtClean="0">
-                              <a:latin typeface="Cambria Math" panose="02040503050406030204" pitchFamily="18" charset="0"/>
-                            </a:rPr>
-                            <m:t>𝑡</m:t>
-                          </m:r>
-                        </m:sub>
-                      </m:sSub>
-                    </m:oMath>
-                  </m:oMathPara>
-                </a14:m>
-                <a:endParaRPr lang="en-US" dirty="0"/>
-              </a:p>
-              <a:p>
-                <a:pPr lvl="0"/>
-                <a:r>
-                  <a:rPr lang="en-US" dirty="0"/>
-                  <a:t>An AR process has the following properties:</a:t>
-                </a:r>
-                <a:endParaRPr lang="en-US" dirty="0">
-                  <a:latin typeface="Cambria Math" panose="02040503050406030204" pitchFamily="18" charset="0"/>
-                </a:endParaRPr>
-              </a:p>
-              <a:p>
-                <a:pPr lvl="1"/>
-                <a14:m>
-                  <m:oMath xmlns:m="http://schemas.openxmlformats.org/officeDocument/2006/math">
-                    <m:sSub>
-                      <m:sSubPr>
-                        <m:ctrlPr>
-                          <a:rPr lang="ar-AE" i="1">
-                            <a:latin typeface="Cambria Math" panose="02040503050406030204" pitchFamily="18" charset="0"/>
-                          </a:rPr>
-                        </m:ctrlPr>
-                      </m:sSubPr>
-                      <m:e>
-                        <m:r>
-                          <a:rPr lang="ar-AE">
-                            <a:latin typeface="Cambria Math" panose="02040503050406030204" pitchFamily="18" charset="0"/>
-                          </a:rPr>
-                          <m:t>𝜌</m:t>
-                        </m:r>
-                      </m:e>
-                      <m:sub>
-                        <m:r>
-                          <a:rPr lang="ar-AE">
-                            <a:latin typeface="Cambria Math" panose="02040503050406030204" pitchFamily="18" charset="0"/>
-                          </a:rPr>
-                          <m:t>0</m:t>
-                        </m:r>
-                      </m:sub>
-                    </m:sSub>
-                    <m:r>
-                      <a:rPr lang="ar-AE">
-                        <a:latin typeface="Cambria Math" panose="02040503050406030204" pitchFamily="18" charset="0"/>
-                      </a:rPr>
-                      <m:t>=</m:t>
-                    </m:r>
-                    <m:r>
-                      <a:rPr lang="ar-AE">
-                        <a:latin typeface="Cambria Math" panose="02040503050406030204" pitchFamily="18" charset="0"/>
-                      </a:rPr>
-                      <m:t>1</m:t>
-                    </m:r>
-                  </m:oMath>
-                </a14:m>
-                <a:r>
-                  <a:rPr lang="ar-AE" dirty="0"/>
-                  <a:t> </a:t>
-                </a:r>
-                <a:r>
-                  <a:rPr lang="en-US" dirty="0"/>
-                  <a:t>always, the first coefficient of the PACF</a:t>
-                </a:r>
-              </a:p>
-              <a:p>
-                <a:pPr lvl="1"/>
-                <a14:m>
-                  <m:oMath xmlns:m="http://schemas.openxmlformats.org/officeDocument/2006/math">
-                    <m:sSub>
-                      <m:sSubPr>
-                        <m:ctrlPr>
-                          <a:rPr lang="ar-AE" i="1" smtClean="0">
-                            <a:latin typeface="Cambria Math" panose="02040503050406030204" pitchFamily="18" charset="0"/>
-                          </a:rPr>
-                        </m:ctrlPr>
-                      </m:sSubPr>
-                      <m:e>
-                        <m:r>
-                          <a:rPr lang="ar-AE">
-                            <a:latin typeface="Cambria Math" panose="02040503050406030204" pitchFamily="18" charset="0"/>
-                          </a:rPr>
-                          <m:t>𝑝</m:t>
-                        </m:r>
-                      </m:e>
-                      <m:sub>
-                        <m:r>
-                          <a:rPr lang="ar-AE">
-                            <a:latin typeface="Cambria Math" panose="02040503050406030204" pitchFamily="18" charset="0"/>
-                          </a:rPr>
-                          <m:t>𝑘</m:t>
-                        </m:r>
-                      </m:sub>
-                    </m:sSub>
-                    <m:r>
-                      <a:rPr lang="en-US" b="0" i="0" smtClean="0">
-                        <a:latin typeface="Cambria Math" panose="02040503050406030204" pitchFamily="18" charset="0"/>
-                      </a:rPr>
-                      <m:t>~</m:t>
-                    </m:r>
-                    <m:sSub>
-                      <m:sSubPr>
-                        <m:ctrlPr>
-                          <a:rPr lang="ar-AE" i="1">
-                            <a:latin typeface="Cambria Math" panose="02040503050406030204" pitchFamily="18" charset="0"/>
-                          </a:rPr>
-                        </m:ctrlPr>
-                      </m:sSubPr>
-                      <m:e>
-                        <m:r>
-                          <a:rPr lang="ar-AE">
-                            <a:latin typeface="Cambria Math" panose="02040503050406030204" pitchFamily="18" charset="0"/>
-                          </a:rPr>
-                          <m:t>𝜙</m:t>
-                        </m:r>
-                      </m:e>
-                      <m:sub>
-                        <m:r>
-                          <a:rPr lang="ar-AE">
-                            <a:latin typeface="Cambria Math" panose="02040503050406030204" pitchFamily="18" charset="0"/>
-                          </a:rPr>
-                          <m:t>𝑘</m:t>
-                        </m:r>
-                      </m:sub>
-                    </m:sSub>
-                  </m:oMath>
-                </a14:m>
-                <a:endParaRPr lang="ar-AE" dirty="0"/>
-              </a:p>
-              <a:p>
-                <a:pPr lvl="1"/>
-                <a:r>
-                  <a:rPr lang="en-US" dirty="0"/>
-                  <a:t>Order of process, </a:t>
-                </a:r>
-                <a14:m>
-                  <m:oMath xmlns:m="http://schemas.openxmlformats.org/officeDocument/2006/math">
-                    <m:r>
-                      <a:rPr lang="en-US" b="0" i="1" smtClean="0">
-                        <a:latin typeface="Cambria Math" panose="02040503050406030204" pitchFamily="18" charset="0"/>
-                      </a:rPr>
-                      <m:t>𝑝</m:t>
-                    </m:r>
-                  </m:oMath>
-                </a14:m>
-                <a:r>
-                  <a:rPr lang="en-US" dirty="0"/>
-                  <a:t>, is number of </a:t>
-                </a:r>
-                <a14:m>
-                  <m:oMath xmlns:m="http://schemas.openxmlformats.org/officeDocument/2006/math">
-                    <m:sSub>
-                      <m:sSubPr>
-                        <m:ctrlPr>
-                          <a:rPr lang="ar-AE" i="1">
-                            <a:latin typeface="Cambria Math" panose="02040503050406030204" pitchFamily="18" charset="0"/>
-                          </a:rPr>
-                        </m:ctrlPr>
-                      </m:sSubPr>
-                      <m:e>
-                        <m:r>
-                          <a:rPr lang="ar-AE">
-                            <a:latin typeface="Cambria Math" panose="02040503050406030204" pitchFamily="18" charset="0"/>
-                          </a:rPr>
-                          <m:t>𝑝</m:t>
-                        </m:r>
-                      </m:e>
-                      <m:sub>
-                        <m:r>
-                          <a:rPr lang="ar-AE">
-                            <a:latin typeface="Cambria Math" panose="02040503050406030204" pitchFamily="18" charset="0"/>
-                          </a:rPr>
-                          <m:t>𝑘</m:t>
-                        </m:r>
-                      </m:sub>
-                    </m:sSub>
-                    <m:r>
-                      <a:rPr lang="ar-AE" i="1" smtClean="0">
-                        <a:latin typeface="Cambria Math" panose="02040503050406030204" pitchFamily="18" charset="0"/>
-                        <a:ea typeface="Cambria Math" panose="02040503050406030204" pitchFamily="18" charset="0"/>
-                      </a:rPr>
-                      <m:t>≠</m:t>
-                    </m:r>
-                    <m:r>
-                      <a:rPr lang="en-US" b="0" i="1" smtClean="0">
-                        <a:latin typeface="Cambria Math" panose="02040503050406030204" pitchFamily="18" charset="0"/>
-                        <a:ea typeface="Cambria Math" panose="02040503050406030204" pitchFamily="18" charset="0"/>
-                      </a:rPr>
-                      <m:t>0</m:t>
-                    </m:r>
-                  </m:oMath>
-                </a14:m>
-                <a:endParaRPr lang="en-US" dirty="0"/>
-              </a:p>
-              <a:p>
-                <a:pPr lvl="1"/>
-                <a:r>
-                  <a:rPr lang="en-US" dirty="0"/>
-                  <a:t>A shock at any time will affect the result as </a:t>
-                </a:r>
-                <a14:m>
-                  <m:oMath xmlns:m="http://schemas.openxmlformats.org/officeDocument/2006/math">
-                    <m:r>
-                      <a:rPr lang="en-US">
-                        <a:latin typeface="Cambria Math" panose="02040503050406030204" pitchFamily="18" charset="0"/>
-                      </a:rPr>
-                      <m:t>𝑡</m:t>
-                    </m:r>
-                    <m:r>
-                      <a:rPr lang="en-US">
-                        <a:latin typeface="Cambria Math" panose="02040503050406030204" pitchFamily="18" charset="0"/>
-                      </a:rPr>
-                      <m:t>→</m:t>
-                    </m:r>
-                    <m:r>
-                      <a:rPr lang="en-US">
-                        <a:latin typeface="Cambria Math" panose="02040503050406030204" pitchFamily="18" charset="0"/>
-                      </a:rPr>
-                      <m:t>∞</m:t>
-                    </m:r>
-                  </m:oMath>
-                </a14:m>
-                <a:endParaRPr lang="en-US" dirty="0"/>
-              </a:p>
-              <a:p>
-                <a:pPr lvl="0"/>
-                <a:r>
-                  <a:rPr lang="en-US" dirty="0"/>
-                  <a:t>AR model has </a:t>
-                </a:r>
-                <a:r>
-                  <a:rPr lang="en-US" b="1" dirty="0"/>
-                  <a:t>constant coefficients,</a:t>
-                </a:r>
-                <a:r>
-                  <a:rPr lang="en-US" dirty="0"/>
-                  <a:t> </a:t>
-                </a:r>
-                <a:r>
-                  <a:rPr lang="en-US" b="1" dirty="0"/>
-                  <a:t>only defined for stationary time series!</a:t>
-                </a:r>
-              </a:p>
-            </p:txBody>
-          </p:sp>
-        </mc:Choice>
-        <mc:Fallback xmlns="">
-          <p:sp>
-            <p:nvSpPr>
-              <p:cNvPr id="3" name="Content Placeholder 2">
-                <a:extLst>
-                  <a:ext uri="{FF2B5EF4-FFF2-40B4-BE49-F238E27FC236}">
-                    <a16:creationId xmlns:a16="http://schemas.microsoft.com/office/drawing/2014/main" id="{3798B878-F8FC-92A0-4F78-26B0B264F5ED}"/>
-                  </a:ext>
-                </a:extLst>
-              </p:cNvPr>
-              <p:cNvSpPr>
-                <a:spLocks noGrp="1" noRot="1" noChangeAspect="1" noMove="1" noResize="1" noEditPoints="1" noAdjustHandles="1" noChangeArrowheads="1" noChangeShapeType="1" noTextEdit="1"/>
-              </p:cNvSpPr>
-              <p:nvPr>
-                <p:ph idx="1"/>
-              </p:nvPr>
-            </p:nvSpPr>
-            <p:spPr>
-              <a:xfrm>
-                <a:off x="613610" y="1015667"/>
-                <a:ext cx="8229600" cy="3921854"/>
-              </a:xfrm>
-              <a:blipFill>
-                <a:blip r:embed="rId2"/>
-                <a:stretch>
-                  <a:fillRect l="-963" t="-2644"/>
-                </a:stretch>
-              </a:blipFill>
-            </p:spPr>
-            <p:txBody>
-              <a:bodyPr/>
-              <a:lstStyle/>
-              <a:p>
-                <a:r>
-                  <a:rPr lang="en-US">
-                    <a:noFill/>
-                  </a:rPr>
-                  <a:t> </a:t>
-                </a:r>
-              </a:p>
-            </p:txBody>
-          </p:sp>
-        </mc:Fallback>
-      </mc:AlternateContent>
-    </p:spTree>
-    <p:extLst>
-      <p:ext uri="{BB962C8B-B14F-4D97-AF65-F5344CB8AC3E}">
-        <p14:creationId xmlns:p14="http://schemas.microsoft.com/office/powerpoint/2010/main" val="495216887"/>
-      </p:ext>
-    </p:extLst>
-  </p:cSld>
-  <p:clrMapOvr>
-    <a:masterClrMapping/>
-  </p:clrMapOvr>
-</p:sld>
-</file>
-
-<file path=ppt/slides/slide12.xml><?xml version="1.0" encoding="utf-8"?>
 <p:sld xmlns:a="http://schemas.openxmlformats.org/drawingml/2006/main" xmlns:r="http://schemas.openxmlformats.org/officeDocument/2006/relationships" xmlns:p="http://schemas.openxmlformats.org/presentationml/2006/main">
   <p:cSld>
     <p:spTree>
@@ -5654,8 +4997,8 @@
           </p:sp>
         </mc:Fallback>
       </mc:AlternateContent>
-      <mc:AlternateContent xmlns:mc="http://schemas.openxmlformats.org/markup-compatibility/2006" xmlns:a14="http://schemas.microsoft.com/office/drawing/2010/main">
-        <mc:Choice Requires="a14">
+      <mc:AlternateContent xmlns:mc="http://schemas.openxmlformats.org/markup-compatibility/2006">
+        <mc:Choice xmlns:a14="http://schemas.microsoft.com/office/drawing/2010/main" Requires="a14">
           <p:sp>
             <p:nvSpPr>
               <p:cNvPr id="11" name="TextBox 10">
@@ -5671,7 +5014,7 @@
             <p:spPr>
               <a:xfrm>
                 <a:off x="4908665" y="3507971"/>
-                <a:ext cx="3990109" cy="461665"/>
+                <a:ext cx="3990109" cy="822469"/>
               </a:xfrm>
               <a:prstGeom prst="rect">
                 <a:avLst/>
@@ -5734,6 +5077,18 @@
                           <m:r>
                             <a:rPr lang="en-US" sz="2400" b="0" i="1" smtClean="0">
                               <a:latin typeface="Cambria Math" panose="02040503050406030204" pitchFamily="18" charset="0"/>
+                            </a:rPr>
+                            <m:t>𝑐</m:t>
+                          </m:r>
+                          <m:r>
+                            <a:rPr lang="en-US" sz="2400" b="0" i="1" smtClean="0">
+                              <a:latin typeface="Cambria Math" panose="02040503050406030204" pitchFamily="18" charset="0"/>
+                            </a:rPr>
+                            <m:t>+</m:t>
+                          </m:r>
+                          <m:r>
+                            <a:rPr lang="en-US" sz="2400" b="0" i="1" smtClean="0">
+                              <a:latin typeface="Cambria Math" panose="02040503050406030204" pitchFamily="18" charset="0"/>
                               <a:ea typeface="Cambria Math" panose="02040503050406030204" pitchFamily="18" charset="0"/>
                             </a:rPr>
                             <m:t>𝜙</m:t>
@@ -5894,7 +5249,7 @@
             </p:txBody>
           </p:sp>
         </mc:Choice>
-        <mc:Fallback xmlns="">
+        <mc:Fallback>
           <p:sp>
             <p:nvSpPr>
               <p:cNvPr id="11" name="TextBox 10">
@@ -5912,7 +5267,7 @@
             <p:spPr>
               <a:xfrm>
                 <a:off x="4908665" y="3507971"/>
-                <a:ext cx="3990109" cy="461665"/>
+                <a:ext cx="3990109" cy="822469"/>
               </a:xfrm>
               <a:prstGeom prst="rect">
                 <a:avLst/>
@@ -5920,7 +5275,7 @@
               <a:blipFill>
                 <a:blip r:embed="rId5"/>
                 <a:stretch>
-                  <a:fillRect b="-17105"/>
+                  <a:fillRect b="-9630"/>
                 </a:stretch>
               </a:blipFill>
             </p:spPr>
@@ -6349,6 +5704,746 @@
     <p:extLst>
       <p:ext uri="{BB962C8B-B14F-4D97-AF65-F5344CB8AC3E}">
         <p14:creationId xmlns:p14="http://schemas.microsoft.com/office/powerpoint/2010/main" val="2176308664"/>
+      </p:ext>
+    </p:extLst>
+  </p:cSld>
+  <p:clrMapOvr>
+    <a:masterClrMapping/>
+  </p:clrMapOvr>
+</p:sld>
+</file>
+
+<file path=ppt/slides/slide12.xml><?xml version="1.0" encoding="utf-8"?>
+<p:sld xmlns:a="http://schemas.openxmlformats.org/drawingml/2006/main" xmlns:r="http://schemas.openxmlformats.org/officeDocument/2006/relationships" xmlns:p="http://schemas.openxmlformats.org/presentationml/2006/main">
+  <p:cSld>
+    <p:spTree>
+      <p:nvGrpSpPr>
+        <p:cNvPr id="1" name="">
+          <a:extLst>
+            <a:ext uri="{FF2B5EF4-FFF2-40B4-BE49-F238E27FC236}">
+              <a16:creationId xmlns:a16="http://schemas.microsoft.com/office/drawing/2014/main" id="{70403374-324A-4F82-B97F-2DAAA31AC0A2}"/>
+            </a:ext>
+          </a:extLst>
+        </p:cNvPr>
+        <p:cNvGrpSpPr/>
+        <p:nvPr/>
+      </p:nvGrpSpPr>
+      <p:grpSpPr>
+        <a:xfrm>
+          <a:off x="0" y="0"/>
+          <a:ext cx="0" cy="0"/>
+          <a:chOff x="0" y="0"/>
+          <a:chExt cx="0" cy="0"/>
+        </a:xfrm>
+      </p:grpSpPr>
+      <p:sp>
+        <p:nvSpPr>
+          <p:cNvPr id="2" name="Title 1">
+            <a:extLst>
+              <a:ext uri="{FF2B5EF4-FFF2-40B4-BE49-F238E27FC236}">
+                <a16:creationId xmlns:a16="http://schemas.microsoft.com/office/drawing/2014/main" id="{96AC93FC-1D09-EC55-8F6C-4AA561DCCC5B}"/>
+              </a:ext>
+            </a:extLst>
+          </p:cNvPr>
+          <p:cNvSpPr>
+            <a:spLocks noGrp="1"/>
+          </p:cNvSpPr>
+          <p:nvPr>
+            <p:ph type="title"/>
+          </p:nvPr>
+        </p:nvSpPr>
+        <p:spPr/>
+        <p:txBody>
+          <a:bodyPr/>
+          <a:lstStyle/>
+          <a:p>
+            <a:pPr marL="0" lvl="0" indent="0">
+              <a:buNone/>
+            </a:pPr>
+            <a:r>
+              <a:t>The Autoregressive Model</a:t>
+            </a:r>
+          </a:p>
+        </p:txBody>
+      </p:sp>
+      <mc:AlternateContent xmlns:mc="http://schemas.openxmlformats.org/markup-compatibility/2006">
+        <mc:Choice xmlns:a14="http://schemas.microsoft.com/office/drawing/2010/main" Requires="a14">
+          <p:sp>
+            <p:nvSpPr>
+              <p:cNvPr id="3" name="Content Placeholder 2">
+                <a:extLst>
+                  <a:ext uri="{FF2B5EF4-FFF2-40B4-BE49-F238E27FC236}">
+                    <a16:creationId xmlns:a16="http://schemas.microsoft.com/office/drawing/2014/main" id="{3798B878-F8FC-92A0-4F78-26B0B264F5ED}"/>
+                  </a:ext>
+                </a:extLst>
+              </p:cNvPr>
+              <p:cNvSpPr>
+                <a:spLocks noGrp="1"/>
+              </p:cNvSpPr>
+              <p:nvPr>
+                <p:ph idx="1"/>
+              </p:nvPr>
+            </p:nvSpPr>
+            <p:spPr>
+              <a:xfrm>
+                <a:off x="613610" y="1015667"/>
+                <a:ext cx="8229600" cy="3921854"/>
+              </a:xfrm>
+            </p:spPr>
+            <p:txBody>
+              <a:bodyPr>
+                <a:normAutofit fontScale="92500" lnSpcReduction="10000"/>
+              </a:bodyPr>
+              <a:lstStyle/>
+              <a:p>
+                <a:pPr marL="0" lvl="0" indent="0">
+                  <a:buNone/>
+                </a:pPr>
+                <a:r>
+                  <a:rPr lang="en-US" b="1" dirty="0"/>
+                  <a:t>Autoregressive model</a:t>
+                </a:r>
+                <a:r>
+                  <a:rPr lang="en-US" dirty="0"/>
+                  <a:t> relates past observations to the current value</a:t>
+                </a:r>
+              </a:p>
+              <a:p>
+                <a:pPr lvl="0"/>
+                <a:r>
+                  <a:rPr lang="en-US" dirty="0"/>
+                  <a:t>An autoregressive model of order </a:t>
+                </a:r>
+                <a14:m>
+                  <m:oMath xmlns:m="http://schemas.openxmlformats.org/officeDocument/2006/math">
+                    <m:r>
+                      <a:rPr lang="en-US">
+                        <a:latin typeface="Cambria Math" panose="02040503050406030204" pitchFamily="18" charset="0"/>
+                      </a:rPr>
+                      <m:t>𝑝</m:t>
+                    </m:r>
+                  </m:oMath>
+                </a14:m>
+                <a:r>
+                  <a:rPr lang="en-US" dirty="0"/>
+                  <a:t>, </a:t>
+                </a:r>
+                <a14:m>
+                  <m:oMath xmlns:m="http://schemas.openxmlformats.org/officeDocument/2006/math">
+                    <m:r>
+                      <a:rPr lang="en-US">
+                        <a:latin typeface="Cambria Math" panose="02040503050406030204" pitchFamily="18" charset="0"/>
+                      </a:rPr>
+                      <m:t>𝐴𝑅</m:t>
+                    </m:r>
+                    <m:d>
+                      <m:dPr>
+                        <m:ctrlPr>
+                          <a:rPr lang="ar-AE" i="1">
+                            <a:latin typeface="Cambria Math" panose="02040503050406030204" pitchFamily="18" charset="0"/>
+                          </a:rPr>
+                        </m:ctrlPr>
+                      </m:dPr>
+                      <m:e>
+                        <m:r>
+                          <a:rPr lang="ar-AE">
+                            <a:latin typeface="Cambria Math" panose="02040503050406030204" pitchFamily="18" charset="0"/>
+                          </a:rPr>
+                          <m:t>𝑝</m:t>
+                        </m:r>
+                      </m:e>
+                    </m:d>
+                  </m:oMath>
+                </a14:m>
+                <a:r>
+                  <a:rPr lang="en-US" dirty="0"/>
+                  <a:t> uses the last p observations to predict the next value:</a:t>
+                </a:r>
+              </a:p>
+              <a:p>
+                <a:pPr marL="0" lvl="0" indent="0">
+                  <a:buNone/>
+                </a:pPr>
+                <a14:m>
+                  <m:oMathPara xmlns:m="http://schemas.openxmlformats.org/officeDocument/2006/math">
+                    <m:oMathParaPr>
+                      <m:jc m:val="centerGroup"/>
+                    </m:oMathParaPr>
+                    <m:oMath xmlns:m="http://schemas.openxmlformats.org/officeDocument/2006/math">
+                      <m:sSub>
+                        <m:sSubPr>
+                          <m:ctrlPr>
+                            <a:rPr lang="ar-AE" i="1" smtClean="0">
+                              <a:latin typeface="Cambria Math" panose="02040503050406030204" pitchFamily="18" charset="0"/>
+                            </a:rPr>
+                          </m:ctrlPr>
+                        </m:sSubPr>
+                        <m:e>
+                          <m:r>
+                            <a:rPr lang="ar-AE" b="0" i="1" smtClean="0">
+                              <a:latin typeface="Cambria Math" panose="02040503050406030204" pitchFamily="18" charset="0"/>
+                            </a:rPr>
+                            <m:t>𝑦</m:t>
+                          </m:r>
+                        </m:e>
+                        <m:sub>
+                          <m:r>
+                            <a:rPr lang="en-US" b="0" i="1" smtClean="0">
+                              <a:latin typeface="Cambria Math" panose="02040503050406030204" pitchFamily="18" charset="0"/>
+                            </a:rPr>
+                            <m:t>𝑡</m:t>
+                          </m:r>
+                        </m:sub>
+                      </m:sSub>
+                      <m:r>
+                        <a:rPr lang="en-US" b="0" i="1" smtClean="0">
+                          <a:latin typeface="Cambria Math" panose="02040503050406030204" pitchFamily="18" charset="0"/>
+                        </a:rPr>
+                        <m:t>=</m:t>
+                      </m:r>
+                      <m:sSub>
+                        <m:sSubPr>
+                          <m:ctrlPr>
+                            <a:rPr lang="en-US" b="0" i="1" smtClean="0">
+                              <a:latin typeface="Cambria Math" panose="02040503050406030204" pitchFamily="18" charset="0"/>
+                            </a:rPr>
+                          </m:ctrlPr>
+                        </m:sSubPr>
+                        <m:e>
+                          <m:r>
+                            <a:rPr lang="en-US" b="0" i="1" smtClean="0">
+                              <a:latin typeface="Cambria Math" panose="02040503050406030204" pitchFamily="18" charset="0"/>
+                            </a:rPr>
+                            <m:t>𝑐</m:t>
+                          </m:r>
+                          <m:r>
+                            <a:rPr lang="en-US" b="0" i="1" smtClean="0">
+                              <a:latin typeface="Cambria Math" panose="02040503050406030204" pitchFamily="18" charset="0"/>
+                            </a:rPr>
+                            <m:t>+</m:t>
+                          </m:r>
+                          <m:r>
+                            <a:rPr lang="en-US" b="0" i="1" smtClean="0">
+                              <a:latin typeface="Cambria Math" panose="02040503050406030204" pitchFamily="18" charset="0"/>
+                              <a:ea typeface="Cambria Math" panose="02040503050406030204" pitchFamily="18" charset="0"/>
+                            </a:rPr>
+                            <m:t>𝜙</m:t>
+                          </m:r>
+                        </m:e>
+                        <m:sub>
+                          <m:r>
+                            <a:rPr lang="en-US" b="0" i="1" smtClean="0">
+                              <a:latin typeface="Cambria Math" panose="02040503050406030204" pitchFamily="18" charset="0"/>
+                            </a:rPr>
+                            <m:t>1</m:t>
+                          </m:r>
+                        </m:sub>
+                      </m:sSub>
+                      <m:sSub>
+                        <m:sSubPr>
+                          <m:ctrlPr>
+                            <a:rPr lang="en-US" b="0" i="1" smtClean="0">
+                              <a:latin typeface="Cambria Math" panose="02040503050406030204" pitchFamily="18" charset="0"/>
+                            </a:rPr>
+                          </m:ctrlPr>
+                        </m:sSubPr>
+                        <m:e>
+                          <m:r>
+                            <a:rPr lang="en-US" b="0" i="1" smtClean="0">
+                              <a:latin typeface="Cambria Math" panose="02040503050406030204" pitchFamily="18" charset="0"/>
+                            </a:rPr>
+                            <m:t>𝑦</m:t>
+                          </m:r>
+                        </m:e>
+                        <m:sub>
+                          <m:r>
+                            <a:rPr lang="en-US" b="0" i="1" smtClean="0">
+                              <a:latin typeface="Cambria Math" panose="02040503050406030204" pitchFamily="18" charset="0"/>
+                            </a:rPr>
+                            <m:t>𝑡</m:t>
+                          </m:r>
+                          <m:r>
+                            <a:rPr lang="en-US" b="0" i="1" smtClean="0">
+                              <a:latin typeface="Cambria Math" panose="02040503050406030204" pitchFamily="18" charset="0"/>
+                            </a:rPr>
+                            <m:t>−</m:t>
+                          </m:r>
+                          <m:r>
+                            <a:rPr lang="en-US" b="0" i="1" smtClean="0">
+                              <a:latin typeface="Cambria Math" panose="02040503050406030204" pitchFamily="18" charset="0"/>
+                            </a:rPr>
+                            <m:t>1</m:t>
+                          </m:r>
+                        </m:sub>
+                      </m:sSub>
+                      <m:r>
+                        <a:rPr lang="en-US" b="0" i="1" smtClean="0">
+                          <a:latin typeface="Cambria Math" panose="02040503050406030204" pitchFamily="18" charset="0"/>
+                        </a:rPr>
+                        <m:t>+</m:t>
+                      </m:r>
+                      <m:sSub>
+                        <m:sSubPr>
+                          <m:ctrlPr>
+                            <a:rPr lang="en-US" i="1">
+                              <a:latin typeface="Cambria Math" panose="02040503050406030204" pitchFamily="18" charset="0"/>
+                            </a:rPr>
+                          </m:ctrlPr>
+                        </m:sSubPr>
+                        <m:e>
+                          <m:r>
+                            <a:rPr lang="en-US" i="1">
+                              <a:latin typeface="Cambria Math" panose="02040503050406030204" pitchFamily="18" charset="0"/>
+                              <a:ea typeface="Cambria Math" panose="02040503050406030204" pitchFamily="18" charset="0"/>
+                            </a:rPr>
+                            <m:t>𝜙</m:t>
+                          </m:r>
+                        </m:e>
+                        <m:sub>
+                          <m:r>
+                            <a:rPr lang="en-US" b="0" i="1" smtClean="0">
+                              <a:latin typeface="Cambria Math" panose="02040503050406030204" pitchFamily="18" charset="0"/>
+                              <a:ea typeface="Cambria Math" panose="02040503050406030204" pitchFamily="18" charset="0"/>
+                            </a:rPr>
+                            <m:t>2</m:t>
+                          </m:r>
+                        </m:sub>
+                      </m:sSub>
+                      <m:sSub>
+                        <m:sSubPr>
+                          <m:ctrlPr>
+                            <a:rPr lang="en-US" i="1">
+                              <a:latin typeface="Cambria Math" panose="02040503050406030204" pitchFamily="18" charset="0"/>
+                            </a:rPr>
+                          </m:ctrlPr>
+                        </m:sSubPr>
+                        <m:e>
+                          <m:r>
+                            <a:rPr lang="en-US" i="1">
+                              <a:latin typeface="Cambria Math" panose="02040503050406030204" pitchFamily="18" charset="0"/>
+                            </a:rPr>
+                            <m:t>𝑦</m:t>
+                          </m:r>
+                        </m:e>
+                        <m:sub>
+                          <m:r>
+                            <a:rPr lang="en-US" i="1">
+                              <a:latin typeface="Cambria Math" panose="02040503050406030204" pitchFamily="18" charset="0"/>
+                            </a:rPr>
+                            <m:t>𝑡</m:t>
+                          </m:r>
+                          <m:r>
+                            <a:rPr lang="en-US" i="1">
+                              <a:latin typeface="Cambria Math" panose="02040503050406030204" pitchFamily="18" charset="0"/>
+                            </a:rPr>
+                            <m:t>−</m:t>
+                          </m:r>
+                          <m:r>
+                            <a:rPr lang="en-US" b="0" i="1" smtClean="0">
+                              <a:latin typeface="Cambria Math" panose="02040503050406030204" pitchFamily="18" charset="0"/>
+                            </a:rPr>
+                            <m:t>2</m:t>
+                          </m:r>
+                        </m:sub>
+                      </m:sSub>
+                      <m:r>
+                        <a:rPr lang="en-US" b="0" i="1" smtClean="0">
+                          <a:latin typeface="Cambria Math" panose="02040503050406030204" pitchFamily="18" charset="0"/>
+                        </a:rPr>
+                        <m:t>+…+</m:t>
+                      </m:r>
+                      <m:sSub>
+                        <m:sSubPr>
+                          <m:ctrlPr>
+                            <a:rPr lang="en-US" i="1">
+                              <a:latin typeface="Cambria Math" panose="02040503050406030204" pitchFamily="18" charset="0"/>
+                            </a:rPr>
+                          </m:ctrlPr>
+                        </m:sSubPr>
+                        <m:e>
+                          <m:r>
+                            <a:rPr lang="en-US" i="1">
+                              <a:latin typeface="Cambria Math" panose="02040503050406030204" pitchFamily="18" charset="0"/>
+                              <a:ea typeface="Cambria Math" panose="02040503050406030204" pitchFamily="18" charset="0"/>
+                            </a:rPr>
+                            <m:t>𝜙</m:t>
+                          </m:r>
+                        </m:e>
+                        <m:sub>
+                          <m:r>
+                            <a:rPr lang="en-US" b="0" i="1" smtClean="0">
+                              <a:latin typeface="Cambria Math" panose="02040503050406030204" pitchFamily="18" charset="0"/>
+                              <a:ea typeface="Cambria Math" panose="02040503050406030204" pitchFamily="18" charset="0"/>
+                            </a:rPr>
+                            <m:t>𝑝</m:t>
+                          </m:r>
+                        </m:sub>
+                      </m:sSub>
+                      <m:sSub>
+                        <m:sSubPr>
+                          <m:ctrlPr>
+                            <a:rPr lang="en-US" i="1">
+                              <a:latin typeface="Cambria Math" panose="02040503050406030204" pitchFamily="18" charset="0"/>
+                            </a:rPr>
+                          </m:ctrlPr>
+                        </m:sSubPr>
+                        <m:e>
+                          <m:r>
+                            <a:rPr lang="en-US" i="1">
+                              <a:latin typeface="Cambria Math" panose="02040503050406030204" pitchFamily="18" charset="0"/>
+                            </a:rPr>
+                            <m:t>𝑦</m:t>
+                          </m:r>
+                        </m:e>
+                        <m:sub>
+                          <m:r>
+                            <a:rPr lang="en-US" i="1">
+                              <a:latin typeface="Cambria Math" panose="02040503050406030204" pitchFamily="18" charset="0"/>
+                            </a:rPr>
+                            <m:t>𝑡</m:t>
+                          </m:r>
+                          <m:r>
+                            <a:rPr lang="en-US" i="1">
+                              <a:latin typeface="Cambria Math" panose="02040503050406030204" pitchFamily="18" charset="0"/>
+                            </a:rPr>
+                            <m:t>−</m:t>
+                          </m:r>
+                          <m:r>
+                            <a:rPr lang="en-US" b="0" i="1" smtClean="0">
+                              <a:latin typeface="Cambria Math" panose="02040503050406030204" pitchFamily="18" charset="0"/>
+                            </a:rPr>
+                            <m:t>𝑝</m:t>
+                          </m:r>
+                        </m:sub>
+                      </m:sSub>
+                      <m:r>
+                        <a:rPr lang="en-US" b="0" i="1" smtClean="0">
+                          <a:latin typeface="Cambria Math" panose="02040503050406030204" pitchFamily="18" charset="0"/>
+                        </a:rPr>
+                        <m:t>+</m:t>
+                      </m:r>
+                      <m:sSub>
+                        <m:sSubPr>
+                          <m:ctrlPr>
+                            <a:rPr lang="en-US" b="0" i="1" smtClean="0">
+                              <a:latin typeface="Cambria Math" panose="02040503050406030204" pitchFamily="18" charset="0"/>
+                            </a:rPr>
+                          </m:ctrlPr>
+                        </m:sSubPr>
+                        <m:e>
+                          <m:r>
+                            <a:rPr lang="en-US" b="0" i="1" smtClean="0">
+                              <a:latin typeface="Cambria Math" panose="02040503050406030204" pitchFamily="18" charset="0"/>
+                              <a:ea typeface="Cambria Math" panose="02040503050406030204" pitchFamily="18" charset="0"/>
+                            </a:rPr>
+                            <m:t>𝑤</m:t>
+                          </m:r>
+                        </m:e>
+                        <m:sub>
+                          <m:r>
+                            <a:rPr lang="en-US" b="0" i="1" smtClean="0">
+                              <a:latin typeface="Cambria Math" panose="02040503050406030204" pitchFamily="18" charset="0"/>
+                            </a:rPr>
+                            <m:t>𝑡</m:t>
+                          </m:r>
+                        </m:sub>
+                      </m:sSub>
+                    </m:oMath>
+                  </m:oMathPara>
+                </a14:m>
+                <a:endParaRPr lang="en-US" dirty="0"/>
+              </a:p>
+              <a:p>
+                <a:pPr lvl="0"/>
+                <a:r>
+                  <a:rPr lang="en-US" dirty="0"/>
+                  <a:t>An AR process has the following properties:</a:t>
+                </a:r>
+                <a:endParaRPr lang="en-US" dirty="0">
+                  <a:latin typeface="Cambria Math" panose="02040503050406030204" pitchFamily="18" charset="0"/>
+                </a:endParaRPr>
+              </a:p>
+              <a:p>
+                <a:pPr lvl="1"/>
+                <a14:m>
+                  <m:oMath xmlns:m="http://schemas.openxmlformats.org/officeDocument/2006/math">
+                    <m:sSub>
+                      <m:sSubPr>
+                        <m:ctrlPr>
+                          <a:rPr lang="ar-AE" i="1">
+                            <a:latin typeface="Cambria Math" panose="02040503050406030204" pitchFamily="18" charset="0"/>
+                          </a:rPr>
+                        </m:ctrlPr>
+                      </m:sSubPr>
+                      <m:e>
+                        <m:r>
+                          <a:rPr lang="ar-AE">
+                            <a:latin typeface="Cambria Math" panose="02040503050406030204" pitchFamily="18" charset="0"/>
+                          </a:rPr>
+                          <m:t>𝜌</m:t>
+                        </m:r>
+                      </m:e>
+                      <m:sub>
+                        <m:r>
+                          <a:rPr lang="ar-AE">
+                            <a:latin typeface="Cambria Math" panose="02040503050406030204" pitchFamily="18" charset="0"/>
+                          </a:rPr>
+                          <m:t>0</m:t>
+                        </m:r>
+                      </m:sub>
+                    </m:sSub>
+                    <m:r>
+                      <a:rPr lang="ar-AE">
+                        <a:latin typeface="Cambria Math" panose="02040503050406030204" pitchFamily="18" charset="0"/>
+                      </a:rPr>
+                      <m:t>=</m:t>
+                    </m:r>
+                    <m:r>
+                      <a:rPr lang="ar-AE">
+                        <a:latin typeface="Cambria Math" panose="02040503050406030204" pitchFamily="18" charset="0"/>
+                      </a:rPr>
+                      <m:t>1</m:t>
+                    </m:r>
+                  </m:oMath>
+                </a14:m>
+                <a:r>
+                  <a:rPr lang="ar-AE" dirty="0"/>
+                  <a:t> </a:t>
+                </a:r>
+                <a:r>
+                  <a:rPr lang="en-US" dirty="0"/>
+                  <a:t>always, the first coefficient of the PACF</a:t>
+                </a:r>
+              </a:p>
+              <a:p>
+                <a:pPr lvl="1"/>
+                <a14:m>
+                  <m:oMath xmlns:m="http://schemas.openxmlformats.org/officeDocument/2006/math">
+                    <m:sSub>
+                      <m:sSubPr>
+                        <m:ctrlPr>
+                          <a:rPr lang="ar-AE" i="1" smtClean="0">
+                            <a:latin typeface="Cambria Math" panose="02040503050406030204" pitchFamily="18" charset="0"/>
+                          </a:rPr>
+                        </m:ctrlPr>
+                      </m:sSubPr>
+                      <m:e>
+                        <m:r>
+                          <a:rPr lang="ar-AE">
+                            <a:latin typeface="Cambria Math" panose="02040503050406030204" pitchFamily="18" charset="0"/>
+                          </a:rPr>
+                          <m:t>𝑝</m:t>
+                        </m:r>
+                      </m:e>
+                      <m:sub>
+                        <m:r>
+                          <a:rPr lang="ar-AE">
+                            <a:latin typeface="Cambria Math" panose="02040503050406030204" pitchFamily="18" charset="0"/>
+                          </a:rPr>
+                          <m:t>𝑘</m:t>
+                        </m:r>
+                      </m:sub>
+                    </m:sSub>
+                    <m:r>
+                      <a:rPr lang="en-US" b="0" i="0" smtClean="0">
+                        <a:latin typeface="Cambria Math" panose="02040503050406030204" pitchFamily="18" charset="0"/>
+                      </a:rPr>
+                      <m:t>~</m:t>
+                    </m:r>
+                    <m:sSub>
+                      <m:sSubPr>
+                        <m:ctrlPr>
+                          <a:rPr lang="ar-AE" i="1">
+                            <a:latin typeface="Cambria Math" panose="02040503050406030204" pitchFamily="18" charset="0"/>
+                          </a:rPr>
+                        </m:ctrlPr>
+                      </m:sSubPr>
+                      <m:e>
+                        <m:r>
+                          <a:rPr lang="ar-AE">
+                            <a:latin typeface="Cambria Math" panose="02040503050406030204" pitchFamily="18" charset="0"/>
+                          </a:rPr>
+                          <m:t>𝜙</m:t>
+                        </m:r>
+                      </m:e>
+                      <m:sub>
+                        <m:r>
+                          <a:rPr lang="ar-AE">
+                            <a:latin typeface="Cambria Math" panose="02040503050406030204" pitchFamily="18" charset="0"/>
+                          </a:rPr>
+                          <m:t>𝑘</m:t>
+                        </m:r>
+                      </m:sub>
+                    </m:sSub>
+                  </m:oMath>
+                </a14:m>
+                <a:endParaRPr lang="ar-AE" dirty="0"/>
+              </a:p>
+              <a:p>
+                <a:pPr lvl="1"/>
+                <a:r>
+                  <a:rPr lang="en-US" dirty="0"/>
+                  <a:t>Order of process, </a:t>
+                </a:r>
+                <a14:m>
+                  <m:oMath xmlns:m="http://schemas.openxmlformats.org/officeDocument/2006/math">
+                    <m:r>
+                      <a:rPr lang="en-US" b="0" i="1" smtClean="0">
+                        <a:latin typeface="Cambria Math" panose="02040503050406030204" pitchFamily="18" charset="0"/>
+                      </a:rPr>
+                      <m:t>𝑝</m:t>
+                    </m:r>
+                  </m:oMath>
+                </a14:m>
+                <a:r>
+                  <a:rPr lang="en-US" dirty="0"/>
+                  <a:t>, is number of </a:t>
+                </a:r>
+                <a14:m>
+                  <m:oMath xmlns:m="http://schemas.openxmlformats.org/officeDocument/2006/math">
+                    <m:sSub>
+                      <m:sSubPr>
+                        <m:ctrlPr>
+                          <a:rPr lang="ar-AE" i="1">
+                            <a:latin typeface="Cambria Math" panose="02040503050406030204" pitchFamily="18" charset="0"/>
+                          </a:rPr>
+                        </m:ctrlPr>
+                      </m:sSubPr>
+                      <m:e>
+                        <m:r>
+                          <a:rPr lang="ar-AE">
+                            <a:latin typeface="Cambria Math" panose="02040503050406030204" pitchFamily="18" charset="0"/>
+                          </a:rPr>
+                          <m:t>𝑝</m:t>
+                        </m:r>
+                      </m:e>
+                      <m:sub>
+                        <m:r>
+                          <a:rPr lang="ar-AE">
+                            <a:latin typeface="Cambria Math" panose="02040503050406030204" pitchFamily="18" charset="0"/>
+                          </a:rPr>
+                          <m:t>𝑘</m:t>
+                        </m:r>
+                      </m:sub>
+                    </m:sSub>
+                    <m:r>
+                      <a:rPr lang="ar-AE" i="1" smtClean="0">
+                        <a:latin typeface="Cambria Math" panose="02040503050406030204" pitchFamily="18" charset="0"/>
+                        <a:ea typeface="Cambria Math" panose="02040503050406030204" pitchFamily="18" charset="0"/>
+                      </a:rPr>
+                      <m:t>≠</m:t>
+                    </m:r>
+                    <m:r>
+                      <a:rPr lang="en-US" b="0" i="1" smtClean="0">
+                        <a:latin typeface="Cambria Math" panose="02040503050406030204" pitchFamily="18" charset="0"/>
+                        <a:ea typeface="Cambria Math" panose="02040503050406030204" pitchFamily="18" charset="0"/>
+                      </a:rPr>
+                      <m:t>0</m:t>
+                    </m:r>
+                  </m:oMath>
+                </a14:m>
+                <a:endParaRPr lang="en-US" dirty="0"/>
+              </a:p>
+              <a:p>
+                <a:pPr lvl="1"/>
+                <a:r>
+                  <a:rPr lang="en-US" dirty="0"/>
+                  <a:t>A shock at any time will affect the result as </a:t>
+                </a:r>
+                <a14:m>
+                  <m:oMath xmlns:m="http://schemas.openxmlformats.org/officeDocument/2006/math">
+                    <m:r>
+                      <a:rPr lang="en-US">
+                        <a:latin typeface="Cambria Math" panose="02040503050406030204" pitchFamily="18" charset="0"/>
+                      </a:rPr>
+                      <m:t>𝑡</m:t>
+                    </m:r>
+                    <m:r>
+                      <a:rPr lang="en-US">
+                        <a:latin typeface="Cambria Math" panose="02040503050406030204" pitchFamily="18" charset="0"/>
+                      </a:rPr>
+                      <m:t>→</m:t>
+                    </m:r>
+                    <m:r>
+                      <a:rPr lang="en-US">
+                        <a:latin typeface="Cambria Math" panose="02040503050406030204" pitchFamily="18" charset="0"/>
+                      </a:rPr>
+                      <m:t>∞</m:t>
+                    </m:r>
+                  </m:oMath>
+                </a14:m>
+                <a:endParaRPr lang="en-US" dirty="0"/>
+              </a:p>
+              <a:p>
+                <a:pPr lvl="0"/>
+                <a:r>
+                  <a:rPr lang="en-US" dirty="0"/>
+                  <a:t>AR model has </a:t>
+                </a:r>
+                <a:r>
+                  <a:rPr lang="en-US" b="1" dirty="0"/>
+                  <a:t>constant coefficients,</a:t>
+                </a:r>
+                <a:r>
+                  <a:rPr lang="en-US" dirty="0"/>
+                  <a:t> </a:t>
+                </a:r>
+                <a:r>
+                  <a:rPr lang="en-US" b="1" dirty="0"/>
+                  <a:t>only defined for stationary time series!</a:t>
+                </a:r>
+              </a:p>
+            </p:txBody>
+          </p:sp>
+        </mc:Choice>
+        <mc:Fallback>
+          <p:sp>
+            <p:nvSpPr>
+              <p:cNvPr id="3" name="Content Placeholder 2">
+                <a:extLst>
+                  <a:ext uri="{FF2B5EF4-FFF2-40B4-BE49-F238E27FC236}">
+                    <a16:creationId xmlns:a16="http://schemas.microsoft.com/office/drawing/2014/main" id="{3798B878-F8FC-92A0-4F78-26B0B264F5ED}"/>
+                  </a:ext>
+                </a:extLst>
+              </p:cNvPr>
+              <p:cNvSpPr>
+                <a:spLocks noGrp="1" noRot="1" noChangeAspect="1" noMove="1" noResize="1" noEditPoints="1" noAdjustHandles="1" noChangeArrowheads="1" noChangeShapeType="1" noTextEdit="1"/>
+              </p:cNvSpPr>
+              <p:nvPr>
+                <p:ph idx="1"/>
+              </p:nvPr>
+            </p:nvSpPr>
+            <p:spPr>
+              <a:xfrm>
+                <a:off x="613610" y="1015667"/>
+                <a:ext cx="8229600" cy="3921854"/>
+              </a:xfrm>
+              <a:blipFill>
+                <a:blip r:embed="rId2"/>
+                <a:stretch>
+                  <a:fillRect l="-963" t="-2022"/>
+                </a:stretch>
+              </a:blipFill>
+            </p:spPr>
+            <p:txBody>
+              <a:bodyPr/>
+              <a:lstStyle/>
+              <a:p>
+                <a:r>
+                  <a:rPr lang="en-US">
+                    <a:noFill/>
+                  </a:rPr>
+                  <a:t> </a:t>
+                </a:r>
+              </a:p>
+            </p:txBody>
+          </p:sp>
+        </mc:Fallback>
+      </mc:AlternateContent>
+    </p:spTree>
+    <p:extLst>
+      <p:ext uri="{BB962C8B-B14F-4D97-AF65-F5344CB8AC3E}">
+        <p14:creationId xmlns:p14="http://schemas.microsoft.com/office/powerpoint/2010/main" val="495216887"/>
       </p:ext>
     </p:extLst>
   </p:cSld>
@@ -7356,8 +7451,8 @@
           </a:p>
         </p:txBody>
       </p:sp>
-      <mc:AlternateContent xmlns:mc="http://schemas.openxmlformats.org/markup-compatibility/2006" xmlns:a14="http://schemas.microsoft.com/office/drawing/2010/main">
-        <mc:Choice Requires="a14">
+      <mc:AlternateContent xmlns:mc="http://schemas.openxmlformats.org/markup-compatibility/2006">
+        <mc:Choice xmlns:a14="http://schemas.microsoft.com/office/drawing/2010/main" Requires="a14">
           <p:sp>
             <p:nvSpPr>
               <p:cNvPr id="3" name="Content Placeholder 2"/>
@@ -7376,7 +7471,7 @@
             </p:spPr>
             <p:txBody>
               <a:bodyPr>
-                <a:normAutofit fontScale="70000" lnSpcReduction="20000"/>
+                <a:normAutofit fontScale="62500" lnSpcReduction="20000"/>
               </a:bodyPr>
               <a:lstStyle/>
               <a:p>
@@ -7445,6 +7540,18 @@
                           <a:latin typeface="Cambria Math" panose="02040503050406030204" pitchFamily="18" charset="0"/>
                         </a:rPr>
                         <m:t>=</m:t>
+                      </m:r>
+                      <m:r>
+                        <a:rPr lang="en-US" b="0" i="1" smtClean="0">
+                          <a:latin typeface="Cambria Math" panose="02040503050406030204" pitchFamily="18" charset="0"/>
+                        </a:rPr>
+                        <m:t>𝑐</m:t>
+                      </m:r>
+                      <m:r>
+                        <a:rPr lang="en-US" b="0" i="1" smtClean="0">
+                          <a:latin typeface="Cambria Math" panose="02040503050406030204" pitchFamily="18" charset="0"/>
+                        </a:rPr>
+                        <m:t>+</m:t>
                       </m:r>
                       <m:r>
                         <a:rPr lang="en-US" b="0" i="1" smtClean="0">
@@ -7570,7 +7677,9 @@
                 <a:pPr marL="0" lvl="0" indent="0">
                   <a:buNone/>
                 </a:pPr>
-                <a:endParaRPr lang="en-US" sz="1100" dirty="0"/>
+                <a:endParaRPr lang="en-US" b="0" i="1" dirty="0">
+                  <a:latin typeface="Cambria Math" panose="02040503050406030204" pitchFamily="18" charset="0"/>
+                </a:endParaRPr>
               </a:p>
               <a:p>
                 <a:pPr marL="0" lvl="0" indent="0">
@@ -7585,19 +7694,217 @@
                       <m:r>
                         <a:rPr lang="en-US" b="0" i="1" smtClean="0">
                           <a:latin typeface="Cambria Math" panose="02040503050406030204" pitchFamily="18" charset="0"/>
-                          <a:ea typeface="Cambria Math" panose="02040503050406030204" pitchFamily="18" charset="0"/>
                         </a:rPr>
-                        <m:t>𝑜𝑟</m:t>
+                        <m:t>𝑛𝑜𝑤</m:t>
                       </m:r>
                       <m:r>
                         <a:rPr lang="en-US" b="0" i="1" smtClean="0">
                           <a:latin typeface="Cambria Math" panose="02040503050406030204" pitchFamily="18" charset="0"/>
+                        </a:rPr>
+                        <m:t>,  </m:t>
+                      </m:r>
+                      <m:r>
+                        <a:rPr lang="en-US" b="0" i="1" smtClean="0">
+                          <a:latin typeface="Cambria Math" panose="02040503050406030204" pitchFamily="18" charset="0"/>
+                        </a:rPr>
+                        <m:t>𝐸</m:t>
+                      </m:r>
+                      <m:d>
+                        <m:dPr>
+                          <m:ctrlPr>
+                            <a:rPr lang="en-US" b="0" i="1" smtClean="0">
+                              <a:latin typeface="Cambria Math" panose="02040503050406030204" pitchFamily="18" charset="0"/>
+                            </a:rPr>
+                          </m:ctrlPr>
+                        </m:dPr>
+                        <m:e>
+                          <m:sSub>
+                            <m:sSubPr>
+                              <m:ctrlPr>
+                                <a:rPr lang="en-US" b="0" i="1" smtClean="0">
+                                  <a:latin typeface="Cambria Math" panose="02040503050406030204" pitchFamily="18" charset="0"/>
+                                </a:rPr>
+                              </m:ctrlPr>
+                            </m:sSubPr>
+                            <m:e>
+                              <m:r>
+                                <a:rPr lang="en-US" b="0" i="1" smtClean="0">
+                                  <a:latin typeface="Cambria Math" panose="02040503050406030204" pitchFamily="18" charset="0"/>
+                                </a:rPr>
+                                <m:t>𝑦</m:t>
+                              </m:r>
+                            </m:e>
+                            <m:sub>
+                              <m:r>
+                                <a:rPr lang="en-US" b="0" i="1" smtClean="0">
+                                  <a:latin typeface="Cambria Math" panose="02040503050406030204" pitchFamily="18" charset="0"/>
+                                </a:rPr>
+                                <m:t>𝑡</m:t>
+                              </m:r>
+                            </m:sub>
+                          </m:sSub>
+                        </m:e>
+                      </m:d>
+                      <m:r>
+                        <a:rPr lang="en-US" i="1">
+                          <a:latin typeface="Cambria Math" panose="02040503050406030204" pitchFamily="18" charset="0"/>
+                        </a:rPr>
+                        <m:t>=</m:t>
+                      </m:r>
+                      <m:r>
+                        <a:rPr lang="en-US" i="1">
+                          <a:latin typeface="Cambria Math" panose="02040503050406030204" pitchFamily="18" charset="0"/>
+                        </a:rPr>
+                        <m:t>𝐸</m:t>
+                      </m:r>
+                      <m:d>
+                        <m:dPr>
+                          <m:ctrlPr>
+                            <a:rPr lang="en-US" i="1">
+                              <a:latin typeface="Cambria Math" panose="02040503050406030204" pitchFamily="18" charset="0"/>
+                            </a:rPr>
+                          </m:ctrlPr>
+                        </m:dPr>
+                        <m:e>
+                          <m:sSub>
+                            <m:sSubPr>
+                              <m:ctrlPr>
+                                <a:rPr lang="en-US" i="1">
+                                  <a:latin typeface="Cambria Math" panose="02040503050406030204" pitchFamily="18" charset="0"/>
+                                </a:rPr>
+                              </m:ctrlPr>
+                            </m:sSubPr>
+                            <m:e>
+                              <m:r>
+                                <a:rPr lang="en-US" i="1">
+                                  <a:latin typeface="Cambria Math" panose="02040503050406030204" pitchFamily="18" charset="0"/>
+                                </a:rPr>
+                                <m:t>𝑦</m:t>
+                              </m:r>
+                            </m:e>
+                            <m:sub>
+                              <m:r>
+                                <a:rPr lang="en-US" i="1">
+                                  <a:latin typeface="Cambria Math" panose="02040503050406030204" pitchFamily="18" charset="0"/>
+                                </a:rPr>
+                                <m:t>𝑡</m:t>
+                              </m:r>
+                              <m:r>
+                                <a:rPr lang="en-US" b="0" i="1" smtClean="0">
+                                  <a:latin typeface="Cambria Math" panose="02040503050406030204" pitchFamily="18" charset="0"/>
+                                </a:rPr>
+                                <m:t>−</m:t>
+                              </m:r>
+                              <m:r>
+                                <a:rPr lang="en-US" b="0" i="1" smtClean="0">
+                                  <a:latin typeface="Cambria Math" panose="02040503050406030204" pitchFamily="18" charset="0"/>
+                                </a:rPr>
+                                <m:t>𝑘</m:t>
+                              </m:r>
+                            </m:sub>
+                          </m:sSub>
+                        </m:e>
+                      </m:d>
+                      <m:r>
+                        <a:rPr lang="en-US" b="0" i="1" smtClean="0">
+                          <a:latin typeface="Cambria Math" panose="02040503050406030204" pitchFamily="18" charset="0"/>
+                        </a:rPr>
+                        <m:t>=</m:t>
+                      </m:r>
+                      <m:r>
+                        <a:rPr lang="en-US" i="1">
+                          <a:latin typeface="Cambria Math" panose="02040503050406030204" pitchFamily="18" charset="0"/>
                           <a:ea typeface="Cambria Math" panose="02040503050406030204" pitchFamily="18" charset="0"/>
                         </a:rPr>
-                        <m:t>, </m:t>
+                        <m:t>𝜇</m:t>
                       </m:r>
                       <m:r>
-                        <a:rPr lang="en-US" i="1" smtClean="0">
+                        <a:rPr lang="en-US" i="1">
+                          <a:latin typeface="Cambria Math" panose="02040503050406030204" pitchFamily="18" charset="0"/>
+                          <a:ea typeface="Cambria Math" panose="02040503050406030204" pitchFamily="18" charset="0"/>
+                        </a:rPr>
+                        <m:t>,  </m:t>
+                      </m:r>
+                      <m:r>
+                        <a:rPr lang="en-US" i="1">
+                          <a:latin typeface="Cambria Math" panose="02040503050406030204" pitchFamily="18" charset="0"/>
+                          <a:ea typeface="Cambria Math" panose="02040503050406030204" pitchFamily="18" charset="0"/>
+                        </a:rPr>
+                        <m:t>𝐸</m:t>
+                      </m:r>
+                      <m:d>
+                        <m:dPr>
+                          <m:ctrlPr>
+                            <a:rPr lang="en-US" i="1">
+                              <a:latin typeface="Cambria Math" panose="02040503050406030204" pitchFamily="18" charset="0"/>
+                              <a:ea typeface="Cambria Math" panose="02040503050406030204" pitchFamily="18" charset="0"/>
+                            </a:rPr>
+                          </m:ctrlPr>
+                        </m:dPr>
+                        <m:e>
+                          <m:sSub>
+                            <m:sSubPr>
+                              <m:ctrlPr>
+                                <a:rPr lang="en-US" i="1">
+                                  <a:latin typeface="Cambria Math" panose="02040503050406030204" pitchFamily="18" charset="0"/>
+                                </a:rPr>
+                              </m:ctrlPr>
+                            </m:sSubPr>
+                            <m:e>
+                              <m:r>
+                                <a:rPr lang="en-US" i="1">
+                                  <a:latin typeface="Cambria Math" panose="02040503050406030204" pitchFamily="18" charset="0"/>
+                                  <a:ea typeface="Cambria Math" panose="02040503050406030204" pitchFamily="18" charset="0"/>
+                                </a:rPr>
+                                <m:t>𝜔</m:t>
+                              </m:r>
+                            </m:e>
+                            <m:sub>
+                              <m:r>
+                                <a:rPr lang="en-US" i="1">
+                                  <a:latin typeface="Cambria Math" panose="02040503050406030204" pitchFamily="18" charset="0"/>
+                                </a:rPr>
+                                <m:t>𝑡</m:t>
+                              </m:r>
+                            </m:sub>
+                          </m:sSub>
+                        </m:e>
+                      </m:d>
+                      <m:r>
+                        <a:rPr lang="en-US" i="1">
+                          <a:latin typeface="Cambria Math" panose="02040503050406030204" pitchFamily="18" charset="0"/>
+                        </a:rPr>
+                        <m:t>=</m:t>
+                      </m:r>
+                      <m:r>
+                        <a:rPr lang="en-US" i="1">
+                          <a:latin typeface="Cambria Math" panose="02040503050406030204" pitchFamily="18" charset="0"/>
+                        </a:rPr>
+                        <m:t>0</m:t>
+                      </m:r>
+                    </m:oMath>
+                  </m:oMathPara>
+                </a14:m>
+                <a:endParaRPr lang="en-US" dirty="0"/>
+              </a:p>
+              <a:p>
+                <a:pPr marL="0" lvl="0" indent="0">
+                  <a:buNone/>
+                </a:pPr>
+                <a:endParaRPr lang="en-US" sz="1100" dirty="0"/>
+              </a:p>
+              <a:p>
+                <a:pPr marL="0" indent="0">
+                  <a:buNone/>
+                </a:pPr>
+                <a14:m>
+                  <m:oMathPara xmlns:m="http://schemas.openxmlformats.org/officeDocument/2006/math">
+                    <m:oMathParaPr>
+                      <m:jc m:val="centerGroup"/>
+                    </m:oMathParaPr>
+                    <m:oMath xmlns:m="http://schemas.openxmlformats.org/officeDocument/2006/math">
+                      <m:r>
+                        <a:rPr lang="en-US" i="1">
                           <a:latin typeface="Cambria Math" panose="02040503050406030204" pitchFamily="18" charset="0"/>
                           <a:ea typeface="Cambria Math" panose="02040503050406030204" pitchFamily="18" charset="0"/>
                         </a:rPr>
@@ -7625,7 +7932,7 @@
                         <m:t>+</m:t>
                       </m:r>
                       <m:r>
-                        <a:rPr lang="en-US" i="1" smtClean="0">
+                        <a:rPr lang="en-US" i="1">
                           <a:latin typeface="Cambria Math" panose="02040503050406030204" pitchFamily="18" charset="0"/>
                           <a:ea typeface="Cambria Math" panose="02040503050406030204" pitchFamily="18" charset="0"/>
                         </a:rPr>
@@ -7639,14 +7946,14 @@
                         <m:t>𝜇</m:t>
                       </m:r>
                       <m:r>
-                        <a:rPr lang="en-US" b="0" i="0" smtClean="0">
+                        <a:rPr lang="en-US">
                           <a:latin typeface="Cambria Math" panose="02040503050406030204" pitchFamily="18" charset="0"/>
                           <a:ea typeface="Cambria Math" panose="02040503050406030204" pitchFamily="18" charset="0"/>
                         </a:rPr>
                         <m:t>+</m:t>
                       </m:r>
                       <m:r>
-                        <a:rPr lang="en-US" b="0" i="0" smtClean="0">
+                        <a:rPr lang="en-US">
                           <a:latin typeface="Cambria Math" panose="02040503050406030204" pitchFamily="18" charset="0"/>
                           <a:ea typeface="Cambria Math" panose="02040503050406030204" pitchFamily="18" charset="0"/>
                         </a:rPr>
@@ -7655,7 +7962,8 @@
                     </m:oMath>
                   </m:oMathPara>
                 </a14:m>
-                <a:endParaRPr lang="en-US" b="0" dirty="0">
+                <a:endParaRPr lang="en-US" b="0" i="1" dirty="0">
+                  <a:latin typeface="Cambria Math" panose="02040503050406030204" pitchFamily="18" charset="0"/>
                   <a:ea typeface="Cambria Math" panose="02040503050406030204" pitchFamily="18" charset="0"/>
                 </a:endParaRPr>
               </a:p>
@@ -7681,13 +7989,7 @@
                         <a:rPr lang="en-US" b="0" i="1" smtClean="0">
                           <a:latin typeface="Cambria Math" panose="02040503050406030204" pitchFamily="18" charset="0"/>
                         </a:rPr>
-                        <m:t>𝑎𝑛𝑑</m:t>
-                      </m:r>
-                      <m:r>
-                        <a:rPr lang="en-US" b="0" i="1" smtClean="0">
-                          <a:latin typeface="Cambria Math" panose="02040503050406030204" pitchFamily="18" charset="0"/>
-                        </a:rPr>
-                        <m:t>, </m:t>
+                        <m:t> </m:t>
                       </m:r>
                       <m:r>
                         <a:rPr lang="en-US" b="0" i="1" smtClean="0">
@@ -7830,8 +8132,9 @@
                     <m:r>
                       <a:rPr lang="en-US">
                         <a:latin typeface="Cambria Math" panose="02040503050406030204" pitchFamily="18" charset="0"/>
+                        <a:ea typeface="Cambria Math" panose="02040503050406030204" pitchFamily="18" charset="0"/>
                       </a:rPr>
-                      <m:t>&lt;</m:t>
+                      <m:t>≠</m:t>
                     </m:r>
                     <m:r>
                       <a:rPr lang="en-US">
@@ -7841,7 +8144,14 @@
                     </m:r>
                   </m:oMath>
                 </a14:m>
-                <a:endParaRPr lang="en-US" dirty="0"/>
+                <a:r>
+                  <a:rPr lang="en-US" dirty="0"/>
+                  <a:t>, </a:t>
+                </a:r>
+                <a:r>
+                  <a:rPr lang="en-US" b="1" dirty="0"/>
+                  <a:t>not a unit root!</a:t>
+                </a:r>
               </a:p>
               <a:p>
                 <a:pPr lvl="0"/>
@@ -7854,12 +8164,12 @@
                 <a:pPr lvl="0"/>
                 <a:r>
                   <a:rPr lang="en-US" dirty="0"/>
-                  <a:t>AR(1) model with unit root is a random walk with the </a:t>
+                  <a:t>AR(1) model with </a:t>
                 </a:r>
                 <a14:m>
                   <m:oMath xmlns:m="http://schemas.openxmlformats.org/officeDocument/2006/math">
                     <m:r>
-                      <a:rPr lang="en-US" i="1">
+                      <a:rPr lang="en-US" i="1" smtClean="0">
                         <a:latin typeface="Cambria Math" panose="02040503050406030204" pitchFamily="18" charset="0"/>
                         <a:ea typeface="Cambria Math" panose="02040503050406030204" pitchFamily="18" charset="0"/>
                       </a:rPr>
@@ -7879,6 +8189,10 @@
                     </m:r>
                   </m:oMath>
                 </a14:m>
+                <a:r>
+                  <a:rPr lang="en-US" dirty="0"/>
+                  <a:t> has unit root and is a random walk</a:t>
+                </a:r>
                 <a:r>
                   <a:rPr lang="ar-AE" dirty="0"/>
                   <a:t>:</a:t>
@@ -7999,7 +8313,7 @@
             </p:txBody>
           </p:sp>
         </mc:Choice>
-        <mc:Fallback xmlns="">
+        <mc:Fallback>
           <p:sp>
             <p:nvSpPr>
               <p:cNvPr id="3" name="Content Placeholder 2"/>
@@ -8018,7 +8332,7 @@
               <a:blipFill>
                 <a:blip r:embed="rId2"/>
                 <a:stretch>
-                  <a:fillRect l="-444" t="-1818"/>
+                  <a:fillRect l="-296" t="-1322"/>
                 </a:stretch>
               </a:blipFill>
             </p:spPr>
@@ -8182,8 +8496,8 @@
           </a:prstGeom>
         </p:spPr>
       </p:pic>
-      <mc:AlternateContent xmlns:mc="http://schemas.openxmlformats.org/markup-compatibility/2006" xmlns:a14="http://schemas.microsoft.com/office/drawing/2010/main">
-        <mc:Choice Requires="a14">
+      <mc:AlternateContent xmlns:mc="http://schemas.openxmlformats.org/markup-compatibility/2006">
+        <mc:Choice xmlns:a14="http://schemas.microsoft.com/office/drawing/2010/main" Requires="a14">
           <p:sp>
             <p:nvSpPr>
               <p:cNvPr id="6" name="Text Placeholder 3">
@@ -8432,7 +8746,14 @@
                           <a:latin typeface="Cambria Math" panose="02040503050406030204" pitchFamily="18" charset="0"/>
                           <a:ea typeface="Cambria Math" panose="02040503050406030204" pitchFamily="18" charset="0"/>
                         </a:rPr>
-                        <m:t>&lt;1</m:t>
+                        <m:t>&lt;</m:t>
+                      </m:r>
+                      <m:r>
+                        <a:rPr lang="en-US" sz="2000" b="0" i="1" smtClean="0">
+                          <a:latin typeface="Cambria Math" panose="02040503050406030204" pitchFamily="18" charset="0"/>
+                          <a:ea typeface="Cambria Math" panose="02040503050406030204" pitchFamily="18" charset="0"/>
+                        </a:rPr>
+                        <m:t>1</m:t>
                       </m:r>
                     </m:oMath>
                   </m:oMathPara>
@@ -8513,7 +8834,14 @@
                           <a:latin typeface="Cambria Math" panose="02040503050406030204" pitchFamily="18" charset="0"/>
                           <a:ea typeface="Cambria Math" panose="02040503050406030204" pitchFamily="18" charset="0"/>
                         </a:rPr>
-                        <m:t>&gt;−1</m:t>
+                        <m:t>&gt;−</m:t>
+                      </m:r>
+                      <m:r>
+                        <a:rPr lang="en-US" sz="2000" b="0" i="1" smtClean="0">
+                          <a:latin typeface="Cambria Math" panose="02040503050406030204" pitchFamily="18" charset="0"/>
+                          <a:ea typeface="Cambria Math" panose="02040503050406030204" pitchFamily="18" charset="0"/>
+                        </a:rPr>
+                        <m:t>1</m:t>
                       </m:r>
                     </m:oMath>
                   </m:oMathPara>
@@ -8553,128 +8881,33 @@
                               <a:latin typeface="Cambria Math" panose="02040503050406030204" pitchFamily="18" charset="0"/>
                               <a:ea typeface="Cambria Math" panose="02040503050406030204" pitchFamily="18" charset="0"/>
                             </a:rPr>
-                            <m:t>2</m:t>
+                            <m:t>1</m:t>
                           </m:r>
                         </m:sub>
                       </m:sSub>
                       <m:r>
-                        <a:rPr lang="en-US" sz="2000" b="0" i="1" smtClean="0">
+                        <a:rPr lang="en-US" sz="2000" i="1">
                           <a:latin typeface="Cambria Math" panose="02040503050406030204" pitchFamily="18" charset="0"/>
                           <a:ea typeface="Cambria Math" panose="02040503050406030204" pitchFamily="18" charset="0"/>
                         </a:rPr>
-                        <m:t>&gt;−1</m:t>
+                        <m:t>&gt;−</m:t>
+                      </m:r>
+                      <m:r>
+                        <a:rPr lang="en-US" sz="2000" i="1">
+                          <a:latin typeface="Cambria Math" panose="02040503050406030204" pitchFamily="18" charset="0"/>
+                          <a:ea typeface="Cambria Math" panose="02040503050406030204" pitchFamily="18" charset="0"/>
+                        </a:rPr>
+                        <m:t>1</m:t>
                       </m:r>
                     </m:oMath>
                   </m:oMathPara>
                 </a14:m>
-                <a:endParaRPr lang="en-US" sz="2000" dirty="0"/>
+                <a:endParaRPr lang="en-US" sz="1700" dirty="0"/>
               </a:p>
               <a:p>
-                <a:pPr marL="342900" lvl="1" indent="0">
+                <a:pPr marL="0" indent="0">
                   <a:buNone/>
                 </a:pPr>
-                <a:r>
-                  <a:rPr lang="en-US" sz="1700" dirty="0"/>
-                  <a:t>Where </a:t>
-                </a:r>
-                <a14:m>
-                  <m:oMath xmlns:m="http://schemas.openxmlformats.org/officeDocument/2006/math">
-                    <m:r>
-                      <a:rPr lang="en-US" sz="1700" b="0" i="0" smtClean="0">
-                        <a:latin typeface="Cambria Math" panose="02040503050406030204" pitchFamily="18" charset="0"/>
-                      </a:rPr>
-                      <m:t>1&gt;</m:t>
-                    </m:r>
-                    <m:sSub>
-                      <m:sSubPr>
-                        <m:ctrlPr>
-                          <a:rPr lang="en-US" sz="1700" i="1" smtClean="0">
-                            <a:latin typeface="Cambria Math" panose="02040503050406030204" pitchFamily="18" charset="0"/>
-                          </a:rPr>
-                        </m:ctrlPr>
-                      </m:sSubPr>
-                      <m:e>
-                        <m:r>
-                          <a:rPr lang="en-US" sz="1700" i="1">
-                            <a:latin typeface="Cambria Math" panose="02040503050406030204" pitchFamily="18" charset="0"/>
-                            <a:ea typeface="Cambria Math" panose="02040503050406030204" pitchFamily="18" charset="0"/>
-                          </a:rPr>
-                          <m:t>𝜙</m:t>
-                        </m:r>
-                      </m:e>
-                      <m:sub>
-                        <m:r>
-                          <a:rPr lang="en-US" sz="1700" b="0" i="1" smtClean="0">
-                            <a:latin typeface="Cambria Math" panose="02040503050406030204" pitchFamily="18" charset="0"/>
-                            <a:ea typeface="Cambria Math" panose="02040503050406030204" pitchFamily="18" charset="0"/>
-                          </a:rPr>
-                          <m:t>1</m:t>
-                        </m:r>
-                      </m:sub>
-                    </m:sSub>
-                    <m:r>
-                      <a:rPr lang="en-US" sz="1700" b="0" i="1" smtClean="0">
-                        <a:latin typeface="Cambria Math" panose="02040503050406030204" pitchFamily="18" charset="0"/>
-                        <a:ea typeface="Cambria Math" panose="02040503050406030204" pitchFamily="18" charset="0"/>
-                      </a:rPr>
-                      <m:t>&gt;−1</m:t>
-                    </m:r>
-                  </m:oMath>
-                </a14:m>
-                <a:r>
-                  <a:rPr lang="en-US" sz="1700" dirty="0"/>
-                  <a:t> and </a:t>
-                </a:r>
-                <a14:m>
-                  <m:oMath xmlns:m="http://schemas.openxmlformats.org/officeDocument/2006/math">
-                    <m:r>
-                      <a:rPr lang="en-US" sz="1700">
-                        <a:latin typeface="Cambria Math" panose="02040503050406030204" pitchFamily="18" charset="0"/>
-                      </a:rPr>
-                      <m:t>1&gt;</m:t>
-                    </m:r>
-                    <m:sSub>
-                      <m:sSubPr>
-                        <m:ctrlPr>
-                          <a:rPr lang="en-US" sz="1700" i="1">
-                            <a:latin typeface="Cambria Math" panose="02040503050406030204" pitchFamily="18" charset="0"/>
-                          </a:rPr>
-                        </m:ctrlPr>
-                      </m:sSubPr>
-                      <m:e>
-                        <m:r>
-                          <a:rPr lang="en-US" sz="1700" i="1">
-                            <a:latin typeface="Cambria Math" panose="02040503050406030204" pitchFamily="18" charset="0"/>
-                            <a:ea typeface="Cambria Math" panose="02040503050406030204" pitchFamily="18" charset="0"/>
-                          </a:rPr>
-                          <m:t>𝜙</m:t>
-                        </m:r>
-                      </m:e>
-                      <m:sub>
-                        <m:r>
-                          <a:rPr lang="en-US" sz="1700" i="1">
-                            <a:latin typeface="Cambria Math" panose="02040503050406030204" pitchFamily="18" charset="0"/>
-                            <a:ea typeface="Cambria Math" panose="02040503050406030204" pitchFamily="18" charset="0"/>
-                          </a:rPr>
-                          <m:t>1</m:t>
-                        </m:r>
-                      </m:sub>
-                    </m:sSub>
-                    <m:r>
-                      <a:rPr lang="en-US" sz="1700" i="1">
-                        <a:latin typeface="Cambria Math" panose="02040503050406030204" pitchFamily="18" charset="0"/>
-                        <a:ea typeface="Cambria Math" panose="02040503050406030204" pitchFamily="18" charset="0"/>
-                      </a:rPr>
-                      <m:t>&gt;−1</m:t>
-                    </m:r>
-                  </m:oMath>
-                </a14:m>
-                <a:r>
-                  <a:rPr lang="en-US" sz="1700" dirty="0"/>
-                  <a:t> </a:t>
-                </a:r>
-              </a:p>
-              <a:p>
                 <a:r>
                   <a:rPr lang="en-US" sz="2000" dirty="0"/>
                   <a:t>Gives </a:t>
@@ -8731,7 +8964,14 @@
                         <a:latin typeface="Cambria Math" panose="02040503050406030204" pitchFamily="18" charset="0"/>
                         <a:ea typeface="Cambria Math" panose="02040503050406030204" pitchFamily="18" charset="0"/>
                       </a:rPr>
-                      <m:t>&gt;−1</m:t>
+                      <m:t>&gt;−</m:t>
+                    </m:r>
+                    <m:r>
+                      <a:rPr lang="en-US" sz="2000" b="0" i="1" smtClean="0">
+                        <a:latin typeface="Cambria Math" panose="02040503050406030204" pitchFamily="18" charset="0"/>
+                        <a:ea typeface="Cambria Math" panose="02040503050406030204" pitchFamily="18" charset="0"/>
+                      </a:rPr>
+                      <m:t>1</m:t>
                     </m:r>
                   </m:oMath>
                 </a14:m>
@@ -8793,7 +9033,14 @@
                         <a:latin typeface="Cambria Math" panose="02040503050406030204" pitchFamily="18" charset="0"/>
                         <a:ea typeface="Cambria Math" panose="02040503050406030204" pitchFamily="18" charset="0"/>
                       </a:rPr>
-                      <m:t>&lt;−1</m:t>
+                      <m:t>&lt;−</m:t>
+                    </m:r>
+                    <m:r>
+                      <a:rPr lang="en-US" sz="2000" b="0" i="1" smtClean="0">
+                        <a:latin typeface="Cambria Math" panose="02040503050406030204" pitchFamily="18" charset="0"/>
+                        <a:ea typeface="Cambria Math" panose="02040503050406030204" pitchFamily="18" charset="0"/>
+                      </a:rPr>
+                      <m:t>1</m:t>
                     </m:r>
                   </m:oMath>
                 </a14:m>
@@ -8832,7 +9079,7 @@
             </p:txBody>
           </p:sp>
         </mc:Choice>
-        <mc:Fallback xmlns="">
+        <mc:Fallback>
           <p:sp>
             <p:nvSpPr>
               <p:cNvPr id="6" name="Text Placeholder 3">
@@ -8858,7 +9105,7 @@
               <a:blipFill>
                 <a:blip r:embed="rId4"/>
                 <a:stretch>
-                  <a:fillRect l="-1210" t="-2022" b="-1866"/>
+                  <a:fillRect l="-1210" t="-2022"/>
                 </a:stretch>
               </a:blipFill>
             </p:spPr>
@@ -8893,8 +9140,8 @@
         </p:nvCxnSpPr>
         <p:spPr>
           <a:xfrm flipV="1">
-            <a:off x="4439653" y="1772653"/>
-            <a:ext cx="1503947" cy="1864894"/>
+            <a:off x="4471737" y="1772653"/>
+            <a:ext cx="1471863" cy="1624263"/>
           </a:xfrm>
           <a:prstGeom prst="straightConnector1">
             <a:avLst/>
@@ -8938,7 +9185,7 @@
         <p:spPr>
           <a:xfrm flipV="1">
             <a:off x="4471737" y="2935705"/>
-            <a:ext cx="1832810" cy="1144566"/>
+            <a:ext cx="1832810" cy="981268"/>
           </a:xfrm>
           <a:prstGeom prst="straightConnector1">
             <a:avLst/>
@@ -8981,8 +9228,8 @@
         </p:nvCxnSpPr>
         <p:spPr>
           <a:xfrm flipV="1">
-            <a:off x="4411579" y="3396916"/>
-            <a:ext cx="1459832" cy="1042737"/>
+            <a:off x="4624754" y="3396916"/>
+            <a:ext cx="1246657" cy="898126"/>
           </a:xfrm>
           <a:prstGeom prst="straightConnector1">
             <a:avLst/>
@@ -9613,8 +9860,8 @@
         </p:nvCxnSpPr>
         <p:spPr>
           <a:xfrm flipV="1">
-            <a:off x="4427621" y="2025316"/>
-            <a:ext cx="1227221" cy="344905"/>
+            <a:off x="3965331" y="2167304"/>
+            <a:ext cx="1749670" cy="435219"/>
           </a:xfrm>
           <a:prstGeom prst="straightConnector1">
             <a:avLst/>
@@ -9657,8 +9904,8 @@
         </p:nvCxnSpPr>
         <p:spPr>
           <a:xfrm>
-            <a:off x="4800600" y="3513221"/>
-            <a:ext cx="854242" cy="822158"/>
+            <a:off x="4026877" y="3635619"/>
+            <a:ext cx="1627965" cy="699760"/>
           </a:xfrm>
           <a:prstGeom prst="straightConnector1">
             <a:avLst/>
@@ -10592,8 +10839,8 @@
           </a:p>
         </p:txBody>
       </p:sp>
-      <mc:AlternateContent xmlns:mc="http://schemas.openxmlformats.org/markup-compatibility/2006" xmlns:a14="http://schemas.microsoft.com/office/drawing/2010/main">
-        <mc:Choice Requires="a14">
+      <mc:AlternateContent xmlns:mc="http://schemas.openxmlformats.org/markup-compatibility/2006">
+        <mc:Choice xmlns:a14="http://schemas.microsoft.com/office/drawing/2010/main" Requires="a14">
           <p:sp>
             <p:nvSpPr>
               <p:cNvPr id="3" name="Content Placeholder 2"/>
@@ -10606,13 +10853,13 @@
             </p:nvSpPr>
             <p:spPr>
               <a:xfrm>
-                <a:off x="544484" y="1502763"/>
-                <a:ext cx="3678381" cy="3394472"/>
+                <a:off x="544484" y="1332034"/>
+                <a:ext cx="3678381" cy="3811465"/>
               </a:xfrm>
             </p:spPr>
             <p:txBody>
               <a:bodyPr>
-                <a:normAutofit fontScale="92500" lnSpcReduction="10000"/>
+                <a:normAutofit fontScale="77500" lnSpcReduction="20000"/>
               </a:bodyPr>
               <a:lstStyle/>
               <a:p>
@@ -10699,21 +10946,39 @@
                 <a:pPr lvl="0"/>
                 <a:r>
                   <a:rPr lang="en-US" dirty="0"/>
-                  <a:t>Both AR coefficients are statistically significant</a:t>
+                  <a:t>Cannot reject hypothesis that series has 0 mean</a:t>
                 </a:r>
               </a:p>
               <a:p>
                 <a:pPr lvl="0"/>
                 <a:r>
                   <a:rPr lang="en-US" dirty="0"/>
-                  <a:t>Estimated parameter values are close to actual values</a:t>
+                  <a:t>Both AR coefficients are statistically significant</a:t>
                 </a:r>
               </a:p>
               <a:p>
                 <a:pPr lvl="0"/>
                 <a:r>
                   <a:rPr lang="en-US" dirty="0"/>
-                  <a:t>Actual values are well within the CIs</a:t>
+                  <a:t>Estimated parameter values are close to actual values</a:t>
+                </a:r>
+              </a:p>
+              <a:p>
+                <a:pPr lvl="0"/>
+                <a:r>
+                  <a:rPr lang="en-US" dirty="0"/>
+                  <a:t>Actual values are well within the Cis</a:t>
+                </a:r>
+              </a:p>
+              <a:p>
+                <a:pPr lvl="0"/>
+                <a:r>
+                  <a:rPr lang="en-US" dirty="0" err="1"/>
+                  <a:t>Ljung</a:t>
+                </a:r>
+                <a:r>
+                  <a:rPr lang="en-US" dirty="0"/>
+                  <a:t>-Box test shows no statistically significant serial correlation</a:t>
                 </a:r>
                 <a:br>
                   <a:rPr lang="en-US" dirty="0"/>
@@ -10723,7 +10988,7 @@
             </p:txBody>
           </p:sp>
         </mc:Choice>
-        <mc:Fallback xmlns="">
+        <mc:Fallback>
           <p:sp>
             <p:nvSpPr>
               <p:cNvPr id="3" name="Content Placeholder 2"/>
@@ -10736,13 +11001,13 @@
             </p:nvSpPr>
             <p:spPr>
               <a:xfrm>
-                <a:off x="544484" y="1502763"/>
-                <a:ext cx="3678381" cy="3394472"/>
+                <a:off x="544484" y="1332034"/>
+                <a:ext cx="3678381" cy="3811465"/>
               </a:xfrm>
               <a:blipFill>
                 <a:blip r:embed="rId2"/>
                 <a:stretch>
-                  <a:fillRect l="-2152" t="-2338"/>
+                  <a:fillRect l="-1490" t="-2080" r="-1821"/>
                 </a:stretch>
               </a:blipFill>
             </p:spPr>
@@ -10800,13 +11065,15 @@
               </a:ext>
             </a:extLst>
           </p:cNvPr>
-          <p:cNvCxnSpPr/>
+          <p:cNvCxnSpPr>
+            <a:cxnSpLocks/>
+          </p:cNvCxnSpPr>
           <p:nvPr/>
         </p:nvCxnSpPr>
         <p:spPr>
           <a:xfrm>
-            <a:off x="3782291" y="2377440"/>
-            <a:ext cx="3246120" cy="511233"/>
+            <a:off x="3403823" y="2602523"/>
+            <a:ext cx="3678381" cy="655027"/>
           </a:xfrm>
           <a:prstGeom prst="straightConnector1">
             <a:avLst/>
@@ -10849,8 +11116,8 @@
         </p:nvCxnSpPr>
         <p:spPr>
           <a:xfrm>
-            <a:off x="3869575" y="3328207"/>
-            <a:ext cx="1317567" cy="46760"/>
+            <a:off x="4106008" y="3138854"/>
+            <a:ext cx="1081134" cy="236113"/>
           </a:xfrm>
           <a:prstGeom prst="straightConnector1">
             <a:avLst/>
@@ -10893,8 +11160,96 @@
         </p:nvCxnSpPr>
         <p:spPr>
           <a:xfrm flipV="1">
-            <a:off x="3636485" y="3474720"/>
-            <a:ext cx="4115133" cy="638001"/>
+            <a:off x="3842238" y="3474720"/>
+            <a:ext cx="3909380" cy="236113"/>
+          </a:xfrm>
+          <a:prstGeom prst="straightConnector1">
+            <a:avLst/>
+          </a:prstGeom>
+          <a:ln>
+            <a:solidFill>
+              <a:schemeClr val="tx1"/>
+            </a:solidFill>
+            <a:tailEnd type="triangle"/>
+          </a:ln>
+        </p:spPr>
+        <p:style>
+          <a:lnRef idx="2">
+            <a:schemeClr val="accent1"/>
+          </a:lnRef>
+          <a:fillRef idx="0">
+            <a:schemeClr val="accent1"/>
+          </a:fillRef>
+          <a:effectRef idx="1">
+            <a:schemeClr val="accent1"/>
+          </a:effectRef>
+          <a:fontRef idx="minor">
+            <a:schemeClr val="tx1"/>
+          </a:fontRef>
+        </p:style>
+      </p:cxnSp>
+      <p:cxnSp>
+        <p:nvCxnSpPr>
+          <p:cNvPr id="12" name="Straight Arrow Connector 11">
+            <a:extLst>
+              <a:ext uri="{FF2B5EF4-FFF2-40B4-BE49-F238E27FC236}">
+                <a16:creationId xmlns:a16="http://schemas.microsoft.com/office/drawing/2014/main" id="{9DC6A706-9097-B3CB-BADE-AA1306105D05}"/>
+              </a:ext>
+            </a:extLst>
+          </p:cNvPr>
+          <p:cNvCxnSpPr>
+            <a:cxnSpLocks/>
+          </p:cNvCxnSpPr>
+          <p:nvPr/>
+        </p:nvCxnSpPr>
+        <p:spPr>
+          <a:xfrm>
+            <a:off x="3881804" y="2053004"/>
+            <a:ext cx="3200400" cy="1085850"/>
+          </a:xfrm>
+          <a:prstGeom prst="straightConnector1">
+            <a:avLst/>
+          </a:prstGeom>
+          <a:ln>
+            <a:solidFill>
+              <a:schemeClr val="tx1"/>
+            </a:solidFill>
+            <a:tailEnd type="triangle"/>
+          </a:ln>
+        </p:spPr>
+        <p:style>
+          <a:lnRef idx="2">
+            <a:schemeClr val="accent1"/>
+          </a:lnRef>
+          <a:fillRef idx="0">
+            <a:schemeClr val="accent1"/>
+          </a:fillRef>
+          <a:effectRef idx="1">
+            <a:schemeClr val="accent1"/>
+          </a:effectRef>
+          <a:fontRef idx="minor">
+            <a:schemeClr val="tx1"/>
+          </a:fontRef>
+        </p:style>
+      </p:cxnSp>
+      <p:cxnSp>
+        <p:nvCxnSpPr>
+          <p:cNvPr id="19" name="Straight Arrow Connector 18">
+            <a:extLst>
+              <a:ext uri="{FF2B5EF4-FFF2-40B4-BE49-F238E27FC236}">
+                <a16:creationId xmlns:a16="http://schemas.microsoft.com/office/drawing/2014/main" id="{9C693C6E-61CB-D272-3658-4ECC6DC4A100}"/>
+              </a:ext>
+            </a:extLst>
+          </p:cNvPr>
+          <p:cNvCxnSpPr>
+            <a:cxnSpLocks/>
+          </p:cNvCxnSpPr>
+          <p:nvPr/>
+        </p:nvCxnSpPr>
+        <p:spPr>
+          <a:xfrm flipV="1">
+            <a:off x="3727938" y="3928003"/>
+            <a:ext cx="716574" cy="327474"/>
           </a:xfrm>
           <a:prstGeom prst="straightConnector1">
             <a:avLst/>
@@ -10971,8 +11326,8 @@
           </a:p>
         </p:txBody>
       </p:sp>
-      <mc:AlternateContent xmlns:mc="http://schemas.openxmlformats.org/markup-compatibility/2006" xmlns:a14="http://schemas.microsoft.com/office/drawing/2010/main">
-        <mc:Choice Requires="a14">
+      <mc:AlternateContent xmlns:mc="http://schemas.openxmlformats.org/markup-compatibility/2006">
+        <mc:Choice xmlns:a14="http://schemas.microsoft.com/office/drawing/2010/main" Requires="a14">
           <p:sp>
             <p:nvSpPr>
               <p:cNvPr id="3" name="Content Placeholder 2"/>
@@ -11122,6 +11477,18 @@
                           </m:ctrlPr>
                         </m:sSubPr>
                         <m:e>
+                          <m:r>
+                            <a:rPr lang="en-US" b="0" i="1" smtClean="0">
+                              <a:latin typeface="Cambria Math" panose="02040503050406030204" pitchFamily="18" charset="0"/>
+                            </a:rPr>
+                            <m:t>𝑐</m:t>
+                          </m:r>
+                          <m:r>
+                            <a:rPr lang="en-US" b="0" i="1" smtClean="0">
+                              <a:latin typeface="Cambria Math" panose="02040503050406030204" pitchFamily="18" charset="0"/>
+                            </a:rPr>
+                            <m:t>+</m:t>
+                          </m:r>
                           <m:r>
                             <a:rPr lang="ar-AE" i="1" smtClean="0">
                               <a:latin typeface="Cambria Math" panose="02040503050406030204" pitchFamily="18" charset="0"/>
@@ -11614,6 +11981,7 @@
                 </a:r>
               </a:p>
               <a:p>
+                <a:pPr lvl="1"/>
                 <a:r>
                   <a:rPr lang="en-US" dirty="0"/>
                   <a:t>Can compute expectation and variance for MA process </a:t>
@@ -11678,10 +12046,10 @@
                         <m:t>=</m:t>
                       </m:r>
                       <m:r>
-                        <a:rPr lang="en-US" b="0" i="1" smtClean="0">
+                        <a:rPr lang="en-US" i="1">
                           <a:latin typeface="Cambria Math" panose="02040503050406030204" pitchFamily="18" charset="0"/>
                         </a:rPr>
-                        <m:t>0</m:t>
+                        <m:t>𝑐</m:t>
                       </m:r>
                     </m:oMath>
                   </m:oMathPara>
@@ -11963,7 +12331,7 @@
             </p:txBody>
           </p:sp>
         </mc:Choice>
-        <mc:Fallback xmlns="">
+        <mc:Fallback>
           <p:sp>
             <p:nvSpPr>
               <p:cNvPr id="3" name="Content Placeholder 2"/>
@@ -12156,8 +12524,8 @@
           </a:p>
         </p:txBody>
       </p:sp>
-      <mc:AlternateContent xmlns:mc="http://schemas.openxmlformats.org/markup-compatibility/2006" xmlns:a14="http://schemas.microsoft.com/office/drawing/2010/main">
-        <mc:Choice Requires="a14">
+      <mc:AlternateContent xmlns:mc="http://schemas.openxmlformats.org/markup-compatibility/2006">
+        <mc:Choice xmlns:a14="http://schemas.microsoft.com/office/drawing/2010/main" Requires="a14">
           <p:sp>
             <p:nvSpPr>
               <p:cNvPr id="3" name="Content Placeholder 2">
@@ -12182,7 +12550,7 @@
             </p:spPr>
             <p:txBody>
               <a:bodyPr>
-                <a:normAutofit/>
+                <a:normAutofit lnSpcReduction="10000"/>
               </a:bodyPr>
               <a:lstStyle/>
               <a:p>
@@ -12313,6 +12681,18 @@
                           </m:ctrlPr>
                         </m:sSubPr>
                         <m:e>
+                          <m:r>
+                            <a:rPr lang="en-US" i="1">
+                              <a:latin typeface="Cambria Math" panose="02040503050406030204" pitchFamily="18" charset="0"/>
+                            </a:rPr>
+                            <m:t>𝑐</m:t>
+                          </m:r>
+                          <m:r>
+                            <a:rPr lang="en-US" i="1">
+                              <a:latin typeface="Cambria Math" panose="02040503050406030204" pitchFamily="18" charset="0"/>
+                            </a:rPr>
+                            <m:t>+</m:t>
+                          </m:r>
                           <m:r>
                             <a:rPr lang="ar-AE" i="1" smtClean="0">
                               <a:latin typeface="Cambria Math" panose="02040503050406030204" pitchFamily="18" charset="0"/>
@@ -12694,12 +13074,19 @@
                   <a:rPr lang="en-US" dirty="0"/>
                   <a:t>Coefficients are constant in time</a:t>
                 </a:r>
+              </a:p>
+              <a:p>
+                <a:pPr lvl="1"/>
+                <a:r>
+                  <a:rPr lang="en-US" dirty="0"/>
+                  <a:t>Polynomial must not have unit root! </a:t>
+                </a:r>
                 <a:endParaRPr dirty="0"/>
               </a:p>
             </p:txBody>
           </p:sp>
         </mc:Choice>
-        <mc:Fallback xmlns="">
+        <mc:Fallback>
           <p:sp>
             <p:nvSpPr>
               <p:cNvPr id="3" name="Content Placeholder 2">
@@ -12724,7 +13111,7 @@
               <a:blipFill>
                 <a:blip r:embed="rId2"/>
                 <a:stretch>
-                  <a:fillRect l="-1111" t="-1305" b="-326"/>
+                  <a:fillRect l="-1111" t="-2284" b="-2447"/>
                 </a:stretch>
               </a:blipFill>
             </p:spPr>
@@ -12797,8 +13184,8 @@
           </a:p>
         </p:txBody>
       </p:sp>
-      <mc:AlternateContent xmlns:mc="http://schemas.openxmlformats.org/markup-compatibility/2006" xmlns:a14="http://schemas.microsoft.com/office/drawing/2010/main">
-        <mc:Choice Requires="a14">
+      <mc:AlternateContent xmlns:mc="http://schemas.openxmlformats.org/markup-compatibility/2006">
+        <mc:Choice xmlns:a14="http://schemas.microsoft.com/office/drawing/2010/main" Requires="a14">
           <p:sp>
             <p:nvSpPr>
               <p:cNvPr id="3" name="Content Placeholder 2"/>
@@ -12878,7 +13265,33 @@
                 </a:r>
                 <a:r>
                   <a:rPr lang="en-US" dirty="0"/>
-                  <a:t>uses the last q error terms or shocks:</a:t>
+                  <a:t>uses the last q error terms or shocks, with </a:t>
+                </a:r>
+                <a14:m>
+                  <m:oMath xmlns:m="http://schemas.openxmlformats.org/officeDocument/2006/math">
+                    <m:r>
+                      <a:rPr lang="en-US" i="1">
+                        <a:latin typeface="Cambria Math" panose="02040503050406030204" pitchFamily="18" charset="0"/>
+                      </a:rPr>
+                      <m:t>𝑐</m:t>
+                    </m:r>
+                    <m:r>
+                      <a:rPr lang="en-US" b="0" i="1" smtClean="0">
+                        <a:latin typeface="Cambria Math" panose="02040503050406030204" pitchFamily="18" charset="0"/>
+                      </a:rPr>
+                      <m:t>=</m:t>
+                    </m:r>
+                    <m:r>
+                      <a:rPr lang="ar-AE">
+                        <a:latin typeface="Cambria Math" panose="02040503050406030204" pitchFamily="18" charset="0"/>
+                      </a:rPr>
+                      <m:t>𝜇</m:t>
+                    </m:r>
+                  </m:oMath>
+                </a14:m>
+                <a:r>
+                  <a:rPr lang="en-US" dirty="0"/>
+                  <a:t>:</a:t>
                 </a:r>
               </a:p>
               <a:p>
@@ -13490,7 +13903,7 @@
               <a:p>
                 <a:r>
                   <a:rPr lang="en-US" dirty="0"/>
-                  <a:t>Therefore the error at time </a:t>
+                  <a:t>Therefore, the error at time </a:t>
                 </a:r>
                 <a:r>
                   <a:rPr lang="en-US" i="1" dirty="0"/>
@@ -13718,7 +14131,7 @@
             </p:txBody>
           </p:sp>
         </mc:Choice>
-        <mc:Fallback xmlns="">
+        <mc:Fallback>
           <p:sp>
             <p:nvSpPr>
               <p:cNvPr id="3" name="Content Placeholder 2"/>
@@ -13801,8 +14214,8 @@
           </a:p>
         </p:txBody>
       </p:sp>
-      <mc:AlternateContent xmlns:mc="http://schemas.openxmlformats.org/markup-compatibility/2006" xmlns:a14="http://schemas.microsoft.com/office/drawing/2010/main">
-        <mc:Choice Requires="a14">
+      <mc:AlternateContent xmlns:mc="http://schemas.openxmlformats.org/markup-compatibility/2006">
+        <mc:Choice xmlns:a14="http://schemas.microsoft.com/office/drawing/2010/main" Requires="a14">
           <p:sp>
             <p:nvSpPr>
               <p:cNvPr id="3" name="Content Placeholder 2"/>
@@ -13824,13 +14237,49 @@
                   <a:buNone/>
                 </a:pPr>
                 <a:r>
+                  <a:rPr lang="en-US" dirty="0"/>
                   <a:t>How can we understand the MA model?</a:t>
                 </a:r>
               </a:p>
               <a:p>
                 <a:pPr lvl="0"/>
                 <a:r>
-                  <a:t>Model matrix of MA(2) model</a:t>
+                  <a:rPr lang="en-US" dirty="0"/>
+                  <a:t>Model matrix of MA(2) model for zero-</a:t>
+                </a:r>
+                <a:r>
+                  <a:rPr lang="en-US" dirty="0" err="1"/>
+                  <a:t>centerd</a:t>
+                </a:r>
+                <a:r>
+                  <a:rPr lang="en-US" dirty="0"/>
+                  <a:t> time series, </a:t>
+                </a:r>
+                <a14:m>
+                  <m:oMath xmlns:m="http://schemas.openxmlformats.org/officeDocument/2006/math">
+                    <m:r>
+                      <a:rPr lang="en-US" smtClean="0">
+                        <a:latin typeface="Cambria Math" panose="02040503050406030204" pitchFamily="18" charset="0"/>
+                      </a:rPr>
+                      <m:t>𝜇</m:t>
+                    </m:r>
+                    <m:r>
+                      <a:rPr lang="en-US" b="0" i="1" smtClean="0">
+                        <a:latin typeface="Cambria Math" panose="02040503050406030204" pitchFamily="18" charset="0"/>
+                      </a:rPr>
+                      <m:t>=</m:t>
+                    </m:r>
+                    <m:r>
+                      <a:rPr lang="en-US" b="0" i="1" smtClean="0">
+                        <a:latin typeface="Cambria Math" panose="02040503050406030204" pitchFamily="18" charset="0"/>
+                      </a:rPr>
+                      <m:t>0</m:t>
+                    </m:r>
+                  </m:oMath>
+                </a14:m>
+                <a:r>
+                  <a:rPr lang="en-US" dirty="0"/>
+                  <a:t>:</a:t>
                 </a:r>
               </a:p>
               <a:p>
@@ -13844,13 +14293,13 @@
                     </m:oMathParaPr>
                     <m:oMath xmlns:m="http://schemas.openxmlformats.org/officeDocument/2006/math">
                       <m:r>
-                        <a:rPr>
+                        <a:rPr lang="en-US">
                           <a:latin typeface="Cambria Math" panose="02040503050406030204" pitchFamily="18" charset="0"/>
                         </a:rPr>
                         <m:t>𝐴</m:t>
                       </m:r>
                       <m:r>
-                        <a:rPr>
+                        <a:rPr lang="en-US">
                           <a:latin typeface="Cambria Math" panose="02040503050406030204" pitchFamily="18" charset="0"/>
                         </a:rPr>
                         <m:t>=</m:t>
@@ -13860,7 +14309,7 @@
                           <m:begChr m:val="["/>
                           <m:endChr m:val="]"/>
                           <m:ctrlPr>
-                            <a:rPr i="1">
+                            <a:rPr lang="ar-AE" i="1">
                               <a:latin typeface="Cambria Math" panose="02040503050406030204" pitchFamily="18" charset="0"/>
                             </a:rPr>
                           </m:ctrlPr>
@@ -13877,7 +14326,7 @@
                                 </m:mc>
                               </m:mcs>
                               <m:ctrlPr>
-                                <a:rPr i="1">
+                                <a:rPr lang="ar-AE" i="1">
                                   <a:latin typeface="Cambria Math" panose="02040503050406030204" pitchFamily="18" charset="0"/>
                                 </a:rPr>
                               </m:ctrlPr>
@@ -13887,14 +14336,14 @@
                                 <m:sSub>
                                   <m:sSubPr>
                                     <m:ctrlPr>
-                                      <a:rPr i="1">
+                                      <a:rPr lang="ar-AE" i="1">
                                         <a:latin typeface="Cambria Math" panose="02040503050406030204" pitchFamily="18" charset="0"/>
                                       </a:rPr>
                                     </m:ctrlPr>
                                   </m:sSubPr>
                                   <m:e>
                                     <m:r>
-                                      <a:rPr>
+                                      <a:rPr lang="ar-AE">
                                         <a:latin typeface="Cambria Math" panose="02040503050406030204" pitchFamily="18" charset="0"/>
                                       </a:rPr>
                                       <m:t>𝑦</m:t>
@@ -13902,7 +14351,7 @@
                                   </m:e>
                                   <m:sub>
                                     <m:r>
-                                      <a:rPr>
+                                      <a:rPr lang="ar-AE">
                                         <a:latin typeface="Cambria Math" panose="02040503050406030204" pitchFamily="18" charset="0"/>
                                       </a:rPr>
                                       <m:t>𝑡</m:t>
@@ -13910,7 +14359,7 @@
                                   </m:sub>
                                 </m:sSub>
                                 <m:r>
-                                  <a:rPr>
+                                  <a:rPr lang="ar-AE">
                                     <a:latin typeface="Cambria Math" panose="02040503050406030204" pitchFamily="18" charset="0"/>
                                   </a:rPr>
                                   <m:t>, </m:t>
@@ -13918,14 +14367,14 @@
                                 <m:sSub>
                                   <m:sSubPr>
                                     <m:ctrlPr>
-                                      <a:rPr i="1">
+                                      <a:rPr lang="ar-AE" i="1">
                                         <a:latin typeface="Cambria Math" panose="02040503050406030204" pitchFamily="18" charset="0"/>
                                       </a:rPr>
                                     </m:ctrlPr>
                                   </m:sSubPr>
                                   <m:e>
                                     <m:r>
-                                      <a:rPr>
+                                      <a:rPr lang="ar-AE">
                                         <a:latin typeface="Cambria Math" panose="02040503050406030204" pitchFamily="18" charset="0"/>
                                       </a:rPr>
                                       <m:t>𝜖</m:t>
@@ -13933,21 +14382,27 @@
                                   </m:e>
                                   <m:sub>
                                     <m:r>
-                                      <a:rPr>
+                                      <a:rPr lang="ar-AE">
                                         <a:latin typeface="Cambria Math" panose="02040503050406030204" pitchFamily="18" charset="0"/>
                                       </a:rPr>
                                       <m:t>𝑡</m:t>
                                     </m:r>
                                     <m:r>
-                                      <a:rPr>
+                                      <a:rPr lang="ar-AE">
                                         <a:latin typeface="Cambria Math" panose="02040503050406030204" pitchFamily="18" charset="0"/>
                                       </a:rPr>
-                                      <m:t>−1</m:t>
+                                      <m:t>−</m:t>
+                                    </m:r>
+                                    <m:r>
+                                      <a:rPr lang="ar-AE">
+                                        <a:latin typeface="Cambria Math" panose="02040503050406030204" pitchFamily="18" charset="0"/>
+                                      </a:rPr>
+                                      <m:t>1</m:t>
                                     </m:r>
                                   </m:sub>
                                 </m:sSub>
                                 <m:r>
-                                  <a:rPr>
+                                  <a:rPr lang="ar-AE">
                                     <a:latin typeface="Cambria Math" panose="02040503050406030204" pitchFamily="18" charset="0"/>
                                   </a:rPr>
                                   <m:t>, </m:t>
@@ -13955,14 +14410,14 @@
                                 <m:sSub>
                                   <m:sSubPr>
                                     <m:ctrlPr>
-                                      <a:rPr i="1">
+                                      <a:rPr lang="ar-AE" i="1">
                                         <a:latin typeface="Cambria Math" panose="02040503050406030204" pitchFamily="18" charset="0"/>
                                       </a:rPr>
                                     </m:ctrlPr>
                                   </m:sSubPr>
                                   <m:e>
                                     <m:r>
-                                      <a:rPr>
+                                      <a:rPr lang="ar-AE">
                                         <a:latin typeface="Cambria Math" panose="02040503050406030204" pitchFamily="18" charset="0"/>
                                       </a:rPr>
                                       <m:t>𝜖</m:t>
@@ -13970,16 +14425,22 @@
                                   </m:e>
                                   <m:sub>
                                     <m:r>
-                                      <a:rPr>
+                                      <a:rPr lang="ar-AE">
                                         <a:latin typeface="Cambria Math" panose="02040503050406030204" pitchFamily="18" charset="0"/>
                                       </a:rPr>
                                       <m:t>𝑡</m:t>
                                     </m:r>
                                     <m:r>
-                                      <a:rPr>
+                                      <a:rPr lang="ar-AE">
                                         <a:latin typeface="Cambria Math" panose="02040503050406030204" pitchFamily="18" charset="0"/>
                                       </a:rPr>
-                                      <m:t>−2</m:t>
+                                      <m:t>−</m:t>
+                                    </m:r>
+                                    <m:r>
+                                      <a:rPr lang="ar-AE">
+                                        <a:latin typeface="Cambria Math" panose="02040503050406030204" pitchFamily="18" charset="0"/>
+                                      </a:rPr>
+                                      <m:t>2</m:t>
                                     </m:r>
                                   </m:sub>
                                 </m:sSub>
@@ -13990,14 +14451,14 @@
                                 <m:sSub>
                                   <m:sSubPr>
                                     <m:ctrlPr>
-                                      <a:rPr i="1">
+                                      <a:rPr lang="ar-AE" i="1">
                                         <a:latin typeface="Cambria Math" panose="02040503050406030204" pitchFamily="18" charset="0"/>
                                       </a:rPr>
                                     </m:ctrlPr>
                                   </m:sSubPr>
                                   <m:e>
                                     <m:r>
-                                      <a:rPr>
+                                      <a:rPr lang="ar-AE">
                                         <a:latin typeface="Cambria Math" panose="02040503050406030204" pitchFamily="18" charset="0"/>
                                       </a:rPr>
                                       <m:t>𝑦</m:t>
@@ -14005,21 +14466,27 @@
                                   </m:e>
                                   <m:sub>
                                     <m:r>
-                                      <a:rPr>
+                                      <a:rPr lang="ar-AE">
                                         <a:latin typeface="Cambria Math" panose="02040503050406030204" pitchFamily="18" charset="0"/>
                                       </a:rPr>
                                       <m:t>𝑡</m:t>
                                     </m:r>
                                     <m:r>
-                                      <a:rPr>
+                                      <a:rPr lang="ar-AE">
                                         <a:latin typeface="Cambria Math" panose="02040503050406030204" pitchFamily="18" charset="0"/>
                                       </a:rPr>
-                                      <m:t>−1</m:t>
+                                      <m:t>−</m:t>
+                                    </m:r>
+                                    <m:r>
+                                      <a:rPr lang="ar-AE">
+                                        <a:latin typeface="Cambria Math" panose="02040503050406030204" pitchFamily="18" charset="0"/>
+                                      </a:rPr>
+                                      <m:t>1</m:t>
                                     </m:r>
                                   </m:sub>
                                 </m:sSub>
                                 <m:r>
-                                  <a:rPr>
+                                  <a:rPr lang="ar-AE">
                                     <a:latin typeface="Cambria Math" panose="02040503050406030204" pitchFamily="18" charset="0"/>
                                   </a:rPr>
                                   <m:t>, </m:t>
@@ -14027,14 +14494,14 @@
                                 <m:sSub>
                                   <m:sSubPr>
                                     <m:ctrlPr>
-                                      <a:rPr i="1">
+                                      <a:rPr lang="ar-AE" i="1">
                                         <a:latin typeface="Cambria Math" panose="02040503050406030204" pitchFamily="18" charset="0"/>
                                       </a:rPr>
                                     </m:ctrlPr>
                                   </m:sSubPr>
                                   <m:e>
                                     <m:r>
-                                      <a:rPr>
+                                      <a:rPr lang="ar-AE">
                                         <a:latin typeface="Cambria Math" panose="02040503050406030204" pitchFamily="18" charset="0"/>
                                       </a:rPr>
                                       <m:t>𝜖</m:t>
@@ -14042,21 +14509,27 @@
                                   </m:e>
                                   <m:sub>
                                     <m:r>
-                                      <a:rPr>
+                                      <a:rPr lang="ar-AE">
                                         <a:latin typeface="Cambria Math" panose="02040503050406030204" pitchFamily="18" charset="0"/>
                                       </a:rPr>
                                       <m:t>𝑡</m:t>
                                     </m:r>
                                     <m:r>
-                                      <a:rPr>
+                                      <a:rPr lang="ar-AE">
                                         <a:latin typeface="Cambria Math" panose="02040503050406030204" pitchFamily="18" charset="0"/>
                                       </a:rPr>
-                                      <m:t>−2</m:t>
+                                      <m:t>−</m:t>
+                                    </m:r>
+                                    <m:r>
+                                      <a:rPr lang="ar-AE">
+                                        <a:latin typeface="Cambria Math" panose="02040503050406030204" pitchFamily="18" charset="0"/>
+                                      </a:rPr>
+                                      <m:t>2</m:t>
                                     </m:r>
                                   </m:sub>
                                 </m:sSub>
                                 <m:r>
-                                  <a:rPr>
+                                  <a:rPr lang="ar-AE">
                                     <a:latin typeface="Cambria Math" panose="02040503050406030204" pitchFamily="18" charset="0"/>
                                   </a:rPr>
                                   <m:t>, </m:t>
@@ -14064,14 +14537,14 @@
                                 <m:sSub>
                                   <m:sSubPr>
                                     <m:ctrlPr>
-                                      <a:rPr i="1">
+                                      <a:rPr lang="ar-AE" i="1">
                                         <a:latin typeface="Cambria Math" panose="02040503050406030204" pitchFamily="18" charset="0"/>
                                       </a:rPr>
                                     </m:ctrlPr>
                                   </m:sSubPr>
                                   <m:e>
                                     <m:r>
-                                      <a:rPr>
+                                      <a:rPr lang="ar-AE">
                                         <a:latin typeface="Cambria Math" panose="02040503050406030204" pitchFamily="18" charset="0"/>
                                       </a:rPr>
                                       <m:t>𝜖</m:t>
@@ -14079,16 +14552,22 @@
                                   </m:e>
                                   <m:sub>
                                     <m:r>
-                                      <a:rPr>
+                                      <a:rPr lang="ar-AE">
                                         <a:latin typeface="Cambria Math" panose="02040503050406030204" pitchFamily="18" charset="0"/>
                                       </a:rPr>
                                       <m:t>𝑡</m:t>
                                     </m:r>
                                     <m:r>
-                                      <a:rPr>
+                                      <a:rPr lang="ar-AE">
                                         <a:latin typeface="Cambria Math" panose="02040503050406030204" pitchFamily="18" charset="0"/>
                                       </a:rPr>
-                                      <m:t>−3</m:t>
+                                      <m:t>−</m:t>
+                                    </m:r>
+                                    <m:r>
+                                      <a:rPr lang="ar-AE">
+                                        <a:latin typeface="Cambria Math" panose="02040503050406030204" pitchFamily="18" charset="0"/>
+                                      </a:rPr>
+                                      <m:t>3</m:t>
                                     </m:r>
                                   </m:sub>
                                 </m:sSub>
@@ -14099,14 +14578,14 @@
                                 <m:sSub>
                                   <m:sSubPr>
                                     <m:ctrlPr>
-                                      <a:rPr i="1">
+                                      <a:rPr lang="ar-AE" i="1">
                                         <a:latin typeface="Cambria Math" panose="02040503050406030204" pitchFamily="18" charset="0"/>
                                       </a:rPr>
                                     </m:ctrlPr>
                                   </m:sSubPr>
                                   <m:e>
                                     <m:r>
-                                      <a:rPr>
+                                      <a:rPr lang="ar-AE">
                                         <a:latin typeface="Cambria Math" panose="02040503050406030204" pitchFamily="18" charset="0"/>
                                       </a:rPr>
                                       <m:t>𝑦</m:t>
@@ -14114,21 +14593,27 @@
                                   </m:e>
                                   <m:sub>
                                     <m:r>
-                                      <a:rPr>
+                                      <a:rPr lang="ar-AE">
                                         <a:latin typeface="Cambria Math" panose="02040503050406030204" pitchFamily="18" charset="0"/>
                                       </a:rPr>
                                       <m:t>𝑡</m:t>
                                     </m:r>
                                     <m:r>
-                                      <a:rPr>
+                                      <a:rPr lang="ar-AE">
                                         <a:latin typeface="Cambria Math" panose="02040503050406030204" pitchFamily="18" charset="0"/>
                                       </a:rPr>
-                                      <m:t>−2</m:t>
+                                      <m:t>−</m:t>
+                                    </m:r>
+                                    <m:r>
+                                      <a:rPr lang="ar-AE">
+                                        <a:latin typeface="Cambria Math" panose="02040503050406030204" pitchFamily="18" charset="0"/>
+                                      </a:rPr>
+                                      <m:t>2</m:t>
                                     </m:r>
                                   </m:sub>
                                 </m:sSub>
                                 <m:r>
-                                  <a:rPr>
+                                  <a:rPr lang="ar-AE">
                                     <a:latin typeface="Cambria Math" panose="02040503050406030204" pitchFamily="18" charset="0"/>
                                   </a:rPr>
                                   <m:t>, </m:t>
@@ -14136,14 +14621,14 @@
                                 <m:sSub>
                                   <m:sSubPr>
                                     <m:ctrlPr>
-                                      <a:rPr i="1">
+                                      <a:rPr lang="ar-AE" i="1">
                                         <a:latin typeface="Cambria Math" panose="02040503050406030204" pitchFamily="18" charset="0"/>
                                       </a:rPr>
                                     </m:ctrlPr>
                                   </m:sSubPr>
                                   <m:e>
                                     <m:r>
-                                      <a:rPr>
+                                      <a:rPr lang="ar-AE">
                                         <a:latin typeface="Cambria Math" panose="02040503050406030204" pitchFamily="18" charset="0"/>
                                       </a:rPr>
                                       <m:t>𝜖</m:t>
@@ -14151,21 +14636,27 @@
                                   </m:e>
                                   <m:sub>
                                     <m:r>
-                                      <a:rPr>
+                                      <a:rPr lang="ar-AE">
                                         <a:latin typeface="Cambria Math" panose="02040503050406030204" pitchFamily="18" charset="0"/>
                                       </a:rPr>
                                       <m:t>𝑡</m:t>
                                     </m:r>
                                     <m:r>
-                                      <a:rPr>
+                                      <a:rPr lang="ar-AE">
                                         <a:latin typeface="Cambria Math" panose="02040503050406030204" pitchFamily="18" charset="0"/>
                                       </a:rPr>
-                                      <m:t>−3</m:t>
+                                      <m:t>−</m:t>
+                                    </m:r>
+                                    <m:r>
+                                      <a:rPr lang="ar-AE">
+                                        <a:latin typeface="Cambria Math" panose="02040503050406030204" pitchFamily="18" charset="0"/>
+                                      </a:rPr>
+                                      <m:t>3</m:t>
                                     </m:r>
                                   </m:sub>
                                 </m:sSub>
                                 <m:r>
-                                  <a:rPr>
+                                  <a:rPr lang="ar-AE">
                                     <a:latin typeface="Cambria Math" panose="02040503050406030204" pitchFamily="18" charset="0"/>
                                   </a:rPr>
                                   <m:t>, </m:t>
@@ -14173,14 +14664,14 @@
                                 <m:sSub>
                                   <m:sSubPr>
                                     <m:ctrlPr>
-                                      <a:rPr i="1">
+                                      <a:rPr lang="ar-AE" i="1">
                                         <a:latin typeface="Cambria Math" panose="02040503050406030204" pitchFamily="18" charset="0"/>
                                       </a:rPr>
                                     </m:ctrlPr>
                                   </m:sSubPr>
                                   <m:e>
                                     <m:r>
-                                      <a:rPr>
+                                      <a:rPr lang="ar-AE">
                                         <a:latin typeface="Cambria Math" panose="02040503050406030204" pitchFamily="18" charset="0"/>
                                       </a:rPr>
                                       <m:t>𝜖</m:t>
@@ -14188,16 +14679,22 @@
                                   </m:e>
                                   <m:sub>
                                     <m:r>
-                                      <a:rPr>
+                                      <a:rPr lang="ar-AE">
                                         <a:latin typeface="Cambria Math" panose="02040503050406030204" pitchFamily="18" charset="0"/>
                                       </a:rPr>
                                       <m:t>𝑡</m:t>
                                     </m:r>
                                     <m:r>
-                                      <a:rPr>
+                                      <a:rPr lang="ar-AE">
                                         <a:latin typeface="Cambria Math" panose="02040503050406030204" pitchFamily="18" charset="0"/>
                                       </a:rPr>
-                                      <m:t>−4</m:t>
+                                      <m:t>−</m:t>
+                                    </m:r>
+                                    <m:r>
+                                      <a:rPr lang="ar-AE">
+                                        <a:latin typeface="Cambria Math" panose="02040503050406030204" pitchFamily="18" charset="0"/>
+                                      </a:rPr>
+                                      <m:t>4</m:t>
                                     </m:r>
                                   </m:sub>
                                 </m:sSub>
@@ -14206,7 +14703,7 @@
                             <m:mr>
                               <m:e>
                                 <m:r>
-                                  <a:rPr>
+                                  <a:rPr lang="ar-AE">
                                     <a:latin typeface="Cambria Math" panose="02040503050406030204" pitchFamily="18" charset="0"/>
                                   </a:rPr>
                                   <m:t>⋮,     ⋮,     ⋮</m:t>
@@ -14218,14 +14715,14 @@
                                 <m:sSub>
                                   <m:sSubPr>
                                     <m:ctrlPr>
-                                      <a:rPr i="1">
+                                      <a:rPr lang="ar-AE" i="1">
                                         <a:latin typeface="Cambria Math" panose="02040503050406030204" pitchFamily="18" charset="0"/>
                                       </a:rPr>
                                     </m:ctrlPr>
                                   </m:sSubPr>
                                   <m:e>
                                     <m:r>
-                                      <a:rPr>
+                                      <a:rPr lang="ar-AE">
                                         <a:latin typeface="Cambria Math" panose="02040503050406030204" pitchFamily="18" charset="0"/>
                                       </a:rPr>
                                       <m:t>𝑦</m:t>
@@ -14233,7 +14730,7 @@
                                   </m:e>
                                   <m:sub>
                                     <m:r>
-                                      <a:rPr>
+                                      <a:rPr lang="ar-AE">
                                         <a:latin typeface="Cambria Math" panose="02040503050406030204" pitchFamily="18" charset="0"/>
                                       </a:rPr>
                                       <m:t>2</m:t>
@@ -14241,7 +14738,7 @@
                                   </m:sub>
                                 </m:sSub>
                                 <m:r>
-                                  <a:rPr>
+                                  <a:rPr lang="ar-AE">
                                     <a:latin typeface="Cambria Math" panose="02040503050406030204" pitchFamily="18" charset="0"/>
                                   </a:rPr>
                                   <m:t>,    </m:t>
@@ -14249,14 +14746,14 @@
                                 <m:sSub>
                                   <m:sSubPr>
                                     <m:ctrlPr>
-                                      <a:rPr i="1">
+                                      <a:rPr lang="ar-AE" i="1">
                                         <a:latin typeface="Cambria Math" panose="02040503050406030204" pitchFamily="18" charset="0"/>
                                       </a:rPr>
                                     </m:ctrlPr>
                                   </m:sSubPr>
                                   <m:e>
                                     <m:r>
-                                      <a:rPr>
+                                      <a:rPr lang="ar-AE">
                                         <a:latin typeface="Cambria Math" panose="02040503050406030204" pitchFamily="18" charset="0"/>
                                       </a:rPr>
                                       <m:t>𝜖</m:t>
@@ -14264,7 +14761,7 @@
                                   </m:e>
                                   <m:sub>
                                     <m:r>
-                                      <a:rPr>
+                                      <a:rPr lang="ar-AE">
                                         <a:latin typeface="Cambria Math" panose="02040503050406030204" pitchFamily="18" charset="0"/>
                                       </a:rPr>
                                       <m:t>1</m:t>
@@ -14272,7 +14769,7 @@
                                   </m:sub>
                                 </m:sSub>
                                 <m:r>
-                                  <a:rPr>
+                                  <a:rPr lang="ar-AE">
                                     <a:latin typeface="Cambria Math" panose="02040503050406030204" pitchFamily="18" charset="0"/>
                                   </a:rPr>
                                   <m:t>,    </m:t>
@@ -14280,14 +14777,14 @@
                                 <m:sSub>
                                   <m:sSubPr>
                                     <m:ctrlPr>
-                                      <a:rPr i="1">
+                                      <a:rPr lang="ar-AE" i="1">
                                         <a:latin typeface="Cambria Math" panose="02040503050406030204" pitchFamily="18" charset="0"/>
                                       </a:rPr>
                                     </m:ctrlPr>
                                   </m:sSubPr>
                                   <m:e>
                                     <m:r>
-                                      <a:rPr>
+                                      <a:rPr lang="ar-AE">
                                         <a:latin typeface="Cambria Math" panose="02040503050406030204" pitchFamily="18" charset="0"/>
                                       </a:rPr>
                                       <m:t>𝜖</m:t>
@@ -14295,7 +14792,7 @@
                                   </m:e>
                                   <m:sub>
                                     <m:r>
-                                      <a:rPr>
+                                      <a:rPr lang="ar-AE">
                                         <a:latin typeface="Cambria Math" panose="02040503050406030204" pitchFamily="18" charset="0"/>
                                       </a:rPr>
                                       <m:t>0</m:t>
@@ -14309,14 +14806,14 @@
                                 <m:sSub>
                                   <m:sSubPr>
                                     <m:ctrlPr>
-                                      <a:rPr i="1">
+                                      <a:rPr lang="ar-AE" i="1">
                                         <a:latin typeface="Cambria Math" panose="02040503050406030204" pitchFamily="18" charset="0"/>
                                       </a:rPr>
                                     </m:ctrlPr>
                                   </m:sSubPr>
                                   <m:e>
                                     <m:r>
-                                      <a:rPr>
+                                      <a:rPr lang="ar-AE">
                                         <a:latin typeface="Cambria Math" panose="02040503050406030204" pitchFamily="18" charset="0"/>
                                       </a:rPr>
                                       <m:t>𝑦</m:t>
@@ -14324,7 +14821,7 @@
                                   </m:e>
                                   <m:sub>
                                     <m:r>
-                                      <a:rPr>
+                                      <a:rPr lang="ar-AE">
                                         <a:latin typeface="Cambria Math" panose="02040503050406030204" pitchFamily="18" charset="0"/>
                                       </a:rPr>
                                       <m:t>1</m:t>
@@ -14332,7 +14829,7 @@
                                   </m:sub>
                                 </m:sSub>
                                 <m:r>
-                                  <a:rPr>
+                                  <a:rPr lang="ar-AE">
                                     <a:latin typeface="Cambria Math" panose="02040503050406030204" pitchFamily="18" charset="0"/>
                                   </a:rPr>
                                   <m:t>,    </m:t>
@@ -14340,14 +14837,14 @@
                                 <m:sSub>
                                   <m:sSubPr>
                                     <m:ctrlPr>
-                                      <a:rPr i="1">
+                                      <a:rPr lang="ar-AE" i="1">
                                         <a:latin typeface="Cambria Math" panose="02040503050406030204" pitchFamily="18" charset="0"/>
                                       </a:rPr>
                                     </m:ctrlPr>
                                   </m:sSubPr>
                                   <m:e>
                                     <m:r>
-                                      <a:rPr>
+                                      <a:rPr lang="ar-AE">
                                         <a:latin typeface="Cambria Math" panose="02040503050406030204" pitchFamily="18" charset="0"/>
                                       </a:rPr>
                                       <m:t>𝜖</m:t>
@@ -14355,7 +14852,7 @@
                                   </m:e>
                                   <m:sub>
                                     <m:r>
-                                      <a:rPr>
+                                      <a:rPr lang="ar-AE">
                                         <a:latin typeface="Cambria Math" panose="02040503050406030204" pitchFamily="18" charset="0"/>
                                       </a:rPr>
                                       <m:t>0</m:t>
@@ -14363,10 +14860,16 @@
                                   </m:sub>
                                 </m:sSub>
                                 <m:r>
-                                  <a:rPr>
+                                  <a:rPr lang="ar-AE">
                                     <a:latin typeface="Cambria Math" panose="02040503050406030204" pitchFamily="18" charset="0"/>
                                   </a:rPr>
-                                  <m:t>    0</m:t>
+                                  <m:t>    </m:t>
+                                </m:r>
+                                <m:r>
+                                  <a:rPr lang="ar-AE">
+                                    <a:latin typeface="Cambria Math" panose="02040503050406030204" pitchFamily="18" charset="0"/>
+                                  </a:rPr>
+                                  <m:t>0</m:t>
                                 </m:r>
                               </m:e>
                             </m:mr>
@@ -14375,14 +14878,14 @@
                                 <m:sSub>
                                   <m:sSubPr>
                                     <m:ctrlPr>
-                                      <a:rPr i="1">
+                                      <a:rPr lang="ar-AE" i="1">
                                         <a:latin typeface="Cambria Math" panose="02040503050406030204" pitchFamily="18" charset="0"/>
                                       </a:rPr>
                                     </m:ctrlPr>
                                   </m:sSubPr>
                                   <m:e>
                                     <m:r>
-                                      <a:rPr>
+                                      <a:rPr lang="ar-AE">
                                         <a:latin typeface="Cambria Math" panose="02040503050406030204" pitchFamily="18" charset="0"/>
                                       </a:rPr>
                                       <m:t>𝑦</m:t>
@@ -14390,7 +14893,7 @@
                                   </m:e>
                                   <m:sub>
                                     <m:r>
-                                      <a:rPr>
+                                      <a:rPr lang="ar-AE">
                                         <a:latin typeface="Cambria Math" panose="02040503050406030204" pitchFamily="18" charset="0"/>
                                       </a:rPr>
                                       <m:t>0</m:t>
@@ -14398,10 +14901,28 @@
                                   </m:sub>
                                 </m:sSub>
                                 <m:r>
-                                  <a:rPr>
+                                  <a:rPr lang="ar-AE">
                                     <a:latin typeface="Cambria Math" panose="02040503050406030204" pitchFamily="18" charset="0"/>
                                   </a:rPr>
-                                  <m:t>,    0,    0</m:t>
+                                  <m:t>,    </m:t>
+                                </m:r>
+                                <m:r>
+                                  <a:rPr lang="ar-AE">
+                                    <a:latin typeface="Cambria Math" panose="02040503050406030204" pitchFamily="18" charset="0"/>
+                                  </a:rPr>
+                                  <m:t>0</m:t>
+                                </m:r>
+                                <m:r>
+                                  <a:rPr lang="ar-AE">
+                                    <a:latin typeface="Cambria Math" panose="02040503050406030204" pitchFamily="18" charset="0"/>
+                                  </a:rPr>
+                                  <m:t>,    </m:t>
+                                </m:r>
+                                <m:r>
+                                  <a:rPr lang="ar-AE">
+                                    <a:latin typeface="Cambria Math" panose="02040503050406030204" pitchFamily="18" charset="0"/>
+                                  </a:rPr>
+                                  <m:t>0</m:t>
                                 </m:r>
                               </m:e>
                             </m:mr>
@@ -14411,18 +14932,20 @@
                     </m:oMath>
                   </m:oMathPara>
                 </a14:m>
-                <a:endParaRPr/>
+                <a:endParaRPr lang="ar-AE" dirty="0"/>
               </a:p>
               <a:p>
                 <a:pPr lvl="0"/>
                 <a:r>
+                  <a:rPr lang="en-US" dirty="0"/>
                   <a:t>MA model is a </a:t>
                 </a:r>
                 <a:r>
-                  <a:rPr b="1"/>
+                  <a:rPr lang="en-US" b="1" dirty="0"/>
                   <a:t>nonlinear model!</a:t>
                 </a:r>
                 <a:r>
+                  <a:rPr lang="en-US" dirty="0"/>
                   <a:t>; must compute </a:t>
                 </a:r>
                 <a14:m>
@@ -14430,14 +14953,14 @@
                     <m:sSub>
                       <m:sSubPr>
                         <m:ctrlPr>
-                          <a:rPr i="1">
+                          <a:rPr lang="ar-AE" i="1">
                             <a:latin typeface="Cambria Math" panose="02040503050406030204" pitchFamily="18" charset="0"/>
                           </a:rPr>
                         </m:ctrlPr>
                       </m:sSubPr>
                       <m:e>
                         <m:r>
-                          <a:rPr>
+                          <a:rPr lang="ar-AE">
                             <a:latin typeface="Cambria Math" panose="02040503050406030204" pitchFamily="18" charset="0"/>
                           </a:rPr>
                           <m:t>𝜖</m:t>
@@ -14445,7 +14968,7 @@
                       </m:e>
                       <m:sub>
                         <m:r>
-                          <a:rPr>
+                          <a:rPr lang="ar-AE">
                             <a:latin typeface="Cambria Math" panose="02040503050406030204" pitchFamily="18" charset="0"/>
                           </a:rPr>
                           <m:t>𝑡</m:t>
@@ -14455,12 +14978,18 @@
                   </m:oMath>
                 </a14:m>
                 <a:r>
-                  <a:t> at each time step</a:t>
+                  <a:rPr lang="ar-AE" dirty="0"/>
+                  <a:t> </a:t>
+                </a:r>
+                <a:r>
+                  <a:rPr lang="en-US" dirty="0"/>
+                  <a:t>at each time step</a:t>
                 </a:r>
               </a:p>
               <a:p>
                 <a:pPr lvl="0"/>
                 <a:r>
+                  <a:rPr lang="en-US" dirty="0"/>
                   <a:t>The value of </a:t>
                 </a:r>
                 <a14:m>
@@ -14468,14 +14997,14 @@
                     <m:sSub>
                       <m:sSubPr>
                         <m:ctrlPr>
-                          <a:rPr i="1">
+                          <a:rPr lang="ar-AE" i="1">
                             <a:latin typeface="Cambria Math" panose="02040503050406030204" pitchFamily="18" charset="0"/>
                           </a:rPr>
                         </m:ctrlPr>
                       </m:sSubPr>
                       <m:e>
                         <m:r>
-                          <a:rPr>
+                          <a:rPr lang="ar-AE">
                             <a:latin typeface="Cambria Math" panose="02040503050406030204" pitchFamily="18" charset="0"/>
                           </a:rPr>
                           <m:t>𝜖</m:t>
@@ -14483,7 +15012,7 @@
                       </m:e>
                       <m:sub>
                         <m:r>
-                          <a:rPr>
+                          <a:rPr lang="ar-AE">
                             <a:latin typeface="Cambria Math" panose="02040503050406030204" pitchFamily="18" charset="0"/>
                           </a:rPr>
                           <m:t>𝑡</m:t>
@@ -14493,7 +15022,12 @@
                   </m:oMath>
                 </a14:m>
                 <a:r>
-                  <a:t> dependents on </a:t>
+                  <a:rPr lang="ar-AE" dirty="0"/>
+                  <a:t> </a:t>
+                </a:r>
+                <a:r>
+                  <a:rPr lang="en-US" dirty="0"/>
+                  <a:t>dependents on </a:t>
                 </a:r>
                 <a14:m>
                   <m:oMath xmlns:m="http://schemas.openxmlformats.org/officeDocument/2006/math">
@@ -14502,7 +15036,7 @@
                         <m:begChr m:val="["/>
                         <m:endChr m:val="]"/>
                         <m:ctrlPr>
-                          <a:rPr i="1">
+                          <a:rPr lang="ar-AE" i="1">
                             <a:latin typeface="Cambria Math" panose="02040503050406030204" pitchFamily="18" charset="0"/>
                           </a:rPr>
                         </m:ctrlPr>
@@ -14511,14 +15045,14 @@
                         <m:sSub>
                           <m:sSubPr>
                             <m:ctrlPr>
-                              <a:rPr i="1">
+                              <a:rPr lang="ar-AE" i="1">
                                 <a:latin typeface="Cambria Math" panose="02040503050406030204" pitchFamily="18" charset="0"/>
                               </a:rPr>
                             </m:ctrlPr>
                           </m:sSubPr>
                           <m:e>
                             <m:r>
-                              <a:rPr>
+                              <a:rPr lang="ar-AE">
                                 <a:latin typeface="Cambria Math" panose="02040503050406030204" pitchFamily="18" charset="0"/>
                               </a:rPr>
                               <m:t>𝜖</m:t>
@@ -14526,21 +15060,27 @@
                           </m:e>
                           <m:sub>
                             <m:r>
-                              <a:rPr>
+                              <a:rPr lang="ar-AE">
                                 <a:latin typeface="Cambria Math" panose="02040503050406030204" pitchFamily="18" charset="0"/>
                               </a:rPr>
                               <m:t>𝑡</m:t>
                             </m:r>
                             <m:r>
-                              <a:rPr>
+                              <a:rPr lang="ar-AE">
                                 <a:latin typeface="Cambria Math" panose="02040503050406030204" pitchFamily="18" charset="0"/>
                               </a:rPr>
-                              <m:t>−1</m:t>
+                              <m:t>−</m:t>
+                            </m:r>
+                            <m:r>
+                              <a:rPr lang="ar-AE">
+                                <a:latin typeface="Cambria Math" panose="02040503050406030204" pitchFamily="18" charset="0"/>
+                              </a:rPr>
+                              <m:t>1</m:t>
                             </m:r>
                           </m:sub>
                         </m:sSub>
                         <m:r>
-                          <a:rPr>
+                          <a:rPr lang="ar-AE">
                             <a:latin typeface="Cambria Math" panose="02040503050406030204" pitchFamily="18" charset="0"/>
                           </a:rPr>
                           <m:t>,</m:t>
@@ -14548,14 +15088,14 @@
                         <m:sSub>
                           <m:sSubPr>
                             <m:ctrlPr>
-                              <a:rPr i="1">
+                              <a:rPr lang="ar-AE" i="1">
                                 <a:latin typeface="Cambria Math" panose="02040503050406030204" pitchFamily="18" charset="0"/>
                               </a:rPr>
                             </m:ctrlPr>
                           </m:sSubPr>
                           <m:e>
                             <m:r>
-                              <a:rPr>
+                              <a:rPr lang="ar-AE">
                                 <a:latin typeface="Cambria Math" panose="02040503050406030204" pitchFamily="18" charset="0"/>
                               </a:rPr>
                               <m:t>𝜖</m:t>
@@ -14563,21 +15103,27 @@
                           </m:e>
                           <m:sub>
                             <m:r>
-                              <a:rPr>
+                              <a:rPr lang="ar-AE">
                                 <a:latin typeface="Cambria Math" panose="02040503050406030204" pitchFamily="18" charset="0"/>
                               </a:rPr>
                               <m:t>𝑡</m:t>
                             </m:r>
                             <m:r>
-                              <a:rPr>
+                              <a:rPr lang="ar-AE">
                                 <a:latin typeface="Cambria Math" panose="02040503050406030204" pitchFamily="18" charset="0"/>
                               </a:rPr>
-                              <m:t>−2</m:t>
+                              <m:t>−</m:t>
+                            </m:r>
+                            <m:r>
+                              <a:rPr lang="ar-AE">
+                                <a:latin typeface="Cambria Math" panose="02040503050406030204" pitchFamily="18" charset="0"/>
+                              </a:rPr>
+                              <m:t>2</m:t>
                             </m:r>
                           </m:sub>
                         </m:sSub>
                         <m:r>
-                          <a:rPr>
+                          <a:rPr lang="ar-AE">
                             <a:latin typeface="Cambria Math" panose="02040503050406030204" pitchFamily="18" charset="0"/>
                           </a:rPr>
                           <m:t>,...,</m:t>
@@ -14585,14 +15131,14 @@
                         <m:sSub>
                           <m:sSubPr>
                             <m:ctrlPr>
-                              <a:rPr i="1">
+                              <a:rPr lang="ar-AE" i="1">
                                 <a:latin typeface="Cambria Math" panose="02040503050406030204" pitchFamily="18" charset="0"/>
                               </a:rPr>
                             </m:ctrlPr>
                           </m:sSubPr>
                           <m:e>
                             <m:r>
-                              <a:rPr>
+                              <a:rPr lang="ar-AE">
                                 <a:latin typeface="Cambria Math" panose="02040503050406030204" pitchFamily="18" charset="0"/>
                               </a:rPr>
                               <m:t>𝜖</m:t>
@@ -14600,19 +15146,19 @@
                           </m:e>
                           <m:sub>
                             <m:r>
-                              <a:rPr>
+                              <a:rPr lang="ar-AE">
                                 <a:latin typeface="Cambria Math" panose="02040503050406030204" pitchFamily="18" charset="0"/>
                               </a:rPr>
                               <m:t>𝑡</m:t>
                             </m:r>
                             <m:r>
-                              <a:rPr>
+                              <a:rPr lang="ar-AE">
                                 <a:latin typeface="Cambria Math" panose="02040503050406030204" pitchFamily="18" charset="0"/>
                               </a:rPr>
                               <m:t>−</m:t>
                             </m:r>
                             <m:r>
-                              <a:rPr>
+                              <a:rPr lang="ar-AE">
                                 <a:latin typeface="Cambria Math" panose="02040503050406030204" pitchFamily="18" charset="0"/>
                               </a:rPr>
                               <m:t>𝑞</m:t>
@@ -14623,11 +15169,12 @@
                     </m:d>
                   </m:oMath>
                 </a14:m>
-                <a:endParaRPr/>
+                <a:endParaRPr lang="ar-AE" dirty="0"/>
               </a:p>
               <a:p>
                 <a:pPr lvl="0"/>
                 <a:r>
+                  <a:rPr lang="en-US" dirty="0"/>
                   <a:t>The </a:t>
                 </a:r>
                 <a14:m>
@@ -14635,14 +15182,14 @@
                     <m:sSub>
                       <m:sSubPr>
                         <m:ctrlPr>
-                          <a:rPr i="1">
+                          <a:rPr lang="ar-AE" i="1">
                             <a:latin typeface="Cambria Math" panose="02040503050406030204" pitchFamily="18" charset="0"/>
                           </a:rPr>
                         </m:ctrlPr>
                       </m:sSubPr>
                       <m:e>
                         <m:r>
-                          <a:rPr>
+                          <a:rPr lang="ar-AE">
                             <a:latin typeface="Cambria Math" panose="02040503050406030204" pitchFamily="18" charset="0"/>
                           </a:rPr>
                           <m:t>𝜖</m:t>
@@ -14650,40 +15197,73 @@
                       </m:e>
                       <m:sub>
                         <m:r>
-                          <a:rPr>
+                          <a:rPr lang="ar-AE">
                             <a:latin typeface="Cambria Math" panose="02040503050406030204" pitchFamily="18" charset="0"/>
                           </a:rPr>
                           <m:t>𝑘</m:t>
                         </m:r>
                       </m:sub>
                     </m:sSub>
+                    <m:r>
+                      <a:rPr lang="ar-AE" i="1" smtClean="0">
+                        <a:latin typeface="Cambria Math" panose="02040503050406030204" pitchFamily="18" charset="0"/>
+                        <a:ea typeface="Cambria Math" panose="02040503050406030204" pitchFamily="18" charset="0"/>
+                      </a:rPr>
+                      <m:t>∀</m:t>
+                    </m:r>
+                    <m:r>
+                      <a:rPr lang="en-US" b="0" i="1" smtClean="0">
+                        <a:latin typeface="Cambria Math" panose="02040503050406030204" pitchFamily="18" charset="0"/>
+                        <a:ea typeface="Cambria Math" panose="02040503050406030204" pitchFamily="18" charset="0"/>
+                      </a:rPr>
+                      <m:t> </m:t>
+                    </m:r>
+                    <m:r>
+                      <a:rPr lang="en-US" b="0" i="1" smtClean="0">
+                        <a:latin typeface="Cambria Math" panose="02040503050406030204" pitchFamily="18" charset="0"/>
+                        <a:ea typeface="Cambria Math" panose="02040503050406030204" pitchFamily="18" charset="0"/>
+                      </a:rPr>
+                      <m:t>𝑘</m:t>
+                    </m:r>
                   </m:oMath>
                 </a14:m>
                 <a:r>
-                  <a:t>s are </a:t>
-                </a:r>
-                <a:r>
-                  <a:rPr b="1"/>
+                  <a:rPr lang="en-US" dirty="0"/>
+                  <a:t> are </a:t>
+                </a:r>
+                <a:r>
+                  <a:rPr lang="en-US" b="1" dirty="0"/>
                   <a:t>unobservable</a:t>
                 </a:r>
                 <a:r>
+                  <a:rPr lang="en-US" dirty="0"/>
                   <a:t>!</a:t>
                 </a:r>
               </a:p>
               <a:p>
                 <a:pPr lvl="0"/>
                 <a:r>
+                  <a:rPr lang="en-US" dirty="0"/>
                   <a:t>So, fitting requires </a:t>
                 </a:r>
                 <a:r>
-                  <a:rPr b="1"/>
-                  <a:t>nonlinear iteratively rewieighted least squares</a:t>
-                </a:r>
+                  <a:rPr lang="en-US" b="1" dirty="0"/>
+                  <a:t>nonlinear iteratively </a:t>
+                </a:r>
+                <a:r>
+                  <a:rPr lang="en-US" b="1" dirty="0" err="1"/>
+                  <a:t>rewieighted</a:t>
+                </a:r>
+                <a:r>
+                  <a:rPr lang="en-US" b="1" dirty="0"/>
+                  <a:t> least squares</a:t>
+                </a:r>
+                <a:endParaRPr b="1" dirty="0"/>
               </a:p>
             </p:txBody>
           </p:sp>
         </mc:Choice>
-        <mc:Fallback xmlns="">
+        <mc:Fallback>
           <p:sp>
             <p:nvSpPr>
               <p:cNvPr id="3" name="Content Placeholder 2"/>
@@ -14808,8 +15388,8 @@
           </a:prstGeom>
         </p:spPr>
       </p:pic>
-      <mc:AlternateContent xmlns:mc="http://schemas.openxmlformats.org/markup-compatibility/2006" xmlns:a14="http://schemas.microsoft.com/office/drawing/2010/main">
-        <mc:Choice Requires="a14">
+      <mc:AlternateContent xmlns:mc="http://schemas.openxmlformats.org/markup-compatibility/2006">
+        <mc:Choice xmlns:a14="http://schemas.microsoft.com/office/drawing/2010/main" Requires="a14">
           <p:sp>
             <p:nvSpPr>
               <p:cNvPr id="9" name="Text Placeholder 3">
@@ -15012,10 +15592,7 @@
                     </m:d>
                   </m:oMath>
                 </a14:m>
-                <a:r>
-                  <a:rPr lang="en-US" sz="2000" dirty="0"/>
-                  <a:t>, near oscillatory behavior</a:t>
-                </a:r>
+                <a:endParaRPr lang="en-US" sz="2000" b="0" dirty="0"/>
               </a:p>
               <a:p>
                 <a:pPr marL="457200" indent="-457200">
@@ -15231,10 +15808,7 @@
                     </m:d>
                   </m:oMath>
                 </a14:m>
-                <a:r>
-                  <a:rPr lang="en-US" sz="2000" dirty="0"/>
-                  <a:t>, near oscillatory behavior</a:t>
-                </a:r>
+                <a:endParaRPr lang="en-US" sz="2000" dirty="0"/>
               </a:p>
               <a:p>
                 <a:r>
@@ -15268,7 +15842,7 @@
             </p:txBody>
           </p:sp>
         </mc:Choice>
-        <mc:Fallback xmlns="">
+        <mc:Fallback>
           <p:sp>
             <p:nvSpPr>
               <p:cNvPr id="9" name="Text Placeholder 3">
@@ -15293,7 +15867,7 @@
               <a:blipFill>
                 <a:blip r:embed="rId3"/>
                 <a:stretch>
-                  <a:fillRect l="-1451" t="-1040" r="-132"/>
+                  <a:fillRect l="-1451" t="-1040"/>
                 </a:stretch>
               </a:blipFill>
             </p:spPr>
@@ -15312,94 +15886,6 @@
           </p:sp>
         </mc:Fallback>
       </mc:AlternateContent>
-      <p:cxnSp>
-        <p:nvCxnSpPr>
-          <p:cNvPr id="10" name="Straight Arrow Connector 9">
-            <a:extLst>
-              <a:ext uri="{FF2B5EF4-FFF2-40B4-BE49-F238E27FC236}">
-                <a16:creationId xmlns:a16="http://schemas.microsoft.com/office/drawing/2014/main" id="{EE68B63A-608B-032D-C4D1-4A5DC3E30DE3}"/>
-              </a:ext>
-            </a:extLst>
-          </p:cNvPr>
-          <p:cNvCxnSpPr>
-            <a:cxnSpLocks/>
-          </p:cNvCxnSpPr>
-          <p:nvPr/>
-        </p:nvCxnSpPr>
-        <p:spPr>
-          <a:xfrm flipV="1">
-            <a:off x="4684295" y="2061411"/>
-            <a:ext cx="1303421" cy="300789"/>
-          </a:xfrm>
-          <a:prstGeom prst="straightConnector1">
-            <a:avLst/>
-          </a:prstGeom>
-          <a:ln>
-            <a:solidFill>
-              <a:schemeClr val="tx1"/>
-            </a:solidFill>
-            <a:tailEnd type="triangle"/>
-          </a:ln>
-        </p:spPr>
-        <p:style>
-          <a:lnRef idx="2">
-            <a:schemeClr val="accent1"/>
-          </a:lnRef>
-          <a:fillRef idx="0">
-            <a:schemeClr val="accent1"/>
-          </a:fillRef>
-          <a:effectRef idx="1">
-            <a:schemeClr val="accent1"/>
-          </a:effectRef>
-          <a:fontRef idx="minor">
-            <a:schemeClr val="tx1"/>
-          </a:fontRef>
-        </p:style>
-      </p:cxnSp>
-      <p:cxnSp>
-        <p:nvCxnSpPr>
-          <p:cNvPr id="11" name="Straight Arrow Connector 10">
-            <a:extLst>
-              <a:ext uri="{FF2B5EF4-FFF2-40B4-BE49-F238E27FC236}">
-                <a16:creationId xmlns:a16="http://schemas.microsoft.com/office/drawing/2014/main" id="{B3E89841-9D3C-35DB-D76B-E97DF325F705}"/>
-              </a:ext>
-            </a:extLst>
-          </p:cNvPr>
-          <p:cNvCxnSpPr>
-            <a:cxnSpLocks/>
-          </p:cNvCxnSpPr>
-          <p:nvPr/>
-        </p:nvCxnSpPr>
-        <p:spPr>
-          <a:xfrm>
-            <a:off x="4860758" y="3545305"/>
-            <a:ext cx="1166776" cy="838200"/>
-          </a:xfrm>
-          <a:prstGeom prst="straightConnector1">
-            <a:avLst/>
-          </a:prstGeom>
-          <a:ln>
-            <a:solidFill>
-              <a:schemeClr val="tx1"/>
-            </a:solidFill>
-            <a:tailEnd type="triangle"/>
-          </a:ln>
-        </p:spPr>
-        <p:style>
-          <a:lnRef idx="2">
-            <a:schemeClr val="accent1"/>
-          </a:lnRef>
-          <a:fillRef idx="0">
-            <a:schemeClr val="accent1"/>
-          </a:fillRef>
-          <a:effectRef idx="1">
-            <a:schemeClr val="accent1"/>
-          </a:effectRef>
-          <a:fontRef idx="minor">
-            <a:schemeClr val="tx1"/>
-          </a:fontRef>
-        </p:style>
-      </p:cxnSp>
     </p:spTree>
   </p:cSld>
   <p:clrMapOvr>
@@ -16338,8 +16824,8 @@
           </a:p>
         </p:txBody>
       </p:sp>
-      <mc:AlternateContent xmlns:mc="http://schemas.openxmlformats.org/markup-compatibility/2006" xmlns:a14="http://schemas.microsoft.com/office/drawing/2010/main">
-        <mc:Choice Requires="a14">
+      <mc:AlternateContent xmlns:mc="http://schemas.openxmlformats.org/markup-compatibility/2006">
+        <mc:Choice xmlns:a14="http://schemas.microsoft.com/office/drawing/2010/main" Requires="a14">
           <p:sp>
             <p:nvSpPr>
               <p:cNvPr id="6" name="Content Placeholder 2">
@@ -16358,13 +16844,13 @@
             </p:nvSpPr>
             <p:spPr>
               <a:xfrm>
-                <a:off x="544484" y="1502763"/>
-                <a:ext cx="3678381" cy="3394472"/>
+                <a:off x="544484" y="1208942"/>
+                <a:ext cx="3678381" cy="3688293"/>
               </a:xfrm>
             </p:spPr>
             <p:txBody>
               <a:bodyPr>
-                <a:normAutofit fontScale="92500" lnSpcReduction="10000"/>
+                <a:normAutofit fontScale="77500" lnSpcReduction="20000"/>
               </a:bodyPr>
               <a:lstStyle/>
               <a:p>
@@ -16445,21 +16931,39 @@
                 <a:pPr lvl="0"/>
                 <a:r>
                   <a:rPr lang="en-US" dirty="0"/>
-                  <a:t>Both MA coefficients are statistically significant</a:t>
+                  <a:t>Mean is not statistically significant away from 0</a:t>
                 </a:r>
               </a:p>
               <a:p>
                 <a:pPr lvl="0"/>
                 <a:r>
                   <a:rPr lang="en-US" dirty="0"/>
-                  <a:t>Estimated parameter values are close to actual values</a:t>
+                  <a:t>Both MA coefficients are statistically significant</a:t>
                 </a:r>
               </a:p>
               <a:p>
                 <a:pPr lvl="0"/>
                 <a:r>
                   <a:rPr lang="en-US" dirty="0"/>
-                  <a:t>Actual values are well within the CIs</a:t>
+                  <a:t>Estimated parameter values are close to actual values</a:t>
+                </a:r>
+              </a:p>
+              <a:p>
+                <a:pPr lvl="0"/>
+                <a:r>
+                  <a:rPr lang="en-US" dirty="0"/>
+                  <a:t>Actual values are well within the Cis</a:t>
+                </a:r>
+              </a:p>
+              <a:p>
+                <a:pPr lvl="0"/>
+                <a:r>
+                  <a:rPr lang="en-US" dirty="0" err="1"/>
+                  <a:t>Ljung</a:t>
+                </a:r>
+                <a:r>
+                  <a:rPr lang="en-US" dirty="0"/>
+                  <a:t>-Box test shows no statistically significant serial correlation</a:t>
                 </a:r>
                 <a:br>
                   <a:rPr lang="en-US" dirty="0"/>
@@ -16469,7 +16973,7 @@
             </p:txBody>
           </p:sp>
         </mc:Choice>
-        <mc:Fallback xmlns="">
+        <mc:Fallback>
           <p:sp>
             <p:nvSpPr>
               <p:cNvPr id="6" name="Content Placeholder 2">
@@ -16488,13 +16992,13 @@
             </p:nvSpPr>
             <p:spPr>
               <a:xfrm>
-                <a:off x="544484" y="1502763"/>
-                <a:ext cx="3678381" cy="3394472"/>
+                <a:off x="544484" y="1208942"/>
+                <a:ext cx="3678381" cy="3688293"/>
               </a:xfrm>
               <a:blipFill>
                 <a:blip r:embed="rId3"/>
                 <a:stretch>
-                  <a:fillRect l="-2152" t="-2338"/>
+                  <a:fillRect l="-1490" t="-2149" r="-1821"/>
                 </a:stretch>
               </a:blipFill>
             </p:spPr>
@@ -16522,13 +17026,15 @@
               </a:ext>
             </a:extLst>
           </p:cNvPr>
-          <p:cNvCxnSpPr/>
+          <p:cNvCxnSpPr>
+            <a:cxnSpLocks/>
+          </p:cNvCxnSpPr>
           <p:nvPr/>
         </p:nvCxnSpPr>
         <p:spPr>
           <a:xfrm>
-            <a:off x="3782291" y="2377440"/>
-            <a:ext cx="3246120" cy="511233"/>
+            <a:off x="3560885" y="2501412"/>
+            <a:ext cx="3314700" cy="922958"/>
           </a:xfrm>
           <a:prstGeom prst="straightConnector1">
             <a:avLst/>
@@ -16571,8 +17077,8 @@
         </p:nvCxnSpPr>
         <p:spPr>
           <a:xfrm>
-            <a:off x="3869575" y="3328207"/>
-            <a:ext cx="1051562" cy="96163"/>
+            <a:off x="3771900" y="3121269"/>
+            <a:ext cx="1149237" cy="303101"/>
           </a:xfrm>
           <a:prstGeom prst="straightConnector1">
             <a:avLst/>
@@ -16615,8 +17121,96 @@
         </p:nvCxnSpPr>
         <p:spPr>
           <a:xfrm flipV="1">
-            <a:off x="3636485" y="3474720"/>
-            <a:ext cx="4031641" cy="638001"/>
+            <a:off x="3771900" y="3474720"/>
+            <a:ext cx="3896226" cy="95363"/>
+          </a:xfrm>
+          <a:prstGeom prst="straightConnector1">
+            <a:avLst/>
+          </a:prstGeom>
+          <a:ln>
+            <a:solidFill>
+              <a:schemeClr val="tx1"/>
+            </a:solidFill>
+            <a:tailEnd type="triangle"/>
+          </a:ln>
+        </p:spPr>
+        <p:style>
+          <a:lnRef idx="2">
+            <a:schemeClr val="accent1"/>
+          </a:lnRef>
+          <a:fillRef idx="0">
+            <a:schemeClr val="accent1"/>
+          </a:fillRef>
+          <a:effectRef idx="1">
+            <a:schemeClr val="accent1"/>
+          </a:effectRef>
+          <a:fontRef idx="minor">
+            <a:schemeClr val="tx1"/>
+          </a:fontRef>
+        </p:style>
+      </p:cxnSp>
+      <p:cxnSp>
+        <p:nvCxnSpPr>
+          <p:cNvPr id="11" name="Straight Arrow Connector 10">
+            <a:extLst>
+              <a:ext uri="{FF2B5EF4-FFF2-40B4-BE49-F238E27FC236}">
+                <a16:creationId xmlns:a16="http://schemas.microsoft.com/office/drawing/2014/main" id="{4739C262-E52F-FCC3-5D4B-9B504D27EBE1}"/>
+              </a:ext>
+            </a:extLst>
+          </p:cNvPr>
+          <p:cNvCxnSpPr>
+            <a:cxnSpLocks/>
+          </p:cNvCxnSpPr>
+          <p:nvPr/>
+        </p:nvCxnSpPr>
+        <p:spPr>
+          <a:xfrm>
+            <a:off x="3398227" y="2022231"/>
+            <a:ext cx="3477358" cy="1099038"/>
+          </a:xfrm>
+          <a:prstGeom prst="straightConnector1">
+            <a:avLst/>
+          </a:prstGeom>
+          <a:ln>
+            <a:solidFill>
+              <a:schemeClr val="tx1"/>
+            </a:solidFill>
+            <a:tailEnd type="triangle"/>
+          </a:ln>
+        </p:spPr>
+        <p:style>
+          <a:lnRef idx="2">
+            <a:schemeClr val="accent1"/>
+          </a:lnRef>
+          <a:fillRef idx="0">
+            <a:schemeClr val="accent1"/>
+          </a:fillRef>
+          <a:effectRef idx="1">
+            <a:schemeClr val="accent1"/>
+          </a:effectRef>
+          <a:fontRef idx="minor">
+            <a:schemeClr val="tx1"/>
+          </a:fontRef>
+        </p:style>
+      </p:cxnSp>
+      <p:cxnSp>
+        <p:nvCxnSpPr>
+          <p:cNvPr id="19" name="Straight Arrow Connector 18">
+            <a:extLst>
+              <a:ext uri="{FF2B5EF4-FFF2-40B4-BE49-F238E27FC236}">
+                <a16:creationId xmlns:a16="http://schemas.microsoft.com/office/drawing/2014/main" id="{EE6F7373-3DF7-7848-D1A4-9E9430666B7B}"/>
+              </a:ext>
+            </a:extLst>
+          </p:cNvPr>
+          <p:cNvCxnSpPr>
+            <a:cxnSpLocks/>
+          </p:cNvCxnSpPr>
+          <p:nvPr/>
+        </p:nvCxnSpPr>
+        <p:spPr>
+          <a:xfrm flipV="1">
+            <a:off x="3727938" y="3959266"/>
+            <a:ext cx="384345" cy="133553"/>
           </a:xfrm>
           <a:prstGeom prst="straightConnector1">
             <a:avLst/>
@@ -16692,8 +17286,8 @@
           </a:p>
         </p:txBody>
       </p:sp>
-      <mc:AlternateContent xmlns:mc="http://schemas.openxmlformats.org/markup-compatibility/2006" xmlns:a14="http://schemas.microsoft.com/office/drawing/2010/main">
-        <mc:Choice Requires="a14">
+      <mc:AlternateContent xmlns:mc="http://schemas.openxmlformats.org/markup-compatibility/2006">
+        <mc:Choice xmlns:a14="http://schemas.microsoft.com/office/drawing/2010/main" Requires="a14">
           <p:sp>
             <p:nvSpPr>
               <p:cNvPr id="3" name="Content Placeholder 2"/>
@@ -16707,12 +17301,12 @@
             <p:spPr>
               <a:xfrm>
                 <a:off x="457200" y="1143000"/>
-                <a:ext cx="8229600" cy="3794521"/>
+                <a:ext cx="8229600" cy="3965331"/>
               </a:xfrm>
             </p:spPr>
             <p:txBody>
               <a:bodyPr>
-                <a:normAutofit fontScale="85000" lnSpcReduction="20000"/>
+                <a:normAutofit fontScale="77500" lnSpcReduction="20000"/>
               </a:bodyPr>
               <a:lstStyle/>
               <a:p>
@@ -16810,6 +17404,21 @@
                         </a:rPr>
                         <m:t>=</m:t>
                       </m:r>
+                      <m:r>
+                        <m:rPr>
+                          <m:sty m:val="p"/>
+                        </m:rPr>
+                        <a:rPr lang="en-US" b="0" i="0" smtClean="0">
+                          <a:latin typeface="Cambria Math" panose="02040503050406030204" pitchFamily="18" charset="0"/>
+                        </a:rPr>
+                        <m:t>c</m:t>
+                      </m:r>
+                      <m:r>
+                        <a:rPr lang="en-US" b="0" i="1" smtClean="0">
+                          <a:latin typeface="Cambria Math" panose="02040503050406030204" pitchFamily="18" charset="0"/>
+                        </a:rPr>
+                        <m:t>+</m:t>
+                      </m:r>
                       <m:sSub>
                         <m:sSubPr>
                           <m:ctrlPr>
@@ -17494,6 +18103,18 @@
                           </m:r>
                         </m:sub>
                       </m:sSub>
+                      <m:r>
+                        <a:rPr lang="en-US" b="0" i="1" smtClean="0">
+                          <a:latin typeface="Cambria Math" panose="02040503050406030204" pitchFamily="18" charset="0"/>
+                        </a:rPr>
+                        <m:t>−</m:t>
+                      </m:r>
+                      <m:r>
+                        <a:rPr lang="en-US" b="0" i="1" smtClean="0">
+                          <a:latin typeface="Cambria Math" panose="02040503050406030204" pitchFamily="18" charset="0"/>
+                        </a:rPr>
+                        <m:t>𝑐</m:t>
+                      </m:r>
                       <m:r>
                         <a:rPr lang="ar-AE">
                           <a:latin typeface="Cambria Math" panose="02040503050406030204" pitchFamily="18" charset="0"/>
@@ -17774,6 +18395,37 @@
                             </m:ctrlPr>
                           </m:sSubPr>
                           <m:e>
+                            <m:sSub>
+                              <m:sSubPr>
+                                <m:ctrlPr>
+                                  <a:rPr lang="en-US" i="1">
+                                    <a:latin typeface="Cambria Math" panose="02040503050406030204" pitchFamily="18" charset="0"/>
+                                  </a:rPr>
+                                </m:ctrlPr>
+                              </m:sSubPr>
+                              <m:e>
+                                <m:r>
+                                  <a:rPr lang="en-US" i="1">
+                                    <a:latin typeface="Cambria Math" panose="02040503050406030204" pitchFamily="18" charset="0"/>
+                                  </a:rPr>
+                                  <m:t>𝐵</m:t>
+                                </m:r>
+                              </m:e>
+                              <m:sub>
+                                <m:r>
+                                  <a:rPr lang="en-US" b="0" i="1" smtClean="0">
+                                    <a:latin typeface="Cambria Math" panose="02040503050406030204" pitchFamily="18" charset="0"/>
+                                  </a:rPr>
+                                  <m:t>0</m:t>
+                                </m:r>
+                              </m:sub>
+                            </m:sSub>
+                            <m:r>
+                              <a:rPr lang="en-US" b="0" i="1" smtClean="0">
+                                <a:latin typeface="Cambria Math" panose="02040503050406030204" pitchFamily="18" charset="0"/>
+                              </a:rPr>
+                              <m:t>+</m:t>
+                            </m:r>
                             <m:r>
                               <a:rPr lang="en-US" b="0" i="1" smtClean="0">
                                 <a:latin typeface="Cambria Math" panose="02040503050406030204" pitchFamily="18" charset="0"/>
@@ -17964,7 +18616,7 @@
                         </m:dPr>
                         <m:e>
                           <m:r>
-                            <a:rPr lang="ar-AE">
+                            <a:rPr lang="en-US" b="0" i="0" smtClean="0">
                               <a:latin typeface="Cambria Math" panose="02040503050406030204" pitchFamily="18" charset="0"/>
                             </a:rPr>
                             <m:t>1</m:t>
@@ -18305,6 +18957,18 @@
                         </m:sub>
                       </m:sSub>
                       <m:r>
+                        <a:rPr lang="en-US" b="0" i="1" smtClean="0">
+                          <a:latin typeface="Cambria Math" panose="02040503050406030204" pitchFamily="18" charset="0"/>
+                        </a:rPr>
+                        <m:t>−</m:t>
+                      </m:r>
+                      <m:r>
+                        <a:rPr lang="en-US" b="0" i="1" smtClean="0">
+                          <a:latin typeface="Cambria Math" panose="02040503050406030204" pitchFamily="18" charset="0"/>
+                        </a:rPr>
+                        <m:t>𝑐</m:t>
+                      </m:r>
+                      <m:r>
                         <a:rPr lang="ar-AE">
                           <a:latin typeface="Cambria Math" panose="02040503050406030204" pitchFamily="18" charset="0"/>
                         </a:rPr>
@@ -18350,18 +19014,47 @@
                     </m:oMath>
                   </m:oMathPara>
                 </a14:m>
-                <a:endParaRPr lang="ar-AE" dirty="0"/>
+                <a:endParaRPr lang="en-US" dirty="0"/>
               </a:p>
               <a:p>
-                <a:pPr marL="0" lvl="0" indent="0">
-                  <a:buNone/>
-                </a:pPr>
-                <a:endParaRPr dirty="0"/>
+                <a:r>
+                  <a:rPr lang="en-US" dirty="0"/>
+                  <a:t>For stationary series, </a:t>
+                </a:r>
+                <a14:m>
+                  <m:oMath xmlns:m="http://schemas.openxmlformats.org/officeDocument/2006/math">
+                    <m:r>
+                      <a:rPr lang="en-US" smtClean="0">
+                        <a:latin typeface="Cambria Math" panose="02040503050406030204" pitchFamily="18" charset="0"/>
+                      </a:rPr>
+                      <m:t>𝛷</m:t>
+                    </m:r>
+                  </m:oMath>
+                </a14:m>
+                <a:r>
+                  <a:rPr lang="en-US" dirty="0"/>
+                  <a:t> and </a:t>
+                </a:r>
+                <a14:m>
+                  <m:oMath xmlns:m="http://schemas.openxmlformats.org/officeDocument/2006/math">
+                    <m:r>
+                      <a:rPr lang="ar-AE">
+                        <a:latin typeface="Cambria Math" panose="02040503050406030204" pitchFamily="18" charset="0"/>
+                      </a:rPr>
+                      <m:t>𝛩</m:t>
+                    </m:r>
+                  </m:oMath>
+                </a14:m>
+                <a:r>
+                  <a:rPr lang="en-US" dirty="0"/>
+                  <a:t> must not have unit roots!</a:t>
+                </a:r>
+                <a:endParaRPr lang="ar-AE" dirty="0"/>
               </a:p>
             </p:txBody>
           </p:sp>
         </mc:Choice>
-        <mc:Fallback xmlns="">
+        <mc:Fallback>
           <p:sp>
             <p:nvSpPr>
               <p:cNvPr id="3" name="Content Placeholder 2"/>
@@ -18375,12 +19068,12 @@
             <p:spPr>
               <a:xfrm>
                 <a:off x="457200" y="1143000"/>
-                <a:ext cx="8229600" cy="3794521"/>
+                <a:ext cx="8229600" cy="3965331"/>
               </a:xfrm>
               <a:blipFill>
                 <a:blip r:embed="rId2"/>
                 <a:stretch>
-                  <a:fillRect l="-741" t="-2412"/>
+                  <a:fillRect l="-667" t="-2000"/>
                 </a:stretch>
               </a:blipFill>
             </p:spPr>
@@ -18742,8 +19435,8 @@
           </a:p>
         </p:txBody>
       </p:sp>
-      <mc:AlternateContent xmlns:mc="http://schemas.openxmlformats.org/markup-compatibility/2006" xmlns:a14="http://schemas.microsoft.com/office/drawing/2010/main">
-        <mc:Choice Requires="a14">
+      <mc:AlternateContent xmlns:mc="http://schemas.openxmlformats.org/markup-compatibility/2006">
+        <mc:Choice xmlns:a14="http://schemas.microsoft.com/office/drawing/2010/main" Requires="a14">
           <p:sp>
             <p:nvSpPr>
               <p:cNvPr id="3" name="Content Placeholder 2"/>
@@ -19202,7 +19895,7 @@
                 </a14:m>
                 <a:r>
                   <a:rPr dirty="0"/>
-                  <a:t>, to find the formulation of the </a:t>
+                  <a:t>, to find the </a:t>
                 </a:r>
                 <a14:m>
                   <m:oMath xmlns:m="http://schemas.openxmlformats.org/officeDocument/2006/math">
@@ -19568,13 +20261,29 @@
                 <a:pPr lvl="0"/>
                 <a:r>
                   <a:rPr dirty="0"/>
-                  <a:t>Applied same algebra to finding polynomial formulations for higher order ARIMA models.</a:t>
+                  <a:t>Appl</a:t>
+                </a:r>
+                <a:r>
+                  <a:rPr lang="en-US" dirty="0"/>
+                  <a:t>y</a:t>
+                </a:r>
+                <a:r>
+                  <a:rPr dirty="0"/>
+                  <a:t> same algebra</a:t>
+                </a:r>
+                <a:r>
+                  <a:rPr lang="en-US" dirty="0"/>
+                  <a:t> recessively to</a:t>
+                </a:r>
+                <a:r>
+                  <a:rPr dirty="0"/>
+                  <a:t> polynomial formulations for higher order ARIMA models.</a:t>
                 </a:r>
               </a:p>
             </p:txBody>
           </p:sp>
         </mc:Choice>
-        <mc:Fallback xmlns="">
+        <mc:Fallback>
           <p:sp>
             <p:nvSpPr>
               <p:cNvPr id="3" name="Content Placeholder 2"/>
@@ -19589,7 +20298,7 @@
               <a:blipFill>
                 <a:blip r:embed="rId2"/>
                 <a:stretch>
-                  <a:fillRect l="-963" t="-3052" r="-444"/>
+                  <a:fillRect l="-963" t="-3052"/>
                 </a:stretch>
               </a:blipFill>
             </p:spPr>
@@ -19868,11 +20577,21 @@
             <a:pPr lvl="1"/>
             <a:r>
               <a:rPr dirty="0"/>
-              <a:t>Used by PROFIT model, </a:t>
+              <a:t>Used by </a:t>
+            </a:r>
+            <a:r>
+              <a:rPr dirty="0">
+                <a:hlinkClick r:id="rId2"/>
+              </a:rPr>
+              <a:t>PROFIT model</a:t>
+            </a:r>
+            <a:r>
+              <a:rPr dirty="0"/>
+              <a:t>, </a:t>
             </a:r>
             <a:r>
               <a:rPr dirty="0" err="1">
-                <a:hlinkClick r:id="rId2"/>
+                <a:hlinkClick r:id="rId3"/>
               </a:rPr>
               <a:t>Statsmodels</a:t>
             </a:r>
@@ -19979,7 +20698,7 @@
         <p:spPr/>
         <p:txBody>
           <a:bodyPr>
-            <a:normAutofit/>
+            <a:normAutofit fontScale="85000" lnSpcReduction="10000"/>
           </a:bodyPr>
           <a:lstStyle/>
           <a:p>
@@ -19994,7 +20713,15 @@
           <a:p>
             <a:r>
               <a:rPr lang="en-US" dirty="0"/>
-              <a:t>Order of SARIMAX model is specified as (</a:t>
+              <a:t>Order of </a:t>
+            </a:r>
+            <a:r>
+              <a:rPr lang="en-US" b="1" dirty="0"/>
+              <a:t>multiplicative SARIMAX model </a:t>
+            </a:r>
+            <a:r>
+              <a:rPr lang="en-US" dirty="0"/>
+              <a:t>is specified as (</a:t>
             </a:r>
             <a:r>
               <a:rPr lang="en-US" dirty="0" err="1"/>
@@ -20043,6 +20770,22 @@
               <a:rPr dirty="0"/>
               <a:t>Must specify period, S, seasonal difference order, D</a:t>
             </a:r>
+            <a:endParaRPr lang="en-US" dirty="0"/>
+          </a:p>
+          <a:p>
+            <a:pPr lvl="1"/>
+            <a:r>
+              <a:rPr lang="en-US" dirty="0"/>
+              <a:t>P is seasonal AR order</a:t>
+            </a:r>
+          </a:p>
+          <a:p>
+            <a:pPr lvl="1"/>
+            <a:r>
+              <a:rPr lang="en-US" dirty="0"/>
+              <a:t>Q is seasonal MA order</a:t>
+            </a:r>
+            <a:endParaRPr dirty="0"/>
           </a:p>
           <a:p>
             <a:pPr lvl="0"/>
@@ -21295,8 +22038,8 @@
           </a:p>
         </p:txBody>
       </p:sp>
-      <mc:AlternateContent xmlns:mc="http://schemas.openxmlformats.org/markup-compatibility/2006" xmlns:a14="http://schemas.microsoft.com/office/drawing/2010/main">
-        <mc:Choice Requires="a14">
+      <mc:AlternateContent xmlns:mc="http://schemas.openxmlformats.org/markup-compatibility/2006">
+        <mc:Choice xmlns:a14="http://schemas.microsoft.com/office/drawing/2010/main" Requires="a14">
           <p:sp>
             <p:nvSpPr>
               <p:cNvPr id="3" name="Content Placeholder 2"/>
@@ -21310,7 +22053,7 @@
             <p:spPr/>
             <p:txBody>
               <a:bodyPr>
-                <a:normAutofit fontScale="92500" lnSpcReduction="10000"/>
+                <a:normAutofit fontScale="92500" lnSpcReduction="20000"/>
               </a:bodyPr>
               <a:lstStyle/>
               <a:p>
@@ -21319,8 +22062,21 @@
                 </a:pPr>
                 <a:r>
                   <a:rPr dirty="0"/>
-                  <a:t>The SARIMAX model (with no exogenous variables) is formulated</a:t>
-                </a:r>
+                  <a:t>The</a:t>
+                </a:r>
+                <a:r>
+                  <a:rPr lang="en-US" dirty="0"/>
+                  <a:t> derive</a:t>
+                </a:r>
+                <a:r>
+                  <a:rPr dirty="0"/>
+                  <a:t> SARIMAX model </a:t>
+                </a:r>
+                <a:r>
+                  <a:rPr lang="en-US" dirty="0"/>
+                  <a:t>start with polynomial equation with no exogenous variables</a:t>
+                </a:r>
+                <a:endParaRPr dirty="0"/>
               </a:p>
               <a:p>
                 <a:pPr marL="0" lvl="0" indent="0">
@@ -22078,7 +22834,7 @@
             </p:txBody>
           </p:sp>
         </mc:Choice>
-        <mc:Fallback xmlns="">
+        <mc:Fallback>
           <p:sp>
             <p:nvSpPr>
               <p:cNvPr id="3" name="Content Placeholder 2"/>
@@ -22093,7 +22849,7 @@
               <a:blipFill>
                 <a:blip r:embed="rId2"/>
                 <a:stretch>
-                  <a:fillRect l="-963" t="-2334"/>
+                  <a:fillRect l="-963" t="-3052"/>
                 </a:stretch>
               </a:blipFill>
             </p:spPr>
@@ -22161,8 +22917,8 @@
           </a:p>
         </p:txBody>
       </p:sp>
-      <mc:AlternateContent xmlns:mc="http://schemas.openxmlformats.org/markup-compatibility/2006" xmlns:a14="http://schemas.microsoft.com/office/drawing/2010/main">
-        <mc:Choice Requires="a14">
+      <mc:AlternateContent xmlns:mc="http://schemas.openxmlformats.org/markup-compatibility/2006">
+        <mc:Choice xmlns:a14="http://schemas.microsoft.com/office/drawing/2010/main" Requires="a14">
           <p:sp>
             <p:nvSpPr>
               <p:cNvPr id="3" name="Content Placeholder 2"/>
@@ -22704,7 +23460,7 @@
               <a:p>
                 <a:r>
                   <a:rPr lang="en-US" dirty="0"/>
-                  <a:t>Time series model for </a:t>
+                  <a:t>Time series model with </a:t>
                 </a:r>
                 <a:r>
                   <a:rPr lang="en-US" b="1" dirty="0"/>
@@ -22792,10 +23548,13 @@
                       </m:sSubPr>
                       <m:e>
                         <m:r>
-                          <a:rPr lang="ar-AE">
-                            <a:latin typeface="Cambria Math" panose="02040503050406030204" pitchFamily="18" charset="0"/>
-                          </a:rPr>
-                          <m:t>𝑥</m:t>
+                          <m:rPr>
+                            <m:sty m:val="p"/>
+                          </m:rPr>
+                          <a:rPr lang="en-US" b="0" i="0" smtClean="0">
+                            <a:latin typeface="Cambria Math" panose="02040503050406030204" pitchFamily="18" charset="0"/>
+                          </a:rPr>
+                          <m:t>y</m:t>
                         </m:r>
                       </m:e>
                       <m:sub>
@@ -22829,7 +23588,7 @@
                 </a14:m>
                 <a:r>
                   <a:rPr lang="en-US" dirty="0"/>
-                  <a:t>, contains the </a:t>
+                  <a:t>, of </a:t>
                 </a:r>
                 <a:r>
                   <a:rPr lang="en-US" b="1" dirty="0"/>
@@ -22844,7 +23603,7 @@
             </p:txBody>
           </p:sp>
         </mc:Choice>
-        <mc:Fallback xmlns="">
+        <mc:Fallback>
           <p:sp>
             <p:nvSpPr>
               <p:cNvPr id="3" name="Content Placeholder 2"/>
@@ -22927,8 +23686,8 @@
           </a:p>
         </p:txBody>
       </p:sp>
-      <mc:AlternateContent xmlns:mc="http://schemas.openxmlformats.org/markup-compatibility/2006" xmlns:a14="http://schemas.microsoft.com/office/drawing/2010/main">
-        <mc:Choice Requires="a14">
+      <mc:AlternateContent xmlns:mc="http://schemas.openxmlformats.org/markup-compatibility/2006">
+        <mc:Choice xmlns:a14="http://schemas.microsoft.com/office/drawing/2010/main" Requires="a14">
           <p:sp>
             <p:nvSpPr>
               <p:cNvPr id="3" name="Content Placeholder 2"/>
@@ -22942,7 +23701,7 @@
             <p:spPr/>
             <p:txBody>
               <a:bodyPr>
-                <a:normAutofit fontScale="92500" lnSpcReduction="10000"/>
+                <a:normAutofit fontScale="92500"/>
               </a:bodyPr>
               <a:lstStyle/>
               <a:p>
@@ -23243,7 +24002,15 @@
                 <a:pPr lvl="1"/>
                 <a:r>
                   <a:rPr lang="en-US" dirty="0"/>
-                  <a:t>Recursively apply a one step ahead forecast to compute forecast at next time step </a:t>
+                  <a:t>Recursively apply a one step ahead forecast to compute forecasts </a:t>
+                </a:r>
+                <a:r>
+                  <a:rPr lang="en-US" i="1" dirty="0"/>
+                  <a:t>H</a:t>
+                </a:r>
+                <a:r>
+                  <a:rPr lang="en-US" dirty="0"/>
+                  <a:t> times </a:t>
                 </a:r>
                 <a:endParaRPr lang="ar-AE" dirty="0"/>
               </a:p>
@@ -23525,7 +24292,7 @@
             </p:txBody>
           </p:sp>
         </mc:Choice>
-        <mc:Fallback xmlns="">
+        <mc:Fallback>
           <p:sp>
             <p:nvSpPr>
               <p:cNvPr id="3" name="Content Placeholder 2"/>
@@ -23540,7 +24307,7 @@
               <a:blipFill>
                 <a:blip r:embed="rId2"/>
                 <a:stretch>
-                  <a:fillRect l="-963" t="-2334"/>
+                  <a:fillRect l="-963" t="-1436"/>
                 </a:stretch>
               </a:blipFill>
             </p:spPr>
@@ -23608,8 +24375,8 @@
           </a:p>
         </p:txBody>
       </p:sp>
-      <mc:AlternateContent xmlns:mc="http://schemas.openxmlformats.org/markup-compatibility/2006" xmlns:a14="http://schemas.microsoft.com/office/drawing/2010/main">
-        <mc:Choice Requires="a14">
+      <mc:AlternateContent xmlns:mc="http://schemas.openxmlformats.org/markup-compatibility/2006">
+        <mc:Choice xmlns:a14="http://schemas.microsoft.com/office/drawing/2010/main" Requires="a14">
           <p:sp>
             <p:nvSpPr>
               <p:cNvPr id="3" name="Content Placeholder 2"/>
@@ -23631,7 +24398,7 @@
                   <a:buNone/>
                 </a:pPr>
                 <a:r>
-                  <a:rPr dirty="0"/>
+                  <a:rPr lang="en-US" dirty="0"/>
                   <a:t>Goal of forecasting is to compute a point estimates, </a:t>
                 </a:r>
                 <a14:m>
@@ -23639,7 +24406,7 @@
                     <m:sSub>
                       <m:sSubPr>
                         <m:ctrlPr>
-                          <a:rPr i="1">
+                          <a:rPr lang="ar-AE" i="1">
                             <a:latin typeface="Cambria Math" panose="02040503050406030204" pitchFamily="18" charset="0"/>
                           </a:rPr>
                         </m:ctrlPr>
@@ -23649,14 +24416,14 @@
                           <m:accPr>
                             <m:chr m:val="̂"/>
                             <m:ctrlPr>
-                              <a:rPr i="1">
+                              <a:rPr lang="ar-AE" i="1">
                                 <a:latin typeface="Cambria Math" panose="02040503050406030204" pitchFamily="18" charset="0"/>
                               </a:rPr>
                             </m:ctrlPr>
                           </m:accPr>
                           <m:e>
                             <m:r>
-                              <a:rPr>
+                              <a:rPr lang="ar-AE">
                                 <a:latin typeface="Cambria Math" panose="02040503050406030204" pitchFamily="18" charset="0"/>
                               </a:rPr>
                               <m:t>𝑦</m:t>
@@ -23666,19 +24433,19 @@
                       </m:e>
                       <m:sub>
                         <m:r>
-                          <a:rPr>
+                          <a:rPr lang="ar-AE">
                             <a:latin typeface="Cambria Math" panose="02040503050406030204" pitchFamily="18" charset="0"/>
                           </a:rPr>
                           <m:t>𝑡</m:t>
                         </m:r>
                         <m:r>
-                          <a:rPr>
+                          <a:rPr lang="ar-AE">
                             <a:latin typeface="Cambria Math" panose="02040503050406030204" pitchFamily="18" charset="0"/>
                           </a:rPr>
                           <m:t>+</m:t>
                         </m:r>
                         <m:r>
-                          <a:rPr>
+                          <a:rPr lang="ar-AE">
                             <a:latin typeface="Cambria Math" panose="02040503050406030204" pitchFamily="18" charset="0"/>
                           </a:rPr>
                           <m:t>𝐻</m:t>
@@ -23688,13 +24455,13 @@
                   </m:oMath>
                 </a14:m>
                 <a:r>
-                  <a:rPr dirty="0"/>
+                  <a:rPr lang="ar-AE" dirty="0"/>
                   <a:t>, </a:t>
                 </a:r>
                 <a14:m>
                   <m:oMath xmlns:m="http://schemas.openxmlformats.org/officeDocument/2006/math">
                     <m:r>
-                      <a:rPr>
+                      <a:rPr lang="ar-AE">
                         <a:latin typeface="Cambria Math" panose="02040503050406030204" pitchFamily="18" charset="0"/>
                       </a:rPr>
                       <m:t>𝐻</m:t>
@@ -23702,15 +24469,19 @@
                   </m:oMath>
                 </a14:m>
                 <a:r>
-                  <a:rPr dirty="0"/>
-                  <a:t> time steps in the future</a:t>
+                  <a:rPr lang="ar-AE" dirty="0"/>
+                  <a:t> </a:t>
+                </a:r>
+                <a:r>
+                  <a:rPr lang="en-US" dirty="0"/>
+                  <a:t>time steps in the future</a:t>
                 </a:r>
               </a:p>
               <a:p>
                 <a:pPr lvl="0"/>
                 <a:r>
-                  <a:rPr dirty="0"/>
-                  <a:t>Example, make a forecast with an ARIMA(2,1,1) model:</a:t>
+                  <a:rPr lang="en-US" dirty="0"/>
+                  <a:t>Example, use ARIMA(2,1,1) model:</a:t>
                 </a:r>
               </a:p>
               <a:p>
@@ -23726,14 +24497,14 @@
                       <m:sSub>
                         <m:sSubPr>
                           <m:ctrlPr>
-                            <a:rPr i="1">
+                            <a:rPr lang="ar-AE" i="1">
                               <a:latin typeface="Cambria Math" panose="02040503050406030204" pitchFamily="18" charset="0"/>
                             </a:rPr>
                           </m:ctrlPr>
                         </m:sSubPr>
                         <m:e>
                           <m:r>
-                            <a:rPr>
+                            <a:rPr lang="ar-AE">
                               <a:latin typeface="Cambria Math" panose="02040503050406030204" pitchFamily="18" charset="0"/>
                             </a:rPr>
                             <m:t>𝑦</m:t>
@@ -23741,7 +24512,7 @@
                         </m:e>
                         <m:sub>
                           <m:r>
-                            <a:rPr>
+                            <a:rPr lang="ar-AE">
                               <a:latin typeface="Cambria Math" panose="02040503050406030204" pitchFamily="18" charset="0"/>
                             </a:rPr>
                             <m:t>𝑡</m:t>
@@ -23749,7 +24520,7 @@
                         </m:sub>
                       </m:sSub>
                       <m:r>
-                        <a:rPr>
+                        <a:rPr lang="ar-AE">
                           <a:latin typeface="Cambria Math" panose="02040503050406030204" pitchFamily="18" charset="0"/>
                         </a:rPr>
                         <m:t>−</m:t>
@@ -23757,14 +24528,14 @@
                       <m:sSub>
                         <m:sSubPr>
                           <m:ctrlPr>
-                            <a:rPr i="1">
+                            <a:rPr lang="ar-AE" i="1">
                               <a:latin typeface="Cambria Math" panose="02040503050406030204" pitchFamily="18" charset="0"/>
                             </a:rPr>
                           </m:ctrlPr>
                         </m:sSubPr>
                         <m:e>
                           <m:r>
-                            <a:rPr>
+                            <a:rPr lang="ar-AE">
                               <a:latin typeface="Cambria Math" panose="02040503050406030204" pitchFamily="18" charset="0"/>
                             </a:rPr>
                             <m:t>𝑦</m:t>
@@ -23772,19 +24543,19 @@
                         </m:e>
                         <m:sub>
                           <m:r>
-                            <a:rPr>
+                            <a:rPr lang="ar-AE">
                               <a:latin typeface="Cambria Math" panose="02040503050406030204" pitchFamily="18" charset="0"/>
                             </a:rPr>
                             <m:t>𝑡</m:t>
                           </m:r>
                           <m:r>
-                            <a:rPr>
+                            <a:rPr lang="ar-AE">
                               <a:latin typeface="Cambria Math" panose="02040503050406030204" pitchFamily="18" charset="0"/>
                             </a:rPr>
                             <m:t>−</m:t>
                           </m:r>
                           <m:r>
-                            <a:rPr>
+                            <a:rPr lang="ar-AE">
                               <a:latin typeface="Cambria Math" panose="02040503050406030204" pitchFamily="18" charset="0"/>
                             </a:rPr>
                             <m:t>1</m:t>
@@ -23792,7 +24563,7 @@
                         </m:sub>
                       </m:sSub>
                       <m:r>
-                        <a:rPr>
+                        <a:rPr lang="ar-AE">
                           <a:latin typeface="Cambria Math" panose="02040503050406030204" pitchFamily="18" charset="0"/>
                         </a:rPr>
                         <m:t>−</m:t>
@@ -23800,14 +24571,14 @@
                       <m:sSub>
                         <m:sSubPr>
                           <m:ctrlPr>
-                            <a:rPr i="1">
+                            <a:rPr lang="ar-AE" i="1">
                               <a:latin typeface="Cambria Math" panose="02040503050406030204" pitchFamily="18" charset="0"/>
                             </a:rPr>
                           </m:ctrlPr>
                         </m:sSubPr>
                         <m:e>
                           <m:r>
-                            <a:rPr>
+                            <a:rPr lang="ar-AE">
                               <a:latin typeface="Cambria Math" panose="02040503050406030204" pitchFamily="18" charset="0"/>
                             </a:rPr>
                             <m:t>𝜙</m:t>
@@ -23815,7 +24586,7 @@
                         </m:e>
                         <m:sub>
                           <m:r>
-                            <a:rPr>
+                            <a:rPr lang="ar-AE">
                               <a:latin typeface="Cambria Math" panose="02040503050406030204" pitchFamily="18" charset="0"/>
                             </a:rPr>
                             <m:t>1</m:t>
@@ -23825,7 +24596,7 @@
                       <m:d>
                         <m:dPr>
                           <m:ctrlPr>
-                            <a:rPr i="1">
+                            <a:rPr lang="ar-AE" i="1">
                               <a:latin typeface="Cambria Math" panose="02040503050406030204" pitchFamily="18" charset="0"/>
                             </a:rPr>
                           </m:ctrlPr>
@@ -23834,14 +24605,14 @@
                           <m:sSub>
                             <m:sSubPr>
                               <m:ctrlPr>
-                                <a:rPr i="1">
+                                <a:rPr lang="ar-AE" i="1">
                                   <a:latin typeface="Cambria Math" panose="02040503050406030204" pitchFamily="18" charset="0"/>
                                 </a:rPr>
                               </m:ctrlPr>
                             </m:sSubPr>
                             <m:e>
                               <m:r>
-                                <a:rPr>
+                                <a:rPr lang="ar-AE">
                                   <a:latin typeface="Cambria Math" panose="02040503050406030204" pitchFamily="18" charset="0"/>
                                 </a:rPr>
                                 <m:t>𝑦</m:t>
@@ -23849,19 +24620,19 @@
                             </m:e>
                             <m:sub>
                               <m:r>
-                                <a:rPr>
+                                <a:rPr lang="ar-AE">
                                   <a:latin typeface="Cambria Math" panose="02040503050406030204" pitchFamily="18" charset="0"/>
                                 </a:rPr>
                                 <m:t>𝑡</m:t>
                               </m:r>
                               <m:r>
-                                <a:rPr>
+                                <a:rPr lang="ar-AE">
                                   <a:latin typeface="Cambria Math" panose="02040503050406030204" pitchFamily="18" charset="0"/>
                                 </a:rPr>
                                 <m:t>−</m:t>
                               </m:r>
                               <m:r>
-                                <a:rPr>
+                                <a:rPr lang="ar-AE">
                                   <a:latin typeface="Cambria Math" panose="02040503050406030204" pitchFamily="18" charset="0"/>
                                 </a:rPr>
                                 <m:t>1</m:t>
@@ -23869,7 +24640,7 @@
                             </m:sub>
                           </m:sSub>
                           <m:r>
-                            <a:rPr>
+                            <a:rPr lang="ar-AE">
                               <a:latin typeface="Cambria Math" panose="02040503050406030204" pitchFamily="18" charset="0"/>
                             </a:rPr>
                             <m:t>−</m:t>
@@ -23877,14 +24648,14 @@
                           <m:sSub>
                             <m:sSubPr>
                               <m:ctrlPr>
-                                <a:rPr i="1">
+                                <a:rPr lang="ar-AE" i="1">
                                   <a:latin typeface="Cambria Math" panose="02040503050406030204" pitchFamily="18" charset="0"/>
                                 </a:rPr>
                               </m:ctrlPr>
                             </m:sSubPr>
                             <m:e>
                               <m:r>
-                                <a:rPr>
+                                <a:rPr lang="ar-AE">
                                   <a:latin typeface="Cambria Math" panose="02040503050406030204" pitchFamily="18" charset="0"/>
                                 </a:rPr>
                                 <m:t>𝑦</m:t>
@@ -23892,19 +24663,19 @@
                             </m:e>
                             <m:sub>
                               <m:r>
-                                <a:rPr>
+                                <a:rPr lang="ar-AE">
                                   <a:latin typeface="Cambria Math" panose="02040503050406030204" pitchFamily="18" charset="0"/>
                                 </a:rPr>
                                 <m:t>𝑡</m:t>
                               </m:r>
                               <m:r>
-                                <a:rPr>
+                                <a:rPr lang="ar-AE">
                                   <a:latin typeface="Cambria Math" panose="02040503050406030204" pitchFamily="18" charset="0"/>
                                 </a:rPr>
                                 <m:t>−</m:t>
                               </m:r>
                               <m:r>
-                                <a:rPr>
+                                <a:rPr lang="ar-AE">
                                   <a:latin typeface="Cambria Math" panose="02040503050406030204" pitchFamily="18" charset="0"/>
                                 </a:rPr>
                                 <m:t>2</m:t>
@@ -23914,7 +24685,7 @@
                         </m:e>
                       </m:d>
                       <m:r>
-                        <a:rPr>
+                        <a:rPr lang="ar-AE">
                           <a:latin typeface="Cambria Math" panose="02040503050406030204" pitchFamily="18" charset="0"/>
                         </a:rPr>
                         <m:t>−</m:t>
@@ -23922,14 +24693,14 @@
                       <m:sSub>
                         <m:sSubPr>
                           <m:ctrlPr>
-                            <a:rPr i="1">
+                            <a:rPr lang="ar-AE" i="1">
                               <a:latin typeface="Cambria Math" panose="02040503050406030204" pitchFamily="18" charset="0"/>
                             </a:rPr>
                           </m:ctrlPr>
                         </m:sSubPr>
                         <m:e>
                           <m:r>
-                            <a:rPr>
+                            <a:rPr lang="ar-AE">
                               <a:latin typeface="Cambria Math" panose="02040503050406030204" pitchFamily="18" charset="0"/>
                             </a:rPr>
                             <m:t>𝜙</m:t>
@@ -23937,7 +24708,7 @@
                         </m:e>
                         <m:sub>
                           <m:r>
-                            <a:rPr>
+                            <a:rPr lang="ar-AE">
                               <a:latin typeface="Cambria Math" panose="02040503050406030204" pitchFamily="18" charset="0"/>
                             </a:rPr>
                             <m:t>2</m:t>
@@ -23947,7 +24718,7 @@
                       <m:d>
                         <m:dPr>
                           <m:ctrlPr>
-                            <a:rPr i="1">
+                            <a:rPr lang="ar-AE" i="1">
                               <a:latin typeface="Cambria Math" panose="02040503050406030204" pitchFamily="18" charset="0"/>
                             </a:rPr>
                           </m:ctrlPr>
@@ -23956,14 +24727,14 @@
                           <m:sSub>
                             <m:sSubPr>
                               <m:ctrlPr>
-                                <a:rPr i="1">
+                                <a:rPr lang="ar-AE" i="1">
                                   <a:latin typeface="Cambria Math" panose="02040503050406030204" pitchFamily="18" charset="0"/>
                                 </a:rPr>
                               </m:ctrlPr>
                             </m:sSubPr>
                             <m:e>
                               <m:r>
-                                <a:rPr>
+                                <a:rPr lang="ar-AE">
                                   <a:latin typeface="Cambria Math" panose="02040503050406030204" pitchFamily="18" charset="0"/>
                                 </a:rPr>
                                 <m:t>𝑦</m:t>
@@ -23971,19 +24742,19 @@
                             </m:e>
                             <m:sub>
                               <m:r>
-                                <a:rPr>
+                                <a:rPr lang="ar-AE">
                                   <a:latin typeface="Cambria Math" panose="02040503050406030204" pitchFamily="18" charset="0"/>
                                 </a:rPr>
                                 <m:t>𝑡</m:t>
                               </m:r>
                               <m:r>
-                                <a:rPr>
+                                <a:rPr lang="ar-AE">
                                   <a:latin typeface="Cambria Math" panose="02040503050406030204" pitchFamily="18" charset="0"/>
                                 </a:rPr>
                                 <m:t>−</m:t>
                               </m:r>
                               <m:r>
-                                <a:rPr>
+                                <a:rPr lang="ar-AE">
                                   <a:latin typeface="Cambria Math" panose="02040503050406030204" pitchFamily="18" charset="0"/>
                                 </a:rPr>
                                 <m:t>2</m:t>
@@ -23991,7 +24762,7 @@
                             </m:sub>
                           </m:sSub>
                           <m:r>
-                            <a:rPr>
+                            <a:rPr lang="ar-AE">
                               <a:latin typeface="Cambria Math" panose="02040503050406030204" pitchFamily="18" charset="0"/>
                             </a:rPr>
                             <m:t>−</m:t>
@@ -23999,14 +24770,14 @@
                           <m:sSub>
                             <m:sSubPr>
                               <m:ctrlPr>
-                                <a:rPr i="1">
+                                <a:rPr lang="ar-AE" i="1">
                                   <a:latin typeface="Cambria Math" panose="02040503050406030204" pitchFamily="18" charset="0"/>
                                 </a:rPr>
                               </m:ctrlPr>
                             </m:sSubPr>
                             <m:e>
                               <m:r>
-                                <a:rPr>
+                                <a:rPr lang="ar-AE">
                                   <a:latin typeface="Cambria Math" panose="02040503050406030204" pitchFamily="18" charset="0"/>
                                 </a:rPr>
                                 <m:t>𝑦</m:t>
@@ -24014,19 +24785,19 @@
                             </m:e>
                             <m:sub>
                               <m:r>
-                                <a:rPr>
+                                <a:rPr lang="ar-AE">
                                   <a:latin typeface="Cambria Math" panose="02040503050406030204" pitchFamily="18" charset="0"/>
                                 </a:rPr>
                                 <m:t>𝑡</m:t>
                               </m:r>
                               <m:r>
-                                <a:rPr>
+                                <a:rPr lang="ar-AE">
                                   <a:latin typeface="Cambria Math" panose="02040503050406030204" pitchFamily="18" charset="0"/>
                                 </a:rPr>
                                 <m:t>−</m:t>
                               </m:r>
                               <m:r>
-                                <a:rPr>
+                                <a:rPr lang="ar-AE">
                                   <a:latin typeface="Cambria Math" panose="02040503050406030204" pitchFamily="18" charset="0"/>
                                 </a:rPr>
                                 <m:t>3</m:t>
@@ -24036,7 +24807,7 @@
                         </m:e>
                       </m:d>
                       <m:r>
-                        <a:rPr>
+                        <a:rPr lang="ar-AE">
                           <a:latin typeface="Cambria Math" panose="02040503050406030204" pitchFamily="18" charset="0"/>
                         </a:rPr>
                         <m:t>=</m:t>
@@ -24044,14 +24815,14 @@
                       <m:sSub>
                         <m:sSubPr>
                           <m:ctrlPr>
-                            <a:rPr i="1">
+                            <a:rPr lang="ar-AE" i="1">
                               <a:latin typeface="Cambria Math" panose="02040503050406030204" pitchFamily="18" charset="0"/>
                             </a:rPr>
                           </m:ctrlPr>
                         </m:sSubPr>
                         <m:e>
                           <m:r>
-                            <a:rPr>
+                            <a:rPr lang="ar-AE">
                               <a:latin typeface="Cambria Math" panose="02040503050406030204" pitchFamily="18" charset="0"/>
                             </a:rPr>
                             <m:t>𝜖</m:t>
@@ -24059,7 +24830,7 @@
                         </m:e>
                         <m:sub>
                           <m:r>
-                            <a:rPr>
+                            <a:rPr lang="ar-AE">
                               <a:latin typeface="Cambria Math" panose="02040503050406030204" pitchFamily="18" charset="0"/>
                             </a:rPr>
                             <m:t>𝑡</m:t>
@@ -24067,7 +24838,7 @@
                         </m:sub>
                       </m:sSub>
                       <m:r>
-                        <a:rPr>
+                        <a:rPr lang="ar-AE">
                           <a:latin typeface="Cambria Math" panose="02040503050406030204" pitchFamily="18" charset="0"/>
                         </a:rPr>
                         <m:t>+</m:t>
@@ -24075,14 +24846,14 @@
                       <m:sSub>
                         <m:sSubPr>
                           <m:ctrlPr>
-                            <a:rPr i="1">
+                            <a:rPr lang="ar-AE" i="1">
                               <a:latin typeface="Cambria Math" panose="02040503050406030204" pitchFamily="18" charset="0"/>
                             </a:rPr>
                           </m:ctrlPr>
                         </m:sSubPr>
                         <m:e>
                           <m:r>
-                            <a:rPr>
+                            <a:rPr lang="ar-AE">
                               <a:latin typeface="Cambria Math" panose="02040503050406030204" pitchFamily="18" charset="0"/>
                             </a:rPr>
                             <m:t>𝜃</m:t>
@@ -24090,7 +24861,7 @@
                         </m:e>
                         <m:sub>
                           <m:r>
-                            <a:rPr>
+                            <a:rPr lang="ar-AE">
                               <a:latin typeface="Cambria Math" panose="02040503050406030204" pitchFamily="18" charset="0"/>
                             </a:rPr>
                             <m:t>1</m:t>
@@ -24100,14 +24871,14 @@
                       <m:sSub>
                         <m:sSubPr>
                           <m:ctrlPr>
-                            <a:rPr i="1">
+                            <a:rPr lang="ar-AE" i="1">
                               <a:latin typeface="Cambria Math" panose="02040503050406030204" pitchFamily="18" charset="0"/>
                             </a:rPr>
                           </m:ctrlPr>
                         </m:sSubPr>
                         <m:e>
                           <m:r>
-                            <a:rPr>
+                            <a:rPr lang="ar-AE">
                               <a:latin typeface="Cambria Math" panose="02040503050406030204" pitchFamily="18" charset="0"/>
                             </a:rPr>
                             <m:t>𝜖</m:t>
@@ -24115,19 +24886,19 @@
                         </m:e>
                         <m:sub>
                           <m:r>
-                            <a:rPr>
+                            <a:rPr lang="ar-AE">
                               <a:latin typeface="Cambria Math" panose="02040503050406030204" pitchFamily="18" charset="0"/>
                             </a:rPr>
                             <m:t>𝑡</m:t>
                           </m:r>
                           <m:r>
-                            <a:rPr>
+                            <a:rPr lang="ar-AE">
                               <a:latin typeface="Cambria Math" panose="02040503050406030204" pitchFamily="18" charset="0"/>
                             </a:rPr>
                             <m:t>−</m:t>
                           </m:r>
                           <m:r>
-                            <a:rPr>
+                            <a:rPr lang="ar-AE">
                               <a:latin typeface="Cambria Math" panose="02040503050406030204" pitchFamily="18" charset="0"/>
                             </a:rPr>
                             <m:t>1</m:t>
@@ -24137,13 +24908,96 @@
                     </m:oMath>
                   </m:oMathPara>
                 </a14:m>
-                <a:endParaRPr dirty="0"/>
+                <a:endParaRPr lang="ar-AE" dirty="0"/>
               </a:p>
               <a:p>
                 <a:pPr lvl="0"/>
                 <a:r>
-                  <a:rPr dirty="0"/>
-                  <a:t>Model the one step ahead forecast as:</a:t>
+                  <a:rPr lang="en-US" dirty="0"/>
+                  <a:t>Setting </a:t>
+                </a:r>
+                <a14:m>
+                  <m:oMath xmlns:m="http://schemas.openxmlformats.org/officeDocument/2006/math">
+                    <m:sSub>
+                      <m:sSubPr>
+                        <m:ctrlPr>
+                          <a:rPr lang="ar-AE" i="1" smtClean="0">
+                            <a:latin typeface="Cambria Math" panose="02040503050406030204" pitchFamily="18" charset="0"/>
+                          </a:rPr>
+                        </m:ctrlPr>
+                      </m:sSubPr>
+                      <m:e>
+                        <m:r>
+                          <a:rPr lang="ar-AE">
+                            <a:latin typeface="Cambria Math" panose="02040503050406030204" pitchFamily="18" charset="0"/>
+                          </a:rPr>
+                          <m:t>𝜖</m:t>
+                        </m:r>
+                      </m:e>
+                      <m:sub>
+                        <m:r>
+                          <a:rPr lang="ar-AE">
+                            <a:latin typeface="Cambria Math" panose="02040503050406030204" pitchFamily="18" charset="0"/>
+                          </a:rPr>
+                          <m:t>𝑡</m:t>
+                        </m:r>
+                        <m:r>
+                          <a:rPr lang="en-US" b="0" i="0" smtClean="0">
+                            <a:latin typeface="Cambria Math" panose="02040503050406030204" pitchFamily="18" charset="0"/>
+                          </a:rPr>
+                          <m:t>+</m:t>
+                        </m:r>
+                        <m:r>
+                          <a:rPr lang="ar-AE">
+                            <a:latin typeface="Cambria Math" panose="02040503050406030204" pitchFamily="18" charset="0"/>
+                          </a:rPr>
+                          <m:t>1</m:t>
+                        </m:r>
+                      </m:sub>
+                    </m:sSub>
+                    <m:r>
+                      <a:rPr lang="en-US" b="0" i="1" smtClean="0">
+                        <a:latin typeface="Cambria Math" panose="02040503050406030204" pitchFamily="18" charset="0"/>
+                      </a:rPr>
+                      <m:t>=</m:t>
+                    </m:r>
+                    <m:r>
+                      <a:rPr lang="en-US" b="0" i="1" smtClean="0">
+                        <a:latin typeface="Cambria Math" panose="02040503050406030204" pitchFamily="18" charset="0"/>
+                      </a:rPr>
+                      <m:t>0</m:t>
+                    </m:r>
+                  </m:oMath>
+                </a14:m>
+                <a:r>
+                  <a:rPr lang="en-US" dirty="0"/>
+                  <a:t>, the </a:t>
+                </a:r>
+                <a14:m>
+                  <m:oMath xmlns:m="http://schemas.openxmlformats.org/officeDocument/2006/math">
+                    <m:r>
+                      <a:rPr lang="en-US" i="1">
+                        <a:latin typeface="Cambria Math" panose="02040503050406030204" pitchFamily="18" charset="0"/>
+                      </a:rPr>
+                      <m:t>𝐻</m:t>
+                    </m:r>
+                    <m:r>
+                      <a:rPr lang="en-US" i="1">
+                        <a:latin typeface="Cambria Math" panose="02040503050406030204" pitchFamily="18" charset="0"/>
+                      </a:rPr>
+                      <m:t>=</m:t>
+                    </m:r>
+                    <m:r>
+                      <a:rPr lang="en-US" i="1">
+                        <a:latin typeface="Cambria Math" panose="02040503050406030204" pitchFamily="18" charset="0"/>
+                      </a:rPr>
+                      <m:t>1</m:t>
+                    </m:r>
+                  </m:oMath>
+                </a14:m>
+                <a:r>
+                  <a:rPr lang="en-US" dirty="0"/>
+                  <a:t> forecast is:</a:t>
                 </a:r>
               </a:p>
               <a:p>
@@ -24159,7 +25013,7 @@
                       <m:sSub>
                         <m:sSubPr>
                           <m:ctrlPr>
-                            <a:rPr i="1">
+                            <a:rPr lang="ar-AE" i="1">
                               <a:latin typeface="Cambria Math" panose="02040503050406030204" pitchFamily="18" charset="0"/>
                             </a:rPr>
                           </m:ctrlPr>
@@ -24169,14 +25023,14 @@
                             <m:accPr>
                               <m:chr m:val="̂"/>
                               <m:ctrlPr>
-                                <a:rPr i="1">
+                                <a:rPr lang="ar-AE" i="1">
                                   <a:latin typeface="Cambria Math" panose="02040503050406030204" pitchFamily="18" charset="0"/>
                                 </a:rPr>
                               </m:ctrlPr>
                             </m:accPr>
                             <m:e>
                               <m:r>
-                                <a:rPr>
+                                <a:rPr lang="ar-AE">
                                   <a:latin typeface="Cambria Math" panose="02040503050406030204" pitchFamily="18" charset="0"/>
                                 </a:rPr>
                                 <m:t>𝑦</m:t>
@@ -24186,19 +25040,19 @@
                         </m:e>
                         <m:sub>
                           <m:r>
-                            <a:rPr>
+                            <a:rPr lang="ar-AE">
                               <a:latin typeface="Cambria Math" panose="02040503050406030204" pitchFamily="18" charset="0"/>
                             </a:rPr>
                             <m:t>𝑡</m:t>
                           </m:r>
                           <m:r>
-                            <a:rPr>
+                            <a:rPr lang="ar-AE">
                               <a:latin typeface="Cambria Math" panose="02040503050406030204" pitchFamily="18" charset="0"/>
                             </a:rPr>
                             <m:t>+</m:t>
                           </m:r>
                           <m:r>
-                            <a:rPr>
+                            <a:rPr lang="ar-AE">
                               <a:latin typeface="Cambria Math" panose="02040503050406030204" pitchFamily="18" charset="0"/>
                             </a:rPr>
                             <m:t>1</m:t>
@@ -24206,7 +25060,7 @@
                         </m:sub>
                       </m:sSub>
                       <m:r>
-                        <a:rPr>
+                        <a:rPr lang="ar-AE">
                           <a:latin typeface="Cambria Math" panose="02040503050406030204" pitchFamily="18" charset="0"/>
                         </a:rPr>
                         <m:t>=</m:t>
@@ -24214,14 +25068,14 @@
                       <m:sSub>
                         <m:sSubPr>
                           <m:ctrlPr>
-                            <a:rPr i="1">
+                            <a:rPr lang="ar-AE" i="1">
                               <a:latin typeface="Cambria Math" panose="02040503050406030204" pitchFamily="18" charset="0"/>
                             </a:rPr>
                           </m:ctrlPr>
                         </m:sSubPr>
                         <m:e>
                           <m:r>
-                            <a:rPr>
+                            <a:rPr lang="ar-AE">
                               <a:latin typeface="Cambria Math" panose="02040503050406030204" pitchFamily="18" charset="0"/>
                             </a:rPr>
                             <m:t>𝑦</m:t>
@@ -24229,7 +25083,7 @@
                         </m:e>
                         <m:sub>
                           <m:r>
-                            <a:rPr>
+                            <a:rPr lang="ar-AE">
                               <a:latin typeface="Cambria Math" panose="02040503050406030204" pitchFamily="18" charset="0"/>
                             </a:rPr>
                             <m:t>𝑡</m:t>
@@ -24237,7 +25091,7 @@
                         </m:sub>
                       </m:sSub>
                       <m:r>
-                        <a:rPr>
+                        <a:rPr lang="ar-AE">
                           <a:latin typeface="Cambria Math" panose="02040503050406030204" pitchFamily="18" charset="0"/>
                         </a:rPr>
                         <m:t>+</m:t>
@@ -24245,14 +25099,14 @@
                       <m:sSub>
                         <m:sSubPr>
                           <m:ctrlPr>
-                            <a:rPr i="1">
+                            <a:rPr lang="ar-AE" i="1">
                               <a:latin typeface="Cambria Math" panose="02040503050406030204" pitchFamily="18" charset="0"/>
                             </a:rPr>
                           </m:ctrlPr>
                         </m:sSubPr>
                         <m:e>
                           <m:r>
-                            <a:rPr>
+                            <a:rPr lang="ar-AE">
                               <a:latin typeface="Cambria Math" panose="02040503050406030204" pitchFamily="18" charset="0"/>
                             </a:rPr>
                             <m:t>𝜙</m:t>
@@ -24260,7 +25114,7 @@
                         </m:e>
                         <m:sub>
                           <m:r>
-                            <a:rPr>
+                            <a:rPr lang="ar-AE">
                               <a:latin typeface="Cambria Math" panose="02040503050406030204" pitchFamily="18" charset="0"/>
                             </a:rPr>
                             <m:t>1</m:t>
@@ -24270,7 +25124,7 @@
                       <m:d>
                         <m:dPr>
                           <m:ctrlPr>
-                            <a:rPr i="1">
+                            <a:rPr lang="ar-AE" i="1">
                               <a:latin typeface="Cambria Math" panose="02040503050406030204" pitchFamily="18" charset="0"/>
                             </a:rPr>
                           </m:ctrlPr>
@@ -24279,14 +25133,14 @@
                           <m:sSub>
                             <m:sSubPr>
                               <m:ctrlPr>
-                                <a:rPr i="1">
+                                <a:rPr lang="ar-AE" i="1">
                                   <a:latin typeface="Cambria Math" panose="02040503050406030204" pitchFamily="18" charset="0"/>
                                 </a:rPr>
                               </m:ctrlPr>
                             </m:sSubPr>
                             <m:e>
                               <m:r>
-                                <a:rPr>
+                                <a:rPr lang="ar-AE">
                                   <a:latin typeface="Cambria Math" panose="02040503050406030204" pitchFamily="18" charset="0"/>
                                 </a:rPr>
                                 <m:t>𝑦</m:t>
@@ -24294,7 +25148,7 @@
                             </m:e>
                             <m:sub>
                               <m:r>
-                                <a:rPr>
+                                <a:rPr lang="ar-AE">
                                   <a:latin typeface="Cambria Math" panose="02040503050406030204" pitchFamily="18" charset="0"/>
                                 </a:rPr>
                                 <m:t>𝑡</m:t>
@@ -24302,7 +25156,7 @@
                             </m:sub>
                           </m:sSub>
                           <m:r>
-                            <a:rPr>
+                            <a:rPr lang="ar-AE">
                               <a:latin typeface="Cambria Math" panose="02040503050406030204" pitchFamily="18" charset="0"/>
                             </a:rPr>
                             <m:t>+</m:t>
@@ -24310,14 +25164,14 @@
                           <m:sSub>
                             <m:sSubPr>
                               <m:ctrlPr>
-                                <a:rPr i="1">
+                                <a:rPr lang="ar-AE" i="1">
                                   <a:latin typeface="Cambria Math" panose="02040503050406030204" pitchFamily="18" charset="0"/>
                                 </a:rPr>
                               </m:ctrlPr>
                             </m:sSubPr>
                             <m:e>
                               <m:r>
-                                <a:rPr>
+                                <a:rPr lang="ar-AE">
                                   <a:latin typeface="Cambria Math" panose="02040503050406030204" pitchFamily="18" charset="0"/>
                                 </a:rPr>
                                 <m:t>𝑦</m:t>
@@ -24325,19 +25179,19 @@
                             </m:e>
                             <m:sub>
                               <m:r>
-                                <a:rPr>
+                                <a:rPr lang="ar-AE">
                                   <a:latin typeface="Cambria Math" panose="02040503050406030204" pitchFamily="18" charset="0"/>
                                 </a:rPr>
                                 <m:t>𝑡</m:t>
                               </m:r>
                               <m:r>
-                                <a:rPr>
+                                <a:rPr lang="ar-AE">
                                   <a:latin typeface="Cambria Math" panose="02040503050406030204" pitchFamily="18" charset="0"/>
                                 </a:rPr>
                                 <m:t>−</m:t>
                               </m:r>
                               <m:r>
-                                <a:rPr>
+                                <a:rPr lang="ar-AE">
                                   <a:latin typeface="Cambria Math" panose="02040503050406030204" pitchFamily="18" charset="0"/>
                                 </a:rPr>
                                 <m:t>1</m:t>
@@ -24347,7 +25201,7 @@
                         </m:e>
                       </m:d>
                       <m:r>
-                        <a:rPr>
+                        <a:rPr lang="ar-AE">
                           <a:latin typeface="Cambria Math" panose="02040503050406030204" pitchFamily="18" charset="0"/>
                         </a:rPr>
                         <m:t>+</m:t>
@@ -24355,14 +25209,14 @@
                       <m:sSub>
                         <m:sSubPr>
                           <m:ctrlPr>
-                            <a:rPr i="1">
+                            <a:rPr lang="ar-AE" i="1">
                               <a:latin typeface="Cambria Math" panose="02040503050406030204" pitchFamily="18" charset="0"/>
                             </a:rPr>
                           </m:ctrlPr>
                         </m:sSubPr>
                         <m:e>
                           <m:r>
-                            <a:rPr>
+                            <a:rPr lang="ar-AE">
                               <a:latin typeface="Cambria Math" panose="02040503050406030204" pitchFamily="18" charset="0"/>
                             </a:rPr>
                             <m:t>𝜙</m:t>
@@ -24370,7 +25224,7 @@
                         </m:e>
                         <m:sub>
                           <m:r>
-                            <a:rPr>
+                            <a:rPr lang="ar-AE">
                               <a:latin typeface="Cambria Math" panose="02040503050406030204" pitchFamily="18" charset="0"/>
                             </a:rPr>
                             <m:t>1</m:t>
@@ -24380,7 +25234,7 @@
                       <m:d>
                         <m:dPr>
                           <m:ctrlPr>
-                            <a:rPr i="1">
+                            <a:rPr lang="ar-AE" i="1">
                               <a:latin typeface="Cambria Math" panose="02040503050406030204" pitchFamily="18" charset="0"/>
                             </a:rPr>
                           </m:ctrlPr>
@@ -24389,14 +25243,14 @@
                           <m:sSub>
                             <m:sSubPr>
                               <m:ctrlPr>
-                                <a:rPr i="1">
+                                <a:rPr lang="ar-AE" i="1">
                                   <a:latin typeface="Cambria Math" panose="02040503050406030204" pitchFamily="18" charset="0"/>
                                 </a:rPr>
                               </m:ctrlPr>
                             </m:sSubPr>
                             <m:e>
                               <m:r>
-                                <a:rPr>
+                                <a:rPr lang="ar-AE">
                                   <a:latin typeface="Cambria Math" panose="02040503050406030204" pitchFamily="18" charset="0"/>
                                 </a:rPr>
                                 <m:t>𝑦</m:t>
@@ -24404,19 +25258,19 @@
                             </m:e>
                             <m:sub>
                               <m:r>
-                                <a:rPr>
+                                <a:rPr lang="ar-AE">
                                   <a:latin typeface="Cambria Math" panose="02040503050406030204" pitchFamily="18" charset="0"/>
                                 </a:rPr>
                                 <m:t>𝑡</m:t>
                               </m:r>
                               <m:r>
-                                <a:rPr>
+                                <a:rPr lang="ar-AE">
                                   <a:latin typeface="Cambria Math" panose="02040503050406030204" pitchFamily="18" charset="0"/>
                                 </a:rPr>
                                 <m:t>−</m:t>
                               </m:r>
                               <m:r>
-                                <a:rPr>
+                                <a:rPr lang="ar-AE">
                                   <a:latin typeface="Cambria Math" panose="02040503050406030204" pitchFamily="18" charset="0"/>
                                 </a:rPr>
                                 <m:t>1</m:t>
@@ -24424,7 +25278,7 @@
                             </m:sub>
                           </m:sSub>
                           <m:r>
-                            <a:rPr>
+                            <a:rPr lang="ar-AE">
                               <a:latin typeface="Cambria Math" panose="02040503050406030204" pitchFamily="18" charset="0"/>
                             </a:rPr>
                             <m:t>−</m:t>
@@ -24432,14 +25286,14 @@
                           <m:sSub>
                             <m:sSubPr>
                               <m:ctrlPr>
-                                <a:rPr i="1">
+                                <a:rPr lang="ar-AE" i="1">
                                   <a:latin typeface="Cambria Math" panose="02040503050406030204" pitchFamily="18" charset="0"/>
                                 </a:rPr>
                               </m:ctrlPr>
                             </m:sSubPr>
                             <m:e>
                               <m:r>
-                                <a:rPr>
+                                <a:rPr lang="ar-AE">
                                   <a:latin typeface="Cambria Math" panose="02040503050406030204" pitchFamily="18" charset="0"/>
                                 </a:rPr>
                                 <m:t>𝑦</m:t>
@@ -24447,19 +25301,19 @@
                             </m:e>
                             <m:sub>
                               <m:r>
-                                <a:rPr>
+                                <a:rPr lang="ar-AE">
                                   <a:latin typeface="Cambria Math" panose="02040503050406030204" pitchFamily="18" charset="0"/>
                                 </a:rPr>
                                 <m:t>𝑡</m:t>
                               </m:r>
                               <m:r>
-                                <a:rPr>
+                                <a:rPr lang="ar-AE">
                                   <a:latin typeface="Cambria Math" panose="02040503050406030204" pitchFamily="18" charset="0"/>
                                 </a:rPr>
                                 <m:t>−</m:t>
                               </m:r>
                               <m:r>
-                                <a:rPr>
+                                <a:rPr lang="ar-AE">
                                   <a:latin typeface="Cambria Math" panose="02040503050406030204" pitchFamily="18" charset="0"/>
                                 </a:rPr>
                                 <m:t>2</m:t>
@@ -24469,7 +25323,7 @@
                         </m:e>
                       </m:d>
                       <m:r>
-                        <a:rPr>
+                        <a:rPr lang="ar-AE">
                           <a:latin typeface="Cambria Math" panose="02040503050406030204" pitchFamily="18" charset="0"/>
                         </a:rPr>
                         <m:t>+</m:t>
@@ -24477,14 +25331,14 @@
                       <m:sSub>
                         <m:sSubPr>
                           <m:ctrlPr>
-                            <a:rPr i="1">
+                            <a:rPr lang="ar-AE" i="1">
                               <a:latin typeface="Cambria Math" panose="02040503050406030204" pitchFamily="18" charset="0"/>
                             </a:rPr>
                           </m:ctrlPr>
                         </m:sSubPr>
                         <m:e>
                           <m:r>
-                            <a:rPr>
+                            <a:rPr lang="ar-AE">
                               <a:latin typeface="Cambria Math" panose="02040503050406030204" pitchFamily="18" charset="0"/>
                             </a:rPr>
                             <m:t>𝜃</m:t>
@@ -24492,7 +25346,7 @@
                         </m:e>
                         <m:sub>
                           <m:r>
-                            <a:rPr>
+                            <a:rPr lang="ar-AE">
                               <a:latin typeface="Cambria Math" panose="02040503050406030204" pitchFamily="18" charset="0"/>
                             </a:rPr>
                             <m:t>1</m:t>
@@ -24502,14 +25356,14 @@
                       <m:sSub>
                         <m:sSubPr>
                           <m:ctrlPr>
-                            <a:rPr i="1">
+                            <a:rPr lang="ar-AE" i="1">
                               <a:latin typeface="Cambria Math" panose="02040503050406030204" pitchFamily="18" charset="0"/>
                             </a:rPr>
                           </m:ctrlPr>
                         </m:sSubPr>
                         <m:e>
                           <m:r>
-                            <a:rPr>
+                            <a:rPr lang="ar-AE">
                               <a:latin typeface="Cambria Math" panose="02040503050406030204" pitchFamily="18" charset="0"/>
                             </a:rPr>
                             <m:t>𝜖</m:t>
@@ -24517,7 +25371,7 @@
                         </m:e>
                         <m:sub>
                           <m:r>
-                            <a:rPr>
+                            <a:rPr lang="ar-AE">
                               <a:latin typeface="Cambria Math" panose="02040503050406030204" pitchFamily="18" charset="0"/>
                             </a:rPr>
                             <m:t>𝑡</m:t>
@@ -24527,43 +25381,26 @@
                     </m:oMath>
                   </m:oMathPara>
                 </a14:m>
-                <a:endParaRPr dirty="0"/>
+                <a:endParaRPr lang="ar-AE" dirty="0"/>
               </a:p>
               <a:p>
                 <a:pPr lvl="0"/>
                 <a:r>
                   <a:rPr lang="en-US" dirty="0"/>
-                  <a:t>Additional</a:t>
-                </a:r>
-                <a:r>
-                  <a:rPr dirty="0"/>
-                  <a:t> step ahead forecast</a:t>
-                </a:r>
-                <a:r>
-                  <a:rPr lang="en-US" dirty="0"/>
-                  <a:t>s</a:t>
-                </a:r>
-                <a:r>
-                  <a:rPr dirty="0"/>
-                  <a:t> computed recursiv</a:t>
-                </a:r>
-                <a:r>
-                  <a:rPr lang="en-US" dirty="0"/>
-                  <a:t>ely</a:t>
+                  <a:t>Additional step ahead forecasts computed recursively</a:t>
                 </a:r>
               </a:p>
               <a:p>
                 <a:pPr lvl="1"/>
                 <a:r>
                   <a:rPr lang="en-US" dirty="0"/>
-                  <a:t>Recursion uses predictions from previous step forecasts</a:t>
-                </a:r>
-                <a:endParaRPr dirty="0"/>
+                  <a:t>Recursion uses predictions from previous forecast steps</a:t>
+                </a:r>
               </a:p>
             </p:txBody>
           </p:sp>
         </mc:Choice>
-        <mc:Fallback xmlns="">
+        <mc:Fallback>
           <p:sp>
             <p:nvSpPr>
               <p:cNvPr id="3" name="Content Placeholder 2"/>
@@ -24578,7 +25415,7 @@
               <a:blipFill>
                 <a:blip r:embed="rId2"/>
                 <a:stretch>
-                  <a:fillRect l="-1111" t="-1436" r="-1852"/>
+                  <a:fillRect l="-1111" t="-1616"/>
                 </a:stretch>
               </a:blipFill>
             </p:spPr>
@@ -24646,8 +25483,8 @@
           </a:p>
         </p:txBody>
       </p:sp>
-      <mc:AlternateContent xmlns:mc="http://schemas.openxmlformats.org/markup-compatibility/2006" xmlns:a14="http://schemas.microsoft.com/office/drawing/2010/main">
-        <mc:Choice Requires="a14">
+      <mc:AlternateContent xmlns:mc="http://schemas.openxmlformats.org/markup-compatibility/2006">
+        <mc:Choice xmlns:a14="http://schemas.microsoft.com/office/drawing/2010/main" Requires="a14">
           <p:sp>
             <p:nvSpPr>
               <p:cNvPr id="3" name="Content Placeholder 2"/>
@@ -25256,10 +26093,22 @@
                       </m:e>
                       <m:sub>
                         <m:r>
-                          <a:rPr lang="ar-AE">
-                            <a:latin typeface="Cambria Math" panose="02040503050406030204" pitchFamily="18" charset="0"/>
-                          </a:rPr>
-                          <m:t>𝑖</m:t>
+                          <a:rPr lang="en-US" b="0" i="1" smtClean="0">
+                            <a:latin typeface="Cambria Math" panose="02040503050406030204" pitchFamily="18" charset="0"/>
+                          </a:rPr>
+                          <m:t>𝑡</m:t>
+                        </m:r>
+                        <m:r>
+                          <a:rPr lang="en-US" b="0" i="1" smtClean="0">
+                            <a:latin typeface="Cambria Math" panose="02040503050406030204" pitchFamily="18" charset="0"/>
+                          </a:rPr>
+                          <m:t>+</m:t>
+                        </m:r>
+                        <m:r>
+                          <a:rPr lang="en-US" b="0" i="1" smtClean="0">
+                            <a:latin typeface="Cambria Math" panose="02040503050406030204" pitchFamily="18" charset="0"/>
+                          </a:rPr>
+                          <m:t>h</m:t>
                         </m:r>
                       </m:sub>
                     </m:sSub>
@@ -25687,7 +26536,7 @@
             </p:txBody>
           </p:sp>
         </mc:Choice>
-        <mc:Fallback xmlns="">
+        <mc:Fallback>
           <p:sp>
             <p:nvSpPr>
               <p:cNvPr id="3" name="Content Placeholder 2"/>
@@ -25770,8 +26619,8 @@
           </a:p>
         </p:txBody>
       </p:sp>
-      <mc:AlternateContent xmlns:mc="http://schemas.openxmlformats.org/markup-compatibility/2006" xmlns:a14="http://schemas.microsoft.com/office/drawing/2010/main">
-        <mc:Choice Requires="a14">
+      <mc:AlternateContent xmlns:mc="http://schemas.openxmlformats.org/markup-compatibility/2006">
+        <mc:Choice xmlns:a14="http://schemas.microsoft.com/office/drawing/2010/main" Requires="a14">
           <p:sp>
             <p:nvSpPr>
               <p:cNvPr id="3" name="Content Placeholder 2"/>
@@ -26133,31 +26982,52 @@
                 <a:pPr lvl="0"/>
                 <a:r>
                   <a:rPr dirty="0"/>
-                  <a:t>Need to adjust for number of model parameters</a:t>
+                  <a:t>Need to</a:t>
+                </a:r>
+                <a:r>
+                  <a:rPr lang="en-US" dirty="0"/>
+                  <a:t> apply degree of freedom</a:t>
+                </a:r>
+                <a:r>
+                  <a:rPr dirty="0"/>
+                  <a:t> adjust</a:t>
+                </a:r>
+                <a:r>
+                  <a:rPr lang="en-US" dirty="0"/>
+                  <a:t>ment</a:t>
+                </a:r>
+                <a:r>
+                  <a:rPr dirty="0"/>
+                  <a:t> for number of model parameters</a:t>
                 </a:r>
               </a:p>
               <a:p>
                 <a:pPr lvl="1"/>
                 <a:r>
                   <a:rPr dirty="0"/>
-                  <a:t>We always prefer simpler models; fewer parameters to learn</a:t>
-                </a:r>
-              </a:p>
-              <a:p>
-                <a:pPr lvl="1"/>
-                <a:r>
-                  <a:rPr b="1" dirty="0" err="1"/>
-                  <a:t>Akaki</a:t>
-                </a:r>
-                <a:r>
-                  <a:rPr b="1" dirty="0"/>
-                  <a:t> Information Criteria (AIC)</a:t>
+                  <a:t>We always prefer simpler models; fewer parameters to </a:t>
+                </a:r>
+                <a:r>
+                  <a:rPr lang="en-US" dirty="0"/>
+                  <a:t>fit</a:t>
                 </a:r>
                 <a:endParaRPr dirty="0"/>
               </a:p>
               <a:p>
                 <a:pPr lvl="1"/>
                 <a:r>
+                  <a:rPr b="1" dirty="0" err="1"/>
+                  <a:t>Akaki</a:t>
+                </a:r>
+                <a:r>
+                  <a:rPr b="1" dirty="0"/>
+                  <a:t> Information Criteria (AIC)</a:t>
+                </a:r>
+                <a:endParaRPr dirty="0"/>
+              </a:p>
+              <a:p>
+                <a:pPr lvl="1"/>
+                <a:r>
                   <a:rPr b="1" dirty="0"/>
                   <a:t>Bayes Information Criteria (BIC)</a:t>
                 </a:r>
@@ -26165,7 +27035,7 @@
             </p:txBody>
           </p:sp>
         </mc:Choice>
-        <mc:Fallback xmlns="">
+        <mc:Fallback>
           <p:sp>
             <p:nvSpPr>
               <p:cNvPr id="3" name="Content Placeholder 2"/>
@@ -26216,13 +27086,7 @@
   <p:cSld>
     <p:spTree>
       <p:nvGrpSpPr>
-        <p:cNvPr id="1" name="">
-          <a:extLst>
-            <a:ext uri="{FF2B5EF4-FFF2-40B4-BE49-F238E27FC236}">
-              <a16:creationId xmlns:a16="http://schemas.microsoft.com/office/drawing/2014/main" id="{ECE6E745-D395-4C8C-F7B5-20377CAE58DC}"/>
-            </a:ext>
-          </a:extLst>
-        </p:cNvPr>
+        <p:cNvPr id="1" name=""/>
         <p:cNvGrpSpPr/>
         <p:nvPr/>
       </p:nvGrpSpPr>
@@ -26236,13 +27100,7 @@
       </p:grpSpPr>
       <p:sp>
         <p:nvSpPr>
-          <p:cNvPr id="2" name="Title 1">
-            <a:extLst>
-              <a:ext uri="{FF2B5EF4-FFF2-40B4-BE49-F238E27FC236}">
-                <a16:creationId xmlns:a16="http://schemas.microsoft.com/office/drawing/2014/main" id="{68B8C36F-23DE-AD4A-48F4-519B01F35440}"/>
-              </a:ext>
-            </a:extLst>
-          </p:cNvPr>
+          <p:cNvPr id="2" name="Title 1"/>
           <p:cNvSpPr>
             <a:spLocks noGrp="1"/>
           </p:cNvSpPr>
@@ -26264,17 +27122,11 @@
           </a:p>
         </p:txBody>
       </p:sp>
-      <mc:AlternateContent xmlns:mc="http://schemas.openxmlformats.org/markup-compatibility/2006" xmlns:a14="http://schemas.microsoft.com/office/drawing/2010/main">
-        <mc:Choice Requires="a14">
+      <mc:AlternateContent xmlns:mc="http://schemas.openxmlformats.org/markup-compatibility/2006">
+        <mc:Choice xmlns:a14="http://schemas.microsoft.com/office/drawing/2010/main" Requires="a14">
           <p:sp>
             <p:nvSpPr>
-              <p:cNvPr id="3" name="Content Placeholder 2">
-                <a:extLst>
-                  <a:ext uri="{FF2B5EF4-FFF2-40B4-BE49-F238E27FC236}">
-                    <a16:creationId xmlns:a16="http://schemas.microsoft.com/office/drawing/2014/main" id="{6F5BD1D0-D1EB-8DD0-2B15-63871F1D31E9}"/>
-                  </a:ext>
-                </a:extLst>
-              </p:cNvPr>
+              <p:cNvPr id="3" name="Content Placeholder 2"/>
               <p:cNvSpPr>
                 <a:spLocks noGrp="1"/>
               </p:cNvSpPr>
@@ -26305,7 +27157,15 @@
                 <a:pPr lvl="0"/>
                 <a:r>
                   <a:rPr dirty="0"/>
-                  <a:t>Forecast are a </a:t>
+                  <a:t>Forecast</a:t>
+                </a:r>
+                <a:r>
+                  <a:rPr lang="en-US" dirty="0"/>
+                  <a:t>s</a:t>
+                </a:r>
+                <a:r>
+                  <a:rPr dirty="0"/>
+                  <a:t> are </a:t>
                 </a:r>
                 <a:r>
                   <a:rPr b="1" dirty="0"/>
@@ -26315,7 +27175,6 @@
                   <a:rPr dirty="0"/>
                   <a:t> of the model into the future</a:t>
                 </a:r>
-                <a:endParaRPr lang="en-US" dirty="0"/>
               </a:p>
               <a:p>
                 <a:r>
@@ -26328,27 +27187,22 @@
                 </a:r>
                 <a:r>
                   <a:rPr lang="en-US" dirty="0"/>
-                  <a:t>, which has a </a:t>
+                  <a:t>, with a </a:t>
                 </a:r>
                 <a:r>
                   <a:rPr lang="en-US" b="1" dirty="0"/>
                   <a:t>confidence interval</a:t>
                 </a:r>
-                <a:endParaRPr dirty="0"/>
+                <a:r>
+                  <a:rPr lang="en-US" dirty="0"/>
+                  <a:t>. </a:t>
+                </a:r>
               </a:p>
               <a:p>
                 <a:pPr lvl="0"/>
                 <a:r>
                   <a:rPr dirty="0"/>
-                  <a:t>Cannot </a:t>
-                </a:r>
-                <a:r>
-                  <a:rPr lang="en-US" dirty="0"/>
-                  <a:t>compute</a:t>
-                </a:r>
-                <a:r>
-                  <a:rPr dirty="0"/>
-                  <a:t> residuals, </a:t>
+                  <a:t>Cannot use the residuals, </a:t>
                 </a:r>
                 <a14:m>
                   <m:oMath xmlns:m="http://schemas.openxmlformats.org/officeDocument/2006/math">
@@ -26385,30 +27239,16 @@
                 <a:pPr lvl="1"/>
                 <a:r>
                   <a:rPr dirty="0"/>
-                  <a:t>Errors </a:t>
-                </a:r>
-                <a:r>
-                  <a:rPr lang="en-US" dirty="0"/>
-                  <a:t>represent </a:t>
-                </a:r>
-                <a:r>
-                  <a:rPr dirty="0"/>
-                  <a:t>the uncertainty beyond the range of available observations</a:t>
+                  <a:t>Errors themselves must reflect the uncertainty beyond the range of available observations</a:t>
                 </a:r>
               </a:p>
             </p:txBody>
           </p:sp>
         </mc:Choice>
-        <mc:Fallback xmlns="">
+        <mc:Fallback>
           <p:sp>
             <p:nvSpPr>
-              <p:cNvPr id="3" name="Content Placeholder 2">
-                <a:extLst>
-                  <a:ext uri="{FF2B5EF4-FFF2-40B4-BE49-F238E27FC236}">
-                    <a16:creationId xmlns:a16="http://schemas.microsoft.com/office/drawing/2014/main" id="{6F5BD1D0-D1EB-8DD0-2B15-63871F1D31E9}"/>
-                  </a:ext>
-                </a:extLst>
-              </p:cNvPr>
+              <p:cNvPr id="3" name="Content Placeholder 2"/>
               <p:cNvSpPr>
                 <a:spLocks noGrp="1" noRot="1" noChangeAspect="1" noMove="1" noResize="1" noEditPoints="1" noAdjustHandles="1" noChangeArrowheads="1" noChangeShapeType="1" noTextEdit="1"/>
               </p:cNvSpPr>
@@ -26420,7 +27260,7 @@
               <a:blipFill>
                 <a:blip r:embed="rId2"/>
                 <a:stretch>
-                  <a:fillRect l="-1111" t="-1436"/>
+                  <a:fillRect l="-1111" t="-1436" r="-593"/>
                 </a:stretch>
               </a:blipFill>
             </p:spPr>
@@ -26440,11 +27280,6 @@
         </mc:Fallback>
       </mc:AlternateContent>
     </p:spTree>
-    <p:extLst>
-      <p:ext uri="{BB962C8B-B14F-4D97-AF65-F5344CB8AC3E}">
-        <p14:creationId xmlns:p14="http://schemas.microsoft.com/office/powerpoint/2010/main" val="1268875811"/>
-      </p:ext>
-    </p:extLst>
   </p:cSld>
   <p:clrMapOvr>
     <a:masterClrMapping/>
@@ -26657,212 +27492,6 @@
           </a:p>
         </p:txBody>
       </p:sp>
-      <mc:AlternateContent xmlns:mc="http://schemas.openxmlformats.org/markup-compatibility/2006" xmlns:a14="http://schemas.microsoft.com/office/drawing/2010/main">
-        <mc:Choice Requires="a14">
-          <p:sp>
-            <p:nvSpPr>
-              <p:cNvPr id="3" name="Content Placeholder 2"/>
-              <p:cNvSpPr>
-                <a:spLocks noGrp="1"/>
-              </p:cNvSpPr>
-              <p:nvPr>
-                <p:ph idx="1"/>
-              </p:nvPr>
-            </p:nvSpPr>
-            <p:spPr/>
-            <p:txBody>
-              <a:bodyPr>
-                <a:normAutofit/>
-              </a:bodyPr>
-              <a:lstStyle/>
-              <a:p>
-                <a:pPr marL="0" lvl="0" indent="0">
-                  <a:buNone/>
-                </a:pPr>
-                <a:r>
-                  <a:rPr lang="en-US" dirty="0"/>
-                  <a:t>For </a:t>
-                </a:r>
-                <a:r>
-                  <a:rPr dirty="0"/>
-                  <a:t>any forecast, the first question should be ‘what are the errors’?</a:t>
-                </a:r>
-              </a:p>
-              <a:p>
-                <a:pPr lvl="0"/>
-                <a:r>
-                  <a:rPr dirty="0"/>
-                  <a:t>Forecast</a:t>
-                </a:r>
-                <a:r>
-                  <a:rPr lang="en-US" dirty="0"/>
-                  <a:t>s</a:t>
-                </a:r>
-                <a:r>
-                  <a:rPr dirty="0"/>
-                  <a:t> are </a:t>
-                </a:r>
-                <a:r>
-                  <a:rPr b="1" dirty="0"/>
-                  <a:t>extrapolations</a:t>
-                </a:r>
-                <a:r>
-                  <a:rPr dirty="0"/>
-                  <a:t> of the model into the future</a:t>
-                </a:r>
-              </a:p>
-              <a:p>
-                <a:r>
-                  <a:rPr lang="en-US" dirty="0"/>
-                  <a:t>The forecast is a </a:t>
-                </a:r>
-                <a:r>
-                  <a:rPr lang="en-US" b="1" dirty="0"/>
-                  <a:t>point estimate</a:t>
-                </a:r>
-                <a:r>
-                  <a:rPr lang="en-US" dirty="0"/>
-                  <a:t>, which has a </a:t>
-                </a:r>
-                <a:r>
-                  <a:rPr lang="en-US" b="1" dirty="0"/>
-                  <a:t>confidence interval</a:t>
-                </a:r>
-                <a:r>
-                  <a:rPr lang="en-US" dirty="0"/>
-                  <a:t>. </a:t>
-                </a:r>
-              </a:p>
-              <a:p>
-                <a:pPr lvl="0"/>
-                <a:r>
-                  <a:rPr dirty="0"/>
-                  <a:t>Cannot use the residuals, </a:t>
-                </a:r>
-                <a14:m>
-                  <m:oMath xmlns:m="http://schemas.openxmlformats.org/officeDocument/2006/math">
-                    <m:sSub>
-                      <m:sSubPr>
-                        <m:ctrlPr>
-                          <a:rPr i="1">
-                            <a:latin typeface="Cambria Math" panose="02040503050406030204" pitchFamily="18" charset="0"/>
-                          </a:rPr>
-                        </m:ctrlPr>
-                      </m:sSubPr>
-                      <m:e>
-                        <m:r>
-                          <a:rPr>
-                            <a:latin typeface="Cambria Math" panose="02040503050406030204" pitchFamily="18" charset="0"/>
-                          </a:rPr>
-                          <m:t>𝜖</m:t>
-                        </m:r>
-                      </m:e>
-                      <m:sub>
-                        <m:r>
-                          <a:rPr>
-                            <a:latin typeface="Cambria Math" panose="02040503050406030204" pitchFamily="18" charset="0"/>
-                          </a:rPr>
-                          <m:t>𝑖</m:t>
-                        </m:r>
-                      </m:sub>
-                    </m:sSub>
-                  </m:oMath>
-                </a14:m>
-                <a:endParaRPr dirty="0"/>
-              </a:p>
-              <a:p>
-                <a:pPr lvl="1"/>
-                <a:r>
-                  <a:rPr dirty="0"/>
-                  <a:t>Errors themselves must reflect the uncertainty beyond the range of available observations</a:t>
-                </a:r>
-              </a:p>
-            </p:txBody>
-          </p:sp>
-        </mc:Choice>
-        <mc:Fallback xmlns="">
-          <p:sp>
-            <p:nvSpPr>
-              <p:cNvPr id="3" name="Content Placeholder 2"/>
-              <p:cNvSpPr>
-                <a:spLocks noGrp="1" noRot="1" noChangeAspect="1" noMove="1" noResize="1" noEditPoints="1" noAdjustHandles="1" noChangeArrowheads="1" noChangeShapeType="1" noTextEdit="1"/>
-              </p:cNvSpPr>
-              <p:nvPr>
-                <p:ph idx="1"/>
-              </p:nvPr>
-            </p:nvSpPr>
-            <p:spPr>
-              <a:blipFill>
-                <a:blip r:embed="rId2"/>
-                <a:stretch>
-                  <a:fillRect l="-1111" t="-1436" r="-593"/>
-                </a:stretch>
-              </a:blipFill>
-            </p:spPr>
-            <p:txBody>
-              <a:bodyPr/>
-              <a:lstStyle/>
-              <a:p>
-                <a:r>
-                  <a:rPr lang="en-US">
-                    <a:noFill/>
-                  </a:rPr>
-                  <a:t> </a:t>
-                </a:r>
-              </a:p>
-            </p:txBody>
-          </p:sp>
-        </mc:Fallback>
-      </mc:AlternateContent>
-    </p:spTree>
-  </p:cSld>
-  <p:clrMapOvr>
-    <a:masterClrMapping/>
-  </p:clrMapOvr>
-</p:sld>
-</file>
-
-<file path=ppt/slides/slide41.xml><?xml version="1.0" encoding="utf-8"?>
-<p:sld xmlns:a="http://schemas.openxmlformats.org/drawingml/2006/main" xmlns:r="http://schemas.openxmlformats.org/officeDocument/2006/relationships" xmlns:p="http://schemas.openxmlformats.org/presentationml/2006/main">
-  <p:cSld>
-    <p:spTree>
-      <p:nvGrpSpPr>
-        <p:cNvPr id="1" name=""/>
-        <p:cNvGrpSpPr/>
-        <p:nvPr/>
-      </p:nvGrpSpPr>
-      <p:grpSpPr>
-        <a:xfrm>
-          <a:off x="0" y="0"/>
-          <a:ext cx="0" cy="0"/>
-          <a:chOff x="0" y="0"/>
-          <a:chExt cx="0" cy="0"/>
-        </a:xfrm>
-      </p:grpSpPr>
-      <p:sp>
-        <p:nvSpPr>
-          <p:cNvPr id="2" name="Title 1"/>
-          <p:cNvSpPr>
-            <a:spLocks noGrp="1"/>
-          </p:cNvSpPr>
-          <p:nvPr>
-            <p:ph type="title"/>
-          </p:nvPr>
-        </p:nvSpPr>
-        <p:spPr/>
-        <p:txBody>
-          <a:bodyPr/>
-          <a:lstStyle/>
-          <a:p>
-            <a:pPr marL="0" lvl="0" indent="0">
-              <a:buNone/>
-            </a:pPr>
-            <a:r>
-              <a:t>Forecast Confidence Intervals</a:t>
-            </a:r>
-          </a:p>
-        </p:txBody>
-      </p:sp>
       <p:sp>
         <p:nvSpPr>
           <p:cNvPr id="3" name="Content Placeholder 2"/>
@@ -26921,6 +27550,11 @@
               <a:rPr dirty="0"/>
               <a:t>Deriving a suitable distribution can be difficult</a:t>
             </a:r>
+            <a:r>
+              <a:rPr lang="en-US" dirty="0"/>
+              <a:t>, assume Normal distribution</a:t>
+            </a:r>
+            <a:endParaRPr dirty="0"/>
           </a:p>
           <a:p>
             <a:pPr lvl="1"/>
@@ -26953,7 +27587,7 @@
               <a:rPr lang="en-US" dirty="0">
                 <a:hlinkClick r:id="rId2"/>
               </a:rPr>
-              <a:t>block </a:t>
+              <a:t>block re</a:t>
             </a:r>
             <a:r>
               <a:rPr dirty="0">
@@ -27060,7 +27694,7 @@
 </p:sld>
 </file>
 
-<file path=ppt/slides/slide42.xml><?xml version="1.0" encoding="utf-8"?>
+<file path=ppt/slides/slide41.xml><?xml version="1.0" encoding="utf-8"?>
 <p:sld xmlns:a="http://schemas.openxmlformats.org/drawingml/2006/main" xmlns:r="http://schemas.openxmlformats.org/officeDocument/2006/relationships" xmlns:p="http://schemas.openxmlformats.org/presentationml/2006/main">
   <p:cSld>
     <p:spTree>
@@ -27451,6 +28085,453 @@
 </p:sld>
 </file>
 
+<file path=ppt/slides/slide42.xml><?xml version="1.0" encoding="utf-8"?>
+<p:sld xmlns:a="http://schemas.openxmlformats.org/drawingml/2006/main" xmlns:r="http://schemas.openxmlformats.org/officeDocument/2006/relationships" xmlns:p="http://schemas.openxmlformats.org/presentationml/2006/main">
+  <p:cSld>
+    <p:spTree>
+      <p:nvGrpSpPr>
+        <p:cNvPr id="1" name=""/>
+        <p:cNvGrpSpPr/>
+        <p:nvPr/>
+      </p:nvGrpSpPr>
+      <p:grpSpPr>
+        <a:xfrm>
+          <a:off x="0" y="0"/>
+          <a:ext cx="0" cy="0"/>
+          <a:chOff x="0" y="0"/>
+          <a:chExt cx="0" cy="0"/>
+        </a:xfrm>
+      </p:grpSpPr>
+      <p:sp>
+        <p:nvSpPr>
+          <p:cNvPr id="2" name="Title 1"/>
+          <p:cNvSpPr>
+            <a:spLocks noGrp="1"/>
+          </p:cNvSpPr>
+          <p:nvPr>
+            <p:ph type="title"/>
+          </p:nvPr>
+        </p:nvSpPr>
+        <p:spPr/>
+        <p:txBody>
+          <a:bodyPr/>
+          <a:lstStyle/>
+          <a:p>
+            <a:pPr marL="0" lvl="0" indent="0">
+              <a:buNone/>
+            </a:pPr>
+            <a:r>
+              <a:t>Evaluating and Comparing Time Series Models</a:t>
+            </a:r>
+          </a:p>
+        </p:txBody>
+      </p:sp>
+      <mc:AlternateContent xmlns:mc="http://schemas.openxmlformats.org/markup-compatibility/2006">
+        <mc:Choice xmlns:a14="http://schemas.microsoft.com/office/drawing/2010/main" Requires="a14">
+          <p:sp>
+            <p:nvSpPr>
+              <p:cNvPr id="3" name="Content Placeholder 2"/>
+              <p:cNvSpPr>
+                <a:spLocks noGrp="1"/>
+              </p:cNvSpPr>
+              <p:nvPr>
+                <p:ph idx="1"/>
+              </p:nvPr>
+            </p:nvSpPr>
+            <p:spPr/>
+            <p:txBody>
+              <a:bodyPr>
+                <a:normAutofit fontScale="85000" lnSpcReduction="10000"/>
+              </a:bodyPr>
+              <a:lstStyle/>
+              <a:p>
+                <a:pPr marL="0" lvl="0" indent="0">
+                  <a:buNone/>
+                </a:pPr>
+                <a:r>
+                  <a:rPr lang="en-US" dirty="0"/>
+                  <a:t>Bayes Information criteria, BIC</a:t>
+                </a:r>
+              </a:p>
+              <a:p>
+                <a:pPr marL="0" lvl="0" indent="0">
+                  <a:buNone/>
+                </a:pPr>
+                <a14:m>
+                  <m:oMathPara xmlns:m="http://schemas.openxmlformats.org/officeDocument/2006/math">
+                    <m:oMathParaPr>
+                      <m:jc m:val="centerGroup"/>
+                    </m:oMathParaPr>
+                    <m:oMath xmlns:m="http://schemas.openxmlformats.org/officeDocument/2006/math">
+                      <m:r>
+                        <a:rPr lang="en-US" b="0" i="1" smtClean="0">
+                          <a:latin typeface="Cambria Math" panose="02040503050406030204" pitchFamily="18" charset="0"/>
+                        </a:rPr>
+                        <m:t>𝐵𝐼𝐶</m:t>
+                      </m:r>
+                      <m:r>
+                        <a:rPr lang="en-US" b="0" i="1" smtClean="0">
+                          <a:latin typeface="Cambria Math" panose="02040503050406030204" pitchFamily="18" charset="0"/>
+                        </a:rPr>
+                        <m:t>=</m:t>
+                      </m:r>
+                      <m:r>
+                        <a:rPr lang="en-US" b="0" i="1" smtClean="0">
+                          <a:latin typeface="Cambria Math" panose="02040503050406030204" pitchFamily="18" charset="0"/>
+                        </a:rPr>
+                        <m:t>𝑙𝑛</m:t>
+                      </m:r>
+                      <m:d>
+                        <m:dPr>
+                          <m:ctrlPr>
+                            <a:rPr lang="en-US" b="0" i="1" smtClean="0">
+                              <a:latin typeface="Cambria Math" panose="02040503050406030204" pitchFamily="18" charset="0"/>
+                            </a:rPr>
+                          </m:ctrlPr>
+                        </m:dPr>
+                        <m:e>
+                          <m:r>
+                            <a:rPr lang="en-US" b="0" i="1" smtClean="0">
+                              <a:latin typeface="Cambria Math" panose="02040503050406030204" pitchFamily="18" charset="0"/>
+                            </a:rPr>
+                            <m:t>𝑛</m:t>
+                          </m:r>
+                        </m:e>
+                      </m:d>
+                      <m:r>
+                        <a:rPr lang="en-US" b="0" i="1" smtClean="0">
+                          <a:latin typeface="Cambria Math" panose="02040503050406030204" pitchFamily="18" charset="0"/>
+                        </a:rPr>
+                        <m:t>𝑘</m:t>
+                      </m:r>
+                      <m:r>
+                        <a:rPr lang="en-US" b="0" i="1" smtClean="0">
+                          <a:latin typeface="Cambria Math" panose="02040503050406030204" pitchFamily="18" charset="0"/>
+                        </a:rPr>
+                        <m:t>−</m:t>
+                      </m:r>
+                      <m:r>
+                        <a:rPr lang="en-US" b="0" i="1" smtClean="0">
+                          <a:latin typeface="Cambria Math" panose="02040503050406030204" pitchFamily="18" charset="0"/>
+                        </a:rPr>
+                        <m:t>2</m:t>
+                      </m:r>
+                      <m:r>
+                        <a:rPr lang="en-US" b="0" i="1" smtClean="0">
+                          <a:latin typeface="Cambria Math" panose="02040503050406030204" pitchFamily="18" charset="0"/>
+                        </a:rPr>
+                        <m:t>𝑙𝑛</m:t>
+                      </m:r>
+                      <m:d>
+                        <m:dPr>
+                          <m:ctrlPr>
+                            <a:rPr lang="ar-AE" b="0" i="1" smtClean="0">
+                              <a:latin typeface="Cambria Math" panose="02040503050406030204" pitchFamily="18" charset="0"/>
+                            </a:rPr>
+                          </m:ctrlPr>
+                        </m:dPr>
+                        <m:e>
+                          <m:acc>
+                            <m:accPr>
+                              <m:chr m:val="̂"/>
+                              <m:ctrlPr>
+                                <a:rPr lang="ar-AE" b="0" i="1" smtClean="0">
+                                  <a:latin typeface="Cambria Math" panose="02040503050406030204" pitchFamily="18" charset="0"/>
+                                </a:rPr>
+                              </m:ctrlPr>
+                            </m:accPr>
+                            <m:e>
+                              <m:r>
+                                <a:rPr lang="ar-AE" b="0" i="1" smtClean="0">
+                                  <a:latin typeface="Cambria Math" panose="02040503050406030204" pitchFamily="18" charset="0"/>
+                                </a:rPr>
+                                <m:t>𝐿</m:t>
+                              </m:r>
+                            </m:e>
+                          </m:acc>
+                        </m:e>
+                      </m:d>
+                    </m:oMath>
+                  </m:oMathPara>
+                </a14:m>
+                <a:endParaRPr lang="ar-AE" b="0" dirty="0"/>
+              </a:p>
+              <a:p>
+                <a:pPr marL="685800" lvl="2" indent="0">
+                  <a:buNone/>
+                </a:pPr>
+                <a:r>
+                  <a:rPr lang="en-US" dirty="0"/>
+                  <a:t>Where</a:t>
+                </a:r>
+              </a:p>
+              <a:p>
+                <a:pPr marL="685800" lvl="2" indent="0">
+                  <a:buNone/>
+                </a:pPr>
+                <a14:m>
+                  <m:oMath xmlns:m="http://schemas.openxmlformats.org/officeDocument/2006/math">
+                    <m:acc>
+                      <m:accPr>
+                        <m:chr m:val="̂"/>
+                        <m:ctrlPr>
+                          <a:rPr lang="ar-AE" b="0" i="1" smtClean="0">
+                            <a:latin typeface="Cambria Math" panose="02040503050406030204" pitchFamily="18" charset="0"/>
+                          </a:rPr>
+                        </m:ctrlPr>
+                      </m:accPr>
+                      <m:e>
+                        <m:r>
+                          <a:rPr lang="ar-AE" b="0" i="1" smtClean="0">
+                            <a:latin typeface="Cambria Math" panose="02040503050406030204" pitchFamily="18" charset="0"/>
+                          </a:rPr>
+                          <m:t>𝐿</m:t>
+                        </m:r>
+                      </m:e>
+                    </m:acc>
+                    <m:r>
+                      <a:rPr lang="ar-AE" b="0" i="1" smtClean="0">
+                        <a:latin typeface="Cambria Math" panose="02040503050406030204" pitchFamily="18" charset="0"/>
+                      </a:rPr>
+                      <m:t>=</m:t>
+                    </m:r>
+                    <m:r>
+                      <a:rPr lang="ar-AE" b="0" i="1" smtClean="0">
+                        <a:latin typeface="Cambria Math" panose="02040503050406030204" pitchFamily="18" charset="0"/>
+                      </a:rPr>
+                      <m:t>𝑝</m:t>
+                    </m:r>
+                    <m:d>
+                      <m:dPr>
+                        <m:ctrlPr>
+                          <a:rPr lang="ar-AE" b="0" i="1" smtClean="0">
+                            <a:latin typeface="Cambria Math" panose="02040503050406030204" pitchFamily="18" charset="0"/>
+                          </a:rPr>
+                        </m:ctrlPr>
+                      </m:dPr>
+                      <m:e>
+                        <m:r>
+                          <a:rPr lang="ar-AE" b="0" i="1" smtClean="0">
+                            <a:latin typeface="Cambria Math" panose="02040503050406030204" pitchFamily="18" charset="0"/>
+                          </a:rPr>
+                          <m:t>𝑦</m:t>
+                        </m:r>
+                        <m:r>
+                          <a:rPr lang="ar-AE" b="0" i="1" smtClean="0">
+                            <a:latin typeface="Cambria Math" panose="02040503050406030204" pitchFamily="18" charset="0"/>
+                          </a:rPr>
+                          <m:t> | </m:t>
+                        </m:r>
+                        <m:acc>
+                          <m:accPr>
+                            <m:chr m:val="̂"/>
+                            <m:ctrlPr>
+                              <a:rPr lang="ar-AE" b="0" i="1" smtClean="0">
+                                <a:latin typeface="Cambria Math" panose="02040503050406030204" pitchFamily="18" charset="0"/>
+                              </a:rPr>
+                            </m:ctrlPr>
+                          </m:accPr>
+                          <m:e>
+                            <m:r>
+                              <a:rPr lang="ar-AE" b="0" i="1" smtClean="0">
+                                <a:latin typeface="Cambria Math" panose="02040503050406030204" pitchFamily="18" charset="0"/>
+                                <a:ea typeface="Cambria Math" panose="02040503050406030204" pitchFamily="18" charset="0"/>
+                              </a:rPr>
+                              <m:t>𝜃</m:t>
+                            </m:r>
+                          </m:e>
+                        </m:acc>
+                      </m:e>
+                    </m:d>
+                  </m:oMath>
+                </a14:m>
+                <a:r>
+                  <a:rPr lang="ar-AE" dirty="0"/>
+                  <a:t> </a:t>
+                </a:r>
+                <a:r>
+                  <a:rPr lang="en-US" dirty="0"/>
+                  <a:t>the likelihood given the estimated model parameters, </a:t>
+                </a:r>
+                <a14:m>
+                  <m:oMath xmlns:m="http://schemas.openxmlformats.org/officeDocument/2006/math">
+                    <m:acc>
+                      <m:accPr>
+                        <m:chr m:val="̂"/>
+                        <m:ctrlPr>
+                          <a:rPr lang="ar-AE" i="1">
+                            <a:latin typeface="Cambria Math" panose="02040503050406030204" pitchFamily="18" charset="0"/>
+                          </a:rPr>
+                        </m:ctrlPr>
+                      </m:accPr>
+                      <m:e>
+                        <m:r>
+                          <a:rPr lang="ar-AE" i="1">
+                            <a:latin typeface="Cambria Math" panose="02040503050406030204" pitchFamily="18" charset="0"/>
+                            <a:ea typeface="Cambria Math" panose="02040503050406030204" pitchFamily="18" charset="0"/>
+                          </a:rPr>
+                          <m:t>𝜃</m:t>
+                        </m:r>
+                      </m:e>
+                    </m:acc>
+                  </m:oMath>
+                </a14:m>
+                <a:endParaRPr lang="ar-AE" dirty="0"/>
+              </a:p>
+              <a:p>
+                <a:pPr marL="685800" lvl="2" indent="0">
+                  <a:buNone/>
+                </a:pPr>
+                <a14:m>
+                  <m:oMath xmlns:m="http://schemas.openxmlformats.org/officeDocument/2006/math">
+                    <m:r>
+                      <a:rPr lang="ar-AE" b="0" i="1" smtClean="0">
+                        <a:latin typeface="Cambria Math" panose="02040503050406030204" pitchFamily="18" charset="0"/>
+                      </a:rPr>
+                      <m:t>𝑦</m:t>
+                    </m:r>
+                  </m:oMath>
+                </a14:m>
+                <a:r>
+                  <a:rPr lang="ar-AE" dirty="0"/>
+                  <a:t> </a:t>
+                </a:r>
+                <a:r>
+                  <a:rPr lang="en-US" dirty="0"/>
+                  <a:t>observed time series   </a:t>
+                </a:r>
+              </a:p>
+              <a:p>
+                <a:pPr marL="685800" lvl="2" indent="0">
+                  <a:buNone/>
+                </a:pPr>
+                <a14:m>
+                  <m:oMath xmlns:m="http://schemas.openxmlformats.org/officeDocument/2006/math">
+                    <m:r>
+                      <a:rPr lang="en-US" b="0" i="1" smtClean="0">
+                        <a:latin typeface="Cambria Math" panose="02040503050406030204" pitchFamily="18" charset="0"/>
+                      </a:rPr>
+                      <m:t>𝑘</m:t>
+                    </m:r>
+                  </m:oMath>
+                </a14:m>
+                <a:r>
+                  <a:rPr lang="en-US" dirty="0"/>
+                  <a:t> number of model parameters </a:t>
+                </a:r>
+              </a:p>
+              <a:p>
+                <a:pPr marL="685800" lvl="2" indent="0">
+                  <a:buNone/>
+                </a:pPr>
+                <a:r>
+                  <a:rPr lang="en-US" i="1" dirty="0"/>
+                  <a:t>n</a:t>
+                </a:r>
+                <a:r>
+                  <a:rPr lang="en-US" dirty="0"/>
+                  <a:t> number of observations   </a:t>
+                </a:r>
+              </a:p>
+              <a:p>
+                <a:pPr lvl="0"/>
+                <a:r>
+                  <a:rPr lang="en-US" dirty="0"/>
+                  <a:t>BIC penalizes the score function for the complexity of the model, </a:t>
+                </a:r>
+                <a14:m>
+                  <m:oMath xmlns:m="http://schemas.openxmlformats.org/officeDocument/2006/math">
+                    <m:r>
+                      <a:rPr lang="en-US">
+                        <a:latin typeface="Cambria Math" panose="02040503050406030204" pitchFamily="18" charset="0"/>
+                      </a:rPr>
+                      <m:t>𝑘</m:t>
+                    </m:r>
+                  </m:oMath>
+                </a14:m>
+                <a:endParaRPr lang="en-US" dirty="0"/>
+              </a:p>
+              <a:p>
+                <a:pPr lvl="0"/>
+                <a:r>
+                  <a:rPr lang="en-US" dirty="0"/>
+                  <a:t>BIC adjusts for number of samples used to fit </a:t>
+                </a:r>
+                <a14:m>
+                  <m:oMath xmlns:m="http://schemas.openxmlformats.org/officeDocument/2006/math">
+                    <m:r>
+                      <a:rPr lang="en-US">
+                        <a:latin typeface="Cambria Math" panose="02040503050406030204" pitchFamily="18" charset="0"/>
+                      </a:rPr>
+                      <m:t>𝑘</m:t>
+                    </m:r>
+                  </m:oMath>
+                </a14:m>
+                <a:r>
+                  <a:rPr lang="en-US" dirty="0"/>
+                  <a:t> model parameters</a:t>
+                </a:r>
+              </a:p>
+              <a:p>
+                <a:pPr lvl="0"/>
+                <a:r>
+                  <a:rPr lang="en-US" dirty="0"/>
+                  <a:t>Model with lowest BIC is best</a:t>
+                </a:r>
+              </a:p>
+              <a:p>
+                <a:pPr lvl="0"/>
+                <a:r>
+                  <a:rPr lang="en-US" dirty="0"/>
+                  <a:t>BIC is often preferred to AIC for time series models</a:t>
+                </a:r>
+                <a:endParaRPr dirty="0"/>
+              </a:p>
+            </p:txBody>
+          </p:sp>
+        </mc:Choice>
+        <mc:Fallback>
+          <p:sp>
+            <p:nvSpPr>
+              <p:cNvPr id="3" name="Content Placeholder 2"/>
+              <p:cNvSpPr>
+                <a:spLocks noGrp="1" noRot="1" noChangeAspect="1" noMove="1" noResize="1" noEditPoints="1" noAdjustHandles="1" noChangeArrowheads="1" noChangeShapeType="1" noTextEdit="1"/>
+              </p:cNvSpPr>
+              <p:nvPr>
+                <p:ph idx="1"/>
+              </p:nvPr>
+            </p:nvSpPr>
+            <p:spPr>
+              <a:blipFill>
+                <a:blip r:embed="rId2"/>
+                <a:stretch>
+                  <a:fillRect l="-741" t="-1975" b="-1616"/>
+                </a:stretch>
+              </a:blipFill>
+            </p:spPr>
+            <p:txBody>
+              <a:bodyPr/>
+              <a:lstStyle/>
+              <a:p>
+                <a:r>
+                  <a:rPr lang="en-US">
+                    <a:noFill/>
+                  </a:rPr>
+                  <a:t> </a:t>
+                </a:r>
+              </a:p>
+            </p:txBody>
+          </p:sp>
+        </mc:Fallback>
+      </mc:AlternateContent>
+    </p:spTree>
+  </p:cSld>
+  <p:clrMapOvr>
+    <a:masterClrMapping/>
+  </p:clrMapOvr>
+</p:sld>
+</file>
+
 <file path=ppt/slides/slide43.xml><?xml version="1.0" encoding="utf-8"?>
 <p:sld xmlns:a="http://schemas.openxmlformats.org/drawingml/2006/main" xmlns:r="http://schemas.openxmlformats.org/officeDocument/2006/relationships" xmlns:p="http://schemas.openxmlformats.org/presentationml/2006/main">
   <p:cSld>
@@ -27492,455 +28573,8 @@
           </a:p>
         </p:txBody>
       </p:sp>
-      <mc:AlternateContent xmlns:mc="http://schemas.openxmlformats.org/markup-compatibility/2006" xmlns:a14="http://schemas.microsoft.com/office/drawing/2010/main">
-        <mc:Choice Requires="a14">
-          <p:sp>
-            <p:nvSpPr>
-              <p:cNvPr id="3" name="Content Placeholder 2"/>
-              <p:cNvSpPr>
-                <a:spLocks noGrp="1"/>
-              </p:cNvSpPr>
-              <p:nvPr>
-                <p:ph idx="1"/>
-              </p:nvPr>
-            </p:nvSpPr>
-            <p:spPr/>
-            <p:txBody>
-              <a:bodyPr>
-                <a:normAutofit fontScale="85000" lnSpcReduction="10000"/>
-              </a:bodyPr>
-              <a:lstStyle/>
-              <a:p>
-                <a:pPr marL="0" lvl="0" indent="0">
-                  <a:buNone/>
-                </a:pPr>
-                <a:r>
-                  <a:rPr lang="en-US" dirty="0"/>
-                  <a:t>Bayes Information criteria, BIC</a:t>
-                </a:r>
-              </a:p>
-              <a:p>
-                <a:pPr marL="0" lvl="0" indent="0">
-                  <a:buNone/>
-                </a:pPr>
-                <a14:m>
-                  <m:oMathPara xmlns:m="http://schemas.openxmlformats.org/officeDocument/2006/math">
-                    <m:oMathParaPr>
-                      <m:jc m:val="centerGroup"/>
-                    </m:oMathParaPr>
-                    <m:oMath xmlns:m="http://schemas.openxmlformats.org/officeDocument/2006/math">
-                      <m:r>
-                        <a:rPr lang="en-US" b="0" i="1" smtClean="0">
-                          <a:latin typeface="Cambria Math" panose="02040503050406030204" pitchFamily="18" charset="0"/>
-                        </a:rPr>
-                        <m:t>𝐵𝐼𝐶</m:t>
-                      </m:r>
-                      <m:r>
-                        <a:rPr lang="en-US" b="0" i="1" smtClean="0">
-                          <a:latin typeface="Cambria Math" panose="02040503050406030204" pitchFamily="18" charset="0"/>
-                        </a:rPr>
-                        <m:t>=</m:t>
-                      </m:r>
-                      <m:r>
-                        <a:rPr lang="en-US" b="0" i="1" smtClean="0">
-                          <a:latin typeface="Cambria Math" panose="02040503050406030204" pitchFamily="18" charset="0"/>
-                        </a:rPr>
-                        <m:t>𝑙𝑛</m:t>
-                      </m:r>
-                      <m:d>
-                        <m:dPr>
-                          <m:ctrlPr>
-                            <a:rPr lang="en-US" b="0" i="1" smtClean="0">
-                              <a:latin typeface="Cambria Math" panose="02040503050406030204" pitchFamily="18" charset="0"/>
-                            </a:rPr>
-                          </m:ctrlPr>
-                        </m:dPr>
-                        <m:e>
-                          <m:r>
-                            <a:rPr lang="en-US" b="0" i="1" smtClean="0">
-                              <a:latin typeface="Cambria Math" panose="02040503050406030204" pitchFamily="18" charset="0"/>
-                            </a:rPr>
-                            <m:t>𝑛</m:t>
-                          </m:r>
-                        </m:e>
-                      </m:d>
-                      <m:r>
-                        <a:rPr lang="en-US" b="0" i="1" smtClean="0">
-                          <a:latin typeface="Cambria Math" panose="02040503050406030204" pitchFamily="18" charset="0"/>
-                        </a:rPr>
-                        <m:t>𝑘</m:t>
-                      </m:r>
-                      <m:r>
-                        <a:rPr lang="en-US" b="0" i="1" smtClean="0">
-                          <a:latin typeface="Cambria Math" panose="02040503050406030204" pitchFamily="18" charset="0"/>
-                        </a:rPr>
-                        <m:t>−</m:t>
-                      </m:r>
-                      <m:r>
-                        <a:rPr lang="en-US" b="0" i="1" smtClean="0">
-                          <a:latin typeface="Cambria Math" panose="02040503050406030204" pitchFamily="18" charset="0"/>
-                        </a:rPr>
-                        <m:t>2</m:t>
-                      </m:r>
-                      <m:r>
-                        <a:rPr lang="en-US" b="0" i="1" smtClean="0">
-                          <a:latin typeface="Cambria Math" panose="02040503050406030204" pitchFamily="18" charset="0"/>
-                        </a:rPr>
-                        <m:t>𝑙𝑛</m:t>
-                      </m:r>
-                      <m:d>
-                        <m:dPr>
-                          <m:ctrlPr>
-                            <a:rPr lang="ar-AE" b="0" i="1" smtClean="0">
-                              <a:latin typeface="Cambria Math" panose="02040503050406030204" pitchFamily="18" charset="0"/>
-                            </a:rPr>
-                          </m:ctrlPr>
-                        </m:dPr>
-                        <m:e>
-                          <m:acc>
-                            <m:accPr>
-                              <m:chr m:val="̂"/>
-                              <m:ctrlPr>
-                                <a:rPr lang="ar-AE" b="0" i="1" smtClean="0">
-                                  <a:latin typeface="Cambria Math" panose="02040503050406030204" pitchFamily="18" charset="0"/>
-                                </a:rPr>
-                              </m:ctrlPr>
-                            </m:accPr>
-                            <m:e>
-                              <m:r>
-                                <a:rPr lang="ar-AE" b="0" i="1" smtClean="0">
-                                  <a:latin typeface="Cambria Math" panose="02040503050406030204" pitchFamily="18" charset="0"/>
-                                </a:rPr>
-                                <m:t>𝐿</m:t>
-                              </m:r>
-                            </m:e>
-                          </m:acc>
-                        </m:e>
-                      </m:d>
-                    </m:oMath>
-                  </m:oMathPara>
-                </a14:m>
-                <a:endParaRPr lang="ar-AE" b="0" dirty="0"/>
-              </a:p>
-              <a:p>
-                <a:pPr marL="685800" lvl="2" indent="0">
-                  <a:buNone/>
-                </a:pPr>
-                <a:r>
-                  <a:rPr lang="en-US" dirty="0"/>
-                  <a:t>Where</a:t>
-                </a:r>
-              </a:p>
-              <a:p>
-                <a:pPr marL="685800" lvl="2" indent="0">
-                  <a:buNone/>
-                </a:pPr>
-                <a14:m>
-                  <m:oMath xmlns:m="http://schemas.openxmlformats.org/officeDocument/2006/math">
-                    <m:acc>
-                      <m:accPr>
-                        <m:chr m:val="̂"/>
-                        <m:ctrlPr>
-                          <a:rPr lang="ar-AE" b="0" i="1" smtClean="0">
-                            <a:latin typeface="Cambria Math" panose="02040503050406030204" pitchFamily="18" charset="0"/>
-                          </a:rPr>
-                        </m:ctrlPr>
-                      </m:accPr>
-                      <m:e>
-                        <m:r>
-                          <a:rPr lang="ar-AE" b="0" i="1" smtClean="0">
-                            <a:latin typeface="Cambria Math" panose="02040503050406030204" pitchFamily="18" charset="0"/>
-                          </a:rPr>
-                          <m:t>𝐿</m:t>
-                        </m:r>
-                      </m:e>
-                    </m:acc>
-                    <m:r>
-                      <a:rPr lang="ar-AE" b="0" i="1" smtClean="0">
-                        <a:latin typeface="Cambria Math" panose="02040503050406030204" pitchFamily="18" charset="0"/>
-                      </a:rPr>
-                      <m:t>=</m:t>
-                    </m:r>
-                    <m:r>
-                      <a:rPr lang="ar-AE" b="0" i="1" smtClean="0">
-                        <a:latin typeface="Cambria Math" panose="02040503050406030204" pitchFamily="18" charset="0"/>
-                      </a:rPr>
-                      <m:t>𝑝</m:t>
-                    </m:r>
-                    <m:d>
-                      <m:dPr>
-                        <m:ctrlPr>
-                          <a:rPr lang="ar-AE" b="0" i="1" smtClean="0">
-                            <a:latin typeface="Cambria Math" panose="02040503050406030204" pitchFamily="18" charset="0"/>
-                          </a:rPr>
-                        </m:ctrlPr>
-                      </m:dPr>
-                      <m:e>
-                        <m:r>
-                          <a:rPr lang="ar-AE" b="0" i="1" smtClean="0">
-                            <a:latin typeface="Cambria Math" panose="02040503050406030204" pitchFamily="18" charset="0"/>
-                          </a:rPr>
-                          <m:t>𝑦</m:t>
-                        </m:r>
-                        <m:r>
-                          <a:rPr lang="ar-AE" b="0" i="1" smtClean="0">
-                            <a:latin typeface="Cambria Math" panose="02040503050406030204" pitchFamily="18" charset="0"/>
-                          </a:rPr>
-                          <m:t> | </m:t>
-                        </m:r>
-                        <m:acc>
-                          <m:accPr>
-                            <m:chr m:val="̂"/>
-                            <m:ctrlPr>
-                              <a:rPr lang="ar-AE" b="0" i="1" smtClean="0">
-                                <a:latin typeface="Cambria Math" panose="02040503050406030204" pitchFamily="18" charset="0"/>
-                              </a:rPr>
-                            </m:ctrlPr>
-                          </m:accPr>
-                          <m:e>
-                            <m:r>
-                              <a:rPr lang="ar-AE" b="0" i="1" smtClean="0">
-                                <a:latin typeface="Cambria Math" panose="02040503050406030204" pitchFamily="18" charset="0"/>
-                                <a:ea typeface="Cambria Math" panose="02040503050406030204" pitchFamily="18" charset="0"/>
-                              </a:rPr>
-                              <m:t>𝜃</m:t>
-                            </m:r>
-                          </m:e>
-                        </m:acc>
-                      </m:e>
-                    </m:d>
-                  </m:oMath>
-                </a14:m>
-                <a:r>
-                  <a:rPr lang="ar-AE" dirty="0"/>
-                  <a:t> </a:t>
-                </a:r>
-                <a:r>
-                  <a:rPr lang="en-US" dirty="0"/>
-                  <a:t>the likelihood given the estimated model parameters, </a:t>
-                </a:r>
-                <a14:m>
-                  <m:oMath xmlns:m="http://schemas.openxmlformats.org/officeDocument/2006/math">
-                    <m:acc>
-                      <m:accPr>
-                        <m:chr m:val="̂"/>
-                        <m:ctrlPr>
-                          <a:rPr lang="ar-AE" i="1">
-                            <a:latin typeface="Cambria Math" panose="02040503050406030204" pitchFamily="18" charset="0"/>
-                          </a:rPr>
-                        </m:ctrlPr>
-                      </m:accPr>
-                      <m:e>
-                        <m:r>
-                          <a:rPr lang="ar-AE" i="1">
-                            <a:latin typeface="Cambria Math" panose="02040503050406030204" pitchFamily="18" charset="0"/>
-                            <a:ea typeface="Cambria Math" panose="02040503050406030204" pitchFamily="18" charset="0"/>
-                          </a:rPr>
-                          <m:t>𝜃</m:t>
-                        </m:r>
-                      </m:e>
-                    </m:acc>
-                  </m:oMath>
-                </a14:m>
-                <a:endParaRPr lang="ar-AE" dirty="0"/>
-              </a:p>
-              <a:p>
-                <a:pPr marL="685800" lvl="2" indent="0">
-                  <a:buNone/>
-                </a:pPr>
-                <a14:m>
-                  <m:oMath xmlns:m="http://schemas.openxmlformats.org/officeDocument/2006/math">
-                    <m:r>
-                      <a:rPr lang="ar-AE" b="0" i="1" smtClean="0">
-                        <a:latin typeface="Cambria Math" panose="02040503050406030204" pitchFamily="18" charset="0"/>
-                      </a:rPr>
-                      <m:t>𝑦</m:t>
-                    </m:r>
-                  </m:oMath>
-                </a14:m>
-                <a:r>
-                  <a:rPr lang="ar-AE" dirty="0"/>
-                  <a:t> </a:t>
-                </a:r>
-                <a:r>
-                  <a:rPr lang="en-US" dirty="0"/>
-                  <a:t>observed time series   </a:t>
-                </a:r>
-              </a:p>
-              <a:p>
-                <a:pPr marL="685800" lvl="2" indent="0">
-                  <a:buNone/>
-                </a:pPr>
-                <a14:m>
-                  <m:oMath xmlns:m="http://schemas.openxmlformats.org/officeDocument/2006/math">
-                    <m:r>
-                      <a:rPr lang="en-US" b="0" i="1" smtClean="0">
-                        <a:latin typeface="Cambria Math" panose="02040503050406030204" pitchFamily="18" charset="0"/>
-                      </a:rPr>
-                      <m:t>𝑘</m:t>
-                    </m:r>
-                  </m:oMath>
-                </a14:m>
-                <a:r>
-                  <a:rPr lang="en-US" dirty="0"/>
-                  <a:t> number of model parameters </a:t>
-                </a:r>
-              </a:p>
-              <a:p>
-                <a:pPr marL="685800" lvl="2" indent="0">
-                  <a:buNone/>
-                </a:pPr>
-                <a:r>
-                  <a:rPr lang="en-US" i="1" dirty="0"/>
-                  <a:t>n</a:t>
-                </a:r>
-                <a:r>
-                  <a:rPr lang="en-US" dirty="0"/>
-                  <a:t> number of observations   </a:t>
-                </a:r>
-              </a:p>
-              <a:p>
-                <a:pPr lvl="0"/>
-                <a:r>
-                  <a:rPr lang="en-US" dirty="0"/>
-                  <a:t>BIC penalizes the score function for the complexity of the model, </a:t>
-                </a:r>
-                <a14:m>
-                  <m:oMath xmlns:m="http://schemas.openxmlformats.org/officeDocument/2006/math">
-                    <m:r>
-                      <a:rPr lang="en-US">
-                        <a:latin typeface="Cambria Math" panose="02040503050406030204" pitchFamily="18" charset="0"/>
-                      </a:rPr>
-                      <m:t>𝑘</m:t>
-                    </m:r>
-                  </m:oMath>
-                </a14:m>
-                <a:endParaRPr lang="en-US" dirty="0"/>
-              </a:p>
-              <a:p>
-                <a:pPr lvl="0"/>
-                <a:r>
-                  <a:rPr lang="en-US" dirty="0"/>
-                  <a:t>BIC adjusts for number of samples used to learn the </a:t>
-                </a:r>
-                <a14:m>
-                  <m:oMath xmlns:m="http://schemas.openxmlformats.org/officeDocument/2006/math">
-                    <m:r>
-                      <a:rPr lang="en-US">
-                        <a:latin typeface="Cambria Math" panose="02040503050406030204" pitchFamily="18" charset="0"/>
-                      </a:rPr>
-                      <m:t>𝑘</m:t>
-                    </m:r>
-                  </m:oMath>
-                </a14:m>
-                <a:r>
-                  <a:rPr lang="en-US" dirty="0"/>
-                  <a:t> model parameters</a:t>
-                </a:r>
-              </a:p>
-              <a:p>
-                <a:pPr lvl="0"/>
-                <a:r>
-                  <a:rPr lang="en-US" dirty="0"/>
-                  <a:t>Model with lowest BIC is best</a:t>
-                </a:r>
-              </a:p>
-              <a:p>
-                <a:pPr lvl="0"/>
-                <a:r>
-                  <a:rPr lang="en-US" dirty="0"/>
-                  <a:t>BIC is often preferred to AIC for time series models</a:t>
-                </a:r>
-                <a:endParaRPr dirty="0"/>
-              </a:p>
-            </p:txBody>
-          </p:sp>
-        </mc:Choice>
-        <mc:Fallback xmlns="">
-          <p:sp>
-            <p:nvSpPr>
-              <p:cNvPr id="3" name="Content Placeholder 2"/>
-              <p:cNvSpPr>
-                <a:spLocks noGrp="1" noRot="1" noChangeAspect="1" noMove="1" noResize="1" noEditPoints="1" noAdjustHandles="1" noChangeArrowheads="1" noChangeShapeType="1" noTextEdit="1"/>
-              </p:cNvSpPr>
-              <p:nvPr>
-                <p:ph idx="1"/>
-              </p:nvPr>
-            </p:nvSpPr>
-            <p:spPr>
-              <a:blipFill>
-                <a:blip r:embed="rId2"/>
-                <a:stretch>
-                  <a:fillRect l="-741" t="-1975" b="-1616"/>
-                </a:stretch>
-              </a:blipFill>
-            </p:spPr>
-            <p:txBody>
-              <a:bodyPr/>
-              <a:lstStyle/>
-              <a:p>
-                <a:r>
-                  <a:rPr lang="en-US">
-                    <a:noFill/>
-                  </a:rPr>
-                  <a:t> </a:t>
-                </a:r>
-              </a:p>
-            </p:txBody>
-          </p:sp>
-        </mc:Fallback>
-      </mc:AlternateContent>
-    </p:spTree>
-  </p:cSld>
-  <p:clrMapOvr>
-    <a:masterClrMapping/>
-  </p:clrMapOvr>
-</p:sld>
-</file>
-
-<file path=ppt/slides/slide44.xml><?xml version="1.0" encoding="utf-8"?>
-<p:sld xmlns:a="http://schemas.openxmlformats.org/drawingml/2006/main" xmlns:r="http://schemas.openxmlformats.org/officeDocument/2006/relationships" xmlns:p="http://schemas.openxmlformats.org/presentationml/2006/main">
-  <p:cSld>
-    <p:spTree>
-      <p:nvGrpSpPr>
-        <p:cNvPr id="1" name=""/>
-        <p:cNvGrpSpPr/>
-        <p:nvPr/>
-      </p:nvGrpSpPr>
-      <p:grpSpPr>
-        <a:xfrm>
-          <a:off x="0" y="0"/>
-          <a:ext cx="0" cy="0"/>
-          <a:chOff x="0" y="0"/>
-          <a:chExt cx="0" cy="0"/>
-        </a:xfrm>
-      </p:grpSpPr>
-      <p:sp>
-        <p:nvSpPr>
-          <p:cNvPr id="2" name="Title 1"/>
-          <p:cNvSpPr>
-            <a:spLocks noGrp="1"/>
-          </p:cNvSpPr>
-          <p:nvPr>
-            <p:ph type="title"/>
-          </p:nvPr>
-        </p:nvSpPr>
-        <p:spPr/>
-        <p:txBody>
-          <a:bodyPr/>
-          <a:lstStyle/>
-          <a:p>
-            <a:pPr marL="0" lvl="0" indent="0">
-              <a:buNone/>
-            </a:pPr>
-            <a:r>
-              <a:t>Evaluating and Comparing Time Series Models</a:t>
-            </a:r>
-          </a:p>
-        </p:txBody>
-      </p:sp>
-      <mc:AlternateContent xmlns:mc="http://schemas.openxmlformats.org/markup-compatibility/2006" xmlns:a14="http://schemas.microsoft.com/office/drawing/2010/main">
-        <mc:Choice Requires="a14">
+      <mc:AlternateContent xmlns:mc="http://schemas.openxmlformats.org/markup-compatibility/2006">
+        <mc:Choice xmlns:a14="http://schemas.microsoft.com/office/drawing/2010/main" Requires="a14">
           <p:sp>
             <p:nvSpPr>
               <p:cNvPr id="3" name="Content Placeholder 2"/>
@@ -28118,7 +28752,15 @@
                 </a:pPr>
                 <a:r>
                   <a:rPr dirty="0"/>
-                  <a:t>Reduce the order of one model component</a:t>
+                  <a:t>R</a:t>
+                </a:r>
+                <a:r>
+                  <a:rPr lang="en-US" dirty="0"/>
+                  <a:t>ound-robin r</a:t>
+                </a:r>
+                <a:r>
+                  <a:rPr dirty="0"/>
+                  <a:t>educe the order of one model component</a:t>
                 </a:r>
               </a:p>
               <a:p>
@@ -28148,8 +28790,13 @@
                 <a:pPr lvl="1"/>
                 <a:r>
                   <a:rPr dirty="0"/>
-                  <a:t>If close tie for best model pick the simpler (lower order) case</a:t>
-                </a:r>
+                  <a:t>If close tie pick the simpler (lower order) </a:t>
+                </a:r>
+                <a:r>
+                  <a:rPr lang="en-US" dirty="0"/>
+                  <a:t>model</a:t>
+                </a:r>
+                <a:endParaRPr dirty="0"/>
               </a:p>
               <a:p>
                 <a:pPr lvl="1"/>
@@ -28189,7 +28836,7 @@
             </p:txBody>
           </p:sp>
         </mc:Choice>
-        <mc:Fallback xmlns="">
+        <mc:Fallback>
           <p:sp>
             <p:nvSpPr>
               <p:cNvPr id="3" name="Content Placeholder 2"/>
@@ -28235,7 +28882,7 @@
 </p:sld>
 </file>
 
-<file path=ppt/slides/slide45.xml><?xml version="1.0" encoding="utf-8"?>
+<file path=ppt/slides/slide44.xml><?xml version="1.0" encoding="utf-8"?>
 <p:sld xmlns:a="http://schemas.openxmlformats.org/drawingml/2006/main" xmlns:r="http://schemas.openxmlformats.org/officeDocument/2006/relationships" xmlns:p="http://schemas.openxmlformats.org/presentationml/2006/main">
   <p:cSld>
     <p:spTree>
@@ -28419,7 +29066,7 @@
 </p:sld>
 </file>
 
-<file path=ppt/slides/slide46.xml><?xml version="1.0" encoding="utf-8"?>
+<file path=ppt/slides/slide45.xml><?xml version="1.0" encoding="utf-8"?>
 <p:sld xmlns:a="http://schemas.openxmlformats.org/drawingml/2006/main" xmlns:r="http://schemas.openxmlformats.org/officeDocument/2006/relationships" xmlns:p="http://schemas.openxmlformats.org/presentationml/2006/main">
   <p:cSld>
     <p:spTree>
@@ -28565,7 +29212,7 @@
 </p:sld>
 </file>
 
-<file path=ppt/slides/slide47.xml><?xml version="1.0" encoding="utf-8"?>
+<file path=ppt/slides/slide46.xml><?xml version="1.0" encoding="utf-8"?>
 <p:sld xmlns:a="http://schemas.openxmlformats.org/drawingml/2006/main" xmlns:r="http://schemas.openxmlformats.org/officeDocument/2006/relationships" xmlns:p="http://schemas.openxmlformats.org/presentationml/2006/main">
   <p:cSld>
     <p:spTree>
@@ -29097,7 +29744,7 @@
 </p:sld>
 </file>
 
-<file path=ppt/slides/slide48.xml><?xml version="1.0" encoding="utf-8"?>
+<file path=ppt/slides/slide47.xml><?xml version="1.0" encoding="utf-8"?>
 <p:sld xmlns:a="http://schemas.openxmlformats.org/drawingml/2006/main" xmlns:r="http://schemas.openxmlformats.org/officeDocument/2006/relationships" xmlns:p="http://schemas.openxmlformats.org/presentationml/2006/main">
   <p:cSld>
     <p:spTree>
@@ -29300,7 +29947,7 @@
 </p:sld>
 </file>
 
-<file path=ppt/slides/slide49.xml><?xml version="1.0" encoding="utf-8"?>
+<file path=ppt/slides/slide48.xml><?xml version="1.0" encoding="utf-8"?>
 <p:sld xmlns:a="http://schemas.openxmlformats.org/drawingml/2006/main" xmlns:r="http://schemas.openxmlformats.org/officeDocument/2006/relationships" xmlns:p="http://schemas.openxmlformats.org/presentationml/2006/main">
   <p:cSld>
     <p:spTree>
@@ -30069,8 +30716,8 @@
         </p:nvCxnSpPr>
         <p:spPr>
           <a:xfrm flipV="1">
-            <a:off x="2831123" y="2294792"/>
-            <a:ext cx="1740877" cy="430823"/>
+            <a:off x="4259873" y="2294792"/>
+            <a:ext cx="312127" cy="430823"/>
           </a:xfrm>
           <a:prstGeom prst="straightConnector1">
             <a:avLst/>
@@ -30113,8 +30760,8 @@
         </p:nvCxnSpPr>
         <p:spPr>
           <a:xfrm flipV="1">
-            <a:off x="4053254" y="1951892"/>
-            <a:ext cx="2936631" cy="1450731"/>
+            <a:off x="4259873" y="1951892"/>
+            <a:ext cx="2730012" cy="1754066"/>
           </a:xfrm>
           <a:prstGeom prst="straightConnector1">
             <a:avLst/>
@@ -30149,196 +30796,7 @@
 </p:sld>
 </file>
 
-<file path=ppt/slides/slide5.xml><?xml version="1.0" encoding="utf-8"?>
-<p:sld xmlns:a="http://schemas.openxmlformats.org/drawingml/2006/main" xmlns:r="http://schemas.openxmlformats.org/officeDocument/2006/relationships" xmlns:p="http://schemas.openxmlformats.org/presentationml/2006/main">
-  <p:cSld>
-    <p:spTree>
-      <p:nvGrpSpPr>
-        <p:cNvPr id="1" name=""/>
-        <p:cNvGrpSpPr/>
-        <p:nvPr/>
-      </p:nvGrpSpPr>
-      <p:grpSpPr>
-        <a:xfrm>
-          <a:off x="0" y="0"/>
-          <a:ext cx="0" cy="0"/>
-          <a:chOff x="0" y="0"/>
-          <a:chExt cx="0" cy="0"/>
-        </a:xfrm>
-      </p:grpSpPr>
-      <p:sp>
-        <p:nvSpPr>
-          <p:cNvPr id="2" name="Title 1"/>
-          <p:cNvSpPr>
-            <a:spLocks noGrp="1"/>
-          </p:cNvSpPr>
-          <p:nvPr>
-            <p:ph type="title"/>
-          </p:nvPr>
-        </p:nvSpPr>
-        <p:spPr/>
-        <p:txBody>
-          <a:bodyPr/>
-          <a:lstStyle/>
-          <a:p>
-            <a:pPr marL="0" lvl="0" indent="0">
-              <a:buNone/>
-            </a:pPr>
-            <a:r>
-              <a:t>Properties of Time Series</a:t>
-            </a:r>
-          </a:p>
-        </p:txBody>
-      </p:sp>
-      <p:sp>
-        <p:nvSpPr>
-          <p:cNvPr id="3" name="Content Placeholder 2"/>
-          <p:cNvSpPr>
-            <a:spLocks noGrp="1"/>
-          </p:cNvSpPr>
-          <p:nvPr>
-            <p:ph idx="1"/>
-          </p:nvPr>
-        </p:nvSpPr>
-        <p:spPr>
-          <a:xfrm>
-            <a:off x="457200" y="1200150"/>
-            <a:ext cx="8229600" cy="3666951"/>
-          </a:xfrm>
-        </p:spPr>
-        <p:txBody>
-          <a:bodyPr>
-            <a:normAutofit fontScale="70000" lnSpcReduction="20000"/>
-          </a:bodyPr>
-          <a:lstStyle/>
-          <a:p>
-            <a:pPr marL="0" lvl="0" indent="0">
-              <a:buNone/>
-            </a:pPr>
-            <a:r>
-              <a:rPr dirty="0"/>
-              <a:t>Fundamental elements of time series</a:t>
-            </a:r>
-          </a:p>
-          <a:p>
-            <a:pPr lvl="0"/>
-            <a:r>
-              <a:rPr dirty="0"/>
-              <a:t>Fundamental components which cannot be predicted</a:t>
-            </a:r>
-          </a:p>
-          <a:p>
-            <a:pPr lvl="1"/>
-            <a:r>
-              <a:rPr dirty="0"/>
-              <a:t>White noise</a:t>
-            </a:r>
-          </a:p>
-          <a:p>
-            <a:pPr lvl="1"/>
-            <a:r>
-              <a:rPr dirty="0"/>
-              <a:t>Random walks</a:t>
-            </a:r>
-          </a:p>
-          <a:p>
-            <a:pPr lvl="0"/>
-            <a:r>
-              <a:rPr lang="en-US" dirty="0"/>
-              <a:t>Nonstationary components</a:t>
-            </a:r>
-          </a:p>
-          <a:p>
-            <a:pPr lvl="1"/>
-            <a:r>
-              <a:rPr lang="en-US" dirty="0"/>
-              <a:t>Trend</a:t>
-            </a:r>
-          </a:p>
-          <a:p>
-            <a:pPr lvl="1"/>
-            <a:r>
-              <a:rPr lang="en-US" dirty="0"/>
-              <a:t>Seasonal components</a:t>
-            </a:r>
-          </a:p>
-          <a:p>
-            <a:pPr lvl="0"/>
-            <a:r>
-              <a:rPr dirty="0"/>
-              <a:t>Autocorrelation and partial autocorrelation</a:t>
-            </a:r>
-            <a:r>
-              <a:rPr lang="en-US" dirty="0"/>
-              <a:t> </a:t>
-            </a:r>
-          </a:p>
-          <a:p>
-            <a:pPr lvl="1"/>
-            <a:r>
-              <a:rPr lang="en-US" dirty="0"/>
-              <a:t>Fundamental properties of stationary time series   </a:t>
-            </a:r>
-            <a:endParaRPr dirty="0"/>
-          </a:p>
-          <a:p>
-            <a:pPr lvl="0"/>
-            <a:r>
-              <a:rPr dirty="0"/>
-              <a:t>Differencing to transform to stationarity</a:t>
-            </a:r>
-          </a:p>
-          <a:p>
-            <a:pPr lvl="1"/>
-            <a:r>
-              <a:rPr dirty="0"/>
-              <a:t>Seasonal differencing</a:t>
-            </a:r>
-          </a:p>
-          <a:p>
-            <a:pPr lvl="1"/>
-            <a:r>
-              <a:rPr dirty="0"/>
-              <a:t>Non-seasonal differencing</a:t>
-            </a:r>
-          </a:p>
-          <a:p>
-            <a:pPr lvl="0"/>
-            <a:r>
-              <a:rPr dirty="0"/>
-              <a:t>Stationarity </a:t>
-            </a:r>
-            <a:r>
-              <a:rPr lang="en-US" dirty="0"/>
-              <a:t>tests </a:t>
-            </a:r>
-            <a:endParaRPr dirty="0"/>
-          </a:p>
-          <a:p>
-            <a:pPr lvl="1"/>
-            <a:r>
-              <a:rPr dirty="0"/>
-              <a:t>augmented Dicky-Fuller test</a:t>
-            </a:r>
-          </a:p>
-          <a:p>
-            <a:pPr lvl="1"/>
-            <a:r>
-              <a:rPr dirty="0"/>
-              <a:t>KPSS test</a:t>
-            </a:r>
-          </a:p>
-        </p:txBody>
-      </p:sp>
-    </p:spTree>
-  </p:cSld>
-  <p:clrMapOvr>
-    <a:masterClrMapping/>
-  </p:clrMapOvr>
-</p:sld>
-</file>
-
-<file path=ppt/slides/slide50.xml><?xml version="1.0" encoding="utf-8"?>
+<file path=ppt/slides/slide49.xml><?xml version="1.0" encoding="utf-8"?>
 <p:sld xmlns:a="http://schemas.openxmlformats.org/drawingml/2006/main" xmlns:r="http://schemas.openxmlformats.org/officeDocument/2006/relationships" xmlns:p="http://schemas.openxmlformats.org/presentationml/2006/main">
   <p:cSld>
     <p:spTree>
@@ -31004,7 +31462,196 @@
 </p:sld>
 </file>
 
-<file path=ppt/slides/slide51.xml><?xml version="1.0" encoding="utf-8"?>
+<file path=ppt/slides/slide5.xml><?xml version="1.0" encoding="utf-8"?>
+<p:sld xmlns:a="http://schemas.openxmlformats.org/drawingml/2006/main" xmlns:r="http://schemas.openxmlformats.org/officeDocument/2006/relationships" xmlns:p="http://schemas.openxmlformats.org/presentationml/2006/main">
+  <p:cSld>
+    <p:spTree>
+      <p:nvGrpSpPr>
+        <p:cNvPr id="1" name=""/>
+        <p:cNvGrpSpPr/>
+        <p:nvPr/>
+      </p:nvGrpSpPr>
+      <p:grpSpPr>
+        <a:xfrm>
+          <a:off x="0" y="0"/>
+          <a:ext cx="0" cy="0"/>
+          <a:chOff x="0" y="0"/>
+          <a:chExt cx="0" cy="0"/>
+        </a:xfrm>
+      </p:grpSpPr>
+      <p:sp>
+        <p:nvSpPr>
+          <p:cNvPr id="2" name="Title 1"/>
+          <p:cNvSpPr>
+            <a:spLocks noGrp="1"/>
+          </p:cNvSpPr>
+          <p:nvPr>
+            <p:ph type="title"/>
+          </p:nvPr>
+        </p:nvSpPr>
+        <p:spPr/>
+        <p:txBody>
+          <a:bodyPr/>
+          <a:lstStyle/>
+          <a:p>
+            <a:pPr marL="0" lvl="0" indent="0">
+              <a:buNone/>
+            </a:pPr>
+            <a:r>
+              <a:t>Properties of Time Series</a:t>
+            </a:r>
+          </a:p>
+        </p:txBody>
+      </p:sp>
+      <p:sp>
+        <p:nvSpPr>
+          <p:cNvPr id="3" name="Content Placeholder 2"/>
+          <p:cNvSpPr>
+            <a:spLocks noGrp="1"/>
+          </p:cNvSpPr>
+          <p:nvPr>
+            <p:ph idx="1"/>
+          </p:nvPr>
+        </p:nvSpPr>
+        <p:spPr>
+          <a:xfrm>
+            <a:off x="457200" y="1200150"/>
+            <a:ext cx="8229600" cy="3666951"/>
+          </a:xfrm>
+        </p:spPr>
+        <p:txBody>
+          <a:bodyPr>
+            <a:normAutofit fontScale="70000" lnSpcReduction="20000"/>
+          </a:bodyPr>
+          <a:lstStyle/>
+          <a:p>
+            <a:pPr marL="0" lvl="0" indent="0">
+              <a:buNone/>
+            </a:pPr>
+            <a:r>
+              <a:rPr dirty="0"/>
+              <a:t>Fundamental elements of time series</a:t>
+            </a:r>
+          </a:p>
+          <a:p>
+            <a:pPr lvl="0"/>
+            <a:r>
+              <a:rPr dirty="0"/>
+              <a:t>Fundamental components which cannot be predicted</a:t>
+            </a:r>
+          </a:p>
+          <a:p>
+            <a:pPr lvl="1"/>
+            <a:r>
+              <a:rPr dirty="0"/>
+              <a:t>White noise</a:t>
+            </a:r>
+          </a:p>
+          <a:p>
+            <a:pPr lvl="1"/>
+            <a:r>
+              <a:rPr dirty="0"/>
+              <a:t>Random walks</a:t>
+            </a:r>
+          </a:p>
+          <a:p>
+            <a:pPr lvl="0"/>
+            <a:r>
+              <a:rPr lang="en-US" dirty="0"/>
+              <a:t>Nonstationary predictable components</a:t>
+            </a:r>
+          </a:p>
+          <a:p>
+            <a:pPr lvl="1"/>
+            <a:r>
+              <a:rPr lang="en-US" dirty="0"/>
+              <a:t>Trend</a:t>
+            </a:r>
+          </a:p>
+          <a:p>
+            <a:pPr lvl="1"/>
+            <a:r>
+              <a:rPr lang="en-US" dirty="0"/>
+              <a:t>Seasonal components</a:t>
+            </a:r>
+          </a:p>
+          <a:p>
+            <a:pPr lvl="0"/>
+            <a:r>
+              <a:rPr dirty="0"/>
+              <a:t>Autocorrelation and partial autocorrelation</a:t>
+            </a:r>
+            <a:r>
+              <a:rPr lang="en-US" dirty="0"/>
+              <a:t> </a:t>
+            </a:r>
+          </a:p>
+          <a:p>
+            <a:pPr lvl="1"/>
+            <a:r>
+              <a:rPr lang="en-US" dirty="0"/>
+              <a:t>Fundamental properties of stationary time series   </a:t>
+            </a:r>
+            <a:endParaRPr dirty="0"/>
+          </a:p>
+          <a:p>
+            <a:pPr lvl="0"/>
+            <a:r>
+              <a:rPr dirty="0"/>
+              <a:t>Differencing to transform to stationarity</a:t>
+            </a:r>
+          </a:p>
+          <a:p>
+            <a:pPr lvl="1"/>
+            <a:r>
+              <a:rPr dirty="0"/>
+              <a:t>Seasonal differencing</a:t>
+            </a:r>
+          </a:p>
+          <a:p>
+            <a:pPr lvl="1"/>
+            <a:r>
+              <a:rPr dirty="0"/>
+              <a:t>Non-seasonal differencing</a:t>
+            </a:r>
+          </a:p>
+          <a:p>
+            <a:pPr lvl="0"/>
+            <a:r>
+              <a:rPr dirty="0"/>
+              <a:t>Stationarity </a:t>
+            </a:r>
+            <a:r>
+              <a:rPr lang="en-US" dirty="0"/>
+              <a:t>tests </a:t>
+            </a:r>
+            <a:endParaRPr dirty="0"/>
+          </a:p>
+          <a:p>
+            <a:pPr lvl="1"/>
+            <a:r>
+              <a:rPr dirty="0"/>
+              <a:t>augmented Dicky-Fuller test</a:t>
+            </a:r>
+          </a:p>
+          <a:p>
+            <a:pPr lvl="1"/>
+            <a:r>
+              <a:rPr dirty="0"/>
+              <a:t>KPSS test</a:t>
+            </a:r>
+          </a:p>
+        </p:txBody>
+      </p:sp>
+    </p:spTree>
+  </p:cSld>
+  <p:clrMapOvr>
+    <a:masterClrMapping/>
+  </p:clrMapOvr>
+</p:sld>
+</file>
+
+<file path=ppt/slides/slide50.xml><?xml version="1.0" encoding="utf-8"?>
 <p:sld xmlns:a="http://schemas.openxmlformats.org/drawingml/2006/main" xmlns:r="http://schemas.openxmlformats.org/officeDocument/2006/relationships" xmlns:p="http://schemas.openxmlformats.org/presentationml/2006/main">
   <p:cSld>
     <p:spTree>
@@ -31172,7 +31819,7 @@
 </p:sld>
 </file>
 
-<file path=ppt/slides/slide52.xml><?xml version="1.0" encoding="utf-8"?>
+<file path=ppt/slides/slide51.xml><?xml version="1.0" encoding="utf-8"?>
 <p:sld xmlns:a="http://schemas.openxmlformats.org/drawingml/2006/main" xmlns:r="http://schemas.openxmlformats.org/officeDocument/2006/relationships" xmlns:p="http://schemas.openxmlformats.org/presentationml/2006/main">
   <p:cSld>
     <p:spTree>
@@ -31331,7 +31978,7 @@
 </p:sld>
 </file>
 
-<file path=ppt/slides/slide53.xml><?xml version="1.0" encoding="utf-8"?>
+<file path=ppt/slides/slide52.xml><?xml version="1.0" encoding="utf-8"?>
 <p:sld xmlns:a="http://schemas.openxmlformats.org/drawingml/2006/main" xmlns:r="http://schemas.openxmlformats.org/officeDocument/2006/relationships" xmlns:p="http://schemas.openxmlformats.org/presentationml/2006/main">
   <p:cSld>
     <p:spTree>
@@ -31404,6 +32051,11 @@
               <a:rPr dirty="0"/>
               <a:t> well suited for some business forecasting</a:t>
             </a:r>
+            <a:r>
+              <a:rPr lang="en-US" dirty="0"/>
+              <a:t> problems</a:t>
+            </a:r>
+            <a:endParaRPr dirty="0"/>
           </a:p>
           <a:p>
             <a:pPr lvl="0"/>
@@ -31487,7 +32139,7 @@
 </p:sld>
 </file>
 
-<file path=ppt/slides/slide54.xml><?xml version="1.0" encoding="utf-8"?>
+<file path=ppt/slides/slide53.xml><?xml version="1.0" encoding="utf-8"?>
 <p:sld xmlns:a="http://schemas.openxmlformats.org/drawingml/2006/main" xmlns:r="http://schemas.openxmlformats.org/officeDocument/2006/relationships" xmlns:p="http://schemas.openxmlformats.org/presentationml/2006/main">
   <p:cSld>
     <p:spTree>
@@ -31912,7 +32564,21 @@
                         <a:latin typeface="Cambria Math" panose="02040503050406030204" pitchFamily="18" charset="0"/>
                         <a:ea typeface="Cambria Math" panose="02040503050406030204" pitchFamily="18" charset="0"/>
                       </a:rPr>
-                      <m:t>−</m:t>
+                      <m:t> </m:t>
+                    </m:r>
+                    <m:r>
+                      <a:rPr lang="en-US" b="0" i="1" smtClean="0">
+                        <a:latin typeface="Cambria Math" panose="02040503050406030204" pitchFamily="18" charset="0"/>
+                        <a:ea typeface="Cambria Math" panose="02040503050406030204" pitchFamily="18" charset="0"/>
+                      </a:rPr>
+                      <m:t>𝑡𝑜</m:t>
+                    </m:r>
+                    <m:r>
+                      <a:rPr lang="en-US" b="0" i="1" smtClean="0">
+                        <a:latin typeface="Cambria Math" panose="02040503050406030204" pitchFamily="18" charset="0"/>
+                        <a:ea typeface="Cambria Math" panose="02040503050406030204" pitchFamily="18" charset="0"/>
+                      </a:rPr>
+                      <m:t> </m:t>
                     </m:r>
                     <m:r>
                       <a:rPr lang="en-US" b="0" i="1" smtClean="0">
@@ -31931,7 +32597,15 @@
               <a:p>
                 <a:r>
                   <a:rPr lang="en-US" dirty="0"/>
-                  <a:t>Example; a time series with hourly (period=24) and daily (period=7*24=168), the harmonics are written </a:t>
+                  <a:t>Example; a time series with hourly (period=24) and day of the week (period=</a:t>
+                </a:r>
+                <a:r>
+                  <a:rPr lang="en-US"/>
+                  <a:t>7*24=168) periods, </a:t>
+                </a:r>
+                <a:r>
+                  <a:rPr lang="en-US" dirty="0"/>
+                  <a:t>the harmonics are written </a:t>
                 </a:r>
               </a:p>
               <a:p>
@@ -32485,7 +33159,7 @@
               <a:blipFill>
                 <a:blip r:embed="rId2"/>
                 <a:stretch>
-                  <a:fillRect l="-444" t="-1964"/>
+                  <a:fillRect l="-444" t="-1964" r="-296"/>
                 </a:stretch>
               </a:blipFill>
             </p:spPr>
@@ -32517,7 +33191,7 @@
 </p:sld>
 </file>
 
-<file path=ppt/slides/slide55.xml><?xml version="1.0" encoding="utf-8"?>
+<file path=ppt/slides/slide54.xml><?xml version="1.0" encoding="utf-8"?>
 <p:sld xmlns:a="http://schemas.openxmlformats.org/drawingml/2006/main" xmlns:r="http://schemas.openxmlformats.org/officeDocument/2006/relationships" xmlns:p="http://schemas.openxmlformats.org/presentationml/2006/main">
   <p:cSld>
     <p:spTree>
@@ -32649,7 +33323,7 @@
 </p:sld>
 </file>
 
-<file path=ppt/slides/slide56.xml><?xml version="1.0" encoding="utf-8"?>
+<file path=ppt/slides/slide55.xml><?xml version="1.0" encoding="utf-8"?>
 <p:sld xmlns:a="http://schemas.openxmlformats.org/drawingml/2006/main" xmlns:r="http://schemas.openxmlformats.org/officeDocument/2006/relationships" xmlns:p="http://schemas.openxmlformats.org/presentationml/2006/main">
   <p:cSld>
     <p:spTree>
@@ -32948,7 +33622,7 @@
 </p:sld>
 </file>
 
-<file path=ppt/slides/slide57.xml><?xml version="1.0" encoding="utf-8"?>
+<file path=ppt/slides/slide56.xml><?xml version="1.0" encoding="utf-8"?>
 <p:sld xmlns:a="http://schemas.openxmlformats.org/drawingml/2006/main" xmlns:r="http://schemas.openxmlformats.org/officeDocument/2006/relationships" xmlns:p="http://schemas.openxmlformats.org/presentationml/2006/main">
   <p:cSld>
     <p:spTree>
@@ -33089,7 +33763,7 @@
 </p:sld>
 </file>
 
-<file path=ppt/slides/slide58.xml><?xml version="1.0" encoding="utf-8"?>
+<file path=ppt/slides/slide57.xml><?xml version="1.0" encoding="utf-8"?>
 <p:sld xmlns:a="http://schemas.openxmlformats.org/drawingml/2006/main" xmlns:r="http://schemas.openxmlformats.org/officeDocument/2006/relationships" xmlns:p="http://schemas.openxmlformats.org/presentationml/2006/main">
   <p:cSld>
     <p:spTree>
@@ -33184,7 +33858,7 @@
 </p:sld>
 </file>
 
-<file path=ppt/slides/slide59.xml><?xml version="1.0" encoding="utf-8"?>
+<file path=ppt/slides/slide58.xml><?xml version="1.0" encoding="utf-8"?>
 <p:sld xmlns:a="http://schemas.openxmlformats.org/drawingml/2006/main" xmlns:r="http://schemas.openxmlformats.org/officeDocument/2006/relationships" xmlns:p="http://schemas.openxmlformats.org/presentationml/2006/main">
   <p:cSld>
     <p:spTree>
@@ -33451,193 +34125,7 @@
 </p:sld>
 </file>
 
-<file path=ppt/slides/slide6.xml><?xml version="1.0" encoding="utf-8"?>
-<p:sld xmlns:a="http://schemas.openxmlformats.org/drawingml/2006/main" xmlns:r="http://schemas.openxmlformats.org/officeDocument/2006/relationships" xmlns:p="http://schemas.openxmlformats.org/presentationml/2006/main">
-  <p:cSld>
-    <p:spTree>
-      <p:nvGrpSpPr>
-        <p:cNvPr id="1" name=""/>
-        <p:cNvGrpSpPr/>
-        <p:nvPr/>
-      </p:nvGrpSpPr>
-      <p:grpSpPr>
-        <a:xfrm>
-          <a:off x="0" y="0"/>
-          <a:ext cx="0" cy="0"/>
-          <a:chOff x="0" y="0"/>
-          <a:chExt cx="0" cy="0"/>
-        </a:xfrm>
-      </p:grpSpPr>
-      <p:sp>
-        <p:nvSpPr>
-          <p:cNvPr id="2" name="Title 1"/>
-          <p:cNvSpPr>
-            <a:spLocks noGrp="1"/>
-          </p:cNvSpPr>
-          <p:nvPr>
-            <p:ph type="title"/>
-          </p:nvPr>
-        </p:nvSpPr>
-        <p:spPr/>
-        <p:txBody>
-          <a:bodyPr/>
-          <a:lstStyle/>
-          <a:p>
-            <a:pPr marL="0" lvl="0" indent="0">
-              <a:buNone/>
-            </a:pPr>
-            <a:r>
-              <a:t>Time Series Forecasting Models</a:t>
-            </a:r>
-          </a:p>
-        </p:txBody>
-      </p:sp>
-      <p:sp>
-        <p:nvSpPr>
-          <p:cNvPr id="3" name="Content Placeholder 2"/>
-          <p:cNvSpPr>
-            <a:spLocks noGrp="1"/>
-          </p:cNvSpPr>
-          <p:nvPr>
-            <p:ph idx="1"/>
-          </p:nvPr>
-        </p:nvSpPr>
-        <p:spPr>
-          <a:xfrm>
-            <a:off x="457200" y="1200150"/>
-            <a:ext cx="8229600" cy="3600449"/>
-          </a:xfrm>
-        </p:spPr>
-        <p:txBody>
-          <a:bodyPr>
-            <a:normAutofit fontScale="85000" lnSpcReduction="20000"/>
-          </a:bodyPr>
-          <a:lstStyle/>
-          <a:p>
-            <a:pPr marL="0" lvl="0" indent="0">
-              <a:buNone/>
-            </a:pPr>
-            <a:r>
-              <a:rPr b="1" dirty="0"/>
-              <a:t>Forecasting</a:t>
-            </a:r>
-            <a:r>
-              <a:rPr dirty="0"/>
-              <a:t> is the </a:t>
-            </a:r>
-            <a:r>
-              <a:rPr lang="en-US" dirty="0"/>
-              <a:t>goal of much of time series analysis</a:t>
-            </a:r>
-            <a:endParaRPr dirty="0"/>
-          </a:p>
-          <a:p>
-            <a:pPr lvl="0"/>
-            <a:r>
-              <a:rPr lang="en-US" dirty="0"/>
-              <a:t>Forecasting models attempt to predict future values conditional on past observations </a:t>
-            </a:r>
-          </a:p>
-          <a:p>
-            <a:pPr lvl="0"/>
-            <a:r>
-              <a:rPr lang="en-US" dirty="0"/>
-              <a:t>Here, we focus on </a:t>
-            </a:r>
-            <a:r>
-              <a:rPr dirty="0"/>
-              <a:t>ARIMA and SARIMAX models</a:t>
-            </a:r>
-            <a:r>
-              <a:rPr lang="en-US" dirty="0"/>
-              <a:t> </a:t>
-            </a:r>
-          </a:p>
-          <a:p>
-            <a:pPr lvl="1"/>
-            <a:r>
-              <a:rPr lang="en-US" dirty="0"/>
-              <a:t>Models support inference</a:t>
-            </a:r>
-          </a:p>
-          <a:p>
-            <a:pPr lvl="1"/>
-            <a:r>
-              <a:rPr lang="en-US" dirty="0"/>
-              <a:t>Work for many nonstationary time series </a:t>
-            </a:r>
-          </a:p>
-          <a:p>
-            <a:pPr lvl="0"/>
-            <a:r>
-              <a:rPr lang="en-US" dirty="0"/>
-              <a:t>Many alternatives  </a:t>
-            </a:r>
-          </a:p>
-          <a:p>
-            <a:pPr lvl="1"/>
-            <a:r>
-              <a:rPr lang="en-US" dirty="0"/>
-              <a:t>Expert judgement or subjective forecasting is widely applied, e.g. an experienced purchasing manager</a:t>
-            </a:r>
-          </a:p>
-          <a:p>
-            <a:pPr lvl="1"/>
-            <a:r>
-              <a:rPr lang="en-US" dirty="0"/>
-              <a:t>Exponential smoothing Holt-Winters models create robust </a:t>
-            </a:r>
-            <a:r>
-              <a:rPr lang="en-US" dirty="0" err="1"/>
-              <a:t>forcasts</a:t>
-            </a:r>
-            <a:r>
-              <a:rPr lang="en-US" dirty="0"/>
-              <a:t>; see Chapter 7 of </a:t>
-            </a:r>
-            <a:r>
-              <a:rPr lang="en-US" dirty="0">
-                <a:hlinkClick r:id="rId2"/>
-              </a:rPr>
-              <a:t>Hyndman and </a:t>
-            </a:r>
-            <a:r>
-              <a:rPr lang="en-US" dirty="0" err="1">
-                <a:hlinkClick r:id="rId2"/>
-              </a:rPr>
-              <a:t>Athanaosopoulos</a:t>
-            </a:r>
-            <a:r>
-              <a:rPr lang="en-US" dirty="0">
-                <a:hlinkClick r:id="rId2"/>
-              </a:rPr>
-              <a:t>, 3rd edition</a:t>
-            </a:r>
-            <a:endParaRPr lang="en-US" dirty="0"/>
-          </a:p>
-          <a:p>
-            <a:pPr lvl="1"/>
-            <a:r>
-              <a:rPr lang="en-US" dirty="0"/>
-              <a:t>To date, LSTM models and LLM models, have not been shown to provide significantly better forecasts than conventional models  </a:t>
-            </a:r>
-            <a:endParaRPr dirty="0"/>
-          </a:p>
-          <a:p>
-            <a:pPr lvl="0"/>
-            <a:endParaRPr dirty="0"/>
-          </a:p>
-        </p:txBody>
-      </p:sp>
-    </p:spTree>
-  </p:cSld>
-  <p:clrMapOvr>
-    <a:masterClrMapping/>
-  </p:clrMapOvr>
-</p:sld>
-</file>
-
-<file path=ppt/slides/slide60.xml><?xml version="1.0" encoding="utf-8"?>
+<file path=ppt/slides/slide59.xml><?xml version="1.0" encoding="utf-8"?>
 <p:sld xmlns:a="http://schemas.openxmlformats.org/drawingml/2006/main" xmlns:r="http://schemas.openxmlformats.org/officeDocument/2006/relationships" xmlns:p="http://schemas.openxmlformats.org/presentationml/2006/main">
   <p:cSld>
     <p:spTree>
@@ -33915,7 +34403,193 @@
 </p:sld>
 </file>
 
-<file path=ppt/slides/slide61.xml><?xml version="1.0" encoding="utf-8"?>
+<file path=ppt/slides/slide6.xml><?xml version="1.0" encoding="utf-8"?>
+<p:sld xmlns:a="http://schemas.openxmlformats.org/drawingml/2006/main" xmlns:r="http://schemas.openxmlformats.org/officeDocument/2006/relationships" xmlns:p="http://schemas.openxmlformats.org/presentationml/2006/main">
+  <p:cSld>
+    <p:spTree>
+      <p:nvGrpSpPr>
+        <p:cNvPr id="1" name=""/>
+        <p:cNvGrpSpPr/>
+        <p:nvPr/>
+      </p:nvGrpSpPr>
+      <p:grpSpPr>
+        <a:xfrm>
+          <a:off x="0" y="0"/>
+          <a:ext cx="0" cy="0"/>
+          <a:chOff x="0" y="0"/>
+          <a:chExt cx="0" cy="0"/>
+        </a:xfrm>
+      </p:grpSpPr>
+      <p:sp>
+        <p:nvSpPr>
+          <p:cNvPr id="2" name="Title 1"/>
+          <p:cNvSpPr>
+            <a:spLocks noGrp="1"/>
+          </p:cNvSpPr>
+          <p:nvPr>
+            <p:ph type="title"/>
+          </p:nvPr>
+        </p:nvSpPr>
+        <p:spPr/>
+        <p:txBody>
+          <a:bodyPr/>
+          <a:lstStyle/>
+          <a:p>
+            <a:pPr marL="0" lvl="0" indent="0">
+              <a:buNone/>
+            </a:pPr>
+            <a:r>
+              <a:t>Time Series Forecasting Models</a:t>
+            </a:r>
+          </a:p>
+        </p:txBody>
+      </p:sp>
+      <p:sp>
+        <p:nvSpPr>
+          <p:cNvPr id="3" name="Content Placeholder 2"/>
+          <p:cNvSpPr>
+            <a:spLocks noGrp="1"/>
+          </p:cNvSpPr>
+          <p:nvPr>
+            <p:ph idx="1"/>
+          </p:nvPr>
+        </p:nvSpPr>
+        <p:spPr>
+          <a:xfrm>
+            <a:off x="457200" y="1200150"/>
+            <a:ext cx="8229600" cy="3600449"/>
+          </a:xfrm>
+        </p:spPr>
+        <p:txBody>
+          <a:bodyPr>
+            <a:normAutofit fontScale="85000" lnSpcReduction="20000"/>
+          </a:bodyPr>
+          <a:lstStyle/>
+          <a:p>
+            <a:pPr marL="0" lvl="0" indent="0">
+              <a:buNone/>
+            </a:pPr>
+            <a:r>
+              <a:rPr b="1" dirty="0"/>
+              <a:t>Forecasting</a:t>
+            </a:r>
+            <a:r>
+              <a:rPr dirty="0"/>
+              <a:t> is the </a:t>
+            </a:r>
+            <a:r>
+              <a:rPr lang="en-US" dirty="0"/>
+              <a:t>goal of much of time series analysis</a:t>
+            </a:r>
+            <a:endParaRPr dirty="0"/>
+          </a:p>
+          <a:p>
+            <a:pPr lvl="0"/>
+            <a:r>
+              <a:rPr lang="en-US" dirty="0"/>
+              <a:t>Forecasting models attempt to predict future values conditional on past observations </a:t>
+            </a:r>
+          </a:p>
+          <a:p>
+            <a:pPr lvl="0"/>
+            <a:r>
+              <a:rPr lang="en-US" dirty="0"/>
+              <a:t>Here, we focus on </a:t>
+            </a:r>
+            <a:r>
+              <a:rPr dirty="0"/>
+              <a:t>ARIMA and SARIMAX models</a:t>
+            </a:r>
+            <a:r>
+              <a:rPr lang="en-US" dirty="0"/>
+              <a:t> </a:t>
+            </a:r>
+          </a:p>
+          <a:p>
+            <a:pPr lvl="1"/>
+            <a:r>
+              <a:rPr lang="en-US" dirty="0"/>
+              <a:t>Models support inference</a:t>
+            </a:r>
+          </a:p>
+          <a:p>
+            <a:pPr lvl="1"/>
+            <a:r>
+              <a:rPr lang="en-US" dirty="0"/>
+              <a:t>Work for many nonstationary time series </a:t>
+            </a:r>
+          </a:p>
+          <a:p>
+            <a:pPr lvl="0"/>
+            <a:r>
+              <a:rPr lang="en-US" dirty="0"/>
+              <a:t>Many alternatives  </a:t>
+            </a:r>
+          </a:p>
+          <a:p>
+            <a:pPr lvl="1"/>
+            <a:r>
+              <a:rPr lang="en-US" dirty="0"/>
+              <a:t>Expert judgement or subjective forecasting is widely applied, e.g. an experienced purchasing manager</a:t>
+            </a:r>
+          </a:p>
+          <a:p>
+            <a:pPr lvl="1"/>
+            <a:r>
+              <a:rPr lang="en-US" dirty="0"/>
+              <a:t>Exponential smoothing Holt-Winters models create robust </a:t>
+            </a:r>
+            <a:r>
+              <a:rPr lang="en-US" dirty="0" err="1"/>
+              <a:t>forcasts</a:t>
+            </a:r>
+            <a:r>
+              <a:rPr lang="en-US" dirty="0"/>
+              <a:t>; see Chapter 7 of </a:t>
+            </a:r>
+            <a:r>
+              <a:rPr lang="en-US" dirty="0">
+                <a:hlinkClick r:id="rId2"/>
+              </a:rPr>
+              <a:t>Hyndman and </a:t>
+            </a:r>
+            <a:r>
+              <a:rPr lang="en-US" dirty="0" err="1">
+                <a:hlinkClick r:id="rId2"/>
+              </a:rPr>
+              <a:t>Athanaosopoulos</a:t>
+            </a:r>
+            <a:r>
+              <a:rPr lang="en-US" dirty="0">
+                <a:hlinkClick r:id="rId2"/>
+              </a:rPr>
+              <a:t>, 3rd edition</a:t>
+            </a:r>
+            <a:endParaRPr lang="en-US" dirty="0"/>
+          </a:p>
+          <a:p>
+            <a:pPr lvl="1"/>
+            <a:r>
+              <a:rPr lang="en-US" dirty="0"/>
+              <a:t>To date, LSTM models and LLM models, have not been shown to provide significantly better forecasts than conventional models  </a:t>
+            </a:r>
+            <a:endParaRPr dirty="0"/>
+          </a:p>
+          <a:p>
+            <a:pPr lvl="0"/>
+            <a:endParaRPr dirty="0"/>
+          </a:p>
+        </p:txBody>
+      </p:sp>
+    </p:spTree>
+  </p:cSld>
+  <p:clrMapOvr>
+    <a:masterClrMapping/>
+  </p:clrMapOvr>
+</p:sld>
+</file>
+
+<file path=ppt/slides/slide60.xml><?xml version="1.0" encoding="utf-8"?>
 <p:sld xmlns:a="http://schemas.openxmlformats.org/drawingml/2006/main" xmlns:r="http://schemas.openxmlformats.org/officeDocument/2006/relationships" xmlns:p="http://schemas.openxmlformats.org/presentationml/2006/main">
   <p:cSld>
     <p:spTree>
@@ -34143,7 +34817,7 @@
 </p:sld>
 </file>
 
-<file path=ppt/slides/slide62.xml><?xml version="1.0" encoding="utf-8"?>
+<file path=ppt/slides/slide61.xml><?xml version="1.0" encoding="utf-8"?>
 <p:sld xmlns:a="http://schemas.openxmlformats.org/drawingml/2006/main" xmlns:r="http://schemas.openxmlformats.org/officeDocument/2006/relationships" xmlns:p="http://schemas.openxmlformats.org/presentationml/2006/main">
   <p:cSld>
     <p:spTree>
@@ -34426,7 +35100,7 @@
 </p:sld>
 </file>
 
-<file path=ppt/slides/slide63.xml><?xml version="1.0" encoding="utf-8"?>
+<file path=ppt/slides/slide62.xml><?xml version="1.0" encoding="utf-8"?>
 <p:sld xmlns:a="http://schemas.openxmlformats.org/drawingml/2006/main" xmlns:r="http://schemas.openxmlformats.org/officeDocument/2006/relationships" xmlns:p="http://schemas.openxmlformats.org/presentationml/2006/main">
   <p:cSld>
     <p:spTree>
@@ -35058,7 +35732,12 @@
             <p:ph idx="1"/>
           </p:nvPr>
         </p:nvSpPr>
-        <p:spPr/>
+        <p:spPr>
+          <a:xfrm>
+            <a:off x="457200" y="1200151"/>
+            <a:ext cx="8229600" cy="3737370"/>
+          </a:xfrm>
+        </p:spPr>
         <p:txBody>
           <a:bodyPr>
             <a:normAutofit fontScale="85000" lnSpcReduction="20000"/>
@@ -35150,7 +35829,15 @@
             <a:pPr lvl="1"/>
             <a:r>
               <a:rPr dirty="0"/>
-              <a:t>Example; effect arising from factors not incorporated in endogenous variable</a:t>
+              <a:t>Example; effect arising from </a:t>
+            </a:r>
+            <a:r>
+              <a:rPr lang="en-US" dirty="0"/>
+              <a:t>independent </a:t>
+            </a:r>
+            <a:r>
+              <a:rPr dirty="0"/>
+              <a:t>factors not incorporated in endogenous variable</a:t>
             </a:r>
           </a:p>
         </p:txBody>

--- a/LectureSlides/12_IntroductionToTimeSeriesForecasting.pptx
+++ b/LectureSlides/12_IntroductionToTimeSeriesForecasting.pptx
@@ -62,11 +62,6 @@
     <p:sldId id="301" r:id="rId56"/>
     <p:sldId id="351" r:id="rId57"/>
     <p:sldId id="302" r:id="rId58"/>
-    <p:sldId id="303" r:id="rId59"/>
-    <p:sldId id="304" r:id="rId60"/>
-    <p:sldId id="305" r:id="rId61"/>
-    <p:sldId id="306" r:id="rId62"/>
-    <p:sldId id="307" r:id="rId63"/>
   </p:sldIdLst>
   <p:sldSz cx="9144000" cy="5143500" type="screen16x9"/>
   <p:notesSz cx="6858000" cy="9144000"/>
@@ -32597,15 +32592,7 @@
               <a:p>
                 <a:r>
                   <a:rPr lang="en-US" dirty="0"/>
-                  <a:t>Example; a time series with hourly (period=24) and day of the week (period=</a:t>
-                </a:r>
-                <a:r>
-                  <a:rPr lang="en-US"/>
-                  <a:t>7*24=168) periods, </a:t>
-                </a:r>
-                <a:r>
-                  <a:rPr lang="en-US" dirty="0"/>
-                  <a:t>the harmonics are written </a:t>
+                  <a:t>Example; a time series with hourly (period=24) and day of the week (period=7*24=168) periods, the harmonics are written </a:t>
                 </a:r>
               </a:p>
               <a:p>
@@ -33262,6 +33249,11 @@
               <a:rPr dirty="0"/>
               <a:t> well suited for some business forecasting</a:t>
             </a:r>
+            <a:r>
+              <a:rPr lang="en-US" dirty="0"/>
+              <a:t> problems</a:t>
+            </a:r>
+            <a:endParaRPr dirty="0"/>
           </a:p>
           <a:p>
             <a:pPr lvl="0"/>
@@ -33858,551 +33850,6 @@
 </p:sld>
 </file>
 
-<file path=ppt/slides/slide58.xml><?xml version="1.0" encoding="utf-8"?>
-<p:sld xmlns:a="http://schemas.openxmlformats.org/drawingml/2006/main" xmlns:r="http://schemas.openxmlformats.org/officeDocument/2006/relationships" xmlns:p="http://schemas.openxmlformats.org/presentationml/2006/main">
-  <p:cSld>
-    <p:spTree>
-      <p:nvGrpSpPr>
-        <p:cNvPr id="1" name=""/>
-        <p:cNvGrpSpPr/>
-        <p:nvPr/>
-      </p:nvGrpSpPr>
-      <p:grpSpPr>
-        <a:xfrm>
-          <a:off x="0" y="0"/>
-          <a:ext cx="0" cy="0"/>
-          <a:chOff x="0" y="0"/>
-          <a:chExt cx="0" cy="0"/>
-        </a:xfrm>
-      </p:grpSpPr>
-      <p:sp>
-        <p:nvSpPr>
-          <p:cNvPr id="2" name="Title 1"/>
-          <p:cNvSpPr>
-            <a:spLocks noGrp="1"/>
-          </p:cNvSpPr>
-          <p:nvPr>
-            <p:ph type="title"/>
-          </p:nvPr>
-        </p:nvSpPr>
-        <p:spPr/>
-        <p:txBody>
-          <a:bodyPr/>
-          <a:lstStyle/>
-          <a:p>
-            <a:pPr marL="0" lvl="0" indent="0">
-              <a:buNone/>
-            </a:pPr>
-            <a:r>
-              <a:t>Exponential Smoothing Models</a:t>
-            </a:r>
-          </a:p>
-        </p:txBody>
-      </p:sp>
-      <mc:AlternateContent xmlns:mc="http://schemas.openxmlformats.org/markup-compatibility/2006" xmlns:a14="http://schemas.microsoft.com/office/drawing/2010/main">
-        <mc:Choice Requires="a14">
-          <p:sp>
-            <p:nvSpPr>
-              <p:cNvPr id="3" name="Content Placeholder 2"/>
-              <p:cNvSpPr>
-                <a:spLocks noGrp="1"/>
-              </p:cNvSpPr>
-              <p:nvPr>
-                <p:ph idx="1"/>
-              </p:nvPr>
-            </p:nvSpPr>
-            <p:spPr/>
-            <p:txBody>
-              <a:bodyPr>
-                <a:normAutofit fontScale="70000" lnSpcReduction="20000"/>
-              </a:bodyPr>
-              <a:lstStyle/>
-              <a:p>
-                <a:pPr marL="0" lvl="0" indent="0">
-                  <a:buNone/>
-                </a:pPr>
-                <a:r>
-                  <a:rPr>
-                    <a:hlinkClick r:id="rId2"/>
-                  </a:rPr>
-                  <a:t>Exponential smoothing models</a:t>
-                </a:r>
-                <a:r>
-                  <a:t> are simple and widely used</a:t>
-                </a:r>
-              </a:p>
-              <a:p>
-                <a:pPr lvl="0"/>
-                <a:r>
-                  <a:t>Consider the simple first order model</a:t>
-                </a:r>
-                <a:br/>
-                <a:endParaRPr/>
-              </a:p>
-              <a:p>
-                <a:pPr lvl="0"/>
-                <a:r>
-                  <a:t>Set initial conditions:</a:t>
-                </a:r>
-              </a:p>
-              <a:p>
-                <a:pPr marL="0" lvl="0" indent="0">
-                  <a:buNone/>
-                </a:pPr>
-                <a14:m>
-                  <m:oMathPara xmlns:m="http://schemas.openxmlformats.org/officeDocument/2006/math">
-                    <m:oMathParaPr>
-                      <m:jc m:val="center"/>
-                    </m:oMathParaPr>
-                    <m:oMath xmlns:m="http://schemas.openxmlformats.org/officeDocument/2006/math">
-                      <m:sSub>
-                        <m:sSubPr>
-                          <m:ctrlPr>
-                            <a:rPr i="1">
-                              <a:latin typeface="Cambria Math" panose="02040503050406030204" pitchFamily="18" charset="0"/>
-                            </a:rPr>
-                          </m:ctrlPr>
-                        </m:sSubPr>
-                        <m:e>
-                          <m:r>
-                            <a:rPr>
-                              <a:latin typeface="Cambria Math" panose="02040503050406030204" pitchFamily="18" charset="0"/>
-                            </a:rPr>
-                            <m:t>𝑠</m:t>
-                          </m:r>
-                        </m:e>
-                        <m:sub>
-                          <m:r>
-                            <a:rPr>
-                              <a:latin typeface="Cambria Math" panose="02040503050406030204" pitchFamily="18" charset="0"/>
-                            </a:rPr>
-                            <m:t>0</m:t>
-                          </m:r>
-                        </m:sub>
-                      </m:sSub>
-                      <m:r>
-                        <a:rPr>
-                          <a:latin typeface="Cambria Math" panose="02040503050406030204" pitchFamily="18" charset="0"/>
-                        </a:rPr>
-                        <m:t>=</m:t>
-                      </m:r>
-                      <m:sSub>
-                        <m:sSubPr>
-                          <m:ctrlPr>
-                            <a:rPr i="1">
-                              <a:latin typeface="Cambria Math" panose="02040503050406030204" pitchFamily="18" charset="0"/>
-                            </a:rPr>
-                          </m:ctrlPr>
-                        </m:sSubPr>
-                        <m:e>
-                          <m:r>
-                            <a:rPr>
-                              <a:latin typeface="Cambria Math" panose="02040503050406030204" pitchFamily="18" charset="0"/>
-                            </a:rPr>
-                            <m:t>𝑦</m:t>
-                          </m:r>
-                        </m:e>
-                        <m:sub>
-                          <m:r>
-                            <a:rPr>
-                              <a:latin typeface="Cambria Math" panose="02040503050406030204" pitchFamily="18" charset="0"/>
-                            </a:rPr>
-                            <m:t>0</m:t>
-                          </m:r>
-                        </m:sub>
-                      </m:sSub>
-                    </m:oMath>
-                  </m:oMathPara>
-                </a14:m>
-                <a:endParaRPr/>
-              </a:p>
-              <a:p>
-                <a:pPr lvl="0"/>
-                <a:r>
-                  <a:t>The smoothed update is:</a:t>
-                </a:r>
-              </a:p>
-              <a:p>
-                <a:pPr marL="0" lvl="0" indent="0">
-                  <a:buNone/>
-                </a:pPr>
-                <a:r>
-                  <a:t>$$ s_t = \alpha y_t + (1-\alpha) s_{t-1}\\ 
-= s_{t-1} \alpha(y_t - s_{t-1}),\\ 
-t \gt 0 $$</a:t>
-                </a:r>
-              </a:p>
-              <a:p>
-                <a:pPr lvl="0"/>
-                <a:r>
-                  <a:t>And, the smoothing coefficient is, </a:t>
-                </a:r>
-                <a14:m>
-                  <m:oMath xmlns:m="http://schemas.openxmlformats.org/officeDocument/2006/math">
-                    <m:r>
-                      <a:rPr>
-                        <a:latin typeface="Cambria Math" panose="02040503050406030204" pitchFamily="18" charset="0"/>
-                      </a:rPr>
-                      <m:t>0</m:t>
-                    </m:r>
-                    <m:r>
-                      <a:rPr>
-                        <a:latin typeface="Cambria Math" panose="02040503050406030204" pitchFamily="18" charset="0"/>
-                      </a:rPr>
-                      <m:t>≤</m:t>
-                    </m:r>
-                    <m:r>
-                      <a:rPr>
-                        <a:latin typeface="Cambria Math" panose="02040503050406030204" pitchFamily="18" charset="0"/>
-                      </a:rPr>
-                      <m:t>𝛼</m:t>
-                    </m:r>
-                    <m:r>
-                      <a:rPr>
-                        <a:latin typeface="Cambria Math" panose="02040503050406030204" pitchFamily="18" charset="0"/>
-                      </a:rPr>
-                      <m:t>≤</m:t>
-                    </m:r>
-                    <m:r>
-                      <a:rPr>
-                        <a:latin typeface="Cambria Math" panose="02040503050406030204" pitchFamily="18" charset="0"/>
-                      </a:rPr>
-                      <m:t>1</m:t>
-                    </m:r>
-                  </m:oMath>
-                </a14:m>
-                <a:br/>
-                <a:endParaRPr/>
-              </a:p>
-              <a:p>
-                <a:pPr lvl="0"/>
-                <a:r>
-                  <a:t>But, model only works if no trend</a:t>
-                </a:r>
-              </a:p>
-            </p:txBody>
-          </p:sp>
-        </mc:Choice>
-        <mc:Fallback xmlns="">
-          <p:sp>
-            <p:nvSpPr>
-              <p:cNvPr id="3" name="Content Placeholder 2"/>
-              <p:cNvSpPr>
-                <a:spLocks noGrp="1" noRot="1" noChangeAspect="1" noMove="1" noResize="1" noEditPoints="1" noAdjustHandles="1" noChangeArrowheads="1" noChangeShapeType="1" noTextEdit="1"/>
-              </p:cNvSpPr>
-              <p:nvPr>
-                <p:ph idx="1"/>
-              </p:nvPr>
-            </p:nvSpPr>
-            <p:spPr>
-              <a:blipFill>
-                <a:blip r:embed="rId3"/>
-                <a:stretch>
-                  <a:fillRect l="-444" t="-1975"/>
-                </a:stretch>
-              </a:blipFill>
-            </p:spPr>
-            <p:txBody>
-              <a:bodyPr/>
-              <a:lstStyle/>
-              <a:p>
-                <a:r>
-                  <a:rPr lang="en-US">
-                    <a:noFill/>
-                  </a:rPr>
-                  <a:t> </a:t>
-                </a:r>
-              </a:p>
-            </p:txBody>
-          </p:sp>
-        </mc:Fallback>
-      </mc:AlternateContent>
-    </p:spTree>
-  </p:cSld>
-  <p:clrMapOvr>
-    <a:masterClrMapping/>
-  </p:clrMapOvr>
-</p:sld>
-</file>
-
-<file path=ppt/slides/slide59.xml><?xml version="1.0" encoding="utf-8"?>
-<p:sld xmlns:a="http://schemas.openxmlformats.org/drawingml/2006/main" xmlns:r="http://schemas.openxmlformats.org/officeDocument/2006/relationships" xmlns:p="http://schemas.openxmlformats.org/presentationml/2006/main">
-  <p:cSld>
-    <p:spTree>
-      <p:nvGrpSpPr>
-        <p:cNvPr id="1" name=""/>
-        <p:cNvGrpSpPr/>
-        <p:nvPr/>
-      </p:nvGrpSpPr>
-      <p:grpSpPr>
-        <a:xfrm>
-          <a:off x="0" y="0"/>
-          <a:ext cx="0" cy="0"/>
-          <a:chOff x="0" y="0"/>
-          <a:chExt cx="0" cy="0"/>
-        </a:xfrm>
-      </p:grpSpPr>
-      <p:sp>
-        <p:nvSpPr>
-          <p:cNvPr id="2" name="Title 1"/>
-          <p:cNvSpPr>
-            <a:spLocks noGrp="1"/>
-          </p:cNvSpPr>
-          <p:nvPr>
-            <p:ph type="title"/>
-          </p:nvPr>
-        </p:nvSpPr>
-        <p:spPr/>
-        <p:txBody>
-          <a:bodyPr/>
-          <a:lstStyle/>
-          <a:p>
-            <a:pPr marL="0" lvl="0" indent="0">
-              <a:buNone/>
-            </a:pPr>
-            <a:r>
-              <a:t>Exponential Smoothing Models</a:t>
-            </a:r>
-          </a:p>
-        </p:txBody>
-      </p:sp>
-      <mc:AlternateContent xmlns:mc="http://schemas.openxmlformats.org/markup-compatibility/2006" xmlns:a14="http://schemas.microsoft.com/office/drawing/2010/main">
-        <mc:Choice Requires="a14">
-          <p:sp>
-            <p:nvSpPr>
-              <p:cNvPr id="3" name="Content Placeholder 2"/>
-              <p:cNvSpPr>
-                <a:spLocks noGrp="1"/>
-              </p:cNvSpPr>
-              <p:nvPr>
-                <p:ph idx="1"/>
-              </p:nvPr>
-            </p:nvSpPr>
-            <p:spPr/>
-            <p:txBody>
-              <a:bodyPr/>
-              <a:lstStyle/>
-              <a:p>
-                <a:pPr marL="0" lvl="0" indent="0">
-                  <a:buNone/>
-                </a:pPr>
-                <a:r>
-                  <a:t>Decay and exponential smoothing</a:t>
-                </a:r>
-              </a:p>
-              <a:p>
-                <a:pPr lvl="0"/>
-                <a:r>
-                  <a:t>We can understand the smoothing parameter </a:t>
-                </a:r>
-                <a14:m>
-                  <m:oMath xmlns:m="http://schemas.openxmlformats.org/officeDocument/2006/math">
-                    <m:r>
-                      <a:rPr>
-                        <a:latin typeface="Cambria Math" panose="02040503050406030204" pitchFamily="18" charset="0"/>
-                      </a:rPr>
-                      <m:t>𝛼</m:t>
-                    </m:r>
-                  </m:oMath>
-                </a14:m>
-                <a:r>
-                  <a:t> in terms of a </a:t>
-                </a:r>
-                <a:r>
-                  <a:rPr b="1"/>
-                  <a:t>decay constant</a:t>
-                </a:r>
-                <a:r>
-                  <a:t>, </a:t>
-                </a:r>
-                <a14:m>
-                  <m:oMath xmlns:m="http://schemas.openxmlformats.org/officeDocument/2006/math">
-                    <m:r>
-                      <a:rPr>
-                        <a:latin typeface="Cambria Math" panose="02040503050406030204" pitchFamily="18" charset="0"/>
-                      </a:rPr>
-                      <m:t>𝜏</m:t>
-                    </m:r>
-                  </m:oMath>
-                </a14:m>
-                <a:endParaRPr/>
-              </a:p>
-              <a:p>
-                <a:pPr marL="0" lvl="0" indent="0">
-                  <a:buNone/>
-                </a:pPr>
-                <a14:m>
-                  <m:oMathPara xmlns:m="http://schemas.openxmlformats.org/officeDocument/2006/math">
-                    <m:oMathParaPr>
-                      <m:jc m:val="center"/>
-                    </m:oMathParaPr>
-                    <m:oMath xmlns:m="http://schemas.openxmlformats.org/officeDocument/2006/math">
-                      <m:r>
-                        <a:rPr>
-                          <a:latin typeface="Cambria Math" panose="02040503050406030204" pitchFamily="18" charset="0"/>
-                        </a:rPr>
-                        <m:t>𝛼</m:t>
-                      </m:r>
-                      <m:r>
-                        <a:rPr>
-                          <a:latin typeface="Cambria Math" panose="02040503050406030204" pitchFamily="18" charset="0"/>
-                        </a:rPr>
-                        <m:t>=</m:t>
-                      </m:r>
-                      <m:r>
-                        <a:rPr>
-                          <a:latin typeface="Cambria Math" panose="02040503050406030204" pitchFamily="18" charset="0"/>
-                        </a:rPr>
-                        <m:t>1</m:t>
-                      </m:r>
-                      <m:r>
-                        <a:rPr>
-                          <a:latin typeface="Cambria Math" panose="02040503050406030204" pitchFamily="18" charset="0"/>
-                        </a:rPr>
-                        <m:t>−</m:t>
-                      </m:r>
-                      <m:sSup>
-                        <m:sSupPr>
-                          <m:ctrlPr>
-                            <a:rPr i="1">
-                              <a:latin typeface="Cambria Math" panose="02040503050406030204" pitchFamily="18" charset="0"/>
-                            </a:rPr>
-                          </m:ctrlPr>
-                        </m:sSupPr>
-                        <m:e>
-                          <m:r>
-                            <a:rPr>
-                              <a:latin typeface="Cambria Math" panose="02040503050406030204" pitchFamily="18" charset="0"/>
-                            </a:rPr>
-                            <m:t>𝑒</m:t>
-                          </m:r>
-                        </m:e>
-                        <m:sup>
-                          <m:d>
-                            <m:dPr>
-                              <m:ctrlPr>
-                                <a:rPr i="1">
-                                  <a:latin typeface="Cambria Math" panose="02040503050406030204" pitchFamily="18" charset="0"/>
-                                </a:rPr>
-                              </m:ctrlPr>
-                            </m:dPr>
-                            <m:e>
-                              <m:f>
-                                <m:fPr>
-                                  <m:ctrlPr>
-                                    <a:rPr i="1">
-                                      <a:latin typeface="Cambria Math" panose="02040503050406030204" pitchFamily="18" charset="0"/>
-                                    </a:rPr>
-                                  </m:ctrlPr>
-                                </m:fPr>
-                                <m:num>
-                                  <m:r>
-                                    <a:rPr>
-                                      <a:latin typeface="Cambria Math" panose="02040503050406030204" pitchFamily="18" charset="0"/>
-                                    </a:rPr>
-                                    <m:t>𝛥</m:t>
-                                  </m:r>
-                                  <m:r>
-                                    <a:rPr>
-                                      <a:latin typeface="Cambria Math" panose="02040503050406030204" pitchFamily="18" charset="0"/>
-                                    </a:rPr>
-                                    <m:t>𝑇</m:t>
-                                  </m:r>
-                                </m:num>
-                                <m:den>
-                                  <m:r>
-                                    <a:rPr>
-                                      <a:latin typeface="Cambria Math" panose="02040503050406030204" pitchFamily="18" charset="0"/>
-                                    </a:rPr>
-                                    <m:t>𝜏</m:t>
-                                  </m:r>
-                                </m:den>
-                              </m:f>
-                            </m:e>
-                          </m:d>
-                        </m:sup>
-                      </m:sSup>
-                    </m:oMath>
-                  </m:oMathPara>
-                </a14:m>
-                <a:endParaRPr/>
-              </a:p>
-              <a:p>
-                <a:pPr lvl="0"/>
-                <a:r>
-                  <a:t>An innovation or shock has an effect for all future time</a:t>
-                </a:r>
-                <a:br/>
-                <a:endParaRPr/>
-              </a:p>
-              <a:p>
-                <a:pPr lvl="0"/>
-                <a:r>
-                  <a:t>Effect decays exponentially with time, </a:t>
-                </a:r>
-                <a14:m>
-                  <m:oMath xmlns:m="http://schemas.openxmlformats.org/officeDocument/2006/math">
-                    <m:r>
-                      <a:rPr>
-                        <a:latin typeface="Cambria Math" panose="02040503050406030204" pitchFamily="18" charset="0"/>
-                      </a:rPr>
-                      <m:t>𝛥</m:t>
-                    </m:r>
-                    <m:r>
-                      <a:rPr>
-                        <a:latin typeface="Cambria Math" panose="02040503050406030204" pitchFamily="18" charset="0"/>
-                      </a:rPr>
-                      <m:t>𝑇</m:t>
-                    </m:r>
-                  </m:oMath>
-                </a14:m>
-                <a:endParaRPr/>
-              </a:p>
-            </p:txBody>
-          </p:sp>
-        </mc:Choice>
-        <mc:Fallback xmlns="">
-          <p:sp>
-            <p:nvSpPr>
-              <p:cNvPr id="3" name="Content Placeholder 2"/>
-              <p:cNvSpPr>
-                <a:spLocks noGrp="1" noRot="1" noChangeAspect="1" noMove="1" noResize="1" noEditPoints="1" noAdjustHandles="1" noChangeArrowheads="1" noChangeShapeType="1" noTextEdit="1"/>
-              </p:cNvSpPr>
-              <p:nvPr>
-                <p:ph idx="1"/>
-              </p:nvPr>
-            </p:nvSpPr>
-            <p:spPr>
-              <a:blipFill>
-                <a:blip r:embed="rId2"/>
-                <a:stretch>
-                  <a:fillRect l="-1111" t="-1436"/>
-                </a:stretch>
-              </a:blipFill>
-            </p:spPr>
-            <p:txBody>
-              <a:bodyPr/>
-              <a:lstStyle/>
-              <a:p>
-                <a:r>
-                  <a:rPr lang="en-US">
-                    <a:noFill/>
-                  </a:rPr>
-                  <a:t> </a:t>
-                </a:r>
-              </a:p>
-            </p:txBody>
-          </p:sp>
-        </mc:Fallback>
-      </mc:AlternateContent>
-    </p:spTree>
-  </p:cSld>
-  <p:clrMapOvr>
-    <a:masterClrMapping/>
-  </p:clrMapOvr>
-</p:sld>
-</file>
-
 <file path=ppt/slides/slide6.xml><?xml version="1.0" encoding="utf-8"?>
 <p:sld xmlns:a="http://schemas.openxmlformats.org/drawingml/2006/main" xmlns:r="http://schemas.openxmlformats.org/officeDocument/2006/relationships" xmlns:p="http://schemas.openxmlformats.org/presentationml/2006/main">
   <p:cSld>
@@ -34581,703 +34028,6 @@
           </a:p>
         </p:txBody>
       </p:sp>
-    </p:spTree>
-  </p:cSld>
-  <p:clrMapOvr>
-    <a:masterClrMapping/>
-  </p:clrMapOvr>
-</p:sld>
-</file>
-
-<file path=ppt/slides/slide60.xml><?xml version="1.0" encoding="utf-8"?>
-<p:sld xmlns:a="http://schemas.openxmlformats.org/drawingml/2006/main" xmlns:r="http://schemas.openxmlformats.org/officeDocument/2006/relationships" xmlns:p="http://schemas.openxmlformats.org/presentationml/2006/main">
-  <p:cSld>
-    <p:spTree>
-      <p:nvGrpSpPr>
-        <p:cNvPr id="1" name=""/>
-        <p:cNvGrpSpPr/>
-        <p:nvPr/>
-      </p:nvGrpSpPr>
-      <p:grpSpPr>
-        <a:xfrm>
-          <a:off x="0" y="0"/>
-          <a:ext cx="0" cy="0"/>
-          <a:chOff x="0" y="0"/>
-          <a:chExt cx="0" cy="0"/>
-        </a:xfrm>
-      </p:grpSpPr>
-      <p:sp>
-        <p:nvSpPr>
-          <p:cNvPr id="2" name="Title 1"/>
-          <p:cNvSpPr>
-            <a:spLocks noGrp="1"/>
-          </p:cNvSpPr>
-          <p:nvPr>
-            <p:ph type="title"/>
-          </p:nvPr>
-        </p:nvSpPr>
-        <p:spPr/>
-        <p:txBody>
-          <a:bodyPr/>
-          <a:lstStyle/>
-          <a:p>
-            <a:pPr marL="0" lvl="0" indent="0">
-              <a:buNone/>
-            </a:pPr>
-            <a:r>
-              <a:t>Exponential Smoothing Models</a:t>
-            </a:r>
-          </a:p>
-        </p:txBody>
-      </p:sp>
-      <mc:AlternateContent xmlns:mc="http://schemas.openxmlformats.org/markup-compatibility/2006" xmlns:a14="http://schemas.microsoft.com/office/drawing/2010/main">
-        <mc:Choice Requires="a14">
-          <p:sp>
-            <p:nvSpPr>
-              <p:cNvPr id="3" name="Content Placeholder 2"/>
-              <p:cNvSpPr>
-                <a:spLocks noGrp="1"/>
-              </p:cNvSpPr>
-              <p:nvPr>
-                <p:ph idx="1"/>
-              </p:nvPr>
-            </p:nvSpPr>
-            <p:spPr/>
-            <p:txBody>
-              <a:bodyPr>
-                <a:normAutofit fontScale="62500" lnSpcReduction="20000"/>
-              </a:bodyPr>
-              <a:lstStyle/>
-              <a:p>
-                <a:pPr marL="0" lvl="0" indent="0">
-                  <a:buNone/>
-                </a:pPr>
-                <a:r>
-                  <a:t>Can extend exponential smoothing model to accommodate trend</a:t>
-                </a:r>
-              </a:p>
-              <a:p>
-                <a:pPr lvl="0"/>
-                <a:r>
-                  <a:t>Algorithm known as </a:t>
-                </a:r>
-                <a:r>
-                  <a:rPr b="1"/>
-                  <a:t>double exponential smoothing</a:t>
-                </a:r>
-                <a:r>
-                  <a:t> or </a:t>
-                </a:r>
-                <a:r>
-                  <a:rPr b="1"/>
-                  <a:t>Holt-Winters double exponential smoothing</a:t>
-                </a:r>
-                <a:br/>
-                <a:endParaRPr/>
-              </a:p>
-              <a:p>
-                <a:pPr lvl="0"/>
-                <a:r>
-                  <a:t>Update smoothed values and slope at each time step</a:t>
-                </a:r>
-                <a:br/>
-                <a:endParaRPr/>
-              </a:p>
-              <a:p>
-                <a:pPr lvl="0"/>
-                <a:r>
-                  <a:t>Start with initial values</a:t>
-                </a:r>
-              </a:p>
-              <a:p>
-                <a:pPr marL="0" lvl="0" indent="0">
-                  <a:buNone/>
-                </a:pPr>
-                <a:r>
-                  <a:t>$$s_1 = y_1\\
-b_1 = y_2 - y_1$$</a:t>
-                </a:r>
-              </a:p>
-              <a:p>
-                <a:pPr lvl="0"/>
-                <a:r>
-                  <a:t>Update relationships for both smoothed value and slope</a:t>
-                </a:r>
-              </a:p>
-              <a:p>
-                <a:pPr marL="0" lvl="0" indent="0">
-                  <a:buNone/>
-                </a:pPr>
-                <a:r>
-                  <a:t>$$s_t = \alpha y_t + (1-\alpha) (s_{t-1} + b_{t-1})\\
-b_t = \beta(s_t - s_{t-1}) + (1 - \beta)b_{t-1}$$</a:t>
-                </a:r>
-              </a:p>
-              <a:p>
-                <a:pPr lvl="0"/>
-                <a:r>
-                  <a:t>Additional slope smoothing hyperparameter, </a:t>
-                </a:r>
-                <a14:m>
-                  <m:oMath xmlns:m="http://schemas.openxmlformats.org/officeDocument/2006/math">
-                    <m:r>
-                      <a:rPr>
-                        <a:latin typeface="Cambria Math" panose="02040503050406030204" pitchFamily="18" charset="0"/>
-                      </a:rPr>
-                      <m:t>0</m:t>
-                    </m:r>
-                    <m:r>
-                      <a:rPr>
-                        <a:latin typeface="Cambria Math" panose="02040503050406030204" pitchFamily="18" charset="0"/>
-                      </a:rPr>
-                      <m:t>≤</m:t>
-                    </m:r>
-                    <m:r>
-                      <a:rPr>
-                        <a:latin typeface="Cambria Math" panose="02040503050406030204" pitchFamily="18" charset="0"/>
-                      </a:rPr>
-                      <m:t>𝛽</m:t>
-                    </m:r>
-                    <m:r>
-                      <a:rPr>
-                        <a:latin typeface="Cambria Math" panose="02040503050406030204" pitchFamily="18" charset="0"/>
-                      </a:rPr>
-                      <m:t>≤</m:t>
-                    </m:r>
-                    <m:r>
-                      <a:rPr>
-                        <a:latin typeface="Cambria Math" panose="02040503050406030204" pitchFamily="18" charset="0"/>
-                      </a:rPr>
-                      <m:t>1</m:t>
-                    </m:r>
-                  </m:oMath>
-                </a14:m>
-                <a:br/>
-                <a:endParaRPr/>
-              </a:p>
-              <a:p>
-                <a:pPr lvl="0"/>
-                <a:r>
-                  <a:t>Use </a:t>
-                </a:r>
-                <a:r>
-                  <a:rPr b="1"/>
-                  <a:t>third order</a:t>
-                </a:r>
-                <a:r>
-                  <a:t> update includes seasonality in </a:t>
-                </a:r>
-                <a:r>
-                  <a:rPr b="1"/>
-                  <a:t>Holt-Winters smoother</a:t>
-                </a:r>
-              </a:p>
-            </p:txBody>
-          </p:sp>
-        </mc:Choice>
-        <mc:Fallback xmlns="">
-          <p:sp>
-            <p:nvSpPr>
-              <p:cNvPr id="3" name="Content Placeholder 2"/>
-              <p:cNvSpPr>
-                <a:spLocks noGrp="1" noRot="1" noChangeAspect="1" noMove="1" noResize="1" noEditPoints="1" noAdjustHandles="1" noChangeArrowheads="1" noChangeShapeType="1" noTextEdit="1"/>
-              </p:cNvSpPr>
-              <p:nvPr>
-                <p:ph idx="1"/>
-              </p:nvPr>
-            </p:nvSpPr>
-            <p:spPr>
-              <a:blipFill>
-                <a:blip r:embed="rId2"/>
-                <a:stretch>
-                  <a:fillRect l="-296" t="-1436"/>
-                </a:stretch>
-              </a:blipFill>
-            </p:spPr>
-            <p:txBody>
-              <a:bodyPr/>
-              <a:lstStyle/>
-              <a:p>
-                <a:r>
-                  <a:rPr lang="en-US">
-                    <a:noFill/>
-                  </a:rPr>
-                  <a:t> </a:t>
-                </a:r>
-              </a:p>
-            </p:txBody>
-          </p:sp>
-        </mc:Fallback>
-      </mc:AlternateContent>
-    </p:spTree>
-  </p:cSld>
-  <p:clrMapOvr>
-    <a:masterClrMapping/>
-  </p:clrMapOvr>
-</p:sld>
-</file>
-
-<file path=ppt/slides/slide61.xml><?xml version="1.0" encoding="utf-8"?>
-<p:sld xmlns:a="http://schemas.openxmlformats.org/drawingml/2006/main" xmlns:r="http://schemas.openxmlformats.org/officeDocument/2006/relationships" xmlns:p="http://schemas.openxmlformats.org/presentationml/2006/main">
-  <p:cSld>
-    <p:spTree>
-      <p:nvGrpSpPr>
-        <p:cNvPr id="1" name=""/>
-        <p:cNvGrpSpPr/>
-        <p:nvPr/>
-      </p:nvGrpSpPr>
-      <p:grpSpPr>
-        <a:xfrm>
-          <a:off x="0" y="0"/>
-          <a:ext cx="0" cy="0"/>
-          <a:chOff x="0" y="0"/>
-          <a:chExt cx="0" cy="0"/>
-        </a:xfrm>
-      </p:grpSpPr>
-      <p:sp>
-        <p:nvSpPr>
-          <p:cNvPr id="2" name="Title 1"/>
-          <p:cNvSpPr>
-            <a:spLocks noGrp="1"/>
-          </p:cNvSpPr>
-          <p:nvPr>
-            <p:ph type="title"/>
-          </p:nvPr>
-        </p:nvSpPr>
-        <p:spPr/>
-        <p:txBody>
-          <a:bodyPr/>
-          <a:lstStyle/>
-          <a:p>
-            <a:pPr marL="0" lvl="0" indent="0">
-              <a:buNone/>
-            </a:pPr>
-            <a:r>
-              <a:t>Exponential Smoothing Models</a:t>
-            </a:r>
-          </a:p>
-        </p:txBody>
-      </p:sp>
-      <mc:AlternateContent xmlns:mc="http://schemas.openxmlformats.org/markup-compatibility/2006" xmlns:a14="http://schemas.microsoft.com/office/drawing/2010/main">
-        <mc:Choice Requires="a14">
-          <p:sp>
-            <p:nvSpPr>
-              <p:cNvPr id="3" name="Content Placeholder 2"/>
-              <p:cNvSpPr>
-                <a:spLocks noGrp="1"/>
-              </p:cNvSpPr>
-              <p:nvPr>
-                <p:ph idx="1"/>
-              </p:nvPr>
-            </p:nvSpPr>
-            <p:spPr/>
-            <p:txBody>
-              <a:bodyPr>
-                <a:normAutofit fontScale="92500" lnSpcReduction="10000"/>
-              </a:bodyPr>
-              <a:lstStyle/>
-              <a:p>
-                <a:pPr marL="0" lvl="0" indent="0">
-                  <a:buNone/>
-                </a:pPr>
-                <a:r>
-                  <a:t>Exponential smoothing models are useful for forecasting</a:t>
-                </a:r>
-              </a:p>
-              <a:p>
-                <a:pPr lvl="0"/>
-                <a:r>
-                  <a:t>Forecast dependent on the choice of smoothing parameters</a:t>
-                </a:r>
-                <a:br/>
-                <a:endParaRPr/>
-              </a:p>
-              <a:p>
-                <a:pPr lvl="0"/>
-                <a:r>
-                  <a:t>Can forecast with first, second, third order models</a:t>
-                </a:r>
-                <a:br/>
-                <a:endParaRPr/>
-              </a:p>
-              <a:p>
-                <a:pPr lvl="0"/>
-                <a:r>
-                  <a:t>For second order model (with trend) the forecast </a:t>
-                </a:r>
-                <a14:m>
-                  <m:oMath xmlns:m="http://schemas.openxmlformats.org/officeDocument/2006/math">
-                    <m:r>
-                      <a:rPr>
-                        <a:latin typeface="Cambria Math" panose="02040503050406030204" pitchFamily="18" charset="0"/>
-                      </a:rPr>
-                      <m:t>𝑚</m:t>
-                    </m:r>
-                  </m:oMath>
-                </a14:m>
-                <a:r>
-                  <a:t> steps ahead is:</a:t>
-                </a:r>
-              </a:p>
-              <a:p>
-                <a:pPr marL="0" lvl="0" indent="0">
-                  <a:buNone/>
-                </a:pPr>
-                <a14:m>
-                  <m:oMathPara xmlns:m="http://schemas.openxmlformats.org/officeDocument/2006/math">
-                    <m:oMathParaPr>
-                      <m:jc m:val="center"/>
-                    </m:oMathParaPr>
-                    <m:oMath xmlns:m="http://schemas.openxmlformats.org/officeDocument/2006/math">
-                      <m:sSub>
-                        <m:sSubPr>
-                          <m:ctrlPr>
-                            <a:rPr i="1">
-                              <a:latin typeface="Cambria Math" panose="02040503050406030204" pitchFamily="18" charset="0"/>
-                            </a:rPr>
-                          </m:ctrlPr>
-                        </m:sSubPr>
-                        <m:e>
-                          <m:r>
-                            <a:rPr>
-                              <a:latin typeface="Cambria Math" panose="02040503050406030204" pitchFamily="18" charset="0"/>
-                            </a:rPr>
-                            <m:t>𝐹</m:t>
-                          </m:r>
-                        </m:e>
-                        <m:sub>
-                          <m:r>
-                            <a:rPr>
-                              <a:latin typeface="Cambria Math" panose="02040503050406030204" pitchFamily="18" charset="0"/>
-                            </a:rPr>
-                            <m:t>𝑡</m:t>
-                          </m:r>
-                          <m:r>
-                            <a:rPr>
-                              <a:latin typeface="Cambria Math" panose="02040503050406030204" pitchFamily="18" charset="0"/>
-                            </a:rPr>
-                            <m:t>+</m:t>
-                          </m:r>
-                          <m:r>
-                            <a:rPr>
-                              <a:latin typeface="Cambria Math" panose="02040503050406030204" pitchFamily="18" charset="0"/>
-                            </a:rPr>
-                            <m:t>𝑚</m:t>
-                          </m:r>
-                        </m:sub>
-                      </m:sSub>
-                      <m:r>
-                        <a:rPr>
-                          <a:latin typeface="Cambria Math" panose="02040503050406030204" pitchFamily="18" charset="0"/>
-                        </a:rPr>
-                        <m:t>=</m:t>
-                      </m:r>
-                      <m:sSub>
-                        <m:sSubPr>
-                          <m:ctrlPr>
-                            <a:rPr i="1">
-                              <a:latin typeface="Cambria Math" panose="02040503050406030204" pitchFamily="18" charset="0"/>
-                            </a:rPr>
-                          </m:ctrlPr>
-                        </m:sSubPr>
-                        <m:e>
-                          <m:r>
-                            <a:rPr>
-                              <a:latin typeface="Cambria Math" panose="02040503050406030204" pitchFamily="18" charset="0"/>
-                            </a:rPr>
-                            <m:t>𝑠</m:t>
-                          </m:r>
-                        </m:e>
-                        <m:sub>
-                          <m:r>
-                            <a:rPr>
-                              <a:latin typeface="Cambria Math" panose="02040503050406030204" pitchFamily="18" charset="0"/>
-                            </a:rPr>
-                            <m:t>𝑡</m:t>
-                          </m:r>
-                        </m:sub>
-                      </m:sSub>
-                      <m:r>
-                        <a:rPr>
-                          <a:latin typeface="Cambria Math" panose="02040503050406030204" pitchFamily="18" charset="0"/>
-                        </a:rPr>
-                        <m:t>+</m:t>
-                      </m:r>
-                      <m:r>
-                        <a:rPr>
-                          <a:latin typeface="Cambria Math" panose="02040503050406030204" pitchFamily="18" charset="0"/>
-                        </a:rPr>
-                        <m:t>𝑚</m:t>
-                      </m:r>
-                      <m:sSub>
-                        <m:sSubPr>
-                          <m:ctrlPr>
-                            <a:rPr i="1">
-                              <a:latin typeface="Cambria Math" panose="02040503050406030204" pitchFamily="18" charset="0"/>
-                            </a:rPr>
-                          </m:ctrlPr>
-                        </m:sSubPr>
-                        <m:e>
-                          <m:r>
-                            <a:rPr>
-                              <a:latin typeface="Cambria Math" panose="02040503050406030204" pitchFamily="18" charset="0"/>
-                            </a:rPr>
-                            <m:t>𝑏</m:t>
-                          </m:r>
-                        </m:e>
-                        <m:sub>
-                          <m:r>
-                            <a:rPr>
-                              <a:latin typeface="Cambria Math" panose="02040503050406030204" pitchFamily="18" charset="0"/>
-                            </a:rPr>
-                            <m:t>𝑡</m:t>
-                          </m:r>
-                        </m:sub>
-                      </m:sSub>
-                    </m:oMath>
-                  </m:oMathPara>
-                </a14:m>
-                <a:endParaRPr/>
-              </a:p>
-              <a:p>
-                <a:pPr lvl="0"/>
-                <a:r>
-                  <a:t>Third order update include seasonal terms</a:t>
-                </a:r>
-              </a:p>
-              <a:p>
-                <a:pPr lvl="0"/>
-                <a:r>
-                  <a:t>Holt-Winters smoother is a </a:t>
-                </a:r>
-                <a:r>
-                  <a:rPr b="1"/>
-                  <a:t>linear model!</a:t>
-                </a:r>
-              </a:p>
-            </p:txBody>
-          </p:sp>
-        </mc:Choice>
-        <mc:Fallback xmlns="">
-          <p:sp>
-            <p:nvSpPr>
-              <p:cNvPr id="3" name="Content Placeholder 2"/>
-              <p:cNvSpPr>
-                <a:spLocks noGrp="1" noRot="1" noChangeAspect="1" noMove="1" noResize="1" noEditPoints="1" noAdjustHandles="1" noChangeArrowheads="1" noChangeShapeType="1" noTextEdit="1"/>
-              </p:cNvSpPr>
-              <p:nvPr>
-                <p:ph idx="1"/>
-              </p:nvPr>
-            </p:nvSpPr>
-            <p:spPr>
-              <a:blipFill>
-                <a:blip r:embed="rId2"/>
-                <a:stretch>
-                  <a:fillRect l="-963" t="-2334"/>
-                </a:stretch>
-              </a:blipFill>
-            </p:spPr>
-            <p:txBody>
-              <a:bodyPr/>
-              <a:lstStyle/>
-              <a:p>
-                <a:r>
-                  <a:rPr lang="en-US">
-                    <a:noFill/>
-                  </a:rPr>
-                  <a:t> </a:t>
-                </a:r>
-              </a:p>
-            </p:txBody>
-          </p:sp>
-        </mc:Fallback>
-      </mc:AlternateContent>
-    </p:spTree>
-  </p:cSld>
-  <p:clrMapOvr>
-    <a:masterClrMapping/>
-  </p:clrMapOvr>
-</p:sld>
-</file>
-
-<file path=ppt/slides/slide62.xml><?xml version="1.0" encoding="utf-8"?>
-<p:sld xmlns:a="http://schemas.openxmlformats.org/drawingml/2006/main" xmlns:r="http://schemas.openxmlformats.org/officeDocument/2006/relationships" xmlns:p="http://schemas.openxmlformats.org/presentationml/2006/main">
-  <p:cSld>
-    <p:spTree>
-      <p:nvGrpSpPr>
-        <p:cNvPr id="1" name=""/>
-        <p:cNvGrpSpPr/>
-        <p:nvPr/>
-      </p:nvGrpSpPr>
-      <p:grpSpPr>
-        <a:xfrm>
-          <a:off x="0" y="0"/>
-          <a:ext cx="0" cy="0"/>
-          <a:chOff x="0" y="0"/>
-          <a:chExt cx="0" cy="0"/>
-        </a:xfrm>
-      </p:grpSpPr>
-      <p:sp>
-        <p:nvSpPr>
-          <p:cNvPr id="2" name="Title 1"/>
-          <p:cNvSpPr>
-            <a:spLocks noGrp="1"/>
-          </p:cNvSpPr>
-          <p:nvPr>
-            <p:ph type="title"/>
-          </p:nvPr>
-        </p:nvSpPr>
-        <p:spPr>
-          <a:xfrm>
-            <a:off x="457201" y="204787"/>
-            <a:ext cx="3008313" cy="871538"/>
-          </a:xfrm>
-        </p:spPr>
-        <p:txBody>
-          <a:bodyPr/>
-          <a:lstStyle/>
-          <a:p>
-            <a:pPr marL="0" lvl="0" indent="0">
-              <a:buNone/>
-            </a:pPr>
-            <a:r>
-              <a:t>Exponential Smoothing Models</a:t>
-            </a:r>
-          </a:p>
-        </p:txBody>
-      </p:sp>
-      <mc:AlternateContent xmlns:mc="http://schemas.openxmlformats.org/markup-compatibility/2006" xmlns:a14="http://schemas.microsoft.com/office/drawing/2010/main">
-        <mc:Choice Requires="a14">
-          <p:sp>
-            <p:nvSpPr>
-              <p:cNvPr id="4" name="Text Placeholder 3"/>
-              <p:cNvSpPr>
-                <a:spLocks noGrp="1"/>
-              </p:cNvSpPr>
-              <p:nvPr>
-                <p:ph type="body" sz="half" idx="2"/>
-              </p:nvPr>
-            </p:nvSpPr>
-            <p:spPr/>
-            <p:txBody>
-              <a:bodyPr/>
-              <a:lstStyle/>
-              <a:p>
-                <a:pPr marL="0" lvl="0" indent="0">
-                  <a:buNone/>
-                </a:pPr>
-                <a:r>
-                  <a:t>Example of smoothing trend plus white noise series</a:t>
-                </a:r>
-              </a:p>
-              <a:p>
-                <a:pPr lvl="0"/>
-                <a:r>
-                  <a:t>Decreasing the smoothing parameter, </a:t>
-                </a:r>
-                <a14:m>
-                  <m:oMath xmlns:m="http://schemas.openxmlformats.org/officeDocument/2006/math">
-                    <m:r>
-                      <a:rPr>
-                        <a:latin typeface="Cambria Math" panose="02040503050406030204" pitchFamily="18" charset="0"/>
-                      </a:rPr>
-                      <m:t>𝛼</m:t>
-                    </m:r>
-                  </m:oMath>
-                </a14:m>
-                <a:r>
-                  <a:t>, increases smoothing</a:t>
-                </a:r>
-                <a:br/>
-                <a:endParaRPr/>
-              </a:p>
-              <a:p>
-                <a:pPr lvl="0"/>
-                <a:r>
-                  <a:t>Additionally, smooth trend</a:t>
-                </a:r>
-                <a:br/>
-                <a:endParaRPr/>
-              </a:p>
-              <a:p>
-                <a:pPr lvl="0"/>
-                <a:r>
-                  <a:t>Additional examples in </a:t>
-                </a:r>
-                <a:r>
-                  <a:rPr>
-                    <a:hlinkClick r:id="rId2"/>
-                  </a:rPr>
-                  <a:t>Statsmodels user documentation</a:t>
-                </a:r>
-              </a:p>
-            </p:txBody>
-          </p:sp>
-        </mc:Choice>
-        <mc:Fallback xmlns="">
-          <p:sp>
-            <p:nvSpPr>
-              <p:cNvPr id="4" name="Text Placeholder 3"/>
-              <p:cNvSpPr>
-                <a:spLocks noGrp="1" noRot="1" noChangeAspect="1" noMove="1" noResize="1" noEditPoints="1" noAdjustHandles="1" noChangeArrowheads="1" noChangeShapeType="1" noTextEdit="1"/>
-              </p:cNvSpPr>
-              <p:nvPr>
-                <p:ph type="body" sz="half" idx="2"/>
-              </p:nvPr>
-            </p:nvSpPr>
-            <p:spPr>
-              <a:blipFill>
-                <a:blip r:embed="rId3"/>
-                <a:stretch>
-                  <a:fillRect/>
-                </a:stretch>
-              </a:blipFill>
-            </p:spPr>
-            <p:txBody>
-              <a:bodyPr/>
-              <a:lstStyle/>
-              <a:p>
-                <a:r>
-                  <a:rPr lang="en-US">
-                    <a:noFill/>
-                  </a:rPr>
-                  <a:t> </a:t>
-                </a:r>
-              </a:p>
-            </p:txBody>
-          </p:sp>
-        </mc:Fallback>
-      </mc:AlternateContent>
-      <p:pic>
-        <p:nvPicPr>
-          <p:cNvPr id="3" name="Picture 1" descr="12_IntroductionToTimeSeriesForecasting_files/figure-pptx/unnamed-chunk-12-17.png"/>
-          <p:cNvPicPr>
-            <a:picLocks noGrp="1" noChangeAspect="1"/>
-          </p:cNvPicPr>
-          <p:nvPr/>
-        </p:nvPicPr>
-        <p:blipFill>
-          <a:blip r:embed="rId4"/>
-          <a:stretch>
-            <a:fillRect/>
-          </a:stretch>
-        </p:blipFill>
-        <p:spPr bwMode="auto">
-          <a:xfrm>
-            <a:off x="3568700" y="939800"/>
-            <a:ext cx="5105400" cy="2921000"/>
-          </a:xfrm>
-          <a:prstGeom prst="rect">
-            <a:avLst/>
-          </a:prstGeom>
-          <a:noFill/>
-          <a:ln w="9525">
-            <a:noFill/>
-            <a:headEnd/>
-            <a:tailEnd/>
-          </a:ln>
-        </p:spPr>
-      </p:pic>
     </p:spTree>
   </p:cSld>
   <p:clrMapOvr>

--- a/LectureSlides/12_IntroductionToTimeSeriesForecasting.pptx
+++ b/LectureSlides/12_IntroductionToTimeSeriesForecasting.pptx
@@ -5008,8 +5008,8 @@
             </p:nvSpPr>
             <p:spPr>
               <a:xfrm>
-                <a:off x="4908665" y="3507971"/>
-                <a:ext cx="3990109" cy="822469"/>
+                <a:off x="4508270" y="3507971"/>
+                <a:ext cx="4358240" cy="461665"/>
               </a:xfrm>
               <a:prstGeom prst="rect">
                 <a:avLst/>
@@ -5261,8 +5261,8 @@
             </p:nvSpPr>
             <p:spPr>
               <a:xfrm>
-                <a:off x="4908665" y="3507971"/>
-                <a:ext cx="3990109" cy="822469"/>
+                <a:off x="4508270" y="3507971"/>
+                <a:ext cx="4358240" cy="461665"/>
               </a:xfrm>
               <a:prstGeom prst="rect">
                 <a:avLst/>
@@ -5270,7 +5270,7 @@
               <a:blipFill>
                 <a:blip r:embed="rId5"/>
                 <a:stretch>
-                  <a:fillRect b="-9630"/>
+                  <a:fillRect b="-17105"/>
                 </a:stretch>
               </a:blipFill>
             </p:spPr>
@@ -6240,10 +6240,11 @@
                       </m:sub>
                     </m:sSub>
                     <m:r>
-                      <a:rPr lang="en-US" b="0" i="0" smtClean="0">
+                      <a:rPr lang="en-US">
                         <a:latin typeface="Cambria Math" panose="02040503050406030204" pitchFamily="18" charset="0"/>
+                        <a:ea typeface="Cambria Math" panose="02040503050406030204" pitchFamily="18" charset="0"/>
                       </a:rPr>
-                      <m:t>~</m:t>
+                      <m:t>≈</m:t>
                     </m:r>
                     <m:sSub>
                       <m:sSubPr>
@@ -8298,6 +8299,18 @@
                               </m:r>
                             </m:sub>
                           </m:sSub>
+                          <m:r>
+                            <a:rPr lang="en-US" b="0" i="1" smtClean="0">
+                              <a:latin typeface="Cambria Math" panose="02040503050406030204" pitchFamily="18" charset="0"/>
+                            </a:rPr>
+                            <m:t>+</m:t>
+                          </m:r>
+                          <m:r>
+                            <a:rPr lang="en-US" b="0" i="1" smtClean="0">
+                              <a:latin typeface="Cambria Math" panose="02040503050406030204" pitchFamily="18" charset="0"/>
+                            </a:rPr>
+                            <m:t>𝑐</m:t>
+                          </m:r>
                         </m:e>
                       </m:nary>
                     </m:oMath>
@@ -8872,11 +8885,11 @@
                         </m:e>
                         <m:sub>
                           <m:r>
-                            <a:rPr lang="en-US" sz="2000" i="1">
+                            <a:rPr lang="en-US" sz="2000" b="0" i="1" smtClean="0">
                               <a:latin typeface="Cambria Math" panose="02040503050406030204" pitchFamily="18" charset="0"/>
                               <a:ea typeface="Cambria Math" panose="02040503050406030204" pitchFamily="18" charset="0"/>
                             </a:rPr>
-                            <m:t>1</m:t>
+                            <m:t>2</m:t>
                           </m:r>
                         </m:sub>
                       </m:sSub>
@@ -9119,50 +9132,6 @@
           </p:sp>
         </mc:Fallback>
       </mc:AlternateContent>
-      <p:cxnSp>
-        <p:nvCxnSpPr>
-          <p:cNvPr id="7" name="Straight Arrow Connector 6">
-            <a:extLst>
-              <a:ext uri="{FF2B5EF4-FFF2-40B4-BE49-F238E27FC236}">
-                <a16:creationId xmlns:a16="http://schemas.microsoft.com/office/drawing/2014/main" id="{98B01785-6FF5-7791-8441-0803F46266EF}"/>
-              </a:ext>
-            </a:extLst>
-          </p:cNvPr>
-          <p:cNvCxnSpPr>
-            <a:cxnSpLocks/>
-          </p:cNvCxnSpPr>
-          <p:nvPr/>
-        </p:nvCxnSpPr>
-        <p:spPr>
-          <a:xfrm flipV="1">
-            <a:off x="4471737" y="1772653"/>
-            <a:ext cx="1471863" cy="1624263"/>
-          </a:xfrm>
-          <a:prstGeom prst="straightConnector1">
-            <a:avLst/>
-          </a:prstGeom>
-          <a:ln>
-            <a:solidFill>
-              <a:schemeClr val="tx1"/>
-            </a:solidFill>
-            <a:tailEnd type="triangle"/>
-          </a:ln>
-        </p:spPr>
-        <p:style>
-          <a:lnRef idx="2">
-            <a:schemeClr val="accent1"/>
-          </a:lnRef>
-          <a:fillRef idx="0">
-            <a:schemeClr val="accent1"/>
-          </a:fillRef>
-          <a:effectRef idx="1">
-            <a:schemeClr val="accent1"/>
-          </a:effectRef>
-          <a:fontRef idx="minor">
-            <a:schemeClr val="tx1"/>
-          </a:fontRef>
-        </p:style>
-      </p:cxnSp>
       <p:cxnSp>
         <p:nvCxnSpPr>
           <p:cNvPr id="18" name="Straight Arrow Connector 17">
@@ -9251,6 +9220,284 @@
           </a:fontRef>
         </p:style>
       </p:cxnSp>
+      <mc:AlternateContent xmlns:mc="http://schemas.openxmlformats.org/markup-compatibility/2006">
+        <mc:Choice xmlns:a14="http://schemas.microsoft.com/office/drawing/2010/main" Requires="a14">
+          <p:sp>
+            <p:nvSpPr>
+              <p:cNvPr id="11" name="TextBox 10">
+                <a:extLst>
+                  <a:ext uri="{FF2B5EF4-FFF2-40B4-BE49-F238E27FC236}">
+                    <a16:creationId xmlns:a16="http://schemas.microsoft.com/office/drawing/2014/main" id="{F50A3D86-7635-A427-A59A-098C2AFCC2E1}"/>
+                  </a:ext>
+                </a:extLst>
+              </p:cNvPr>
+              <p:cNvSpPr txBox="1"/>
+              <p:nvPr/>
+            </p:nvSpPr>
+            <p:spPr>
+              <a:xfrm>
+                <a:off x="7301839" y="1112870"/>
+                <a:ext cx="389878" cy="369332"/>
+              </a:xfrm>
+              <a:prstGeom prst="rect">
+                <a:avLst/>
+              </a:prstGeom>
+              <a:solidFill>
+                <a:schemeClr val="bg1"/>
+              </a:solidFill>
+            </p:spPr>
+            <p:txBody>
+              <a:bodyPr wrap="square" rtlCol="0">
+                <a:spAutoFit/>
+              </a:bodyPr>
+              <a:lstStyle/>
+              <a:p>
+                <a14:m>
+                  <m:oMathPara xmlns:m="http://schemas.openxmlformats.org/officeDocument/2006/math">
+                    <m:oMathParaPr>
+                      <m:jc m:val="centerGroup"/>
+                    </m:oMathParaPr>
+                    <m:oMath xmlns:m="http://schemas.openxmlformats.org/officeDocument/2006/math">
+                      <m:sSub>
+                        <m:sSubPr>
+                          <m:ctrlPr>
+                            <a:rPr lang="en-US" i="1" smtClean="0">
+                              <a:latin typeface="Cambria Math" panose="02040503050406030204" pitchFamily="18" charset="0"/>
+                            </a:rPr>
+                          </m:ctrlPr>
+                        </m:sSubPr>
+                        <m:e>
+                          <m:r>
+                            <a:rPr lang="en-US" i="1" smtClean="0">
+                              <a:latin typeface="Cambria Math" panose="02040503050406030204" pitchFamily="18" charset="0"/>
+                              <a:ea typeface="Cambria Math" panose="02040503050406030204" pitchFamily="18" charset="0"/>
+                            </a:rPr>
+                            <m:t>𝜙</m:t>
+                          </m:r>
+                        </m:e>
+                        <m:sub>
+                          <m:r>
+                            <a:rPr lang="en-US" b="0" i="1" smtClean="0">
+                              <a:latin typeface="Cambria Math" panose="02040503050406030204" pitchFamily="18" charset="0"/>
+                            </a:rPr>
+                            <m:t>2</m:t>
+                          </m:r>
+                        </m:sub>
+                      </m:sSub>
+                    </m:oMath>
+                  </m:oMathPara>
+                </a14:m>
+                <a:endParaRPr lang="en-US" dirty="0"/>
+              </a:p>
+            </p:txBody>
+          </p:sp>
+        </mc:Choice>
+        <mc:Fallback>
+          <p:sp>
+            <p:nvSpPr>
+              <p:cNvPr id="11" name="TextBox 10">
+                <a:extLst>
+                  <a:ext uri="{FF2B5EF4-FFF2-40B4-BE49-F238E27FC236}">
+                    <a16:creationId xmlns:a16="http://schemas.microsoft.com/office/drawing/2014/main" id="{F50A3D86-7635-A427-A59A-098C2AFCC2E1}"/>
+                  </a:ext>
+                </a:extLst>
+              </p:cNvPr>
+              <p:cNvSpPr txBox="1">
+                <a:spLocks noRot="1" noChangeAspect="1" noMove="1" noResize="1" noEditPoints="1" noAdjustHandles="1" noChangeArrowheads="1" noChangeShapeType="1" noTextEdit="1"/>
+              </p:cNvSpPr>
+              <p:nvPr/>
+            </p:nvSpPr>
+            <p:spPr>
+              <a:xfrm>
+                <a:off x="7301839" y="1112870"/>
+                <a:ext cx="389878" cy="369332"/>
+              </a:xfrm>
+              <a:prstGeom prst="rect">
+                <a:avLst/>
+              </a:prstGeom>
+              <a:blipFill>
+                <a:blip r:embed="rId5"/>
+                <a:stretch>
+                  <a:fillRect l="-4688" r="-3125" b="-13333"/>
+                </a:stretch>
+              </a:blipFill>
+            </p:spPr>
+            <p:txBody>
+              <a:bodyPr/>
+              <a:lstStyle/>
+              <a:p>
+                <a:r>
+                  <a:rPr lang="en-US">
+                    <a:noFill/>
+                  </a:rPr>
+                  <a:t> </a:t>
+                </a:r>
+              </a:p>
+            </p:txBody>
+          </p:sp>
+        </mc:Fallback>
+      </mc:AlternateContent>
+      <mc:AlternateContent xmlns:mc="http://schemas.openxmlformats.org/markup-compatibility/2006">
+        <mc:Choice xmlns:a14="http://schemas.microsoft.com/office/drawing/2010/main" Requires="a14">
+          <p:sp>
+            <p:nvSpPr>
+              <p:cNvPr id="12" name="TextBox 11">
+                <a:extLst>
+                  <a:ext uri="{FF2B5EF4-FFF2-40B4-BE49-F238E27FC236}">
+                    <a16:creationId xmlns:a16="http://schemas.microsoft.com/office/drawing/2014/main" id="{CBD13F0F-637C-A375-E0FB-1AA810AD4D95}"/>
+                  </a:ext>
+                </a:extLst>
+              </p:cNvPr>
+              <p:cNvSpPr txBox="1"/>
+              <p:nvPr/>
+            </p:nvSpPr>
+            <p:spPr>
+              <a:xfrm>
+                <a:off x="5483731" y="2023129"/>
+                <a:ext cx="389878" cy="369332"/>
+              </a:xfrm>
+              <a:prstGeom prst="rect">
+                <a:avLst/>
+              </a:prstGeom>
+              <a:solidFill>
+                <a:schemeClr val="bg1"/>
+              </a:solidFill>
+            </p:spPr>
+            <p:txBody>
+              <a:bodyPr wrap="square" rtlCol="0">
+                <a:spAutoFit/>
+              </a:bodyPr>
+              <a:lstStyle/>
+              <a:p>
+                <a14:m>
+                  <m:oMathPara xmlns:m="http://schemas.openxmlformats.org/officeDocument/2006/math">
+                    <m:oMathParaPr>
+                      <m:jc m:val="centerGroup"/>
+                    </m:oMathParaPr>
+                    <m:oMath xmlns:m="http://schemas.openxmlformats.org/officeDocument/2006/math">
+                      <m:sSub>
+                        <m:sSubPr>
+                          <m:ctrlPr>
+                            <a:rPr lang="en-US" i="1" smtClean="0">
+                              <a:latin typeface="Cambria Math" panose="02040503050406030204" pitchFamily="18" charset="0"/>
+                            </a:rPr>
+                          </m:ctrlPr>
+                        </m:sSubPr>
+                        <m:e>
+                          <m:r>
+                            <a:rPr lang="en-US" i="1" smtClean="0">
+                              <a:latin typeface="Cambria Math" panose="02040503050406030204" pitchFamily="18" charset="0"/>
+                              <a:ea typeface="Cambria Math" panose="02040503050406030204" pitchFamily="18" charset="0"/>
+                            </a:rPr>
+                            <m:t>𝜙</m:t>
+                          </m:r>
+                        </m:e>
+                        <m:sub>
+                          <m:r>
+                            <a:rPr lang="en-US" b="0" i="1" smtClean="0">
+                              <a:latin typeface="Cambria Math" panose="02040503050406030204" pitchFamily="18" charset="0"/>
+                            </a:rPr>
+                            <m:t>1</m:t>
+                          </m:r>
+                        </m:sub>
+                      </m:sSub>
+                    </m:oMath>
+                  </m:oMathPara>
+                </a14:m>
+                <a:endParaRPr lang="en-US" dirty="0"/>
+              </a:p>
+            </p:txBody>
+          </p:sp>
+        </mc:Choice>
+        <mc:Fallback>
+          <p:sp>
+            <p:nvSpPr>
+              <p:cNvPr id="12" name="TextBox 11">
+                <a:extLst>
+                  <a:ext uri="{FF2B5EF4-FFF2-40B4-BE49-F238E27FC236}">
+                    <a16:creationId xmlns:a16="http://schemas.microsoft.com/office/drawing/2014/main" id="{CBD13F0F-637C-A375-E0FB-1AA810AD4D95}"/>
+                  </a:ext>
+                </a:extLst>
+              </p:cNvPr>
+              <p:cNvSpPr txBox="1">
+                <a:spLocks noRot="1" noChangeAspect="1" noMove="1" noResize="1" noEditPoints="1" noAdjustHandles="1" noChangeArrowheads="1" noChangeShapeType="1" noTextEdit="1"/>
+              </p:cNvSpPr>
+              <p:nvPr/>
+            </p:nvSpPr>
+            <p:spPr>
+              <a:xfrm>
+                <a:off x="5483731" y="2023129"/>
+                <a:ext cx="389878" cy="369332"/>
+              </a:xfrm>
+              <a:prstGeom prst="rect">
+                <a:avLst/>
+              </a:prstGeom>
+              <a:blipFill>
+                <a:blip r:embed="rId6"/>
+                <a:stretch>
+                  <a:fillRect l="-4688" r="-1563" b="-13333"/>
+                </a:stretch>
+              </a:blipFill>
+            </p:spPr>
+            <p:txBody>
+              <a:bodyPr/>
+              <a:lstStyle/>
+              <a:p>
+                <a:r>
+                  <a:rPr lang="en-US">
+                    <a:noFill/>
+                  </a:rPr>
+                  <a:t> </a:t>
+                </a:r>
+              </a:p>
+            </p:txBody>
+          </p:sp>
+        </mc:Fallback>
+      </mc:AlternateContent>
+      <p:cxnSp>
+        <p:nvCxnSpPr>
+          <p:cNvPr id="7" name="Straight Arrow Connector 6">
+            <a:extLst>
+              <a:ext uri="{FF2B5EF4-FFF2-40B4-BE49-F238E27FC236}">
+                <a16:creationId xmlns:a16="http://schemas.microsoft.com/office/drawing/2014/main" id="{98B01785-6FF5-7791-8441-0803F46266EF}"/>
+              </a:ext>
+            </a:extLst>
+          </p:cNvPr>
+          <p:cNvCxnSpPr>
+            <a:cxnSpLocks/>
+          </p:cNvCxnSpPr>
+          <p:nvPr/>
+        </p:nvCxnSpPr>
+        <p:spPr>
+          <a:xfrm flipV="1">
+            <a:off x="4471737" y="1772653"/>
+            <a:ext cx="1238867" cy="1624263"/>
+          </a:xfrm>
+          <a:prstGeom prst="straightConnector1">
+            <a:avLst/>
+          </a:prstGeom>
+          <a:ln>
+            <a:solidFill>
+              <a:schemeClr val="tx1"/>
+            </a:solidFill>
+            <a:tailEnd type="triangle"/>
+          </a:ln>
+        </p:spPr>
+        <p:style>
+          <a:lnRef idx="2">
+            <a:schemeClr val="accent1"/>
+          </a:lnRef>
+          <a:fillRef idx="0">
+            <a:schemeClr val="accent1"/>
+          </a:fillRef>
+          <a:effectRef idx="1">
+            <a:schemeClr val="accent1"/>
+          </a:effectRef>
+          <a:fontRef idx="minor">
+            <a:schemeClr val="tx1"/>
+          </a:fontRef>
+        </p:style>
+      </p:cxnSp>
     </p:spTree>
     <p:extLst>
       <p:ext uri="{BB962C8B-B14F-4D97-AF65-F5344CB8AC3E}">
@@ -9831,7 +10078,7 @@
         </p:blipFill>
         <p:spPr>
           <a:xfrm>
-            <a:off x="5715001" y="133240"/>
+            <a:off x="5715001" y="142032"/>
             <a:ext cx="3013364" cy="4946074"/>
           </a:xfrm>
           <a:prstGeom prst="rect">
@@ -20675,7 +20922,8 @@
               <a:buNone/>
             </a:pPr>
             <a:r>
-              <a:t>SARIMAX Model</a:t>
+              <a:rPr dirty="0"/>
+              <a:t>SARIMA Model</a:t>
             </a:r>
           </a:p>
         </p:txBody>
@@ -20712,7 +20960,7 @@
             </a:r>
             <a:r>
               <a:rPr lang="en-US" b="1" dirty="0"/>
-              <a:t>multiplicative SARIMAX model </a:t>
+              <a:t>multiplicative SARIMA model </a:t>
             </a:r>
             <a:r>
               <a:rPr lang="en-US" dirty="0"/>
@@ -20851,13 +21099,14 @@
               <a:buNone/>
             </a:pPr>
             <a:r>
-              <a:t>SARIMAX Model</a:t>
+              <a:rPr dirty="0"/>
+              <a:t>SARIMA Model</a:t>
             </a:r>
           </a:p>
         </p:txBody>
       </p:sp>
-      <mc:AlternateContent xmlns:mc="http://schemas.openxmlformats.org/markup-compatibility/2006" xmlns:a14="http://schemas.microsoft.com/office/drawing/2010/main">
-        <mc:Choice Requires="a14">
+      <mc:AlternateContent xmlns:mc="http://schemas.openxmlformats.org/markup-compatibility/2006">
+        <mc:Choice xmlns:a14="http://schemas.microsoft.com/office/drawing/2010/main" Requires="a14">
           <p:sp>
             <p:nvSpPr>
               <p:cNvPr id="3" name="Content Placeholder 2"/>
@@ -20871,7 +21120,7 @@
             <p:spPr/>
             <p:txBody>
               <a:bodyPr>
-                <a:normAutofit fontScale="92500" lnSpcReduction="20000"/>
+                <a:normAutofit fontScale="92500"/>
               </a:bodyPr>
               <a:lstStyle/>
               <a:p>
@@ -21472,145 +21721,6 @@
                           </m:sSub>
                         </m:e>
                       </m:d>
-                      <m:d>
-                        <m:dPr>
-                          <m:ctrlPr>
-                            <a:rPr i="1">
-                              <a:latin typeface="Cambria Math" panose="02040503050406030204" pitchFamily="18" charset="0"/>
-                            </a:rPr>
-                          </m:ctrlPr>
-                        </m:dPr>
-                        <m:e>
-                          <m:r>
-                            <a:rPr>
-                              <a:latin typeface="Cambria Math" panose="02040503050406030204" pitchFamily="18" charset="0"/>
-                            </a:rPr>
-                            <m:t>1</m:t>
-                          </m:r>
-                          <m:r>
-                            <a:rPr>
-                              <a:latin typeface="Cambria Math" panose="02040503050406030204" pitchFamily="18" charset="0"/>
-                            </a:rPr>
-                            <m:t>−</m:t>
-                          </m:r>
-                          <m:sSub>
-                            <m:sSubPr>
-                              <m:ctrlPr>
-                                <a:rPr i="1">
-                                  <a:latin typeface="Cambria Math" panose="02040503050406030204" pitchFamily="18" charset="0"/>
-                                </a:rPr>
-                              </m:ctrlPr>
-                            </m:sSubPr>
-                            <m:e>
-                              <m:r>
-                                <a:rPr>
-                                  <a:latin typeface="Cambria Math" panose="02040503050406030204" pitchFamily="18" charset="0"/>
-                                </a:rPr>
-                                <m:t>𝑦</m:t>
-                              </m:r>
-                            </m:e>
-                            <m:sub>
-                              <m:r>
-                                <a:rPr>
-                                  <a:latin typeface="Cambria Math" panose="02040503050406030204" pitchFamily="18" charset="0"/>
-                                </a:rPr>
-                                <m:t>𝑡</m:t>
-                              </m:r>
-                              <m:r>
-                                <a:rPr>
-                                  <a:latin typeface="Cambria Math" panose="02040503050406030204" pitchFamily="18" charset="0"/>
-                                </a:rPr>
-                                <m:t>−</m:t>
-                              </m:r>
-                              <m:r>
-                                <a:rPr>
-                                  <a:latin typeface="Cambria Math" panose="02040503050406030204" pitchFamily="18" charset="0"/>
-                                </a:rPr>
-                                <m:t>1</m:t>
-                              </m:r>
-                            </m:sub>
-                          </m:sSub>
-                        </m:e>
-                      </m:d>
-                      <m:d>
-                        <m:dPr>
-                          <m:ctrlPr>
-                            <a:rPr i="1">
-                              <a:latin typeface="Cambria Math" panose="02040503050406030204" pitchFamily="18" charset="0"/>
-                            </a:rPr>
-                          </m:ctrlPr>
-                        </m:dPr>
-                        <m:e>
-                          <m:sSub>
-                            <m:sSubPr>
-                              <m:ctrlPr>
-                                <a:rPr i="1">
-                                  <a:latin typeface="Cambria Math" panose="02040503050406030204" pitchFamily="18" charset="0"/>
-                                </a:rPr>
-                              </m:ctrlPr>
-                            </m:sSubPr>
-                            <m:e>
-                              <m:r>
-                                <a:rPr>
-                                  <a:latin typeface="Cambria Math" panose="02040503050406030204" pitchFamily="18" charset="0"/>
-                                </a:rPr>
-                                <m:t>𝑦</m:t>
-                              </m:r>
-                            </m:e>
-                            <m:sub>
-                              <m:r>
-                                <a:rPr>
-                                  <a:latin typeface="Cambria Math" panose="02040503050406030204" pitchFamily="18" charset="0"/>
-                                </a:rPr>
-                                <m:t>𝑡</m:t>
-                              </m:r>
-                            </m:sub>
-                          </m:sSub>
-                          <m:r>
-                            <a:rPr>
-                              <a:latin typeface="Cambria Math" panose="02040503050406030204" pitchFamily="18" charset="0"/>
-                            </a:rPr>
-                            <m:t>−</m:t>
-                          </m:r>
-                          <m:sSub>
-                            <m:sSubPr>
-                              <m:ctrlPr>
-                                <a:rPr i="1">
-                                  <a:latin typeface="Cambria Math" panose="02040503050406030204" pitchFamily="18" charset="0"/>
-                                </a:rPr>
-                              </m:ctrlPr>
-                            </m:sSubPr>
-                            <m:e>
-                              <m:r>
-                                <a:rPr>
-                                  <a:latin typeface="Cambria Math" panose="02040503050406030204" pitchFamily="18" charset="0"/>
-                                </a:rPr>
-                                <m:t>𝑦</m:t>
-                              </m:r>
-                            </m:e>
-                            <m:sub>
-                              <m:r>
-                                <a:rPr>
-                                  <a:latin typeface="Cambria Math" panose="02040503050406030204" pitchFamily="18" charset="0"/>
-                                </a:rPr>
-                                <m:t>𝑡</m:t>
-                              </m:r>
-                              <m:r>
-                                <a:rPr>
-                                  <a:latin typeface="Cambria Math" panose="02040503050406030204" pitchFamily="18" charset="0"/>
-                                </a:rPr>
-                                <m:t>−</m:t>
-                              </m:r>
-                              <m:r>
-                                <a:rPr>
-                                  <a:latin typeface="Cambria Math" panose="02040503050406030204" pitchFamily="18" charset="0"/>
-                                </a:rPr>
-                                <m:t>𝑆</m:t>
-                              </m:r>
-                            </m:sub>
-                          </m:sSub>
-                        </m:e>
-                      </m:d>
                       <m:r>
                         <a:rPr>
                           <a:latin typeface="Cambria Math" panose="02040503050406030204" pitchFamily="18" charset="0"/>
@@ -21950,7 +22060,7 @@
             </p:txBody>
           </p:sp>
         </mc:Choice>
-        <mc:Fallback xmlns="">
+        <mc:Fallback>
           <p:sp>
             <p:nvSpPr>
               <p:cNvPr id="3" name="Content Placeholder 2"/>
@@ -21965,7 +22075,7 @@
               <a:blipFill>
                 <a:blip r:embed="rId2"/>
                 <a:stretch>
-                  <a:fillRect l="-963" t="-3052"/>
+                  <a:fillRect l="-963" t="-1257" b="-3052"/>
                 </a:stretch>
               </a:blipFill>
             </p:spPr>
@@ -22028,6 +22138,7 @@
               <a:buNone/>
             </a:pPr>
             <a:r>
+              <a:rPr dirty="0"/>
               <a:t>SARIMAX Model</a:t>
             </a:r>
           </a:p>
@@ -22069,7 +22180,7 @@
                 </a:r>
                 <a:r>
                   <a:rPr lang="en-US" dirty="0"/>
-                  <a:t>start with polynomial equation with no exogenous variables</a:t>
+                  <a:t>start with polynomial equation of the SARIMA model</a:t>
                 </a:r>
                 <a:endParaRPr dirty="0"/>
               </a:p>
@@ -22935,8 +23046,12 @@
                   <a:buNone/>
                 </a:pPr>
                 <a:r>
+                  <a:rPr lang="en-US" b="1" dirty="0"/>
+                  <a:t>SARIMAX model </a:t>
+                </a:r>
+                <a:r>
                   <a:rPr lang="en-US" dirty="0"/>
-                  <a:t>SARIMAX model can include </a:t>
+                  <a:t>can include </a:t>
                 </a:r>
                 <a:r>
                   <a:rPr lang="en-US" b="1" dirty="0"/>
@@ -23613,7 +23728,7 @@
               <a:blipFill>
                 <a:blip r:embed="rId2"/>
                 <a:stretch>
-                  <a:fillRect l="-1111" t="-1436" r="-1481" b="-898"/>
+                  <a:fillRect l="-1111" t="-1436" b="-898"/>
                 </a:stretch>
               </a:blipFill>
             </p:spPr>
@@ -25151,10 +25266,10 @@
                             </m:sub>
                           </m:sSub>
                           <m:r>
-                            <a:rPr lang="ar-AE">
-                              <a:latin typeface="Cambria Math" panose="02040503050406030204" pitchFamily="18" charset="0"/>
-                            </a:rPr>
-                            <m:t>+</m:t>
+                            <a:rPr lang="en-US" b="0" i="0" smtClean="0">
+                              <a:latin typeface="Cambria Math" panose="02040503050406030204" pitchFamily="18" charset="0"/>
+                            </a:rPr>
+                            <m:t>−</m:t>
                           </m:r>
                           <m:sSub>
                             <m:sSubPr>
